--- a/dia1/lecture1_probability.pptx
+++ b/dia1/lecture1_probability.pptx
@@ -5,29 +5,20 @@
     <p:sldMasterId id="2147483660" r:id="rId1"/>
   </p:sldMasterIdLst>
   <p:notesMasterIdLst>
-    <p:notesMasterId r:id="rId22"/>
+    <p:notesMasterId r:id="rId13"/>
   </p:notesMasterIdLst>
   <p:sldIdLst>
-    <p:sldId id="306" r:id="rId2"/>
-    <p:sldId id="297" r:id="rId3"/>
-    <p:sldId id="298" r:id="rId4"/>
-    <p:sldId id="299" r:id="rId5"/>
-    <p:sldId id="300" r:id="rId6"/>
-    <p:sldId id="301" r:id="rId7"/>
-    <p:sldId id="294" r:id="rId8"/>
-    <p:sldId id="305" r:id="rId9"/>
-    <p:sldId id="303" r:id="rId10"/>
-    <p:sldId id="304" r:id="rId11"/>
-    <p:sldId id="289" r:id="rId12"/>
-    <p:sldId id="290" r:id="rId13"/>
-    <p:sldId id="291" r:id="rId14"/>
-    <p:sldId id="295" r:id="rId15"/>
-    <p:sldId id="292" r:id="rId16"/>
-    <p:sldId id="307" r:id="rId17"/>
-    <p:sldId id="264" r:id="rId18"/>
-    <p:sldId id="274" r:id="rId19"/>
-    <p:sldId id="284" r:id="rId20"/>
-    <p:sldId id="283" r:id="rId21"/>
+    <p:sldId id="311" r:id="rId2"/>
+    <p:sldId id="308" r:id="rId3"/>
+    <p:sldId id="294" r:id="rId4"/>
+    <p:sldId id="305" r:id="rId5"/>
+    <p:sldId id="289" r:id="rId6"/>
+    <p:sldId id="292" r:id="rId7"/>
+    <p:sldId id="307" r:id="rId8"/>
+    <p:sldId id="309" r:id="rId9"/>
+    <p:sldId id="264" r:id="rId10"/>
+    <p:sldId id="310" r:id="rId11"/>
+    <p:sldId id="283" r:id="rId12"/>
   </p:sldIdLst>
   <p:sldSz cx="9144000" cy="6858000" type="screen4x3"/>
   <p:notesSz cx="6858000" cy="9144000"/>
@@ -231,7 +222,7 @@
           <a:p>
             <a:fld id="{9EC8F33C-A7AA-43A7-BCA9-F081EA0B4664}" type="datetimeFigureOut">
               <a:rPr lang="en-US" smtClean="0"/>
-              <a:t>1/7/2019</a:t>
+              <a:t>1/8/2019</a:t>
             </a:fld>
             <a:endParaRPr lang="en-US"/>
           </a:p>
@@ -580,7 +571,7 @@
           </a:ln>
           <a:extLst>
             <a:ext uri="{909E8E84-426E-40dd-AFC4-6F175D3DCCD1}">
-              <a14:hiddenFill xmlns:a14="http://schemas.microsoft.com/office/drawing/2010/main" xmlns="">
+              <a14:hiddenFill xmlns="" xmlns:a14="http://schemas.microsoft.com/office/drawing/2010/main">
                 <a:solidFill>
                   <a:srgbClr val="FFFFFF"/>
                 </a:solidFill>
@@ -623,7 +614,7 @@
           </a:ln>
           <a:extLst>
             <a:ext uri="{909E8E84-426E-40dd-AFC4-6F175D3DCCD1}">
-              <a14:hiddenFill xmlns:a14="http://schemas.microsoft.com/office/drawing/2010/main" xmlns="">
+              <a14:hiddenFill xmlns="" xmlns:a14="http://schemas.microsoft.com/office/drawing/2010/main">
                 <a:noFill/>
               </a14:hiddenFill>
             </a:ext>
@@ -722,7 +713,7 @@
           <a:p>
             <a:fld id="{9A356AEA-056F-417E-9B38-4BA8743FE6C4}" type="datetime1">
               <a:rPr lang="en-US" smtClean="0"/>
-              <a:t>1/7/2019</a:t>
+              <a:t>1/8/2019</a:t>
             </a:fld>
             <a:endParaRPr lang="en-US"/>
           </a:p>
@@ -909,7 +900,7 @@
           <a:p>
             <a:fld id="{09867F7C-1948-4907-9EBC-DD38682B5188}" type="datetime1">
               <a:rPr lang="en-US" smtClean="0"/>
-              <a:t>1/7/2019</a:t>
+              <a:t>1/8/2019</a:t>
             </a:fld>
             <a:endParaRPr lang="en-US"/>
           </a:p>
@@ -1105,7 +1096,7 @@
           <a:p>
             <a:fld id="{A5996870-3492-4879-A20C-50CF7F25E309}" type="datetime1">
               <a:rPr lang="en-US" smtClean="0"/>
-              <a:t>1/7/2019</a:t>
+              <a:t>1/8/2019</a:t>
             </a:fld>
             <a:endParaRPr lang="en-US"/>
           </a:p>
@@ -1357,7 +1348,7 @@
           <a:p>
             <a:fld id="{3339509F-2835-4D20-8448-C5CCD453FC4A}" type="datetime1">
               <a:rPr lang="en-US" smtClean="0"/>
-              <a:t>1/7/2019</a:t>
+              <a:t>1/8/2019</a:t>
             </a:fld>
             <a:endParaRPr lang="en-US"/>
           </a:p>
@@ -1581,7 +1572,7 @@
           <a:p>
             <a:fld id="{7A6EDDDE-DBE4-4114-B865-EC3A2920782E}" type="datetime1">
               <a:rPr lang="en-US" smtClean="0"/>
-              <a:t>1/7/2019</a:t>
+              <a:t>1/8/2019</a:t>
             </a:fld>
             <a:endParaRPr lang="en-US"/>
           </a:p>
@@ -1889,7 +1880,7 @@
           <a:p>
             <a:fld id="{8DA96907-43AE-4B1E-B5FF-6853ADDA5697}" type="datetime1">
               <a:rPr lang="en-US" smtClean="0"/>
-              <a:t>1/7/2019</a:t>
+              <a:t>1/8/2019</a:t>
             </a:fld>
             <a:endParaRPr lang="en-US"/>
           </a:p>
@@ -2057,7 +2048,7 @@
           <a:p>
             <a:fld id="{2E65DF97-DE0F-4515-8F8D-0E1C627BC4E9}" type="datetime1">
               <a:rPr lang="en-US" smtClean="0"/>
-              <a:t>1/7/2019</a:t>
+              <a:t>1/8/2019</a:t>
             </a:fld>
             <a:endParaRPr lang="en-US"/>
           </a:p>
@@ -2369,7 +2360,7 @@
           <a:p>
             <a:fld id="{23B9FD00-80D5-4EA7-B536-8F4F2C3959C9}" type="datetime1">
               <a:rPr lang="en-US" smtClean="0"/>
-              <a:t>1/7/2019</a:t>
+              <a:t>1/8/2019</a:t>
             </a:fld>
             <a:endParaRPr lang="en-US"/>
           </a:p>
@@ -2681,7 +2672,7 @@
           <a:p>
             <a:fld id="{DAC77084-4DB4-4A23-9870-BF49183ACB4C}" type="datetime1">
               <a:rPr lang="en-US" smtClean="0"/>
-              <a:t>1/7/2019</a:t>
+              <a:t>1/8/2019</a:t>
             </a:fld>
             <a:endParaRPr lang="en-US"/>
           </a:p>
@@ -2867,7 +2858,7 @@
           <a:p>
             <a:fld id="{6E487ECE-0D8C-4AFB-BD35-997F06E0971C}" type="datetime1">
               <a:rPr lang="en-US" smtClean="0"/>
-              <a:t>1/7/2019</a:t>
+              <a:t>1/8/2019</a:t>
             </a:fld>
             <a:endParaRPr lang="en-US"/>
           </a:p>
@@ -3076,7 +3067,7 @@
           <a:p>
             <a:fld id="{D4F6DC8D-78A1-49CC-B033-F77D87B04958}" type="datetime1">
               <a:rPr lang="en-US" smtClean="0"/>
-              <a:t>1/7/2019</a:t>
+              <a:t>1/8/2019</a:t>
             </a:fld>
             <a:endParaRPr lang="en-US"/>
           </a:p>
@@ -3379,7 +3370,7 @@
           <a:p>
             <a:fld id="{3BCF4A7C-A413-48DA-9211-5240CAEE1DD4}" type="datetime1">
               <a:rPr lang="en-US" smtClean="0"/>
-              <a:t>1/7/2019</a:t>
+              <a:t>1/8/2019</a:t>
             </a:fld>
             <a:endParaRPr lang="en-US"/>
           </a:p>
@@ -3821,7 +3812,7 @@
           <a:p>
             <a:fld id="{AAE887C4-8D00-4515-BD6B-6D6B646F02F7}" type="datetime1">
               <a:rPr lang="en-US" smtClean="0"/>
-              <a:t>1/7/2019</a:t>
+              <a:t>1/8/2019</a:t>
             </a:fld>
             <a:endParaRPr lang="en-US"/>
           </a:p>
@@ -3956,7 +3947,7 @@
           <a:p>
             <a:fld id="{10C13C5A-776A-4D2B-A91E-2ACB7D90E7CC}" type="datetime1">
               <a:rPr lang="en-US" smtClean="0"/>
-              <a:t>1/7/2019</a:t>
+              <a:t>1/8/2019</a:t>
             </a:fld>
             <a:endParaRPr lang="en-US"/>
           </a:p>
@@ -4069,7 +4060,7 @@
           <a:p>
             <a:fld id="{00A5D59F-6FC3-492C-BAE3-F50C9D1FBA31}" type="datetime1">
               <a:rPr lang="en-US" smtClean="0"/>
-              <a:t>1/7/2019</a:t>
+              <a:t>1/8/2019</a:t>
             </a:fld>
             <a:endParaRPr lang="en-US"/>
           </a:p>
@@ -4362,7 +4353,7 @@
           <a:p>
             <a:fld id="{CD78B45F-E474-4F2F-801A-58FC9FE22655}" type="datetime1">
               <a:rPr lang="en-US" smtClean="0"/>
-              <a:t>1/7/2019</a:t>
+              <a:t>1/8/2019</a:t>
             </a:fld>
             <a:endParaRPr lang="en-US"/>
           </a:p>
@@ -4636,7 +4627,7 @@
           <a:p>
             <a:fld id="{FDF35450-A835-4587-8F84-782057674F92}" type="datetime1">
               <a:rPr lang="en-US" smtClean="0"/>
-              <a:t>1/7/2019</a:t>
+              <a:t>1/8/2019</a:t>
             </a:fld>
             <a:endParaRPr lang="en-US"/>
           </a:p>
@@ -4758,17 +4749,17 @@
           </a:ln>
           <a:extLst>
             <a:ext uri="{FAA26D3D-D897-4be2-8F04-BA451C77F1D7}">
-              <ma14:placeholderFlag xmlns:ma14="http://schemas.microsoft.com/office/mac/drawingml/2011/main" xmlns="" val="1"/>
+              <ma14:placeholderFlag xmlns="" xmlns:ma14="http://schemas.microsoft.com/office/mac/drawingml/2011/main" val="1"/>
             </a:ext>
             <a:ext uri="{909E8E84-426E-40dd-AFC4-6F175D3DCCD1}">
-              <a14:hiddenFill xmlns:a14="http://schemas.microsoft.com/office/drawing/2010/main" xmlns="">
+              <a14:hiddenFill xmlns="" xmlns:a14="http://schemas.microsoft.com/office/drawing/2010/main">
                 <a:solidFill>
                   <a:srgbClr val="FFFFFF"/>
                 </a:solidFill>
               </a14:hiddenFill>
             </a:ext>
             <a:ext uri="{91240B29-F687-4f45-9708-019B960494DF}">
-              <a14:hiddenLine xmlns:a14="http://schemas.microsoft.com/office/drawing/2010/main" xmlns="" w="9525">
+              <a14:hiddenLine xmlns="" xmlns:a14="http://schemas.microsoft.com/office/drawing/2010/main" w="9525">
                 <a:solidFill>
                   <a:srgbClr val="000000"/>
                 </a:solidFill>
@@ -4820,17 +4811,17 @@
           </a:ln>
           <a:extLst>
             <a:ext uri="{FAA26D3D-D897-4be2-8F04-BA451C77F1D7}">
-              <ma14:placeholderFlag xmlns:ma14="http://schemas.microsoft.com/office/mac/drawingml/2011/main" xmlns="" val="1"/>
+              <ma14:placeholderFlag xmlns="" xmlns:ma14="http://schemas.microsoft.com/office/mac/drawingml/2011/main" val="1"/>
             </a:ext>
             <a:ext uri="{909E8E84-426E-40dd-AFC4-6F175D3DCCD1}">
-              <a14:hiddenFill xmlns:a14="http://schemas.microsoft.com/office/drawing/2010/main" xmlns="">
+              <a14:hiddenFill xmlns="" xmlns:a14="http://schemas.microsoft.com/office/drawing/2010/main">
                 <a:solidFill>
                   <a:srgbClr val="FFFFFF"/>
                 </a:solidFill>
               </a14:hiddenFill>
             </a:ext>
             <a:ext uri="{91240B29-F687-4f45-9708-019B960494DF}">
-              <a14:hiddenLine xmlns:a14="http://schemas.microsoft.com/office/drawing/2010/main" xmlns="" w="9525">
+              <a14:hiddenLine xmlns="" xmlns:a14="http://schemas.microsoft.com/office/drawing/2010/main" w="9525">
                 <a:solidFill>
                   <a:srgbClr val="000000"/>
                 </a:solidFill>
@@ -4930,7 +4921,7 @@
           <a:p>
             <a:fld id="{F6803E09-2A09-4EEA-8E99-292225B5EDFC}" type="datetime1">
               <a:rPr lang="en-US" smtClean="0"/>
-              <a:t>1/7/2019</a:t>
+              <a:t>1/8/2019</a:t>
             </a:fld>
             <a:endParaRPr lang="en-US"/>
           </a:p>
@@ -5098,7 +5089,7 @@
           </a:ln>
           <a:extLst>
             <a:ext uri="{909E8E84-426E-40dd-AFC4-6F175D3DCCD1}">
-              <a14:hiddenFill xmlns:a14="http://schemas.microsoft.com/office/drawing/2010/main" xmlns="">
+              <a14:hiddenFill xmlns="" xmlns:a14="http://schemas.microsoft.com/office/drawing/2010/main">
                 <a:solidFill>
                   <a:srgbClr val="FFFFFF"/>
                 </a:solidFill>
@@ -5141,7 +5132,7 @@
           </a:ln>
           <a:extLst>
             <a:ext uri="{909E8E84-426E-40dd-AFC4-6F175D3DCCD1}">
-              <a14:hiddenFill xmlns:a14="http://schemas.microsoft.com/office/drawing/2010/main" xmlns="">
+              <a14:hiddenFill xmlns="" xmlns:a14="http://schemas.microsoft.com/office/drawing/2010/main">
                 <a:noFill/>
               </a14:hiddenFill>
             </a:ext>
@@ -5645,17 +5636,10 @@
           <a:lstStyle/>
           <a:p>
             <a:r>
-              <a:rPr lang="es-CL" noProof="0" dirty="0"/>
-              <a:t>Una </a:t>
-            </a:r>
-            <a:r>
-              <a:rPr lang="es-CL" dirty="0"/>
-              <a:t>Introducción de la </a:t>
-            </a:r>
-            <a:r>
-              <a:rPr lang="es-CL" noProof="0" dirty="0"/>
-              <a:t>Inferencia Bayesiana I</a:t>
-            </a:r>
+              <a:rPr lang="es-ES" dirty="0" smtClean="0"/>
+              <a:t>Una revisión de la teoría de probabilidades </a:t>
+            </a:r>
+            <a:endParaRPr lang="es-CL" noProof="0" dirty="0"/>
           </a:p>
         </p:txBody>
       </p:sp>
@@ -5675,8 +5659,8 @@
         </p:nvSpPr>
         <p:spPr bwMode="auto">
           <a:xfrm>
-            <a:off x="528917" y="4177553"/>
-            <a:ext cx="7190320" cy="1752600"/>
+            <a:off x="528916" y="4378888"/>
+            <a:ext cx="8008659" cy="1752600"/>
           </a:xfrm>
           <a:prstGeom prst="rect">
             <a:avLst/>
@@ -5905,37 +5889,49 @@
           <a:p>
             <a:pPr defTabSz="914400"/>
             <a:r>
+              <a:rPr lang="es-ES" kern="0" dirty="0"/>
+              <a:t>Modelos Bayesianos con aplicaciones </a:t>
+            </a:r>
+            <a:r>
+              <a:rPr lang="es-ES" kern="0" dirty="0" smtClean="0"/>
+              <a:t>ecológicas</a:t>
+            </a:r>
+          </a:p>
+          <a:p>
+            <a:pPr defTabSz="914400"/>
+            <a:r>
               <a:rPr lang="en-US" kern="0" dirty="0"/>
-              <a:t>Stats reading group on Bayesian inference</a:t>
+              <a:t>Dr. Cole Monnahan</a:t>
             </a:r>
           </a:p>
           <a:p>
             <a:pPr defTabSz="914400"/>
             <a:r>
-              <a:rPr lang="es-CL" kern="0" dirty="0"/>
-              <a:t>20 Marzo </a:t>
+              <a:rPr lang="en-US" kern="0" dirty="0" smtClean="0"/>
+              <a:t>University </a:t>
             </a:r>
             <a:r>
               <a:rPr lang="en-US" kern="0" dirty="0"/>
+              <a:t>of Concepción, </a:t>
+            </a:r>
+            <a:r>
+              <a:rPr lang="en-US" kern="0" dirty="0" smtClean="0"/>
+              <a:t>Chile</a:t>
+            </a:r>
+          </a:p>
+          <a:p>
+            <a:pPr defTabSz="914400"/>
+            <a:r>
+              <a:rPr lang="en-US" kern="0" dirty="0" err="1"/>
+              <a:t>Enero</a:t>
+            </a:r>
+            <a:r>
+              <a:rPr lang="en-US" kern="0" dirty="0"/>
+              <a:t>, </a:t>
+            </a:r>
+            <a:r>
+              <a:rPr lang="en-US" kern="0" dirty="0" smtClean="0"/>
               <a:t>2018</a:t>
-            </a:r>
-          </a:p>
-          <a:p>
-            <a:pPr defTabSz="914400"/>
-            <a:r>
-              <a:rPr lang="en-US" kern="0" dirty="0"/>
-              <a:t>University of Concepción, Chile</a:t>
-            </a:r>
-          </a:p>
-          <a:p>
-            <a:pPr defTabSz="914400"/>
-            <a:r>
-              <a:rPr lang="en-US" kern="0" dirty="0"/>
-              <a:t>Cole </a:t>
-            </a:r>
-            <a:r>
-              <a:rPr lang="en-US" kern="0" dirty="0" err="1"/>
-              <a:t>Monnahan</a:t>
             </a:r>
             <a:endParaRPr lang="en-US" kern="0" dirty="0"/>
           </a:p>
@@ -5944,7 +5940,7 @@
     </p:spTree>
     <p:extLst>
       <p:ext uri="{BB962C8B-B14F-4D97-AF65-F5344CB8AC3E}">
-        <p14:creationId xmlns:p14="http://schemas.microsoft.com/office/powerpoint/2010/main" val="2817438296"/>
+        <p14:creationId xmlns:p14="http://schemas.microsoft.com/office/powerpoint/2010/main" val="2473507088"/>
       </p:ext>
     </p:extLst>
   </p:cSld>
@@ -5976,7 +5972,7 @@
           <p:cNvPr id="2" name="Title 1">
             <a:extLst>
               <a:ext uri="{FF2B5EF4-FFF2-40B4-BE49-F238E27FC236}">
-                <a16:creationId xmlns="" xmlns:a16="http://schemas.microsoft.com/office/drawing/2014/main" id="{B8B4D507-C9FA-49F2-A4C2-A66BA63AD8FD}"/>
+                <a16:creationId xmlns="" xmlns:a16="http://schemas.microsoft.com/office/drawing/2014/main" id="{3F85E31D-5021-4B9C-A2F6-6670EA453677}"/>
               </a:ext>
             </a:extLst>
           </p:cNvPr>
@@ -5987,15 +5983,21 @@
             <p:ph type="title"/>
           </p:nvPr>
         </p:nvSpPr>
-        <p:spPr/>
+        <p:spPr>
+          <a:xfrm>
+            <a:off x="628650" y="164592"/>
+            <a:ext cx="7886700" cy="1325563"/>
+          </a:xfrm>
+        </p:spPr>
         <p:txBody>
           <a:bodyPr/>
           <a:lstStyle/>
           <a:p>
             <a:r>
-              <a:rPr lang="es-CL" noProof="0" dirty="0"/>
-              <a:t>Objetivos y resumen del “curso”</a:t>
-            </a:r>
+              <a:rPr lang="en-US" b="1" dirty="0" smtClean="0"/>
+              <a:t>Exercise 1.1</a:t>
+            </a:r>
+            <a:endParaRPr lang="en-US" b="1" dirty="0"/>
           </a:p>
         </p:txBody>
       </p:sp>
@@ -6004,7 +6006,7 @@
           <p:cNvPr id="3" name="Content Placeholder 2">
             <a:extLst>
               <a:ext uri="{FF2B5EF4-FFF2-40B4-BE49-F238E27FC236}">
-                <a16:creationId xmlns="" xmlns:a16="http://schemas.microsoft.com/office/drawing/2014/main" id="{F71EA7B9-01B7-4DEE-B9B5-44F8406ECC23}"/>
+                <a16:creationId xmlns="" xmlns:a16="http://schemas.microsoft.com/office/drawing/2014/main" id="{28B492CE-B56B-411E-ACCC-F83AC37AA46D}"/>
               </a:ext>
             </a:extLst>
           </p:cNvPr>
@@ -6017,8 +6019,8 @@
         </p:nvSpPr>
         <p:spPr>
           <a:xfrm>
-            <a:off x="457200" y="1329070"/>
-            <a:ext cx="8229600" cy="4801855"/>
+            <a:off x="628650" y="960016"/>
+            <a:ext cx="7886700" cy="1459832"/>
           </a:xfrm>
         </p:spPr>
         <p:txBody>
@@ -6026,49 +6028,81 @@
           <a:lstStyle/>
           <a:p>
             <a:r>
-              <a:rPr lang="es-CL" noProof="0" dirty="0"/>
-              <a:t>Aprender modelos aplicados bayesianos; leer y discutir publicaciones; practicar idiomas</a:t>
-            </a:r>
-          </a:p>
-          <a:p>
-            <a:r>
-              <a:rPr lang="es-CL" noProof="0" dirty="0"/>
-              <a:t>Primero 3 semanas: básicos de inferencia bayesiana, MCMC, y JAGS</a:t>
-            </a:r>
-          </a:p>
-          <a:p>
-            <a:r>
-              <a:rPr lang="es-CL" noProof="0" dirty="0"/>
-              <a:t>Después: Cada de ustedes va a elegir una publicación relevante para tus estudios. </a:t>
-            </a:r>
-          </a:p>
-          <a:p>
-            <a:pPr lvl="1"/>
-            <a:r>
-              <a:rPr lang="es-CL" noProof="0" dirty="0"/>
-              <a:t>La resumieres </a:t>
-            </a:r>
-            <a:r>
-              <a:rPr lang="es-CL" u="sng" noProof="0" dirty="0"/>
-              <a:t>en inglés</a:t>
-            </a:r>
-            <a:r>
-              <a:rPr lang="es-CL" dirty="0"/>
-              <a:t> y lideres la discusión</a:t>
-            </a:r>
-            <a:endParaRPr lang="es-CL" noProof="0" dirty="0"/>
-          </a:p>
-          <a:p>
-            <a:r>
-              <a:rPr lang="es-CL" dirty="0"/>
-              <a:t>Presentare otras temas a medida que surgen </a:t>
-            </a:r>
-          </a:p>
-          <a:p>
-            <a:r>
-              <a:rPr lang="es-CL" noProof="0" dirty="0"/>
-              <a:t>Hablaremos una mezcla de los idiomas</a:t>
-            </a:r>
+              <a:rPr lang="en-US" dirty="0" smtClean="0"/>
+              <a:t>Creat</a:t>
+            </a:r>
+            <a:r>
+              <a:rPr lang="en-US" dirty="0" smtClean="0"/>
+              <a:t>e R function which u</a:t>
+            </a:r>
+            <a:r>
+              <a:rPr lang="en-US" dirty="0" smtClean="0"/>
+              <a:t>ses </a:t>
+            </a:r>
+            <a:r>
+              <a:rPr lang="en-US" dirty="0" err="1" smtClean="0"/>
+              <a:t>rnorm</a:t>
+            </a:r>
+            <a:r>
+              <a:rPr lang="en-US" dirty="0" smtClean="0"/>
+              <a:t> and </a:t>
+            </a:r>
+            <a:r>
+              <a:rPr lang="en-US" dirty="0" err="1" smtClean="0"/>
+              <a:t>dnorm</a:t>
+            </a:r>
+            <a:r>
+              <a:rPr lang="en-US" dirty="0" smtClean="0"/>
+              <a:t> to reproduce this plot for </a:t>
+            </a:r>
+            <a:r>
+              <a:rPr lang="en-US" i="1" dirty="0" smtClean="0"/>
+              <a:t>n</a:t>
+            </a:r>
+            <a:r>
+              <a:rPr lang="en-US" dirty="0" smtClean="0"/>
+              <a:t> random samples</a:t>
+            </a:r>
+          </a:p>
+          <a:p>
+            <a:endParaRPr lang="en-US" dirty="0"/>
+          </a:p>
+          <a:p>
+            <a:endParaRPr lang="en-US" dirty="0" smtClean="0"/>
+          </a:p>
+          <a:p>
+            <a:endParaRPr lang="en-US" dirty="0"/>
+          </a:p>
+          <a:p>
+            <a:endParaRPr lang="en-US" dirty="0" smtClean="0"/>
+          </a:p>
+          <a:p>
+            <a:endParaRPr lang="en-US" dirty="0" smtClean="0"/>
+          </a:p>
+          <a:p>
+            <a:r>
+              <a:rPr lang="en-US" dirty="0" smtClean="0"/>
+              <a:t>Use mar() to create 1x3 </a:t>
+            </a:r>
+            <a:r>
+              <a:rPr lang="en-US" dirty="0" err="1" smtClean="0"/>
+              <a:t>multipanel</a:t>
+            </a:r>
+            <a:r>
+              <a:rPr lang="en-US" dirty="0" smtClean="0"/>
+              <a:t> plot and repeat above with </a:t>
+            </a:r>
+            <a:r>
+              <a:rPr lang="en-US" i="1" dirty="0" smtClean="0"/>
+              <a:t>n=3, 100, 10000</a:t>
+            </a:r>
+            <a:endParaRPr lang="en-US" dirty="0"/>
+          </a:p>
+          <a:p>
+            <a:endParaRPr lang="en-US" dirty="0"/>
+          </a:p>
+          <a:p>
+            <a:endParaRPr lang="en-US" dirty="0"/>
           </a:p>
         </p:txBody>
       </p:sp>
@@ -6077,7 +6111,7 @@
           <p:cNvPr id="4" name="Slide Number Placeholder 3">
             <a:extLst>
               <a:ext uri="{FF2B5EF4-FFF2-40B4-BE49-F238E27FC236}">
-                <a16:creationId xmlns="" xmlns:a16="http://schemas.microsoft.com/office/drawing/2014/main" id="{B72ADAC1-E81C-496A-88FD-83B794DF84D4}"/>
+                <a16:creationId xmlns="" xmlns:a16="http://schemas.microsoft.com/office/drawing/2014/main" id="{BD9D5B62-D3A3-4A35-8CF4-6C1E2C7FCA0C}"/>
               </a:ext>
             </a:extLst>
           </p:cNvPr>
@@ -6093,7 +6127,7 @@
           <a:bodyPr/>
           <a:lstStyle/>
           <a:p>
-            <a:fld id="{2F5854F6-968A-43DD-98AD-2128488B7BB7}" type="slidenum">
+            <a:fld id="{A90099C9-4CB8-9A40-B745-9AB270505907}" type="slidenum">
               <a:rPr lang="en-US" smtClean="0"/>
               <a:t>10</a:t>
             </a:fld>
@@ -6101,10 +6135,84 @@
           </a:p>
         </p:txBody>
       </p:sp>
+      <p:sp>
+        <p:nvSpPr>
+          <p:cNvPr id="9" name="Rectangle 8"/>
+          <p:cNvSpPr/>
+          <p:nvPr/>
+        </p:nvSpPr>
+        <p:spPr>
+          <a:xfrm>
+            <a:off x="3535959" y="2032895"/>
+            <a:ext cx="5045978" cy="369332"/>
+          </a:xfrm>
+          <a:prstGeom prst="rect">
+            <a:avLst/>
+          </a:prstGeom>
+        </p:spPr>
+        <p:txBody>
+          <a:bodyPr wrap="square">
+            <a:spAutoFit/>
+          </a:bodyPr>
+          <a:lstStyle/>
+          <a:p>
+            <a:r>
+              <a:rPr lang="en-US" dirty="0"/>
+              <a:t>[Hint: look up argument </a:t>
+            </a:r>
+            <a:r>
+              <a:rPr lang="en-US" dirty="0" err="1"/>
+              <a:t>prob</a:t>
+            </a:r>
+            <a:r>
+              <a:rPr lang="en-US" dirty="0"/>
+              <a:t>=TRUE in </a:t>
+            </a:r>
+            <a:r>
+              <a:rPr lang="en-US" dirty="0" err="1"/>
+              <a:t>hist</a:t>
+            </a:r>
+            <a:r>
+              <a:rPr lang="en-US" dirty="0"/>
+              <a:t>()]</a:t>
+            </a:r>
+          </a:p>
+        </p:txBody>
+      </p:sp>
+      <p:pic>
+        <p:nvPicPr>
+          <p:cNvPr id="10" name="Picture 9"/>
+          <p:cNvPicPr>
+            <a:picLocks noChangeAspect="1"/>
+          </p:cNvPicPr>
+          <p:nvPr/>
+        </p:nvPicPr>
+        <p:blipFill>
+          <a:blip r:embed="rId2">
+            <a:extLst>
+              <a:ext uri="{28A0092B-C50C-407E-A947-70E740481C1C}">
+                <a14:useLocalDpi xmlns:a14="http://schemas.microsoft.com/office/drawing/2010/main" val="0"/>
+              </a:ext>
+            </a:extLst>
+          </a:blip>
+          <a:stretch>
+            <a:fillRect/>
+          </a:stretch>
+        </p:blipFill>
+        <p:spPr>
+          <a:xfrm>
+            <a:off x="1491128" y="2563034"/>
+            <a:ext cx="5329122" cy="2664562"/>
+          </a:xfrm>
+          <a:prstGeom prst="rect">
+            <a:avLst/>
+          </a:prstGeom>
+        </p:spPr>
+      </p:pic>
     </p:spTree>
     <p:extLst>
       <p:ext uri="{BB962C8B-B14F-4D97-AF65-F5344CB8AC3E}">
-        <p14:creationId xmlns:p14="http://schemas.microsoft.com/office/powerpoint/2010/main" val="1283940892"/>
+        <p14:creationId xmlns:p14="http://schemas.microsoft.com/office/powerpoint/2010/main" val="4225302339"/>
       </p:ext>
     </p:extLst>
   </p:cSld>
@@ -6136,7 +6244,7 @@
           <p:cNvPr id="2" name="Title 1">
             <a:extLst>
               <a:ext uri="{FF2B5EF4-FFF2-40B4-BE49-F238E27FC236}">
-                <a16:creationId xmlns="" xmlns:a16="http://schemas.microsoft.com/office/drawing/2014/main" id="{E58841CB-F12A-49AE-A0F6-FC905252F346}"/>
+                <a16:creationId xmlns="" xmlns:a16="http://schemas.microsoft.com/office/drawing/2014/main" id="{FCBFC5CE-BEBE-4178-A0B5-F030F3C46F4F}"/>
               </a:ext>
             </a:extLst>
           </p:cNvPr>
@@ -6153,8 +6261,8 @@
           <a:lstStyle/>
           <a:p>
             <a:r>
-              <a:rPr lang="es-CL" noProof="0" dirty="0"/>
-              <a:t>Los pasos de un análisis bayesiana</a:t>
+              <a:rPr lang="en-US" dirty="0"/>
+              <a:t>Questions?</a:t>
             </a:r>
           </a:p>
         </p:txBody>
@@ -6164,7 +6272,7 @@
           <p:cNvPr id="3" name="Content Placeholder 2">
             <a:extLst>
               <a:ext uri="{FF2B5EF4-FFF2-40B4-BE49-F238E27FC236}">
-                <a16:creationId xmlns="" xmlns:a16="http://schemas.microsoft.com/office/drawing/2014/main" id="{2BAA9235-4720-4EA9-AAB8-5711BE621A8E}"/>
+                <a16:creationId xmlns="" xmlns:a16="http://schemas.microsoft.com/office/drawing/2014/main" id="{0A016C73-5DDF-46EE-ACD4-1B95CD8285D4}"/>
               </a:ext>
             </a:extLst>
           </p:cNvPr>
@@ -6175,61 +6283,12 @@
             <p:ph idx="1"/>
           </p:nvPr>
         </p:nvSpPr>
-        <p:spPr>
-          <a:xfrm>
-            <a:off x="457200" y="1333500"/>
-            <a:ext cx="8229600" cy="4530725"/>
-          </a:xfrm>
-        </p:spPr>
+        <p:spPr/>
         <p:txBody>
           <a:bodyPr/>
           <a:lstStyle/>
           <a:p>
-            <a:pPr marL="514350" indent="-514350">
-              <a:buFont typeface="+mj-lt"/>
-              <a:buAutoNum type="arabicPeriod"/>
-            </a:pPr>
-            <a:r>
-              <a:rPr lang="es-CL" noProof="0" dirty="0"/>
-              <a:t>Hacer un modelo colectivo </a:t>
-            </a:r>
-            <a:r>
-              <a:rPr lang="es-CL" dirty="0"/>
-              <a:t>por todos los cantidades (datos y parámetros) del problema </a:t>
-            </a:r>
-          </a:p>
-          <a:p>
-            <a:pPr marL="514350" indent="-514350">
-              <a:buFont typeface="+mj-lt"/>
-              <a:buAutoNum type="arabicPeriod"/>
-            </a:pPr>
-            <a:r>
-              <a:rPr lang="es-CL" dirty="0"/>
-              <a:t>Condicionar el modelo a los datos observados y estimar la probabilidad </a:t>
-            </a:r>
-            <a:r>
-              <a:rPr lang="es-CL" i="1" dirty="0"/>
-              <a:t>a posteriori</a:t>
-            </a:r>
-            <a:r>
-              <a:rPr lang="es-CL" dirty="0"/>
-              <a:t> </a:t>
-            </a:r>
-          </a:p>
-          <a:p>
-            <a:pPr marL="514350" indent="-514350">
-              <a:buFont typeface="+mj-lt"/>
-              <a:buAutoNum type="arabicPeriod"/>
-            </a:pPr>
-            <a:r>
-              <a:rPr lang="es-CL" noProof="0" dirty="0"/>
-              <a:t>Evaluar el ajuste, realizar si necesario, </a:t>
-            </a:r>
-            <a:r>
-              <a:rPr lang="es-CL" dirty="0"/>
-              <a:t>y después hacer inferencia (calcular probabilidades). </a:t>
-            </a:r>
-            <a:endParaRPr lang="es-CL" noProof="0" dirty="0"/>
+            <a:endParaRPr lang="en-US"/>
           </a:p>
         </p:txBody>
       </p:sp>
@@ -6238,7 +6297,7 @@
           <p:cNvPr id="4" name="Slide Number Placeholder 3">
             <a:extLst>
               <a:ext uri="{FF2B5EF4-FFF2-40B4-BE49-F238E27FC236}">
-                <a16:creationId xmlns="" xmlns:a16="http://schemas.microsoft.com/office/drawing/2014/main" id="{28183925-41CE-45AE-9C75-56FB10A283D7}"/>
+                <a16:creationId xmlns="" xmlns:a16="http://schemas.microsoft.com/office/drawing/2014/main" id="{9EC15119-7A83-4B50-8E95-42B54138CF67}"/>
               </a:ext>
             </a:extLst>
           </p:cNvPr>
@@ -6254,7 +6313,7 @@
           <a:bodyPr/>
           <a:lstStyle/>
           <a:p>
-            <a:fld id="{2F5854F6-968A-43DD-98AD-2128488B7BB7}" type="slidenum">
+            <a:fld id="{A90099C9-4CB8-9A40-B745-9AB270505907}" type="slidenum">
               <a:rPr lang="en-US" smtClean="0"/>
               <a:t>11</a:t>
             </a:fld>
@@ -6262,1557 +6321,10 @@
           </a:p>
         </p:txBody>
       </p:sp>
-      <p:sp>
-        <p:nvSpPr>
-          <p:cNvPr id="5" name="TextBox 4">
-            <a:extLst>
-              <a:ext uri="{FF2B5EF4-FFF2-40B4-BE49-F238E27FC236}">
-                <a16:creationId xmlns="" xmlns:a16="http://schemas.microsoft.com/office/drawing/2014/main" id="{64747347-E575-45B9-A33D-A43CC2008456}"/>
-              </a:ext>
-            </a:extLst>
-          </p:cNvPr>
-          <p:cNvSpPr txBox="1"/>
-          <p:nvPr/>
-        </p:nvSpPr>
-        <p:spPr>
-          <a:xfrm>
-            <a:off x="637953" y="6400800"/>
-            <a:ext cx="2743200" cy="369332"/>
-          </a:xfrm>
-          <a:prstGeom prst="rect">
-            <a:avLst/>
-          </a:prstGeom>
-          <a:noFill/>
-        </p:spPr>
-        <p:txBody>
-          <a:bodyPr wrap="square" rtlCol="0">
-            <a:spAutoFit/>
-          </a:bodyPr>
-          <a:lstStyle/>
-          <a:p>
-            <a:r>
-              <a:rPr lang="en-US" dirty="0"/>
-              <a:t>Gelman et al. (2014)</a:t>
-            </a:r>
-          </a:p>
-        </p:txBody>
-      </p:sp>
     </p:spTree>
     <p:extLst>
       <p:ext uri="{BB962C8B-B14F-4D97-AF65-F5344CB8AC3E}">
-        <p14:creationId xmlns:p14="http://schemas.microsoft.com/office/powerpoint/2010/main" val="3185289752"/>
-      </p:ext>
-    </p:extLst>
-  </p:cSld>
-  <p:clrMapOvr>
-    <a:masterClrMapping/>
-  </p:clrMapOvr>
-</p:sld>
-</file>
-
-<file path=ppt/slides/slide12.xml><?xml version="1.0" encoding="utf-8"?>
-<p:sld xmlns:a="http://schemas.openxmlformats.org/drawingml/2006/main" xmlns:r="http://schemas.openxmlformats.org/officeDocument/2006/relationships" xmlns:p="http://schemas.openxmlformats.org/presentationml/2006/main">
-  <p:cSld>
-    <p:spTree>
-      <p:nvGrpSpPr>
-        <p:cNvPr id="1" name=""/>
-        <p:cNvGrpSpPr/>
-        <p:nvPr/>
-      </p:nvGrpSpPr>
-      <p:grpSpPr>
-        <a:xfrm>
-          <a:off x="0" y="0"/>
-          <a:ext cx="0" cy="0"/>
-          <a:chOff x="0" y="0"/>
-          <a:chExt cx="0" cy="0"/>
-        </a:xfrm>
-      </p:grpSpPr>
-      <p:sp>
-        <p:nvSpPr>
-          <p:cNvPr id="2" name="Title 1">
-            <a:extLst>
-              <a:ext uri="{FF2B5EF4-FFF2-40B4-BE49-F238E27FC236}">
-                <a16:creationId xmlns="" xmlns:a16="http://schemas.microsoft.com/office/drawing/2014/main" id="{8C55C254-BC36-4A04-AFEA-41B3912E23CE}"/>
-              </a:ext>
-            </a:extLst>
-          </p:cNvPr>
-          <p:cNvSpPr>
-            <a:spLocks noGrp="1"/>
-          </p:cNvSpPr>
-          <p:nvPr>
-            <p:ph type="title"/>
-          </p:nvPr>
-        </p:nvSpPr>
-        <p:spPr/>
-        <p:txBody>
-          <a:bodyPr/>
-          <a:lstStyle/>
-          <a:p>
-            <a:r>
-              <a:rPr lang="es-CL" noProof="0" dirty="0"/>
-              <a:t>Las ventajas de inferencia bayesiana</a:t>
-            </a:r>
-          </a:p>
-        </p:txBody>
-      </p:sp>
-      <p:sp>
-        <p:nvSpPr>
-          <p:cNvPr id="3" name="Content Placeholder 2">
-            <a:extLst>
-              <a:ext uri="{FF2B5EF4-FFF2-40B4-BE49-F238E27FC236}">
-                <a16:creationId xmlns="" xmlns:a16="http://schemas.microsoft.com/office/drawing/2014/main" id="{98825B73-670B-47B8-9AEF-873D89CA6C67}"/>
-              </a:ext>
-            </a:extLst>
-          </p:cNvPr>
-          <p:cNvSpPr>
-            <a:spLocks noGrp="1"/>
-          </p:cNvSpPr>
-          <p:nvPr>
-            <p:ph idx="1"/>
-          </p:nvPr>
-        </p:nvSpPr>
-        <p:spPr>
-          <a:xfrm>
-            <a:off x="457200" y="1133476"/>
-            <a:ext cx="8229600" cy="4997450"/>
-          </a:xfrm>
-        </p:spPr>
-        <p:txBody>
-          <a:bodyPr>
-            <a:normAutofit lnSpcReduction="10000"/>
-          </a:bodyPr>
-          <a:lstStyle/>
-          <a:p>
-            <a:r>
-              <a:rPr lang="es-CL" noProof="0" dirty="0"/>
-              <a:t>Hay respuestas intuitivas: </a:t>
-            </a:r>
-            <a:r>
-              <a:rPr lang="es-CL" dirty="0"/>
-              <a:t>los parámetros son distribuciones probabilidades.</a:t>
-            </a:r>
-          </a:p>
-          <a:p>
-            <a:r>
-              <a:rPr lang="es-CL" dirty="0"/>
-              <a:t>Poder formalmente incorporar conocimiento antes del experimento</a:t>
-            </a:r>
-            <a:endParaRPr lang="es-CL" noProof="0" dirty="0"/>
-          </a:p>
-          <a:p>
-            <a:r>
-              <a:rPr lang="es-CL" noProof="0" dirty="0"/>
-              <a:t>Las suposiciones asintóticas no son necesarios</a:t>
-            </a:r>
-          </a:p>
-          <a:p>
-            <a:r>
-              <a:rPr lang="es-CL" dirty="0"/>
-              <a:t>La estimación de los modelos jerárquicos es natural y fácil </a:t>
-            </a:r>
-          </a:p>
-          <a:p>
-            <a:r>
-              <a:rPr lang="es-CL" noProof="0" dirty="0"/>
-              <a:t>Análisis de decisión: Poder calcular probabilidades de las consecuencias de varias acciones. </a:t>
-            </a:r>
-            <a:r>
-              <a:rPr lang="es-CL" sz="2000" dirty="0"/>
-              <a:t>(</a:t>
-            </a:r>
-            <a:r>
-              <a:rPr lang="es-CL" sz="2000" dirty="0" err="1"/>
-              <a:t>Punt</a:t>
-            </a:r>
-            <a:r>
-              <a:rPr lang="es-CL" sz="2000" dirty="0"/>
-              <a:t> and </a:t>
-            </a:r>
-            <a:r>
-              <a:rPr lang="es-CL" sz="2000" dirty="0" err="1"/>
-              <a:t>Hilborn</a:t>
-            </a:r>
-            <a:r>
-              <a:rPr lang="es-CL" sz="2000" dirty="0"/>
-              <a:t> 1997)</a:t>
-            </a:r>
-            <a:endParaRPr lang="es-CL" noProof="0" dirty="0"/>
-          </a:p>
-        </p:txBody>
-      </p:sp>
-      <p:sp>
-        <p:nvSpPr>
-          <p:cNvPr id="4" name="Slide Number Placeholder 3">
-            <a:extLst>
-              <a:ext uri="{FF2B5EF4-FFF2-40B4-BE49-F238E27FC236}">
-                <a16:creationId xmlns="" xmlns:a16="http://schemas.microsoft.com/office/drawing/2014/main" id="{416B2EE1-1618-4B97-8C5E-68CCFAECB68A}"/>
-              </a:ext>
-            </a:extLst>
-          </p:cNvPr>
-          <p:cNvSpPr>
-            <a:spLocks noGrp="1"/>
-          </p:cNvSpPr>
-          <p:nvPr>
-            <p:ph type="sldNum" sz="quarter" idx="12"/>
-          </p:nvPr>
-        </p:nvSpPr>
-        <p:spPr/>
-        <p:txBody>
-          <a:bodyPr/>
-          <a:lstStyle/>
-          <a:p>
-            <a:fld id="{2F5854F6-968A-43DD-98AD-2128488B7BB7}" type="slidenum">
-              <a:rPr lang="en-US" smtClean="0"/>
-              <a:t>12</a:t>
-            </a:fld>
-            <a:endParaRPr lang="en-US"/>
-          </a:p>
-        </p:txBody>
-      </p:sp>
-    </p:spTree>
-    <p:extLst>
-      <p:ext uri="{BB962C8B-B14F-4D97-AF65-F5344CB8AC3E}">
-        <p14:creationId xmlns:p14="http://schemas.microsoft.com/office/powerpoint/2010/main" val="1961602457"/>
-      </p:ext>
-    </p:extLst>
-  </p:cSld>
-  <p:clrMapOvr>
-    <a:masterClrMapping/>
-  </p:clrMapOvr>
-</p:sld>
-</file>
-
-<file path=ppt/slides/slide13.xml><?xml version="1.0" encoding="utf-8"?>
-<p:sld xmlns:a="http://schemas.openxmlformats.org/drawingml/2006/main" xmlns:r="http://schemas.openxmlformats.org/officeDocument/2006/relationships" xmlns:p="http://schemas.openxmlformats.org/presentationml/2006/main">
-  <p:cSld>
-    <p:spTree>
-      <p:nvGrpSpPr>
-        <p:cNvPr id="1" name=""/>
-        <p:cNvGrpSpPr/>
-        <p:nvPr/>
-      </p:nvGrpSpPr>
-      <p:grpSpPr>
-        <a:xfrm>
-          <a:off x="0" y="0"/>
-          <a:ext cx="0" cy="0"/>
-          <a:chOff x="0" y="0"/>
-          <a:chExt cx="0" cy="0"/>
-        </a:xfrm>
-      </p:grpSpPr>
-      <p:sp>
-        <p:nvSpPr>
-          <p:cNvPr id="2" name="Title 1">
-            <a:extLst>
-              <a:ext uri="{FF2B5EF4-FFF2-40B4-BE49-F238E27FC236}">
-                <a16:creationId xmlns="" xmlns:a16="http://schemas.microsoft.com/office/drawing/2014/main" id="{8C55C254-BC36-4A04-AFEA-41B3912E23CE}"/>
-              </a:ext>
-            </a:extLst>
-          </p:cNvPr>
-          <p:cNvSpPr>
-            <a:spLocks noGrp="1"/>
-          </p:cNvSpPr>
-          <p:nvPr>
-            <p:ph type="title"/>
-          </p:nvPr>
-        </p:nvSpPr>
-        <p:spPr/>
-        <p:txBody>
-          <a:bodyPr/>
-          <a:lstStyle/>
-          <a:p>
-            <a:r>
-              <a:rPr lang="es-CL" noProof="0" dirty="0"/>
-              <a:t>Desventajas</a:t>
-            </a:r>
-          </a:p>
-        </p:txBody>
-      </p:sp>
-      <p:sp>
-        <p:nvSpPr>
-          <p:cNvPr id="3" name="Content Placeholder 2">
-            <a:extLst>
-              <a:ext uri="{FF2B5EF4-FFF2-40B4-BE49-F238E27FC236}">
-                <a16:creationId xmlns="" xmlns:a16="http://schemas.microsoft.com/office/drawing/2014/main" id="{98825B73-670B-47B8-9AEF-873D89CA6C67}"/>
-              </a:ext>
-            </a:extLst>
-          </p:cNvPr>
-          <p:cNvSpPr>
-            <a:spLocks noGrp="1"/>
-          </p:cNvSpPr>
-          <p:nvPr>
-            <p:ph idx="1"/>
-          </p:nvPr>
-        </p:nvSpPr>
-        <p:spPr/>
-        <p:txBody>
-          <a:bodyPr/>
-          <a:lstStyle/>
-          <a:p>
-            <a:r>
-              <a:rPr lang="es-CL" noProof="0" dirty="0"/>
-              <a:t>Toma mas tiempo estimar los modelos. </a:t>
-            </a:r>
-          </a:p>
-          <a:p>
-            <a:r>
-              <a:rPr lang="es-CL" dirty="0"/>
-              <a:t>En general, la especificación de los </a:t>
-            </a:r>
-            <a:r>
-              <a:rPr lang="es-CL" dirty="0" err="1"/>
-              <a:t>priors</a:t>
-            </a:r>
-            <a:endParaRPr lang="es-CL" dirty="0"/>
-          </a:p>
-          <a:p>
-            <a:pPr lvl="1"/>
-            <a:r>
-              <a:rPr lang="es-CL" dirty="0"/>
-              <a:t>Poder ser sensitivo para la transformación de los parámetros. </a:t>
-            </a:r>
-            <a:r>
-              <a:rPr lang="es-CL" sz="1600" dirty="0"/>
-              <a:t>(</a:t>
-            </a:r>
-            <a:r>
-              <a:rPr lang="es-CL" sz="1600" dirty="0" err="1"/>
-              <a:t>Thorson</a:t>
-            </a:r>
-            <a:r>
-              <a:rPr lang="es-CL" sz="1600" dirty="0"/>
-              <a:t> and Cope 2017, </a:t>
-            </a:r>
-            <a:r>
-              <a:rPr lang="es-CL" sz="1600" dirty="0" err="1"/>
-              <a:t>Maunder</a:t>
-            </a:r>
-            <a:r>
-              <a:rPr lang="es-CL" sz="1600" dirty="0"/>
-              <a:t> 2003)</a:t>
-            </a:r>
-          </a:p>
-          <a:p>
-            <a:pPr lvl="1"/>
-            <a:r>
-              <a:rPr lang="es-CL" noProof="0" dirty="0"/>
-              <a:t>Poder ser difícil </a:t>
-            </a:r>
-            <a:r>
-              <a:rPr lang="es-CL" dirty="0"/>
-              <a:t>determinar apropiados “</a:t>
-            </a:r>
-            <a:r>
-              <a:rPr lang="es-CL" noProof="0" dirty="0" err="1"/>
-              <a:t>priors</a:t>
-            </a:r>
-            <a:r>
-              <a:rPr lang="es-CL" noProof="0" dirty="0"/>
-              <a:t>”</a:t>
-            </a:r>
-            <a:endParaRPr lang="es-CL" sz="2000" noProof="0" dirty="0"/>
-          </a:p>
-          <a:p>
-            <a:pPr lvl="1"/>
-            <a:r>
-              <a:rPr lang="es-CL" noProof="0" dirty="0"/>
-              <a:t>P.ej., no hay “</a:t>
-            </a:r>
-            <a:r>
-              <a:rPr lang="es-CL" noProof="0" dirty="0" err="1"/>
-              <a:t>uninformative</a:t>
-            </a:r>
-            <a:r>
-              <a:rPr lang="es-CL" dirty="0"/>
-              <a:t> </a:t>
-            </a:r>
-            <a:r>
-              <a:rPr lang="es-CL" dirty="0" err="1"/>
-              <a:t>priors</a:t>
-            </a:r>
-            <a:r>
-              <a:rPr lang="es-CL" dirty="0"/>
-              <a:t>”</a:t>
-            </a:r>
-            <a:endParaRPr lang="es-CL" noProof="0" dirty="0"/>
-          </a:p>
-        </p:txBody>
-      </p:sp>
-      <p:sp>
-        <p:nvSpPr>
-          <p:cNvPr id="4" name="Slide Number Placeholder 3">
-            <a:extLst>
-              <a:ext uri="{FF2B5EF4-FFF2-40B4-BE49-F238E27FC236}">
-                <a16:creationId xmlns="" xmlns:a16="http://schemas.microsoft.com/office/drawing/2014/main" id="{416B2EE1-1618-4B97-8C5E-68CCFAECB68A}"/>
-              </a:ext>
-            </a:extLst>
-          </p:cNvPr>
-          <p:cNvSpPr>
-            <a:spLocks noGrp="1"/>
-          </p:cNvSpPr>
-          <p:nvPr>
-            <p:ph type="sldNum" sz="quarter" idx="12"/>
-          </p:nvPr>
-        </p:nvSpPr>
-        <p:spPr/>
-        <p:txBody>
-          <a:bodyPr/>
-          <a:lstStyle/>
-          <a:p>
-            <a:fld id="{2F5854F6-968A-43DD-98AD-2128488B7BB7}" type="slidenum">
-              <a:rPr lang="en-US" smtClean="0"/>
-              <a:t>13</a:t>
-            </a:fld>
-            <a:endParaRPr lang="en-US"/>
-          </a:p>
-        </p:txBody>
-      </p:sp>
-    </p:spTree>
-    <p:extLst>
-      <p:ext uri="{BB962C8B-B14F-4D97-AF65-F5344CB8AC3E}">
-        <p14:creationId xmlns:p14="http://schemas.microsoft.com/office/powerpoint/2010/main" val="4262866709"/>
-      </p:ext>
-    </p:extLst>
-  </p:cSld>
-  <p:clrMapOvr>
-    <a:masterClrMapping/>
-  </p:clrMapOvr>
-</p:sld>
-</file>
-
-<file path=ppt/slides/slide14.xml><?xml version="1.0" encoding="utf-8"?>
-<p:sld xmlns:a="http://schemas.openxmlformats.org/drawingml/2006/main" xmlns:r="http://schemas.openxmlformats.org/officeDocument/2006/relationships" xmlns:p="http://schemas.openxmlformats.org/presentationml/2006/main">
-  <p:cSld>
-    <p:spTree>
-      <p:nvGrpSpPr>
-        <p:cNvPr id="1" name=""/>
-        <p:cNvGrpSpPr/>
-        <p:nvPr/>
-      </p:nvGrpSpPr>
-      <p:grpSpPr>
-        <a:xfrm>
-          <a:off x="0" y="0"/>
-          <a:ext cx="0" cy="0"/>
-          <a:chOff x="0" y="0"/>
-          <a:chExt cx="0" cy="0"/>
-        </a:xfrm>
-      </p:grpSpPr>
-      <p:sp>
-        <p:nvSpPr>
-          <p:cNvPr id="2" name="Title 1"/>
-          <p:cNvSpPr>
-            <a:spLocks noGrp="1"/>
-          </p:cNvSpPr>
-          <p:nvPr>
-            <p:ph type="title"/>
-          </p:nvPr>
-        </p:nvSpPr>
-        <p:spPr/>
-        <p:txBody>
-          <a:bodyPr/>
-          <a:lstStyle/>
-          <a:p>
-            <a:r>
-              <a:rPr lang="en-US" dirty="0" smtClean="0"/>
-              <a:t>Course overview</a:t>
-            </a:r>
-            <a:endParaRPr lang="en-US" dirty="0"/>
-          </a:p>
-        </p:txBody>
-      </p:sp>
-      <p:sp>
-        <p:nvSpPr>
-          <p:cNvPr id="3" name="Content Placeholder 2"/>
-          <p:cNvSpPr>
-            <a:spLocks noGrp="1"/>
-          </p:cNvSpPr>
-          <p:nvPr>
-            <p:ph idx="1"/>
-          </p:nvPr>
-        </p:nvSpPr>
-        <p:spPr/>
-        <p:txBody>
-          <a:bodyPr/>
-          <a:lstStyle/>
-          <a:p>
-            <a:r>
-              <a:rPr lang="en-US" dirty="0" smtClean="0"/>
-              <a:t>Monday</a:t>
-            </a:r>
-          </a:p>
-          <a:p>
-            <a:r>
-              <a:rPr lang="en-US" dirty="0" smtClean="0"/>
-              <a:t>Tuesday</a:t>
-            </a:r>
-          </a:p>
-          <a:p>
-            <a:r>
-              <a:rPr lang="en-US" dirty="0" smtClean="0"/>
-              <a:t>Wednesday</a:t>
-            </a:r>
-          </a:p>
-          <a:p>
-            <a:r>
-              <a:rPr lang="en-US" dirty="0" smtClean="0"/>
-              <a:t>Thursday</a:t>
-            </a:r>
-          </a:p>
-          <a:p>
-            <a:r>
-              <a:rPr lang="en-US" dirty="0" smtClean="0"/>
-              <a:t>Friday</a:t>
-            </a:r>
-          </a:p>
-        </p:txBody>
-      </p:sp>
-      <p:sp>
-        <p:nvSpPr>
-          <p:cNvPr id="4" name="Slide Number Placeholder 3"/>
-          <p:cNvSpPr>
-            <a:spLocks noGrp="1"/>
-          </p:cNvSpPr>
-          <p:nvPr>
-            <p:ph type="sldNum" sz="quarter" idx="12"/>
-          </p:nvPr>
-        </p:nvSpPr>
-        <p:spPr/>
-        <p:txBody>
-          <a:bodyPr/>
-          <a:lstStyle/>
-          <a:p>
-            <a:fld id="{A90099C9-4CB8-9A40-B745-9AB270505907}" type="slidenum">
-              <a:rPr lang="en-US" smtClean="0"/>
-              <a:t>14</a:t>
-            </a:fld>
-            <a:endParaRPr lang="en-US"/>
-          </a:p>
-        </p:txBody>
-      </p:sp>
-    </p:spTree>
-    <p:extLst>
-      <p:ext uri="{BB962C8B-B14F-4D97-AF65-F5344CB8AC3E}">
-        <p14:creationId xmlns:p14="http://schemas.microsoft.com/office/powerpoint/2010/main" val="3940338203"/>
-      </p:ext>
-    </p:extLst>
-  </p:cSld>
-  <p:clrMapOvr>
-    <a:masterClrMapping/>
-  </p:clrMapOvr>
-</p:sld>
-</file>
-
-<file path=ppt/slides/slide15.xml><?xml version="1.0" encoding="utf-8"?>
-<p:sld xmlns:a="http://schemas.openxmlformats.org/drawingml/2006/main" xmlns:r="http://schemas.openxmlformats.org/officeDocument/2006/relationships" xmlns:p="http://schemas.openxmlformats.org/presentationml/2006/main">
-  <p:cSld>
-    <p:spTree>
-      <p:nvGrpSpPr>
-        <p:cNvPr id="1" name=""/>
-        <p:cNvGrpSpPr/>
-        <p:nvPr/>
-      </p:nvGrpSpPr>
-      <p:grpSpPr>
-        <a:xfrm>
-          <a:off x="0" y="0"/>
-          <a:ext cx="0" cy="0"/>
-          <a:chOff x="0" y="0"/>
-          <a:chExt cx="0" cy="0"/>
-        </a:xfrm>
-      </p:grpSpPr>
-      <p:sp>
-        <p:nvSpPr>
-          <p:cNvPr id="2" name="Title 1">
-            <a:extLst>
-              <a:ext uri="{FF2B5EF4-FFF2-40B4-BE49-F238E27FC236}">
-                <a16:creationId xmlns:a16="http://schemas.microsoft.com/office/drawing/2014/main" xmlns="" id="{3F85E31D-5021-4B9C-A2F6-6670EA453677}"/>
-              </a:ext>
-            </a:extLst>
-          </p:cNvPr>
-          <p:cNvSpPr>
-            <a:spLocks noGrp="1"/>
-          </p:cNvSpPr>
-          <p:nvPr>
-            <p:ph type="title"/>
-          </p:nvPr>
-        </p:nvSpPr>
-        <p:spPr/>
-        <p:txBody>
-          <a:bodyPr/>
-          <a:lstStyle/>
-          <a:p>
-            <a:r>
-              <a:rPr lang="en-US" dirty="0" smtClean="0"/>
-              <a:t>Review of probability theory</a:t>
-            </a:r>
-            <a:endParaRPr lang="en-US" dirty="0"/>
-          </a:p>
-        </p:txBody>
-      </p:sp>
-      <p:sp>
-        <p:nvSpPr>
-          <p:cNvPr id="3" name="Content Placeholder 2">
-            <a:extLst>
-              <a:ext uri="{FF2B5EF4-FFF2-40B4-BE49-F238E27FC236}">
-                <a16:creationId xmlns:a16="http://schemas.microsoft.com/office/drawing/2014/main" xmlns:a14="http://schemas.microsoft.com/office/drawing/2010/main" xmlns:mc="http://schemas.openxmlformats.org/markup-compatibility/2006" xmlns="" id="{28B492CE-B56B-411E-ACCC-F83AC37AA46D}"/>
-              </a:ext>
-            </a:extLst>
-          </p:cNvPr>
-          <p:cNvSpPr>
-            <a:spLocks noGrp="1"/>
-          </p:cNvSpPr>
-          <p:nvPr>
-            <p:ph idx="1"/>
-          </p:nvPr>
-        </p:nvSpPr>
-        <p:spPr>
-          <a:xfrm>
-            <a:off x="628650" y="1331849"/>
-            <a:ext cx="7886700" cy="4777306"/>
-          </a:xfrm>
-        </p:spPr>
-        <p:txBody>
-          <a:bodyPr/>
-          <a:lstStyle/>
-          <a:p>
-            <a:r>
-              <a:rPr lang="en-US" dirty="0" smtClean="0"/>
-              <a:t>Sample spaces, random variables, probability mass/density</a:t>
-            </a:r>
-          </a:p>
-          <a:p>
-            <a:r>
-              <a:rPr lang="en-US" dirty="0" smtClean="0"/>
-              <a:t>Marginal, conditional, joint probabilities</a:t>
-            </a:r>
-          </a:p>
-          <a:p>
-            <a:r>
-              <a:rPr lang="en-US" dirty="0" smtClean="0"/>
-              <a:t>Probability statements, integration</a:t>
-            </a:r>
-            <a:endParaRPr lang="en-US" dirty="0"/>
-          </a:p>
-          <a:p>
-            <a:endParaRPr lang="en-US" dirty="0"/>
-          </a:p>
-        </p:txBody>
-      </p:sp>
-      <p:sp>
-        <p:nvSpPr>
-          <p:cNvPr id="4" name="Slide Number Placeholder 3">
-            <a:extLst>
-              <a:ext uri="{FF2B5EF4-FFF2-40B4-BE49-F238E27FC236}">
-                <a16:creationId xmlns:a16="http://schemas.microsoft.com/office/drawing/2014/main" xmlns="" id="{EC538D91-6F8B-42BB-A135-BD948D230469}"/>
-              </a:ext>
-            </a:extLst>
-          </p:cNvPr>
-          <p:cNvSpPr>
-            <a:spLocks noGrp="1"/>
-          </p:cNvSpPr>
-          <p:nvPr>
-            <p:ph type="sldNum" sz="quarter" idx="12"/>
-          </p:nvPr>
-        </p:nvSpPr>
-        <p:spPr/>
-        <p:txBody>
-          <a:bodyPr/>
-          <a:lstStyle/>
-          <a:p>
-            <a:fld id="{A90099C9-4CB8-9A40-B745-9AB270505907}" type="slidenum">
-              <a:rPr lang="en-US" smtClean="0"/>
-              <a:t>15</a:t>
-            </a:fld>
-            <a:endParaRPr lang="en-US"/>
-          </a:p>
-        </p:txBody>
-      </p:sp>
-    </p:spTree>
-    <p:extLst>
-      <p:ext uri="{BB962C8B-B14F-4D97-AF65-F5344CB8AC3E}">
-        <p14:creationId xmlns:p14="http://schemas.microsoft.com/office/powerpoint/2010/main" val="1976411950"/>
-      </p:ext>
-    </p:extLst>
-  </p:cSld>
-  <p:clrMapOvr>
-    <a:masterClrMapping/>
-  </p:clrMapOvr>
-</p:sld>
-</file>
-
-<file path=ppt/slides/slide16.xml><?xml version="1.0" encoding="utf-8"?>
-<p:sld xmlns:a="http://schemas.openxmlformats.org/drawingml/2006/main" xmlns:r="http://schemas.openxmlformats.org/officeDocument/2006/relationships" xmlns:p="http://schemas.openxmlformats.org/presentationml/2006/main">
-  <p:cSld>
-    <p:spTree>
-      <p:nvGrpSpPr>
-        <p:cNvPr id="1" name=""/>
-        <p:cNvGrpSpPr/>
-        <p:nvPr/>
-      </p:nvGrpSpPr>
-      <p:grpSpPr>
-        <a:xfrm>
-          <a:off x="0" y="0"/>
-          <a:ext cx="0" cy="0"/>
-          <a:chOff x="0" y="0"/>
-          <a:chExt cx="0" cy="0"/>
-        </a:xfrm>
-      </p:grpSpPr>
-      <p:sp>
-        <p:nvSpPr>
-          <p:cNvPr id="2" name="Title 1">
-            <a:extLst>
-              <a:ext uri="{FF2B5EF4-FFF2-40B4-BE49-F238E27FC236}">
-                <a16:creationId xmlns="" xmlns:a16="http://schemas.microsoft.com/office/drawing/2014/main" id="{1F21995E-0AA4-46BB-ABC5-5549BF22D71D}"/>
-              </a:ext>
-            </a:extLst>
-          </p:cNvPr>
-          <p:cNvSpPr>
-            <a:spLocks noGrp="1"/>
-          </p:cNvSpPr>
-          <p:nvPr>
-            <p:ph type="title"/>
-          </p:nvPr>
-        </p:nvSpPr>
-        <p:spPr/>
-        <p:txBody>
-          <a:bodyPr/>
-          <a:lstStyle/>
-          <a:p>
-            <a:r>
-              <a:rPr lang="es-CL" noProof="0" dirty="0" err="1"/>
-              <a:t>Review</a:t>
-            </a:r>
-            <a:r>
-              <a:rPr lang="es-CL" noProof="0" dirty="0"/>
-              <a:t>: </a:t>
-            </a:r>
-            <a:r>
-              <a:rPr lang="es-CL" noProof="0" dirty="0" err="1"/>
-              <a:t>basics</a:t>
-            </a:r>
-            <a:r>
-              <a:rPr lang="es-CL" noProof="0" dirty="0"/>
-              <a:t> </a:t>
-            </a:r>
-            <a:r>
-              <a:rPr lang="es-CL" noProof="0" dirty="0" err="1"/>
-              <a:t>of</a:t>
-            </a:r>
-            <a:r>
-              <a:rPr lang="es-CL" noProof="0" dirty="0"/>
-              <a:t> </a:t>
-            </a:r>
-            <a:r>
-              <a:rPr lang="es-CL" noProof="0" dirty="0" err="1"/>
-              <a:t>probabilities</a:t>
-            </a:r>
-            <a:endParaRPr lang="es-CL" noProof="0" dirty="0"/>
-          </a:p>
-        </p:txBody>
-      </p:sp>
-      <p:sp>
-        <p:nvSpPr>
-          <p:cNvPr id="3" name="Content Placeholder 2">
-            <a:extLst>
-              <a:ext uri="{FF2B5EF4-FFF2-40B4-BE49-F238E27FC236}">
-                <a16:creationId xmlns="" xmlns:a16="http://schemas.microsoft.com/office/drawing/2014/main" id="{1458A43B-39F0-450C-A1A9-F1EEF261FE9D}"/>
-              </a:ext>
-            </a:extLst>
-          </p:cNvPr>
-          <p:cNvSpPr>
-            <a:spLocks noGrp="1"/>
-          </p:cNvSpPr>
-          <p:nvPr>
-            <p:ph idx="1"/>
-          </p:nvPr>
-        </p:nvSpPr>
-        <p:spPr>
-          <a:xfrm>
-            <a:off x="457200" y="1219200"/>
-            <a:ext cx="8229600" cy="4911725"/>
-          </a:xfrm>
-        </p:spPr>
-        <p:txBody>
-          <a:bodyPr/>
-          <a:lstStyle/>
-          <a:p>
-            <a:r>
-              <a:rPr lang="es-CL" noProof="0" dirty="0"/>
-              <a:t>P(A)=</a:t>
-            </a:r>
-            <a:r>
-              <a:rPr lang="es-CL" noProof="0" dirty="0" err="1"/>
-              <a:t>Probability</a:t>
-            </a:r>
-            <a:r>
-              <a:rPr lang="es-CL" noProof="0" dirty="0"/>
-              <a:t> </a:t>
-            </a:r>
-            <a:r>
-              <a:rPr lang="es-CL" noProof="0" dirty="0" err="1"/>
-              <a:t>of</a:t>
-            </a:r>
-            <a:r>
-              <a:rPr lang="es-CL" noProof="0" dirty="0"/>
-              <a:t> </a:t>
-            </a:r>
-            <a:r>
-              <a:rPr lang="es-CL" noProof="0" dirty="0" err="1"/>
-              <a:t>event</a:t>
-            </a:r>
-            <a:r>
-              <a:rPr lang="es-CL" noProof="0" dirty="0"/>
-              <a:t> A</a:t>
-            </a:r>
-          </a:p>
-          <a:p>
-            <a:r>
-              <a:rPr lang="es-CL" noProof="0" dirty="0"/>
-              <a:t>P(A,B)=</a:t>
-            </a:r>
-            <a:r>
-              <a:rPr lang="es-CL" noProof="0" dirty="0" err="1"/>
-              <a:t>Probability</a:t>
-            </a:r>
-            <a:r>
-              <a:rPr lang="es-CL" noProof="0" dirty="0"/>
-              <a:t> </a:t>
-            </a:r>
-            <a:r>
-              <a:rPr lang="es-CL" noProof="0" dirty="0" err="1"/>
-              <a:t>of</a:t>
-            </a:r>
-            <a:r>
-              <a:rPr lang="es-CL" noProof="0" dirty="0"/>
-              <a:t> A and B</a:t>
-            </a:r>
-          </a:p>
-          <a:p>
-            <a:r>
-              <a:rPr lang="es-CL" noProof="0" dirty="0"/>
-              <a:t>P(A|B)=P(A,B)/P(B)   [</a:t>
-            </a:r>
-            <a:r>
-              <a:rPr lang="es-CL" noProof="0" dirty="0" err="1"/>
-              <a:t>conditional</a:t>
-            </a:r>
-            <a:r>
-              <a:rPr lang="es-CL" noProof="0" dirty="0"/>
-              <a:t> </a:t>
-            </a:r>
-            <a:r>
-              <a:rPr lang="es-CL" noProof="0" dirty="0" err="1"/>
-              <a:t>probability</a:t>
-            </a:r>
-            <a:r>
-              <a:rPr lang="es-CL" noProof="0" dirty="0"/>
-              <a:t>]</a:t>
-            </a:r>
-          </a:p>
-          <a:p>
-            <a:r>
-              <a:rPr lang="es-CL" noProof="0" dirty="0" err="1"/>
-              <a:t>If</a:t>
-            </a:r>
-            <a:r>
-              <a:rPr lang="es-CL" noProof="0" dirty="0"/>
-              <a:t> </a:t>
-            </a:r>
-            <a:r>
-              <a:rPr lang="es-CL" noProof="0" dirty="0" err="1"/>
-              <a:t>event</a:t>
-            </a:r>
-            <a:r>
-              <a:rPr lang="es-CL" noProof="0" dirty="0"/>
-              <a:t> </a:t>
-            </a:r>
-            <a:r>
-              <a:rPr lang="es-CL" noProof="0" dirty="0" err="1"/>
-              <a:t>is</a:t>
-            </a:r>
-            <a:r>
-              <a:rPr lang="es-CL" noProof="0" dirty="0"/>
-              <a:t> </a:t>
-            </a:r>
-            <a:r>
-              <a:rPr lang="es-CL" noProof="0" dirty="0" err="1"/>
-              <a:t>continuous</a:t>
-            </a:r>
-            <a:r>
-              <a:rPr lang="es-CL" noProof="0" dirty="0"/>
-              <a:t>, </a:t>
-            </a:r>
-            <a:r>
-              <a:rPr lang="es-CL" noProof="0" dirty="0" err="1"/>
-              <a:t>it</a:t>
-            </a:r>
-            <a:r>
-              <a:rPr lang="es-CL" noProof="0" dirty="0"/>
-              <a:t> </a:t>
-            </a:r>
-            <a:r>
-              <a:rPr lang="es-CL" noProof="0" dirty="0" err="1"/>
-              <a:t>is</a:t>
-            </a:r>
-            <a:r>
-              <a:rPr lang="es-CL" noProof="0" dirty="0"/>
-              <a:t> </a:t>
-            </a:r>
-            <a:r>
-              <a:rPr lang="es-CL" noProof="0" dirty="0" err="1"/>
-              <a:t>probability</a:t>
-            </a:r>
-            <a:r>
-              <a:rPr lang="es-CL" noProof="0" dirty="0"/>
-              <a:t> </a:t>
-            </a:r>
-            <a:r>
-              <a:rPr lang="es-CL" b="1" noProof="0" dirty="0" err="1"/>
-              <a:t>density</a:t>
-            </a:r>
-            <a:endParaRPr lang="es-CL" b="1" noProof="0" dirty="0"/>
-          </a:p>
-          <a:p>
-            <a:r>
-              <a:rPr lang="es-CL" noProof="0" dirty="0" err="1"/>
-              <a:t>If</a:t>
-            </a:r>
-            <a:r>
-              <a:rPr lang="es-CL" noProof="0" dirty="0"/>
-              <a:t> </a:t>
-            </a:r>
-            <a:r>
-              <a:rPr lang="es-CL" noProof="0" dirty="0" err="1"/>
-              <a:t>discrete</a:t>
-            </a:r>
-            <a:r>
-              <a:rPr lang="es-CL" noProof="0" dirty="0"/>
-              <a:t>, </a:t>
-            </a:r>
-            <a:r>
-              <a:rPr lang="es-CL" noProof="0" dirty="0" err="1"/>
-              <a:t>it</a:t>
-            </a:r>
-            <a:r>
-              <a:rPr lang="es-CL" noProof="0" dirty="0"/>
-              <a:t> </a:t>
-            </a:r>
-            <a:r>
-              <a:rPr lang="es-CL" noProof="0" dirty="0" err="1"/>
-              <a:t>is</a:t>
-            </a:r>
-            <a:r>
-              <a:rPr lang="es-CL" noProof="0" dirty="0"/>
-              <a:t> </a:t>
-            </a:r>
-            <a:r>
-              <a:rPr lang="es-CL" noProof="0" dirty="0" err="1"/>
-              <a:t>probability</a:t>
-            </a:r>
-            <a:r>
-              <a:rPr lang="es-CL" noProof="0" dirty="0"/>
-              <a:t> </a:t>
-            </a:r>
-            <a:r>
-              <a:rPr lang="es-CL" b="1" noProof="0" dirty="0" err="1"/>
-              <a:t>mass</a:t>
-            </a:r>
-            <a:endParaRPr lang="es-CL" b="1" noProof="0" dirty="0"/>
-          </a:p>
-          <a:p>
-            <a:pPr marL="0" indent="0">
-              <a:buNone/>
-            </a:pPr>
-            <a:endParaRPr lang="es-CL" noProof="0" dirty="0"/>
-          </a:p>
-        </p:txBody>
-      </p:sp>
-      <p:sp>
-        <p:nvSpPr>
-          <p:cNvPr id="4" name="Slide Number Placeholder 3">
-            <a:extLst>
-              <a:ext uri="{FF2B5EF4-FFF2-40B4-BE49-F238E27FC236}">
-                <a16:creationId xmlns="" xmlns:a16="http://schemas.microsoft.com/office/drawing/2014/main" id="{B607949D-1BF8-436E-834D-CB927CF5CDC8}"/>
-              </a:ext>
-            </a:extLst>
-          </p:cNvPr>
-          <p:cNvSpPr>
-            <a:spLocks noGrp="1"/>
-          </p:cNvSpPr>
-          <p:nvPr>
-            <p:ph type="sldNum" sz="quarter" idx="12"/>
-          </p:nvPr>
-        </p:nvSpPr>
-        <p:spPr/>
-        <p:txBody>
-          <a:bodyPr/>
-          <a:lstStyle/>
-          <a:p>
-            <a:fld id="{2F5854F6-968A-43DD-98AD-2128488B7BB7}" type="slidenum">
-              <a:rPr lang="en-US" smtClean="0"/>
-              <a:t>16</a:t>
-            </a:fld>
-            <a:endParaRPr lang="en-US"/>
-          </a:p>
-        </p:txBody>
-      </p:sp>
-      <p:graphicFrame>
-        <p:nvGraphicFramePr>
-          <p:cNvPr id="5" name="Object 4">
-            <a:extLst>
-              <a:ext uri="{FF2B5EF4-FFF2-40B4-BE49-F238E27FC236}">
-                <a16:creationId xmlns="" xmlns:a16="http://schemas.microsoft.com/office/drawing/2014/main" id="{871A0B14-87C6-4452-B778-BA64D86F24DC}"/>
-              </a:ext>
-            </a:extLst>
-          </p:cNvPr>
-          <p:cNvGraphicFramePr>
-            <a:graphicFrameLocks noChangeAspect="1"/>
-          </p:cNvGraphicFramePr>
-          <p:nvPr>
-            <p:extLst/>
-          </p:nvPr>
-        </p:nvGraphicFramePr>
-        <p:xfrm>
-          <a:off x="1704975" y="4098278"/>
-          <a:ext cx="3313592" cy="2089004"/>
-        </p:xfrm>
-        <a:graphic>
-          <a:graphicData uri="http://schemas.openxmlformats.org/presentationml/2006/ole">
-            <mc:AlternateContent xmlns:mc="http://schemas.openxmlformats.org/markup-compatibility/2006">
-              <mc:Choice xmlns:v="urn:schemas-microsoft-com:vml" Requires="v">
-                <p:oleObj spid="_x0000_s1027" name="Equation" r:id="rId3" imgW="1168200" imgH="736560" progId="Equation.DSMT4">
-                  <p:embed/>
-                </p:oleObj>
-              </mc:Choice>
-              <mc:Fallback>
-                <p:oleObj name="Equation" r:id="rId3" imgW="1168200" imgH="736560" progId="Equation.DSMT4">
-                  <p:embed/>
-                  <p:pic>
-                    <p:nvPicPr>
-                      <p:cNvPr id="0" name=""/>
-                      <p:cNvPicPr/>
-                      <p:nvPr/>
-                    </p:nvPicPr>
-                    <p:blipFill>
-                      <a:blip r:embed="rId4"/>
-                      <a:stretch>
-                        <a:fillRect/>
-                      </a:stretch>
-                    </p:blipFill>
-                    <p:spPr>
-                      <a:xfrm>
-                        <a:off x="1704975" y="4098278"/>
-                        <a:ext cx="3313592" cy="2089004"/>
-                      </a:xfrm>
-                      <a:prstGeom prst="rect">
-                        <a:avLst/>
-                      </a:prstGeom>
-                    </p:spPr>
-                  </p:pic>
-                </p:oleObj>
-              </mc:Fallback>
-            </mc:AlternateContent>
-          </a:graphicData>
-        </a:graphic>
-      </p:graphicFrame>
-      <p:sp>
-        <p:nvSpPr>
-          <p:cNvPr id="6" name="TextBox 5">
-            <a:extLst>
-              <a:ext uri="{FF2B5EF4-FFF2-40B4-BE49-F238E27FC236}">
-                <a16:creationId xmlns="" xmlns:a16="http://schemas.microsoft.com/office/drawing/2014/main" id="{56FEC291-188A-4C6E-ABF2-A799330527F2}"/>
-              </a:ext>
-            </a:extLst>
-          </p:cNvPr>
-          <p:cNvSpPr txBox="1"/>
-          <p:nvPr/>
-        </p:nvSpPr>
-        <p:spPr>
-          <a:xfrm>
-            <a:off x="5357479" y="4624498"/>
-            <a:ext cx="2848933" cy="850605"/>
-          </a:xfrm>
-          <a:prstGeom prst="rect">
-            <a:avLst/>
-          </a:prstGeom>
-          <a:noFill/>
-        </p:spPr>
-        <p:txBody>
-          <a:bodyPr wrap="square" rtlCol="0">
-            <a:spAutoFit/>
-          </a:bodyPr>
-          <a:lstStyle/>
-          <a:p>
-            <a:r>
-              <a:rPr lang="en-US" sz="2400" dirty="0"/>
-              <a:t>Law of total probability</a:t>
-            </a:r>
-          </a:p>
-        </p:txBody>
-      </p:sp>
-    </p:spTree>
-    <p:extLst>
-      <p:ext uri="{BB962C8B-B14F-4D97-AF65-F5344CB8AC3E}">
-        <p14:creationId xmlns:p14="http://schemas.microsoft.com/office/powerpoint/2010/main" val="3973779097"/>
-      </p:ext>
-    </p:extLst>
-  </p:cSld>
-  <p:clrMapOvr>
-    <a:masterClrMapping/>
-  </p:clrMapOvr>
-</p:sld>
-</file>
-
-<file path=ppt/slides/slide17.xml><?xml version="1.0" encoding="utf-8"?>
-<p:sld xmlns:a="http://schemas.openxmlformats.org/drawingml/2006/main" xmlns:r="http://schemas.openxmlformats.org/officeDocument/2006/relationships" xmlns:p="http://schemas.openxmlformats.org/presentationml/2006/main">
-  <p:cSld>
-    <p:spTree>
-      <p:nvGrpSpPr>
-        <p:cNvPr id="1" name=""/>
-        <p:cNvGrpSpPr/>
-        <p:nvPr/>
-      </p:nvGrpSpPr>
-      <p:grpSpPr>
-        <a:xfrm>
-          <a:off x="0" y="0"/>
-          <a:ext cx="0" cy="0"/>
-          <a:chOff x="0" y="0"/>
-          <a:chExt cx="0" cy="0"/>
-        </a:xfrm>
-      </p:grpSpPr>
-      <p:sp>
-        <p:nvSpPr>
-          <p:cNvPr id="2" name="Title 1">
-            <a:extLst>
-              <a:ext uri="{FF2B5EF4-FFF2-40B4-BE49-F238E27FC236}">
-                <a16:creationId xmlns:a16="http://schemas.microsoft.com/office/drawing/2014/main" xmlns="" id="{85912599-B709-4D2B-BFDD-22D698B61C4A}"/>
-              </a:ext>
-            </a:extLst>
-          </p:cNvPr>
-          <p:cNvSpPr>
-            <a:spLocks noGrp="1"/>
-          </p:cNvSpPr>
-          <p:nvPr>
-            <p:ph type="title"/>
-          </p:nvPr>
-        </p:nvSpPr>
-        <p:spPr/>
-        <p:txBody>
-          <a:bodyPr/>
-          <a:lstStyle/>
-          <a:p>
-            <a:r>
-              <a:rPr lang="en-US" dirty="0" smtClean="0"/>
-              <a:t>Randomness in R</a:t>
-            </a:r>
-            <a:endParaRPr lang="en-US" dirty="0"/>
-          </a:p>
-        </p:txBody>
-      </p:sp>
-      <p:sp>
-        <p:nvSpPr>
-          <p:cNvPr id="3" name="Content Placeholder 2">
-            <a:extLst>
-              <a:ext uri="{FF2B5EF4-FFF2-40B4-BE49-F238E27FC236}">
-                <a16:creationId xmlns:a16="http://schemas.microsoft.com/office/drawing/2014/main" xmlns="" id="{FECCC0C2-4089-4F18-94F7-ED739588728C}"/>
-              </a:ext>
-            </a:extLst>
-          </p:cNvPr>
-          <p:cNvSpPr>
-            <a:spLocks noGrp="1"/>
-          </p:cNvSpPr>
-          <p:nvPr>
-            <p:ph idx="1"/>
-          </p:nvPr>
-        </p:nvSpPr>
-        <p:spPr/>
-        <p:txBody>
-          <a:bodyPr>
-            <a:normAutofit/>
-          </a:bodyPr>
-          <a:lstStyle/>
-          <a:p>
-            <a:r>
-              <a:rPr lang="en-US" dirty="0" smtClean="0"/>
-              <a:t>Function review</a:t>
-            </a:r>
-          </a:p>
-          <a:p>
-            <a:pPr lvl="1"/>
-            <a:r>
-              <a:rPr lang="en-US" dirty="0" err="1" smtClean="0"/>
-              <a:t>Rnorm</a:t>
-            </a:r>
-            <a:r>
-              <a:rPr lang="en-US" dirty="0" smtClean="0"/>
-              <a:t> – generate random samples</a:t>
-            </a:r>
-          </a:p>
-          <a:p>
-            <a:pPr lvl="1"/>
-            <a:r>
-              <a:rPr lang="en-US" dirty="0" err="1" smtClean="0"/>
-              <a:t>Dnorm</a:t>
-            </a:r>
-            <a:r>
-              <a:rPr lang="en-US" dirty="0" smtClean="0"/>
-              <a:t> – probability density</a:t>
-            </a:r>
-          </a:p>
-          <a:p>
-            <a:pPr lvl="1"/>
-            <a:r>
-              <a:rPr lang="en-US" dirty="0" err="1" smtClean="0"/>
-              <a:t>Pnorm</a:t>
-            </a:r>
-            <a:r>
-              <a:rPr lang="en-US" dirty="0" smtClean="0"/>
-              <a:t> – probabilities</a:t>
-            </a:r>
-          </a:p>
-          <a:p>
-            <a:pPr lvl="1"/>
-            <a:r>
-              <a:rPr lang="en-US" dirty="0" err="1" smtClean="0"/>
-              <a:t>Qnorm</a:t>
-            </a:r>
-            <a:r>
-              <a:rPr lang="en-US" dirty="0" smtClean="0"/>
-              <a:t> – quantiles</a:t>
-            </a:r>
-          </a:p>
-          <a:p>
-            <a:endParaRPr lang="en-US" dirty="0"/>
-          </a:p>
-        </p:txBody>
-      </p:sp>
-      <p:sp>
-        <p:nvSpPr>
-          <p:cNvPr id="4" name="Slide Number Placeholder 3">
-            <a:extLst>
-              <a:ext uri="{FF2B5EF4-FFF2-40B4-BE49-F238E27FC236}">
-                <a16:creationId xmlns:a16="http://schemas.microsoft.com/office/drawing/2014/main" xmlns="" id="{6DCC37D5-C19C-405F-B23C-8EB90CB6ABED}"/>
-              </a:ext>
-            </a:extLst>
-          </p:cNvPr>
-          <p:cNvSpPr>
-            <a:spLocks noGrp="1"/>
-          </p:cNvSpPr>
-          <p:nvPr>
-            <p:ph type="sldNum" sz="quarter" idx="12"/>
-          </p:nvPr>
-        </p:nvSpPr>
-        <p:spPr/>
-        <p:txBody>
-          <a:bodyPr/>
-          <a:lstStyle/>
-          <a:p>
-            <a:fld id="{A90099C9-4CB8-9A40-B745-9AB270505907}" type="slidenum">
-              <a:rPr lang="en-US" smtClean="0"/>
-              <a:t>17</a:t>
-            </a:fld>
-            <a:endParaRPr lang="en-US"/>
-          </a:p>
-        </p:txBody>
-      </p:sp>
-    </p:spTree>
-    <p:extLst>
-      <p:ext uri="{BB962C8B-B14F-4D97-AF65-F5344CB8AC3E}">
-        <p14:creationId xmlns:p14="http://schemas.microsoft.com/office/powerpoint/2010/main" val="3472202667"/>
-      </p:ext>
-    </p:extLst>
-  </p:cSld>
-  <p:clrMapOvr>
-    <a:masterClrMapping/>
-  </p:clrMapOvr>
-</p:sld>
-</file>
-
-<file path=ppt/slides/slide18.xml><?xml version="1.0" encoding="utf-8"?>
-<p:sld xmlns:a="http://schemas.openxmlformats.org/drawingml/2006/main" xmlns:r="http://schemas.openxmlformats.org/officeDocument/2006/relationships" xmlns:p="http://schemas.openxmlformats.org/presentationml/2006/main">
-  <p:cSld>
-    <p:spTree>
-      <p:nvGrpSpPr>
-        <p:cNvPr id="1" name=""/>
-        <p:cNvGrpSpPr/>
-        <p:nvPr/>
-      </p:nvGrpSpPr>
-      <p:grpSpPr>
-        <a:xfrm>
-          <a:off x="0" y="0"/>
-          <a:ext cx="0" cy="0"/>
-          <a:chOff x="0" y="0"/>
-          <a:chExt cx="0" cy="0"/>
-        </a:xfrm>
-      </p:grpSpPr>
-      <p:sp>
-        <p:nvSpPr>
-          <p:cNvPr id="2" name="Title 1">
-            <a:extLst>
-              <a:ext uri="{FF2B5EF4-FFF2-40B4-BE49-F238E27FC236}">
-                <a16:creationId xmlns:a16="http://schemas.microsoft.com/office/drawing/2014/main" xmlns="" id="{8C2C8A96-85A4-4FC4-B33C-A44B37007557}"/>
-              </a:ext>
-            </a:extLst>
-          </p:cNvPr>
-          <p:cNvSpPr>
-            <a:spLocks noGrp="1"/>
-          </p:cNvSpPr>
-          <p:nvPr>
-            <p:ph type="title"/>
-          </p:nvPr>
-        </p:nvSpPr>
-        <p:spPr/>
-        <p:txBody>
-          <a:bodyPr/>
-          <a:lstStyle/>
-          <a:p>
-            <a:r>
-              <a:rPr lang="en-US" dirty="0"/>
-              <a:t>Review of key concepts</a:t>
-            </a:r>
-          </a:p>
-        </p:txBody>
-      </p:sp>
-      <p:sp>
-        <p:nvSpPr>
-          <p:cNvPr id="3" name="Content Placeholder 2">
-            <a:extLst>
-              <a:ext uri="{FF2B5EF4-FFF2-40B4-BE49-F238E27FC236}">
-                <a16:creationId xmlns:a16="http://schemas.microsoft.com/office/drawing/2014/main" xmlns="" id="{8AE79BED-0639-40D3-8E92-030D2742C4EC}"/>
-              </a:ext>
-            </a:extLst>
-          </p:cNvPr>
-          <p:cNvSpPr>
-            <a:spLocks noGrp="1"/>
-          </p:cNvSpPr>
-          <p:nvPr>
-            <p:ph idx="1"/>
-          </p:nvPr>
-        </p:nvSpPr>
-        <p:spPr>
-          <a:xfrm>
-            <a:off x="457200" y="1417638"/>
-            <a:ext cx="8229600" cy="4530725"/>
-          </a:xfrm>
-        </p:spPr>
-        <p:txBody>
-          <a:bodyPr/>
-          <a:lstStyle/>
-          <a:p>
-            <a:r>
-              <a:rPr lang="en-US" dirty="0" smtClean="0"/>
-              <a:t>To</a:t>
-            </a:r>
-            <a:endParaRPr lang="en-US" dirty="0"/>
-          </a:p>
-        </p:txBody>
-      </p:sp>
-      <p:sp>
-        <p:nvSpPr>
-          <p:cNvPr id="4" name="Slide Number Placeholder 3">
-            <a:extLst>
-              <a:ext uri="{FF2B5EF4-FFF2-40B4-BE49-F238E27FC236}">
-                <a16:creationId xmlns:a16="http://schemas.microsoft.com/office/drawing/2014/main" xmlns="" id="{E6A8618B-B9B1-4A31-9BEE-0CC8E029A095}"/>
-              </a:ext>
-            </a:extLst>
-          </p:cNvPr>
-          <p:cNvSpPr>
-            <a:spLocks noGrp="1"/>
-          </p:cNvSpPr>
-          <p:nvPr>
-            <p:ph type="sldNum" sz="quarter" idx="12"/>
-          </p:nvPr>
-        </p:nvSpPr>
-        <p:spPr/>
-        <p:txBody>
-          <a:bodyPr/>
-          <a:lstStyle/>
-          <a:p>
-            <a:fld id="{A90099C9-4CB8-9A40-B745-9AB270505907}" type="slidenum">
-              <a:rPr lang="en-US" smtClean="0"/>
-              <a:t>18</a:t>
-            </a:fld>
-            <a:endParaRPr lang="en-US"/>
-          </a:p>
-        </p:txBody>
-      </p:sp>
-    </p:spTree>
-    <p:extLst>
-      <p:ext uri="{BB962C8B-B14F-4D97-AF65-F5344CB8AC3E}">
-        <p14:creationId xmlns:p14="http://schemas.microsoft.com/office/powerpoint/2010/main" val="2487132151"/>
-      </p:ext>
-    </p:extLst>
-  </p:cSld>
-  <p:clrMapOvr>
-    <a:masterClrMapping/>
-  </p:clrMapOvr>
-</p:sld>
-</file>
-
-<file path=ppt/slides/slide19.xml><?xml version="1.0" encoding="utf-8"?>
-<p:sld xmlns:a="http://schemas.openxmlformats.org/drawingml/2006/main" xmlns:r="http://schemas.openxmlformats.org/officeDocument/2006/relationships" xmlns:p="http://schemas.openxmlformats.org/presentationml/2006/main">
-  <p:cSld>
-    <p:spTree>
-      <p:nvGrpSpPr>
-        <p:cNvPr id="1" name=""/>
-        <p:cNvGrpSpPr/>
-        <p:nvPr/>
-      </p:nvGrpSpPr>
-      <p:grpSpPr>
-        <a:xfrm>
-          <a:off x="0" y="0"/>
-          <a:ext cx="0" cy="0"/>
-          <a:chOff x="0" y="0"/>
-          <a:chExt cx="0" cy="0"/>
-        </a:xfrm>
-      </p:grpSpPr>
-      <p:sp>
-        <p:nvSpPr>
-          <p:cNvPr id="2" name="Title 1">
-            <a:extLst>
-              <a:ext uri="{FF2B5EF4-FFF2-40B4-BE49-F238E27FC236}">
-                <a16:creationId xmlns:a16="http://schemas.microsoft.com/office/drawing/2014/main" xmlns="" id="{3F85E31D-5021-4B9C-A2F6-6670EA453677}"/>
-              </a:ext>
-            </a:extLst>
-          </p:cNvPr>
-          <p:cNvSpPr>
-            <a:spLocks noGrp="1"/>
-          </p:cNvSpPr>
-          <p:nvPr>
-            <p:ph type="title"/>
-          </p:nvPr>
-        </p:nvSpPr>
-        <p:spPr>
-          <a:xfrm>
-            <a:off x="628650" y="164592"/>
-            <a:ext cx="7886700" cy="1325563"/>
-          </a:xfrm>
-        </p:spPr>
-        <p:txBody>
-          <a:bodyPr/>
-          <a:lstStyle/>
-          <a:p>
-            <a:r>
-              <a:rPr lang="en-US" b="1" dirty="0"/>
-              <a:t>Exercise</a:t>
-            </a:r>
-          </a:p>
-        </p:txBody>
-      </p:sp>
-      <p:sp>
-        <p:nvSpPr>
-          <p:cNvPr id="3" name="Content Placeholder 2">
-            <a:extLst>
-              <a:ext uri="{FF2B5EF4-FFF2-40B4-BE49-F238E27FC236}">
-                <a16:creationId xmlns:a16="http://schemas.microsoft.com/office/drawing/2014/main" xmlns="" id="{28B492CE-B56B-411E-ACCC-F83AC37AA46D}"/>
-              </a:ext>
-            </a:extLst>
-          </p:cNvPr>
-          <p:cNvSpPr>
-            <a:spLocks noGrp="1"/>
-          </p:cNvSpPr>
-          <p:nvPr>
-            <p:ph idx="1"/>
-          </p:nvPr>
-        </p:nvSpPr>
-        <p:spPr>
-          <a:xfrm>
-            <a:off x="628650" y="1085851"/>
-            <a:ext cx="7886700" cy="1459832"/>
-          </a:xfrm>
-        </p:spPr>
-        <p:txBody>
-          <a:bodyPr/>
-          <a:lstStyle/>
-          <a:p>
-            <a:r>
-              <a:rPr lang="en-US" dirty="0"/>
-              <a:t>Use </a:t>
-            </a:r>
-            <a:r>
-              <a:rPr lang="en-US" dirty="0" err="1" smtClean="0"/>
-              <a:t>rnorm</a:t>
-            </a:r>
-            <a:r>
-              <a:rPr lang="en-US" dirty="0" smtClean="0"/>
-              <a:t> to plot density vs finite </a:t>
-            </a:r>
-            <a:endParaRPr lang="en-US" dirty="0"/>
-          </a:p>
-          <a:p>
-            <a:r>
-              <a:rPr lang="en-US" dirty="0"/>
-              <a:t>Hint</a:t>
-            </a:r>
-            <a:r>
-              <a:rPr lang="en-US" dirty="0" smtClean="0"/>
-              <a:t>: </a:t>
-            </a:r>
-            <a:r>
-              <a:rPr lang="en-US" dirty="0" smtClean="0"/>
-              <a:t>look up argument </a:t>
-            </a:r>
-            <a:r>
-              <a:rPr lang="en-US" dirty="0" err="1" smtClean="0"/>
-              <a:t>prob</a:t>
-            </a:r>
-            <a:r>
-              <a:rPr lang="en-US" dirty="0" smtClean="0"/>
-              <a:t>=TRUE </a:t>
-            </a:r>
-            <a:r>
-              <a:rPr lang="en-US" dirty="0" smtClean="0"/>
-              <a:t>in </a:t>
-            </a:r>
-            <a:r>
-              <a:rPr lang="en-US" dirty="0" err="1" smtClean="0"/>
-              <a:t>hist</a:t>
-            </a:r>
-            <a:r>
-              <a:rPr lang="en-US" dirty="0" smtClean="0"/>
-              <a:t>()</a:t>
-            </a:r>
-            <a:endParaRPr lang="en-US" dirty="0"/>
-          </a:p>
-          <a:p>
-            <a:endParaRPr lang="en-US" dirty="0"/>
-          </a:p>
-          <a:p>
-            <a:endParaRPr lang="en-US" dirty="0"/>
-          </a:p>
-        </p:txBody>
-      </p:sp>
-      <p:sp>
-        <p:nvSpPr>
-          <p:cNvPr id="4" name="Slide Number Placeholder 3">
-            <a:extLst>
-              <a:ext uri="{FF2B5EF4-FFF2-40B4-BE49-F238E27FC236}">
-                <a16:creationId xmlns:a16="http://schemas.microsoft.com/office/drawing/2014/main" xmlns="" id="{BD9D5B62-D3A3-4A35-8CF4-6C1E2C7FCA0C}"/>
-              </a:ext>
-            </a:extLst>
-          </p:cNvPr>
-          <p:cNvSpPr>
-            <a:spLocks noGrp="1"/>
-          </p:cNvSpPr>
-          <p:nvPr>
-            <p:ph type="sldNum" sz="quarter" idx="12"/>
-          </p:nvPr>
-        </p:nvSpPr>
-        <p:spPr/>
-        <p:txBody>
-          <a:bodyPr/>
-          <a:lstStyle/>
-          <a:p>
-            <a:fld id="{A90099C9-4CB8-9A40-B745-9AB270505907}" type="slidenum">
-              <a:rPr lang="en-US" smtClean="0"/>
-              <a:t>19</a:t>
-            </a:fld>
-            <a:endParaRPr lang="en-US"/>
-          </a:p>
-        </p:txBody>
-      </p:sp>
-    </p:spTree>
-    <p:extLst>
-      <p:ext uri="{BB962C8B-B14F-4D97-AF65-F5344CB8AC3E}">
-        <p14:creationId xmlns:p14="http://schemas.microsoft.com/office/powerpoint/2010/main" val="419423991"/>
+        <p14:creationId xmlns:p14="http://schemas.microsoft.com/office/powerpoint/2010/main" val="4157158810"/>
       </p:ext>
     </p:extLst>
   </p:cSld>
@@ -7841,7 +6353,13 @@
       </p:grpSpPr>
       <p:sp>
         <p:nvSpPr>
-          <p:cNvPr id="4" name="Title 3"/>
+          <p:cNvPr id="2" name="Title 1">
+            <a:extLst>
+              <a:ext uri="{FF2B5EF4-FFF2-40B4-BE49-F238E27FC236}">
+                <a16:creationId xmlns:a16="http://schemas.microsoft.com/office/drawing/2014/main" xmlns="" id="{E58841CB-F12A-49AE-A0F6-FC905252F346}"/>
+              </a:ext>
+            </a:extLst>
+          </p:cNvPr>
           <p:cNvSpPr>
             <a:spLocks noGrp="1"/>
           </p:cNvSpPr>
@@ -7855,15 +6373,22 @@
           <a:lstStyle/>
           <a:p>
             <a:r>
-              <a:rPr lang="es-CL" noProof="0" dirty="0"/>
-              <a:t>Mi formación</a:t>
-            </a:r>
-          </a:p>
-        </p:txBody>
-      </p:sp>
-      <p:sp>
-        <p:nvSpPr>
-          <p:cNvPr id="5" name="Content Placeholder 4"/>
+              <a:rPr lang="es-CL" dirty="0"/>
+              <a:t>Estadísticas frecuentes (clásicas) </a:t>
+            </a:r>
+            <a:endParaRPr lang="es-CL" noProof="0" dirty="0"/>
+          </a:p>
+        </p:txBody>
+      </p:sp>
+      <p:sp>
+        <p:nvSpPr>
+          <p:cNvPr id="3" name="Content Placeholder 2">
+            <a:extLst>
+              <a:ext uri="{FF2B5EF4-FFF2-40B4-BE49-F238E27FC236}">
+                <a16:creationId xmlns:a16="http://schemas.microsoft.com/office/drawing/2014/main" xmlns="" id="{2BAA9235-4720-4EA9-AAB8-5711BE621A8E}"/>
+              </a:ext>
+            </a:extLst>
+          </p:cNvPr>
           <p:cNvSpPr>
             <a:spLocks noGrp="1"/>
           </p:cNvSpPr>
@@ -7874,245 +6399,141 @@
         <p:spPr>
           <a:xfrm>
             <a:off x="457200" y="1600200"/>
-            <a:ext cx="8229600" cy="4800599"/>
+            <a:ext cx="8229600" cy="4530725"/>
           </a:xfrm>
         </p:spPr>
         <p:txBody>
-          <a:bodyPr>
-            <a:normAutofit/>
-          </a:bodyPr>
+          <a:bodyPr/>
           <a:lstStyle/>
           <a:p>
-            <a:pPr>
-              <a:buNone/>
-            </a:pPr>
-            <a:r>
-              <a:rPr lang="es-CL" sz="2400" u="sng" noProof="0" dirty="0"/>
-              <a:t>Formación Académica</a:t>
-            </a:r>
-          </a:p>
-          <a:p>
-            <a:pPr>
-              <a:buNone/>
-            </a:pPr>
-            <a:r>
-              <a:rPr lang="es-CL" sz="2400" noProof="0" dirty="0" err="1"/>
-              <a:t>University</a:t>
-            </a:r>
-            <a:r>
-              <a:rPr lang="es-CL" sz="2400" noProof="0" dirty="0"/>
+            <a:endParaRPr lang="es-CL" noProof="0" dirty="0"/>
+          </a:p>
+          <a:p>
+            <a:r>
+              <a:rPr lang="es-CL" noProof="0" dirty="0"/>
+              <a:t>Mas común paradigma de inferencia, con larga historia </a:t>
+            </a:r>
+          </a:p>
+          <a:p>
+            <a:r>
+              <a:rPr lang="es-CL" dirty="0"/>
+              <a:t>Normalmente usas el método máxima verosimilitud</a:t>
+            </a:r>
+            <a:endParaRPr lang="es-CL" noProof="0" dirty="0"/>
+          </a:p>
+          <a:p>
+            <a:r>
+              <a:rPr lang="es-CL" noProof="0" dirty="0"/>
+              <a:t>Piensa: linear </a:t>
+            </a:r>
+            <a:r>
+              <a:rPr lang="es-CL" noProof="0" dirty="0" err="1"/>
+              <a:t>models</a:t>
+            </a:r>
+            <a:r>
+              <a:rPr lang="es-CL" noProof="0" dirty="0"/>
+              <a:t>, </a:t>
+            </a:r>
+            <a:r>
+              <a:rPr lang="es-CL" noProof="0" dirty="0" err="1"/>
+              <a:t>generalized</a:t>
+            </a:r>
+            <a:r>
+              <a:rPr lang="es-CL" noProof="0" dirty="0"/>
+              <a:t> linear </a:t>
+            </a:r>
+            <a:r>
+              <a:rPr lang="es-CL" noProof="0" dirty="0" err="1"/>
+              <a:t>models</a:t>
+            </a:r>
+            <a:r>
+              <a:rPr lang="es-CL" noProof="0" dirty="0"/>
+              <a:t>, AIC, p-</a:t>
+            </a:r>
+            <a:r>
+              <a:rPr lang="es-CL" noProof="0" dirty="0" err="1"/>
+              <a:t>values</a:t>
+            </a:r>
+            <a:r>
+              <a:rPr lang="es-CL" noProof="0" dirty="0"/>
+              <a:t>, </a:t>
+            </a:r>
+            <a:r>
+              <a:rPr lang="es-CL" noProof="0" dirty="0" err="1"/>
+              <a:t>confidence</a:t>
+            </a:r>
+            <a:r>
+              <a:rPr lang="es-CL" noProof="0" dirty="0"/>
               <a:t> </a:t>
             </a:r>
             <a:r>
-              <a:rPr lang="es-CL" sz="2400" noProof="0" dirty="0" err="1"/>
-              <a:t>of</a:t>
-            </a:r>
-            <a:r>
-              <a:rPr lang="es-CL" sz="2400" noProof="0" dirty="0"/>
-              <a:t> Washington, M.S.&amp; PhD</a:t>
-            </a:r>
-          </a:p>
-          <a:p>
-            <a:pPr>
-              <a:buNone/>
-            </a:pPr>
-            <a:r>
-              <a:rPr lang="es-CL" sz="2400" noProof="0" dirty="0" err="1"/>
-              <a:t>Quantitative</a:t>
-            </a:r>
-            <a:r>
-              <a:rPr lang="es-CL" sz="2400" noProof="0" dirty="0"/>
+              <a:rPr lang="es-CL" noProof="0" dirty="0" err="1"/>
+              <a:t>intervals</a:t>
+            </a:r>
+            <a:r>
+              <a:rPr lang="es-CL" noProof="0" dirty="0"/>
+              <a:t>, </a:t>
+            </a:r>
+            <a:r>
+              <a:rPr lang="es-CL" noProof="0" dirty="0" err="1"/>
+              <a:t>hypothesis</a:t>
+            </a:r>
+            <a:r>
+              <a:rPr lang="es-CL" noProof="0" dirty="0"/>
               <a:t> </a:t>
             </a:r>
             <a:r>
-              <a:rPr lang="es-CL" sz="2400" noProof="0" dirty="0" err="1"/>
-              <a:t>Ecology</a:t>
-            </a:r>
-            <a:endParaRPr lang="es-CL" sz="2400" noProof="0" dirty="0"/>
-          </a:p>
-          <a:p>
-            <a:pPr>
-              <a:buNone/>
-            </a:pPr>
-            <a:endParaRPr lang="es-CL" sz="2400" noProof="0" dirty="0"/>
-          </a:p>
-          <a:p>
-            <a:pPr>
-              <a:buNone/>
-            </a:pPr>
-            <a:r>
-              <a:rPr lang="es-CL" sz="2400" u="sng" noProof="0" dirty="0"/>
-              <a:t>Actividades Laborales</a:t>
-            </a:r>
-          </a:p>
-          <a:p>
-            <a:pPr>
-              <a:buNone/>
-            </a:pPr>
-            <a:r>
-              <a:rPr lang="es-CL" sz="2400" noProof="0" dirty="0"/>
-              <a:t>Post-</a:t>
-            </a:r>
-            <a:r>
-              <a:rPr lang="es-CL" sz="2400" noProof="0" dirty="0" err="1"/>
-              <a:t>doc</a:t>
-            </a:r>
-            <a:r>
-              <a:rPr lang="es-CL" sz="2400" noProof="0" dirty="0"/>
-              <a:t> con Billy Ernst (</a:t>
-            </a:r>
-            <a:r>
-              <a:rPr lang="es-CL" sz="2400" noProof="0" dirty="0" err="1"/>
-              <a:t>UdeC</a:t>
-            </a:r>
-            <a:r>
-              <a:rPr lang="es-CL" sz="2400" noProof="0" dirty="0"/>
-              <a:t> &amp; UW)</a:t>
-            </a:r>
-          </a:p>
-          <a:p>
-            <a:pPr>
-              <a:buNone/>
-            </a:pPr>
-            <a:endParaRPr lang="es-CL" sz="2400" noProof="0" dirty="0"/>
-          </a:p>
-          <a:p>
-            <a:pPr>
-              <a:buNone/>
-            </a:pPr>
-            <a:r>
-              <a:rPr lang="es-CL" sz="2400" u="sng" noProof="0" dirty="0"/>
-              <a:t>Conexión con Chile</a:t>
-            </a:r>
-          </a:p>
-          <a:p>
-            <a:pPr>
-              <a:buNone/>
-            </a:pPr>
-            <a:r>
-              <a:rPr lang="es-CL" sz="2400" noProof="0" dirty="0"/>
-              <a:t>Quería vivir en América Latina y aprender español. </a:t>
-            </a:r>
-            <a:endParaRPr lang="es-CL" sz="2400" i="1" noProof="0" dirty="0"/>
+              <a:rPr lang="es-CL" noProof="0" dirty="0" err="1"/>
+              <a:t>testing</a:t>
+            </a:r>
+            <a:r>
+              <a:rPr lang="es-CL" noProof="0" dirty="0"/>
+              <a:t>, </a:t>
+            </a:r>
+            <a:r>
+              <a:rPr lang="es-CL" noProof="0" dirty="0" err="1"/>
+              <a:t>significance</a:t>
+            </a:r>
+            <a:r>
+              <a:rPr lang="es-CL" noProof="0" dirty="0"/>
+              <a:t>, etc.</a:t>
+            </a:r>
+          </a:p>
+        </p:txBody>
+      </p:sp>
+      <p:sp>
+        <p:nvSpPr>
+          <p:cNvPr id="4" name="Slide Number Placeholder 3">
+            <a:extLst>
+              <a:ext uri="{FF2B5EF4-FFF2-40B4-BE49-F238E27FC236}">
+                <a16:creationId xmlns:a16="http://schemas.microsoft.com/office/drawing/2014/main" xmlns="" id="{28183925-41CE-45AE-9C75-56FB10A283D7}"/>
+              </a:ext>
+            </a:extLst>
+          </p:cNvPr>
+          <p:cNvSpPr>
+            <a:spLocks noGrp="1"/>
+          </p:cNvSpPr>
+          <p:nvPr>
+            <p:ph type="sldNum" sz="quarter" idx="12"/>
+          </p:nvPr>
+        </p:nvSpPr>
+        <p:spPr/>
+        <p:txBody>
+          <a:bodyPr/>
+          <a:lstStyle/>
+          <a:p>
+            <a:fld id="{2F5854F6-968A-43DD-98AD-2128488B7BB7}" type="slidenum">
+              <a:rPr lang="en-US" smtClean="0"/>
+              <a:t>2</a:t>
+            </a:fld>
+            <a:endParaRPr lang="en-US"/>
           </a:p>
         </p:txBody>
       </p:sp>
     </p:spTree>
     <p:extLst>
       <p:ext uri="{BB962C8B-B14F-4D97-AF65-F5344CB8AC3E}">
-        <p14:creationId xmlns:p14="http://schemas.microsoft.com/office/powerpoint/2010/main" val="807428142"/>
-      </p:ext>
-    </p:extLst>
-  </p:cSld>
-  <p:clrMapOvr>
-    <a:masterClrMapping/>
-  </p:clrMapOvr>
-</p:sld>
-</file>
-
-<file path=ppt/slides/slide20.xml><?xml version="1.0" encoding="utf-8"?>
-<p:sld xmlns:a="http://schemas.openxmlformats.org/drawingml/2006/main" xmlns:r="http://schemas.openxmlformats.org/officeDocument/2006/relationships" xmlns:p="http://schemas.openxmlformats.org/presentationml/2006/main">
-  <p:cSld>
-    <p:spTree>
-      <p:nvGrpSpPr>
-        <p:cNvPr id="1" name=""/>
-        <p:cNvGrpSpPr/>
-        <p:nvPr/>
-      </p:nvGrpSpPr>
-      <p:grpSpPr>
-        <a:xfrm>
-          <a:off x="0" y="0"/>
-          <a:ext cx="0" cy="0"/>
-          <a:chOff x="0" y="0"/>
-          <a:chExt cx="0" cy="0"/>
-        </a:xfrm>
-      </p:grpSpPr>
-      <p:sp>
-        <p:nvSpPr>
-          <p:cNvPr id="2" name="Title 1">
-            <a:extLst>
-              <a:ext uri="{FF2B5EF4-FFF2-40B4-BE49-F238E27FC236}">
-                <a16:creationId xmlns:a16="http://schemas.microsoft.com/office/drawing/2014/main" xmlns="" id="{FCBFC5CE-BEBE-4178-A0B5-F030F3C46F4F}"/>
-              </a:ext>
-            </a:extLst>
-          </p:cNvPr>
-          <p:cNvSpPr>
-            <a:spLocks noGrp="1"/>
-          </p:cNvSpPr>
-          <p:nvPr>
-            <p:ph type="title"/>
-          </p:nvPr>
-        </p:nvSpPr>
-        <p:spPr/>
-        <p:txBody>
-          <a:bodyPr/>
-          <a:lstStyle/>
-          <a:p>
-            <a:r>
-              <a:rPr lang="en-US" dirty="0"/>
-              <a:t>Questions?</a:t>
-            </a:r>
-          </a:p>
-        </p:txBody>
-      </p:sp>
-      <p:sp>
-        <p:nvSpPr>
-          <p:cNvPr id="3" name="Content Placeholder 2">
-            <a:extLst>
-              <a:ext uri="{FF2B5EF4-FFF2-40B4-BE49-F238E27FC236}">
-                <a16:creationId xmlns:a16="http://schemas.microsoft.com/office/drawing/2014/main" xmlns="" id="{0A016C73-5DDF-46EE-ACD4-1B95CD8285D4}"/>
-              </a:ext>
-            </a:extLst>
-          </p:cNvPr>
-          <p:cNvSpPr>
-            <a:spLocks noGrp="1"/>
-          </p:cNvSpPr>
-          <p:nvPr>
-            <p:ph idx="1"/>
-          </p:nvPr>
-        </p:nvSpPr>
-        <p:spPr/>
-        <p:txBody>
-          <a:bodyPr/>
-          <a:lstStyle/>
-          <a:p>
-            <a:endParaRPr lang="en-US"/>
-          </a:p>
-        </p:txBody>
-      </p:sp>
-      <p:sp>
-        <p:nvSpPr>
-          <p:cNvPr id="4" name="Slide Number Placeholder 3">
-            <a:extLst>
-              <a:ext uri="{FF2B5EF4-FFF2-40B4-BE49-F238E27FC236}">
-                <a16:creationId xmlns:a16="http://schemas.microsoft.com/office/drawing/2014/main" xmlns="" id="{9EC15119-7A83-4B50-8E95-42B54138CF67}"/>
-              </a:ext>
-            </a:extLst>
-          </p:cNvPr>
-          <p:cNvSpPr>
-            <a:spLocks noGrp="1"/>
-          </p:cNvSpPr>
-          <p:nvPr>
-            <p:ph type="sldNum" sz="quarter" idx="12"/>
-          </p:nvPr>
-        </p:nvSpPr>
-        <p:spPr/>
-        <p:txBody>
-          <a:bodyPr/>
-          <a:lstStyle/>
-          <a:p>
-            <a:fld id="{A90099C9-4CB8-9A40-B745-9AB270505907}" type="slidenum">
-              <a:rPr lang="en-US" smtClean="0"/>
-              <a:t>20</a:t>
-            </a:fld>
-            <a:endParaRPr lang="en-US"/>
-          </a:p>
-        </p:txBody>
-      </p:sp>
-    </p:spTree>
-    <p:extLst>
-      <p:ext uri="{BB962C8B-B14F-4D97-AF65-F5344CB8AC3E}">
-        <p14:creationId xmlns:p14="http://schemas.microsoft.com/office/powerpoint/2010/main" val="4157158810"/>
+        <p14:creationId xmlns:p14="http://schemas.microsoft.com/office/powerpoint/2010/main" val="280929642"/>
       </p:ext>
     </p:extLst>
   </p:cSld>
@@ -8144,7 +6565,7 @@
           <p:cNvPr id="2" name="Title 1">
             <a:extLst>
               <a:ext uri="{FF2B5EF4-FFF2-40B4-BE49-F238E27FC236}">
-                <a16:creationId xmlns="" xmlns:a16="http://schemas.microsoft.com/office/drawing/2014/main" id="{DB90AC74-AA10-44E5-9AE2-55CBF2BF3808}"/>
+                <a16:creationId xmlns:a16="http://schemas.microsoft.com/office/drawing/2014/main" xmlns="" id="{E58841CB-F12A-49AE-A0F6-FC905252F346}"/>
               </a:ext>
             </a:extLst>
           </p:cNvPr>
@@ -8162,106 +6583,307 @@
           <a:p>
             <a:r>
               <a:rPr lang="es-CL" noProof="0" dirty="0"/>
-              <a:t>Maestría: un análisis bayesiano de las ballenas azules </a:t>
-            </a:r>
-          </a:p>
-        </p:txBody>
-      </p:sp>
-      <p:pic>
-        <p:nvPicPr>
-          <p:cNvPr id="5" name="Picture 4">
+              <a:t>Inferencia bayesiana</a:t>
+            </a:r>
+          </a:p>
+        </p:txBody>
+      </p:sp>
+      <p:sp>
+        <p:nvSpPr>
+          <p:cNvPr id="3" name="Content Placeholder 2">
             <a:extLst>
               <a:ext uri="{FF2B5EF4-FFF2-40B4-BE49-F238E27FC236}">
-                <a16:creationId xmlns="" xmlns:a16="http://schemas.microsoft.com/office/drawing/2014/main" id="{81C46DCB-CB1E-4B0A-9700-81BD751E3CF4}"/>
+                <a16:creationId xmlns:a16="http://schemas.microsoft.com/office/drawing/2014/main" xmlns="" id="{2BAA9235-4720-4EA9-AAB8-5711BE621A8E}"/>
               </a:ext>
             </a:extLst>
           </p:cNvPr>
-          <p:cNvPicPr>
-            <a:picLocks noChangeAspect="1"/>
-          </p:cNvPicPr>
+          <p:cNvSpPr>
+            <a:spLocks noGrp="1"/>
+          </p:cNvSpPr>
+          <p:nvPr>
+            <p:ph idx="1"/>
+          </p:nvPr>
+        </p:nvSpPr>
+        <p:spPr>
+          <a:xfrm>
+            <a:off x="457200" y="1304926"/>
+            <a:ext cx="8229600" cy="4826000"/>
+          </a:xfrm>
+        </p:spPr>
+        <p:txBody>
+          <a:bodyPr/>
+          <a:lstStyle/>
+          <a:p>
+            <a:r>
+              <a:rPr lang="es-CL" i="1" noProof="0" dirty="0"/>
+              <a:t>“… </a:t>
+            </a:r>
+            <a:r>
+              <a:rPr lang="es-CL" i="1" noProof="0" dirty="0" err="1"/>
+              <a:t>The</a:t>
+            </a:r>
+            <a:r>
+              <a:rPr lang="es-CL" i="1" noProof="0" dirty="0"/>
+              <a:t> </a:t>
+            </a:r>
+            <a:r>
+              <a:rPr lang="es-CL" i="1" noProof="0" dirty="0" err="1"/>
+              <a:t>process</a:t>
+            </a:r>
+            <a:r>
+              <a:rPr lang="es-CL" i="1" noProof="0" dirty="0"/>
+              <a:t> </a:t>
+            </a:r>
+            <a:r>
+              <a:rPr lang="es-CL" i="1" noProof="0" dirty="0" err="1"/>
+              <a:t>of</a:t>
+            </a:r>
+            <a:r>
+              <a:rPr lang="es-CL" i="1" noProof="0" dirty="0"/>
+              <a:t> </a:t>
+            </a:r>
+            <a:r>
+              <a:rPr lang="es-CL" i="1" noProof="0" dirty="0" err="1"/>
+              <a:t>fitting</a:t>
+            </a:r>
+            <a:r>
+              <a:rPr lang="es-CL" i="1" noProof="0" dirty="0"/>
+              <a:t> a </a:t>
+            </a:r>
+            <a:r>
+              <a:rPr lang="es-CL" i="1" noProof="0" dirty="0" err="1"/>
+              <a:t>probability</a:t>
+            </a:r>
+            <a:r>
+              <a:rPr lang="es-CL" i="1" noProof="0" dirty="0"/>
+              <a:t> </a:t>
+            </a:r>
+            <a:r>
+              <a:rPr lang="es-CL" i="1" noProof="0" dirty="0" err="1"/>
+              <a:t>model</a:t>
+            </a:r>
+            <a:r>
+              <a:rPr lang="es-CL" i="1" noProof="0" dirty="0"/>
+              <a:t> </a:t>
+            </a:r>
+            <a:r>
+              <a:rPr lang="es-CL" i="1" noProof="0" dirty="0" err="1"/>
+              <a:t>to</a:t>
+            </a:r>
+            <a:r>
+              <a:rPr lang="es-CL" i="1" noProof="0" dirty="0"/>
+              <a:t> a set </a:t>
+            </a:r>
+            <a:r>
+              <a:rPr lang="es-CL" i="1" noProof="0" dirty="0" err="1"/>
+              <a:t>of</a:t>
+            </a:r>
+            <a:r>
+              <a:rPr lang="es-CL" i="1" noProof="0" dirty="0"/>
+              <a:t> data and </a:t>
+            </a:r>
+            <a:r>
+              <a:rPr lang="es-CL" i="1" noProof="0" dirty="0" err="1"/>
+              <a:t>summarizing</a:t>
+            </a:r>
+            <a:r>
+              <a:rPr lang="es-CL" i="1" noProof="0" dirty="0"/>
+              <a:t> </a:t>
+            </a:r>
+            <a:r>
+              <a:rPr lang="es-CL" i="1" noProof="0" dirty="0" err="1"/>
+              <a:t>the</a:t>
+            </a:r>
+            <a:r>
+              <a:rPr lang="es-CL" i="1" noProof="0" dirty="0"/>
+              <a:t> </a:t>
+            </a:r>
+            <a:r>
+              <a:rPr lang="es-CL" i="1" noProof="0" dirty="0" err="1"/>
+              <a:t>result</a:t>
+            </a:r>
+            <a:r>
+              <a:rPr lang="es-CL" i="1" noProof="0" dirty="0"/>
+              <a:t> </a:t>
+            </a:r>
+            <a:r>
+              <a:rPr lang="es-CL" i="1" noProof="0" dirty="0" err="1"/>
+              <a:t>by</a:t>
+            </a:r>
+            <a:r>
+              <a:rPr lang="es-CL" i="1" noProof="0" dirty="0"/>
+              <a:t> a </a:t>
+            </a:r>
+            <a:r>
+              <a:rPr lang="es-CL" i="1" noProof="0" dirty="0" err="1"/>
+              <a:t>probability</a:t>
+            </a:r>
+            <a:r>
+              <a:rPr lang="es-CL" i="1" noProof="0" dirty="0"/>
+              <a:t> </a:t>
+            </a:r>
+            <a:r>
+              <a:rPr lang="es-CL" i="1" noProof="0" dirty="0" err="1"/>
+              <a:t>distribution</a:t>
+            </a:r>
+            <a:r>
+              <a:rPr lang="es-CL" i="1" noProof="0" dirty="0"/>
+              <a:t> </a:t>
+            </a:r>
+            <a:r>
+              <a:rPr lang="es-CL" i="1" noProof="0" dirty="0" err="1"/>
+              <a:t>of</a:t>
+            </a:r>
+            <a:r>
+              <a:rPr lang="es-CL" i="1" noProof="0" dirty="0"/>
+              <a:t> </a:t>
+            </a:r>
+            <a:r>
+              <a:rPr lang="es-CL" i="1" noProof="0" dirty="0" err="1"/>
+              <a:t>the</a:t>
+            </a:r>
+            <a:r>
+              <a:rPr lang="es-CL" i="1" noProof="0" dirty="0"/>
+              <a:t> </a:t>
+            </a:r>
+            <a:r>
+              <a:rPr lang="es-CL" i="1" noProof="0" dirty="0" err="1"/>
+              <a:t>parameters</a:t>
+            </a:r>
+            <a:r>
+              <a:rPr lang="es-CL" i="1" noProof="0" dirty="0"/>
+              <a:t> </a:t>
+            </a:r>
+            <a:r>
+              <a:rPr lang="es-CL" i="1" noProof="0" dirty="0" err="1"/>
+              <a:t>of</a:t>
+            </a:r>
+            <a:r>
+              <a:rPr lang="es-CL" i="1" noProof="0" dirty="0"/>
+              <a:t> </a:t>
+            </a:r>
+            <a:r>
+              <a:rPr lang="es-CL" i="1" noProof="0" dirty="0" err="1"/>
+              <a:t>the</a:t>
+            </a:r>
+            <a:r>
+              <a:rPr lang="es-CL" i="1" noProof="0" dirty="0"/>
+              <a:t> </a:t>
+            </a:r>
+            <a:r>
+              <a:rPr lang="es-CL" i="1" noProof="0" dirty="0" err="1"/>
+              <a:t>model</a:t>
+            </a:r>
+            <a:r>
+              <a:rPr lang="es-CL" noProof="0" dirty="0"/>
+              <a:t>…”</a:t>
+            </a:r>
+          </a:p>
+          <a:p>
+            <a:r>
+              <a:rPr lang="es-CL" dirty="0"/>
+              <a:t>Un paradigma alternativo que clásico  </a:t>
+            </a:r>
+            <a:endParaRPr lang="es-CL" noProof="0" dirty="0"/>
+          </a:p>
+          <a:p>
+            <a:r>
+              <a:rPr lang="es-CL" noProof="0" dirty="0"/>
+              <a:t>Piensas: Prior, posterior, </a:t>
+            </a:r>
+            <a:r>
+              <a:rPr lang="es-CL" noProof="0" dirty="0" err="1"/>
+              <a:t>Markov</a:t>
+            </a:r>
+            <a:r>
+              <a:rPr lang="es-CL" noProof="0" dirty="0"/>
+              <a:t> </a:t>
+            </a:r>
+            <a:r>
+              <a:rPr lang="es-CL" noProof="0" dirty="0" err="1"/>
+              <a:t>chain</a:t>
+            </a:r>
+            <a:r>
+              <a:rPr lang="es-CL" noProof="0" dirty="0"/>
+              <a:t> Monte Carlo (MCMC)</a:t>
+            </a:r>
+          </a:p>
+          <a:p>
+            <a:r>
+              <a:rPr lang="es-CL" noProof="0" dirty="0"/>
+              <a:t>Software especiales: JAGS, BUGS, Stan, etc.</a:t>
+            </a:r>
+          </a:p>
+        </p:txBody>
+      </p:sp>
+      <p:sp>
+        <p:nvSpPr>
+          <p:cNvPr id="4" name="Slide Number Placeholder 3">
+            <a:extLst>
+              <a:ext uri="{FF2B5EF4-FFF2-40B4-BE49-F238E27FC236}">
+                <a16:creationId xmlns:a16="http://schemas.microsoft.com/office/drawing/2014/main" xmlns="" id="{28183925-41CE-45AE-9C75-56FB10A283D7}"/>
+              </a:ext>
+            </a:extLst>
+          </p:cNvPr>
+          <p:cNvSpPr>
+            <a:spLocks noGrp="1"/>
+          </p:cNvSpPr>
+          <p:nvPr>
+            <p:ph type="sldNum" sz="quarter" idx="12"/>
+          </p:nvPr>
+        </p:nvSpPr>
+        <p:spPr/>
+        <p:txBody>
+          <a:bodyPr/>
+          <a:lstStyle/>
+          <a:p>
+            <a:fld id="{2F5854F6-968A-43DD-98AD-2128488B7BB7}" type="slidenum">
+              <a:rPr lang="en-US" smtClean="0"/>
+              <a:t>3</a:t>
+            </a:fld>
+            <a:endParaRPr lang="en-US"/>
+          </a:p>
+        </p:txBody>
+      </p:sp>
+      <p:sp>
+        <p:nvSpPr>
+          <p:cNvPr id="5" name="TextBox 4">
+            <a:extLst>
+              <a:ext uri="{FF2B5EF4-FFF2-40B4-BE49-F238E27FC236}">
+                <a16:creationId xmlns:a16="http://schemas.microsoft.com/office/drawing/2014/main" xmlns="" id="{90022AAB-FD40-4C2C-A279-A84CD43469AC}"/>
+              </a:ext>
+            </a:extLst>
+          </p:cNvPr>
+          <p:cNvSpPr txBox="1"/>
           <p:nvPr/>
-        </p:nvPicPr>
-        <p:blipFill rotWithShape="1">
-          <a:blip r:embed="rId2"/>
-          <a:srcRect l="7476" t="29024"/>
-          <a:stretch/>
-        </p:blipFill>
+        </p:nvSpPr>
         <p:spPr>
           <a:xfrm>
-            <a:off x="457200" y="1843612"/>
-            <a:ext cx="7120824" cy="2449614"/>
+            <a:off x="609378" y="6331506"/>
+            <a:ext cx="2743200" cy="369332"/>
           </a:xfrm>
           <a:prstGeom prst="rect">
             <a:avLst/>
           </a:prstGeom>
-        </p:spPr>
-      </p:pic>
-      <p:pic>
-        <p:nvPicPr>
-          <p:cNvPr id="4" name="Picture 3">
-            <a:extLst>
-              <a:ext uri="{FF2B5EF4-FFF2-40B4-BE49-F238E27FC236}">
-                <a16:creationId xmlns="" xmlns:a16="http://schemas.microsoft.com/office/drawing/2014/main" id="{53887027-52CB-4375-A600-4F711E4938B2}"/>
-              </a:ext>
-            </a:extLst>
-          </p:cNvPr>
-          <p:cNvPicPr>
-            <a:picLocks noChangeAspect="1"/>
-          </p:cNvPicPr>
-          <p:nvPr/>
-        </p:nvPicPr>
-        <p:blipFill>
-          <a:blip r:embed="rId3"/>
-          <a:stretch>
-            <a:fillRect/>
-          </a:stretch>
-        </p:blipFill>
-        <p:spPr>
-          <a:xfrm>
-            <a:off x="4953000" y="3706298"/>
-            <a:ext cx="3910012" cy="2575748"/>
-          </a:xfrm>
-          <a:prstGeom prst="rect">
-            <a:avLst/>
-          </a:prstGeom>
-        </p:spPr>
-      </p:pic>
-      <p:pic>
-        <p:nvPicPr>
-          <p:cNvPr id="6" name="Content Placeholder 5">
-            <a:extLst>
-              <a:ext uri="{FF2B5EF4-FFF2-40B4-BE49-F238E27FC236}">
-                <a16:creationId xmlns="" xmlns:a16="http://schemas.microsoft.com/office/drawing/2014/main" id="{6EAE8C30-3901-4FCB-AA7A-EC3D93DB7AC3}"/>
-              </a:ext>
-            </a:extLst>
-          </p:cNvPr>
-          <p:cNvPicPr>
-            <a:picLocks noGrp="1" noChangeAspect="1"/>
-          </p:cNvPicPr>
-          <p:nvPr>
-            <p:ph idx="1"/>
-          </p:nvPr>
-        </p:nvPicPr>
-        <p:blipFill>
-          <a:blip r:embed="rId4"/>
-          <a:stretch>
-            <a:fillRect/>
-          </a:stretch>
-        </p:blipFill>
-        <p:spPr>
-          <a:xfrm>
-            <a:off x="158049" y="4293226"/>
-            <a:ext cx="4572000" cy="1988820"/>
-          </a:xfrm>
-          <a:prstGeom prst="rect">
-            <a:avLst/>
-          </a:prstGeom>
-        </p:spPr>
-      </p:pic>
+          <a:noFill/>
+        </p:spPr>
+        <p:txBody>
+          <a:bodyPr wrap="square" rtlCol="0">
+            <a:spAutoFit/>
+          </a:bodyPr>
+          <a:lstStyle/>
+          <a:p>
+            <a:r>
+              <a:rPr lang="en-US" dirty="0"/>
+              <a:t>Gelman et al. (2014)</a:t>
+            </a:r>
+          </a:p>
+        </p:txBody>
+      </p:sp>
     </p:spTree>
     <p:extLst>
       <p:ext uri="{BB962C8B-B14F-4D97-AF65-F5344CB8AC3E}">
-        <p14:creationId xmlns:p14="http://schemas.microsoft.com/office/powerpoint/2010/main" val="1767313687"/>
+        <p14:creationId xmlns:p14="http://schemas.microsoft.com/office/powerpoint/2010/main" val="1069369866"/>
       </p:ext>
     </p:extLst>
   </p:cSld>
@@ -8293,7 +6915,7 @@
           <p:cNvPr id="2" name="Title 1">
             <a:extLst>
               <a:ext uri="{FF2B5EF4-FFF2-40B4-BE49-F238E27FC236}">
-                <a16:creationId xmlns="" xmlns:a16="http://schemas.microsoft.com/office/drawing/2014/main" id="{6CF2B640-BE73-42A6-924C-2E2187BD598F}"/>
+                <a16:creationId xmlns:a16="http://schemas.microsoft.com/office/drawing/2014/main" xmlns="" id="{E58841CB-F12A-49AE-A0F6-FC905252F346}"/>
               </a:ext>
             </a:extLst>
           </p:cNvPr>
@@ -8311,13 +6933,8 @@
           <a:p>
             <a:r>
               <a:rPr lang="es-CL" noProof="0" dirty="0"/>
-              <a:t>Doctorado: modelos bayesianos por stock </a:t>
-            </a:r>
-            <a:r>
-              <a:rPr lang="es-CL" noProof="0" dirty="0" err="1"/>
-              <a:t>assessment</a:t>
-            </a:r>
-            <a:endParaRPr lang="es-CL" noProof="0" dirty="0"/>
+              <a:t>Popularidad</a:t>
+            </a:r>
           </a:p>
         </p:txBody>
       </p:sp>
@@ -8326,910 +6943,7 @@
           <p:cNvPr id="3" name="Content Placeholder 2">
             <a:extLst>
               <a:ext uri="{FF2B5EF4-FFF2-40B4-BE49-F238E27FC236}">
-                <a16:creationId xmlns="" xmlns:a16="http://schemas.microsoft.com/office/drawing/2014/main" id="{2AD0FE82-5ACC-4BD4-AFCB-11570EF4139C}"/>
-              </a:ext>
-            </a:extLst>
-          </p:cNvPr>
-          <p:cNvSpPr>
-            <a:spLocks noGrp="1"/>
-          </p:cNvSpPr>
-          <p:nvPr>
-            <p:ph idx="1"/>
-          </p:nvPr>
-        </p:nvSpPr>
-        <p:spPr/>
-        <p:txBody>
-          <a:bodyPr/>
-          <a:lstStyle/>
-          <a:p>
-            <a:r>
-              <a:rPr lang="es-CL" noProof="0" dirty="0"/>
-              <a:t>Mejoré capacidades bayesianas en ADMB con el algoritmo </a:t>
-            </a:r>
-            <a:r>
-              <a:rPr lang="es-CL" noProof="0" dirty="0" err="1"/>
-              <a:t>Hamiltonian</a:t>
-            </a:r>
-            <a:r>
-              <a:rPr lang="es-CL" noProof="0" dirty="0"/>
-              <a:t> Monte Carlo</a:t>
-            </a:r>
-          </a:p>
-        </p:txBody>
-      </p:sp>
-      <p:pic>
-        <p:nvPicPr>
-          <p:cNvPr id="4" name="Picture 3">
-            <a:extLst>
-              <a:ext uri="{FF2B5EF4-FFF2-40B4-BE49-F238E27FC236}">
-                <a16:creationId xmlns="" xmlns:a16="http://schemas.microsoft.com/office/drawing/2014/main" id="{689B31E6-9782-484F-B455-184B81BAA6CF}"/>
-              </a:ext>
-            </a:extLst>
-          </p:cNvPr>
-          <p:cNvPicPr>
-            <a:picLocks noChangeAspect="1"/>
-          </p:cNvPicPr>
-          <p:nvPr/>
-        </p:nvPicPr>
-        <p:blipFill>
-          <a:blip r:embed="rId2"/>
-          <a:stretch>
-            <a:fillRect/>
-          </a:stretch>
-        </p:blipFill>
-        <p:spPr>
-          <a:xfrm>
-            <a:off x="685800" y="2819400"/>
-            <a:ext cx="7162800" cy="3356861"/>
-          </a:xfrm>
-          <a:prstGeom prst="rect">
-            <a:avLst/>
-          </a:prstGeom>
-        </p:spPr>
-      </p:pic>
-    </p:spTree>
-    <p:extLst>
-      <p:ext uri="{BB962C8B-B14F-4D97-AF65-F5344CB8AC3E}">
-        <p14:creationId xmlns:p14="http://schemas.microsoft.com/office/powerpoint/2010/main" val="490674434"/>
-      </p:ext>
-    </p:extLst>
-  </p:cSld>
-  <p:clrMapOvr>
-    <a:masterClrMapping/>
-  </p:clrMapOvr>
-</p:sld>
-</file>
-
-<file path=ppt/slides/slide5.xml><?xml version="1.0" encoding="utf-8"?>
-<p:sld xmlns:a="http://schemas.openxmlformats.org/drawingml/2006/main" xmlns:r="http://schemas.openxmlformats.org/officeDocument/2006/relationships" xmlns:p="http://schemas.openxmlformats.org/presentationml/2006/main">
-  <p:cSld>
-    <p:spTree>
-      <p:nvGrpSpPr>
-        <p:cNvPr id="1" name=""/>
-        <p:cNvGrpSpPr/>
-        <p:nvPr/>
-      </p:nvGrpSpPr>
-      <p:grpSpPr>
-        <a:xfrm>
-          <a:off x="0" y="0"/>
-          <a:ext cx="0" cy="0"/>
-          <a:chOff x="0" y="0"/>
-          <a:chExt cx="0" cy="0"/>
-        </a:xfrm>
-      </p:grpSpPr>
-      <p:sp>
-        <p:nvSpPr>
-          <p:cNvPr id="2" name="Title 1"/>
-          <p:cNvSpPr>
-            <a:spLocks noGrp="1"/>
-          </p:cNvSpPr>
-          <p:nvPr>
-            <p:ph type="title"/>
-          </p:nvPr>
-        </p:nvSpPr>
-        <p:spPr/>
-        <p:txBody>
-          <a:bodyPr>
-            <a:normAutofit fontScale="90000"/>
-          </a:bodyPr>
-          <a:lstStyle/>
-          <a:p>
-            <a:r>
-              <a:rPr lang="es-CL" noProof="0" dirty="0" err="1"/>
-              <a:t>Postdoc</a:t>
-            </a:r>
-            <a:r>
-              <a:rPr lang="es-CL" noProof="0" dirty="0"/>
-              <a:t>: Un análisis bayesiano de ballenas jorobadas del Estrecho de Magallanes</a:t>
-            </a:r>
-          </a:p>
-        </p:txBody>
-      </p:sp>
-      <p:pic>
-        <p:nvPicPr>
-          <p:cNvPr id="3" name="Picture 2"/>
-          <p:cNvPicPr>
-            <a:picLocks noChangeAspect="1" noChangeArrowheads="1"/>
-          </p:cNvPicPr>
-          <p:nvPr/>
-        </p:nvPicPr>
-        <p:blipFill>
-          <a:blip r:embed="rId2" cstate="print"/>
-          <a:srcRect/>
-          <a:stretch>
-            <a:fillRect/>
-          </a:stretch>
-        </p:blipFill>
-        <p:spPr bwMode="auto">
-          <a:xfrm>
-            <a:off x="457200" y="1600200"/>
-            <a:ext cx="2209800" cy="2220849"/>
-          </a:xfrm>
-          <a:prstGeom prst="rect">
-            <a:avLst/>
-          </a:prstGeom>
-          <a:noFill/>
-          <a:ln w="9525">
-            <a:noFill/>
-            <a:miter lim="800000"/>
-            <a:headEnd/>
-            <a:tailEnd/>
-          </a:ln>
-        </p:spPr>
-      </p:pic>
-      <p:pic>
-        <p:nvPicPr>
-          <p:cNvPr id="4" name="Picture 3"/>
-          <p:cNvPicPr>
-            <a:picLocks noChangeAspect="1"/>
-          </p:cNvPicPr>
-          <p:nvPr/>
-        </p:nvPicPr>
-        <p:blipFill>
-          <a:blip r:embed="rId3"/>
-          <a:stretch>
-            <a:fillRect/>
-          </a:stretch>
-        </p:blipFill>
-        <p:spPr>
-          <a:xfrm>
-            <a:off x="1600200" y="4419600"/>
-            <a:ext cx="3962400" cy="2057400"/>
-          </a:xfrm>
-          <a:prstGeom prst="rect">
-            <a:avLst/>
-          </a:prstGeom>
-        </p:spPr>
-      </p:pic>
-      <p:cxnSp>
-        <p:nvCxnSpPr>
-          <p:cNvPr id="6" name="Straight Connector 5"/>
-          <p:cNvCxnSpPr/>
-          <p:nvPr/>
-        </p:nvCxnSpPr>
-        <p:spPr>
-          <a:xfrm>
-            <a:off x="1404493" y="3761642"/>
-            <a:ext cx="195707" cy="2715358"/>
-          </a:xfrm>
-          <a:prstGeom prst="line">
-            <a:avLst/>
-          </a:prstGeom>
-          <a:ln>
-            <a:solidFill>
-              <a:schemeClr val="tx1"/>
-            </a:solidFill>
-          </a:ln>
-        </p:spPr>
-        <p:style>
-          <a:lnRef idx="1">
-            <a:schemeClr val="accent1"/>
-          </a:lnRef>
-          <a:fillRef idx="0">
-            <a:schemeClr val="accent1"/>
-          </a:fillRef>
-          <a:effectRef idx="0">
-            <a:schemeClr val="accent1"/>
-          </a:effectRef>
-          <a:fontRef idx="minor">
-            <a:schemeClr val="tx1"/>
-          </a:fontRef>
-        </p:style>
-      </p:cxnSp>
-      <p:sp>
-        <p:nvSpPr>
-          <p:cNvPr id="23" name="TextBox 22"/>
-          <p:cNvSpPr txBox="1"/>
-          <p:nvPr/>
-        </p:nvSpPr>
-        <p:spPr>
-          <a:xfrm>
-            <a:off x="6858000" y="4202668"/>
-            <a:ext cx="2514600" cy="369332"/>
-          </a:xfrm>
-          <a:prstGeom prst="rect">
-            <a:avLst/>
-          </a:prstGeom>
-          <a:noFill/>
-        </p:spPr>
-        <p:txBody>
-          <a:bodyPr wrap="square" rtlCol="0">
-            <a:spAutoFit/>
-          </a:bodyPr>
-          <a:lstStyle/>
-          <a:p>
-            <a:r>
-              <a:rPr lang="en-US" dirty="0" err="1"/>
-              <a:t>Crédito</a:t>
-            </a:r>
-            <a:r>
-              <a:rPr lang="en-US" dirty="0"/>
-              <a:t>: Luis </a:t>
-            </a:r>
-            <a:r>
-              <a:rPr lang="en-US" dirty="0" err="1"/>
-              <a:t>Bertea</a:t>
-            </a:r>
-            <a:endParaRPr lang="en-US" dirty="0"/>
-          </a:p>
-        </p:txBody>
-      </p:sp>
-      <p:pic>
-        <p:nvPicPr>
-          <p:cNvPr id="24" name="Picture 23" descr="Avistamiento-ballenas_Luis-Bertea-1024x568.jpg"/>
-          <p:cNvPicPr>
-            <a:picLocks noChangeAspect="1"/>
-          </p:cNvPicPr>
-          <p:nvPr/>
-        </p:nvPicPr>
-        <p:blipFill>
-          <a:blip r:embed="rId4">
-            <a:extLst>
-              <a:ext uri="{28A0092B-C50C-407E-A947-70E740481C1C}">
-                <a14:useLocalDpi xmlns:a14="http://schemas.microsoft.com/office/drawing/2010/main" val="0"/>
-              </a:ext>
-            </a:extLst>
-          </a:blip>
-          <a:stretch>
-            <a:fillRect/>
-          </a:stretch>
-        </p:blipFill>
-        <p:spPr>
-          <a:xfrm>
-            <a:off x="4191000" y="1600200"/>
-            <a:ext cx="4800600" cy="2662833"/>
-          </a:xfrm>
-          <a:prstGeom prst="rect">
-            <a:avLst/>
-          </a:prstGeom>
-        </p:spPr>
-      </p:pic>
-      <p:cxnSp>
-        <p:nvCxnSpPr>
-          <p:cNvPr id="5" name="Straight Connector 4"/>
-          <p:cNvCxnSpPr/>
-          <p:nvPr/>
-        </p:nvCxnSpPr>
-        <p:spPr>
-          <a:xfrm>
-            <a:off x="1404493" y="3756260"/>
-            <a:ext cx="4158107" cy="663340"/>
-          </a:xfrm>
-          <a:prstGeom prst="line">
-            <a:avLst/>
-          </a:prstGeom>
-          <a:ln>
-            <a:solidFill>
-              <a:schemeClr val="tx1"/>
-            </a:solidFill>
-          </a:ln>
-        </p:spPr>
-        <p:style>
-          <a:lnRef idx="1">
-            <a:schemeClr val="accent1"/>
-          </a:lnRef>
-          <a:fillRef idx="0">
-            <a:schemeClr val="accent1"/>
-          </a:fillRef>
-          <a:effectRef idx="0">
-            <a:schemeClr val="accent1"/>
-          </a:effectRef>
-          <a:fontRef idx="minor">
-            <a:schemeClr val="tx1"/>
-          </a:fontRef>
-        </p:style>
-      </p:cxnSp>
-    </p:spTree>
-    <p:extLst>
-      <p:ext uri="{BB962C8B-B14F-4D97-AF65-F5344CB8AC3E}">
-        <p14:creationId xmlns:p14="http://schemas.microsoft.com/office/powerpoint/2010/main" val="1300358378"/>
-      </p:ext>
-    </p:extLst>
-  </p:cSld>
-  <p:clrMapOvr>
-    <a:masterClrMapping/>
-  </p:clrMapOvr>
-</p:sld>
-</file>
-
-<file path=ppt/slides/slide6.xml><?xml version="1.0" encoding="utf-8"?>
-<p:sld xmlns:a="http://schemas.openxmlformats.org/drawingml/2006/main" xmlns:r="http://schemas.openxmlformats.org/officeDocument/2006/relationships" xmlns:p="http://schemas.openxmlformats.org/presentationml/2006/main">
-  <p:cSld>
-    <p:spTree>
-      <p:nvGrpSpPr>
-        <p:cNvPr id="1" name=""/>
-        <p:cNvGrpSpPr/>
-        <p:nvPr/>
-      </p:nvGrpSpPr>
-      <p:grpSpPr>
-        <a:xfrm>
-          <a:off x="0" y="0"/>
-          <a:ext cx="0" cy="0"/>
-          <a:chOff x="0" y="0"/>
-          <a:chExt cx="0" cy="0"/>
-        </a:xfrm>
-      </p:grpSpPr>
-      <p:sp>
-        <p:nvSpPr>
-          <p:cNvPr id="2" name="Title 1"/>
-          <p:cNvSpPr>
-            <a:spLocks noGrp="1"/>
-          </p:cNvSpPr>
-          <p:nvPr>
-            <p:ph type="title"/>
-          </p:nvPr>
-        </p:nvSpPr>
-        <p:spPr/>
-        <p:txBody>
-          <a:bodyPr/>
-          <a:lstStyle/>
-          <a:p>
-            <a:r>
-              <a:rPr lang="es-CL" noProof="0" dirty="0"/>
-              <a:t>Y ahora es su turno…</a:t>
-            </a:r>
-          </a:p>
-        </p:txBody>
-      </p:sp>
-      <p:sp>
-        <p:nvSpPr>
-          <p:cNvPr id="3" name="Content Placeholder 2"/>
-          <p:cNvSpPr>
-            <a:spLocks noGrp="1"/>
-          </p:cNvSpPr>
-          <p:nvPr>
-            <p:ph idx="1"/>
-          </p:nvPr>
-        </p:nvSpPr>
-        <p:spPr>
-          <a:xfrm>
-            <a:off x="457200" y="1417638"/>
-            <a:ext cx="8229600" cy="4530725"/>
-          </a:xfrm>
-        </p:spPr>
-        <p:txBody>
-          <a:bodyPr/>
-          <a:lstStyle/>
-          <a:p>
-            <a:pPr marL="514350" indent="-514350">
-              <a:buFont typeface="+mj-lt"/>
-              <a:buAutoNum type="arabicPeriod"/>
-            </a:pPr>
-            <a:r>
-              <a:rPr lang="es-CL" noProof="0" dirty="0"/>
-              <a:t>¿Nombre, departamento?</a:t>
-            </a:r>
-          </a:p>
-          <a:p>
-            <a:pPr marL="514350" indent="-514350">
-              <a:buFont typeface="+mj-lt"/>
-              <a:buAutoNum type="arabicPeriod"/>
-            </a:pPr>
-            <a:r>
-              <a:rPr lang="es-CL" noProof="0" dirty="0"/>
-              <a:t>¿Qué es la tema de tu tesis?</a:t>
-            </a:r>
-          </a:p>
-          <a:p>
-            <a:pPr marL="514350" indent="-514350">
-              <a:buFont typeface="+mj-lt"/>
-              <a:buAutoNum type="arabicPeriod"/>
-            </a:pPr>
-            <a:r>
-              <a:rPr lang="es-CL" dirty="0"/>
-              <a:t>¿Qué es </a:t>
-            </a:r>
-            <a:r>
-              <a:rPr lang="es-CL" noProof="0" dirty="0"/>
-              <a:t>tu experiencia con modelos bayesianos?</a:t>
-            </a:r>
-          </a:p>
-          <a:p>
-            <a:pPr marL="514350" indent="-514350">
-              <a:buFont typeface="+mj-lt"/>
-              <a:buAutoNum type="arabicPeriod"/>
-            </a:pPr>
-            <a:r>
-              <a:rPr lang="es-CL" dirty="0"/>
-              <a:t>¿Cual software has usado? </a:t>
-            </a:r>
-            <a:endParaRPr lang="es-CL" noProof="0" dirty="0"/>
-          </a:p>
-          <a:p>
-            <a:pPr marL="514350" indent="-514350">
-              <a:buFont typeface="+mj-lt"/>
-              <a:buAutoNum type="arabicPeriod"/>
-            </a:pPr>
-            <a:r>
-              <a:rPr lang="es-CL" noProof="0" dirty="0" err="1"/>
-              <a:t>How</a:t>
-            </a:r>
-            <a:r>
-              <a:rPr lang="es-CL" noProof="0" dirty="0"/>
-              <a:t> </a:t>
-            </a:r>
-            <a:r>
-              <a:rPr lang="es-CL" noProof="0" dirty="0" err="1"/>
-              <a:t>is</a:t>
-            </a:r>
-            <a:r>
-              <a:rPr lang="es-CL" noProof="0" dirty="0"/>
-              <a:t> </a:t>
-            </a:r>
-            <a:r>
-              <a:rPr lang="es-CL" noProof="0" dirty="0" err="1"/>
-              <a:t>your</a:t>
-            </a:r>
-            <a:r>
-              <a:rPr lang="es-CL" noProof="0" dirty="0"/>
-              <a:t> English? </a:t>
-            </a:r>
-            <a:r>
-              <a:rPr lang="es-CL" dirty="0"/>
-              <a:t>Reading, </a:t>
-            </a:r>
-            <a:r>
-              <a:rPr lang="es-CL" dirty="0" err="1"/>
-              <a:t>writing</a:t>
-            </a:r>
-            <a:r>
-              <a:rPr lang="es-CL" dirty="0"/>
-              <a:t>, </a:t>
-            </a:r>
-            <a:r>
-              <a:rPr lang="es-CL" dirty="0" err="1"/>
-              <a:t>listening</a:t>
-            </a:r>
-            <a:r>
-              <a:rPr lang="es-CL" dirty="0"/>
-              <a:t>, </a:t>
-            </a:r>
-            <a:r>
-              <a:rPr lang="es-CL" dirty="0" err="1"/>
-              <a:t>speaking</a:t>
-            </a:r>
-            <a:r>
-              <a:rPr lang="es-CL" dirty="0"/>
-              <a:t>…</a:t>
-            </a:r>
-            <a:endParaRPr lang="es-CL" noProof="0" dirty="0"/>
-          </a:p>
-        </p:txBody>
-      </p:sp>
-    </p:spTree>
-    <p:extLst>
-      <p:ext uri="{BB962C8B-B14F-4D97-AF65-F5344CB8AC3E}">
-        <p14:creationId xmlns:p14="http://schemas.microsoft.com/office/powerpoint/2010/main" val="1032613745"/>
-      </p:ext>
-    </p:extLst>
-  </p:cSld>
-  <p:clrMapOvr>
-    <a:masterClrMapping/>
-  </p:clrMapOvr>
-</p:sld>
-</file>
-
-<file path=ppt/slides/slide7.xml><?xml version="1.0" encoding="utf-8"?>
-<p:sld xmlns:a="http://schemas.openxmlformats.org/drawingml/2006/main" xmlns:r="http://schemas.openxmlformats.org/officeDocument/2006/relationships" xmlns:p="http://schemas.openxmlformats.org/presentationml/2006/main">
-  <p:cSld>
-    <p:spTree>
-      <p:nvGrpSpPr>
-        <p:cNvPr id="1" name=""/>
-        <p:cNvGrpSpPr/>
-        <p:nvPr/>
-      </p:nvGrpSpPr>
-      <p:grpSpPr>
-        <a:xfrm>
-          <a:off x="0" y="0"/>
-          <a:ext cx="0" cy="0"/>
-          <a:chOff x="0" y="0"/>
-          <a:chExt cx="0" cy="0"/>
-        </a:xfrm>
-      </p:grpSpPr>
-      <p:sp>
-        <p:nvSpPr>
-          <p:cNvPr id="2" name="Title 1">
-            <a:extLst>
-              <a:ext uri="{FF2B5EF4-FFF2-40B4-BE49-F238E27FC236}">
-                <a16:creationId xmlns="" xmlns:a16="http://schemas.microsoft.com/office/drawing/2014/main" id="{E58841CB-F12A-49AE-A0F6-FC905252F346}"/>
-              </a:ext>
-            </a:extLst>
-          </p:cNvPr>
-          <p:cNvSpPr>
-            <a:spLocks noGrp="1"/>
-          </p:cNvSpPr>
-          <p:nvPr>
-            <p:ph type="title"/>
-          </p:nvPr>
-        </p:nvSpPr>
-        <p:spPr/>
-        <p:txBody>
-          <a:bodyPr/>
-          <a:lstStyle/>
-          <a:p>
-            <a:r>
-              <a:rPr lang="es-CL" noProof="0" dirty="0"/>
-              <a:t>Inferencia bayesiana</a:t>
-            </a:r>
-          </a:p>
-        </p:txBody>
-      </p:sp>
-      <p:sp>
-        <p:nvSpPr>
-          <p:cNvPr id="3" name="Content Placeholder 2">
-            <a:extLst>
-              <a:ext uri="{FF2B5EF4-FFF2-40B4-BE49-F238E27FC236}">
-                <a16:creationId xmlns="" xmlns:a16="http://schemas.microsoft.com/office/drawing/2014/main" id="{2BAA9235-4720-4EA9-AAB8-5711BE621A8E}"/>
-              </a:ext>
-            </a:extLst>
-          </p:cNvPr>
-          <p:cNvSpPr>
-            <a:spLocks noGrp="1"/>
-          </p:cNvSpPr>
-          <p:nvPr>
-            <p:ph idx="1"/>
-          </p:nvPr>
-        </p:nvSpPr>
-        <p:spPr>
-          <a:xfrm>
-            <a:off x="457200" y="1304926"/>
-            <a:ext cx="8229600" cy="4826000"/>
-          </a:xfrm>
-        </p:spPr>
-        <p:txBody>
-          <a:bodyPr/>
-          <a:lstStyle/>
-          <a:p>
-            <a:r>
-              <a:rPr lang="es-CL" i="1" noProof="0" dirty="0"/>
-              <a:t>“… </a:t>
-            </a:r>
-            <a:r>
-              <a:rPr lang="es-CL" i="1" noProof="0" dirty="0" err="1"/>
-              <a:t>The</a:t>
-            </a:r>
-            <a:r>
-              <a:rPr lang="es-CL" i="1" noProof="0" dirty="0"/>
-              <a:t> </a:t>
-            </a:r>
-            <a:r>
-              <a:rPr lang="es-CL" i="1" noProof="0" dirty="0" err="1"/>
-              <a:t>process</a:t>
-            </a:r>
-            <a:r>
-              <a:rPr lang="es-CL" i="1" noProof="0" dirty="0"/>
-              <a:t> </a:t>
-            </a:r>
-            <a:r>
-              <a:rPr lang="es-CL" i="1" noProof="0" dirty="0" err="1"/>
-              <a:t>of</a:t>
-            </a:r>
-            <a:r>
-              <a:rPr lang="es-CL" i="1" noProof="0" dirty="0"/>
-              <a:t> </a:t>
-            </a:r>
-            <a:r>
-              <a:rPr lang="es-CL" i="1" noProof="0" dirty="0" err="1"/>
-              <a:t>fitting</a:t>
-            </a:r>
-            <a:r>
-              <a:rPr lang="es-CL" i="1" noProof="0" dirty="0"/>
-              <a:t> a </a:t>
-            </a:r>
-            <a:r>
-              <a:rPr lang="es-CL" i="1" noProof="0" dirty="0" err="1"/>
-              <a:t>probability</a:t>
-            </a:r>
-            <a:r>
-              <a:rPr lang="es-CL" i="1" noProof="0" dirty="0"/>
-              <a:t> </a:t>
-            </a:r>
-            <a:r>
-              <a:rPr lang="es-CL" i="1" noProof="0" dirty="0" err="1"/>
-              <a:t>model</a:t>
-            </a:r>
-            <a:r>
-              <a:rPr lang="es-CL" i="1" noProof="0" dirty="0"/>
-              <a:t> </a:t>
-            </a:r>
-            <a:r>
-              <a:rPr lang="es-CL" i="1" noProof="0" dirty="0" err="1"/>
-              <a:t>to</a:t>
-            </a:r>
-            <a:r>
-              <a:rPr lang="es-CL" i="1" noProof="0" dirty="0"/>
-              <a:t> a set </a:t>
-            </a:r>
-            <a:r>
-              <a:rPr lang="es-CL" i="1" noProof="0" dirty="0" err="1"/>
-              <a:t>of</a:t>
-            </a:r>
-            <a:r>
-              <a:rPr lang="es-CL" i="1" noProof="0" dirty="0"/>
-              <a:t> data and </a:t>
-            </a:r>
-            <a:r>
-              <a:rPr lang="es-CL" i="1" noProof="0" dirty="0" err="1"/>
-              <a:t>summarizing</a:t>
-            </a:r>
-            <a:r>
-              <a:rPr lang="es-CL" i="1" noProof="0" dirty="0"/>
-              <a:t> </a:t>
-            </a:r>
-            <a:r>
-              <a:rPr lang="es-CL" i="1" noProof="0" dirty="0" err="1"/>
-              <a:t>the</a:t>
-            </a:r>
-            <a:r>
-              <a:rPr lang="es-CL" i="1" noProof="0" dirty="0"/>
-              <a:t> </a:t>
-            </a:r>
-            <a:r>
-              <a:rPr lang="es-CL" i="1" noProof="0" dirty="0" err="1"/>
-              <a:t>result</a:t>
-            </a:r>
-            <a:r>
-              <a:rPr lang="es-CL" i="1" noProof="0" dirty="0"/>
-              <a:t> </a:t>
-            </a:r>
-            <a:r>
-              <a:rPr lang="es-CL" i="1" noProof="0" dirty="0" err="1"/>
-              <a:t>by</a:t>
-            </a:r>
-            <a:r>
-              <a:rPr lang="es-CL" i="1" noProof="0" dirty="0"/>
-              <a:t> a </a:t>
-            </a:r>
-            <a:r>
-              <a:rPr lang="es-CL" i="1" noProof="0" dirty="0" err="1"/>
-              <a:t>probability</a:t>
-            </a:r>
-            <a:r>
-              <a:rPr lang="es-CL" i="1" noProof="0" dirty="0"/>
-              <a:t> </a:t>
-            </a:r>
-            <a:r>
-              <a:rPr lang="es-CL" i="1" noProof="0" dirty="0" err="1"/>
-              <a:t>distribution</a:t>
-            </a:r>
-            <a:r>
-              <a:rPr lang="es-CL" i="1" noProof="0" dirty="0"/>
-              <a:t> </a:t>
-            </a:r>
-            <a:r>
-              <a:rPr lang="es-CL" i="1" noProof="0" dirty="0" err="1"/>
-              <a:t>of</a:t>
-            </a:r>
-            <a:r>
-              <a:rPr lang="es-CL" i="1" noProof="0" dirty="0"/>
-              <a:t> </a:t>
-            </a:r>
-            <a:r>
-              <a:rPr lang="es-CL" i="1" noProof="0" dirty="0" err="1"/>
-              <a:t>the</a:t>
-            </a:r>
-            <a:r>
-              <a:rPr lang="es-CL" i="1" noProof="0" dirty="0"/>
-              <a:t> </a:t>
-            </a:r>
-            <a:r>
-              <a:rPr lang="es-CL" i="1" noProof="0" dirty="0" err="1"/>
-              <a:t>parameters</a:t>
-            </a:r>
-            <a:r>
-              <a:rPr lang="es-CL" i="1" noProof="0" dirty="0"/>
-              <a:t> </a:t>
-            </a:r>
-            <a:r>
-              <a:rPr lang="es-CL" i="1" noProof="0" dirty="0" err="1"/>
-              <a:t>of</a:t>
-            </a:r>
-            <a:r>
-              <a:rPr lang="es-CL" i="1" noProof="0" dirty="0"/>
-              <a:t> </a:t>
-            </a:r>
-            <a:r>
-              <a:rPr lang="es-CL" i="1" noProof="0" dirty="0" err="1"/>
-              <a:t>the</a:t>
-            </a:r>
-            <a:r>
-              <a:rPr lang="es-CL" i="1" noProof="0" dirty="0"/>
-              <a:t> </a:t>
-            </a:r>
-            <a:r>
-              <a:rPr lang="es-CL" i="1" noProof="0" dirty="0" err="1"/>
-              <a:t>model</a:t>
-            </a:r>
-            <a:r>
-              <a:rPr lang="es-CL" noProof="0" dirty="0"/>
-              <a:t>…”</a:t>
-            </a:r>
-          </a:p>
-          <a:p>
-            <a:r>
-              <a:rPr lang="es-CL" dirty="0"/>
-              <a:t>Un paradigma alternativo que clásico  </a:t>
-            </a:r>
-            <a:endParaRPr lang="es-CL" noProof="0" dirty="0"/>
-          </a:p>
-          <a:p>
-            <a:r>
-              <a:rPr lang="es-CL" noProof="0" dirty="0"/>
-              <a:t>Piensas: Prior, posterior, </a:t>
-            </a:r>
-            <a:r>
-              <a:rPr lang="es-CL" noProof="0" dirty="0" err="1"/>
-              <a:t>Markov</a:t>
-            </a:r>
-            <a:r>
-              <a:rPr lang="es-CL" noProof="0" dirty="0"/>
-              <a:t> </a:t>
-            </a:r>
-            <a:r>
-              <a:rPr lang="es-CL" noProof="0" dirty="0" err="1"/>
-              <a:t>chain</a:t>
-            </a:r>
-            <a:r>
-              <a:rPr lang="es-CL" noProof="0" dirty="0"/>
-              <a:t> Monte Carlo (MCMC)</a:t>
-            </a:r>
-          </a:p>
-          <a:p>
-            <a:r>
-              <a:rPr lang="es-CL" noProof="0" dirty="0"/>
-              <a:t>Software especiales: JAGS, BUGS, Stan, etc.</a:t>
-            </a:r>
-          </a:p>
-        </p:txBody>
-      </p:sp>
-      <p:sp>
-        <p:nvSpPr>
-          <p:cNvPr id="4" name="Slide Number Placeholder 3">
-            <a:extLst>
-              <a:ext uri="{FF2B5EF4-FFF2-40B4-BE49-F238E27FC236}">
-                <a16:creationId xmlns="" xmlns:a16="http://schemas.microsoft.com/office/drawing/2014/main" id="{28183925-41CE-45AE-9C75-56FB10A283D7}"/>
-              </a:ext>
-            </a:extLst>
-          </p:cNvPr>
-          <p:cNvSpPr>
-            <a:spLocks noGrp="1"/>
-          </p:cNvSpPr>
-          <p:nvPr>
-            <p:ph type="sldNum" sz="quarter" idx="12"/>
-          </p:nvPr>
-        </p:nvSpPr>
-        <p:spPr/>
-        <p:txBody>
-          <a:bodyPr/>
-          <a:lstStyle/>
-          <a:p>
-            <a:fld id="{2F5854F6-968A-43DD-98AD-2128488B7BB7}" type="slidenum">
-              <a:rPr lang="en-US" smtClean="0"/>
-              <a:t>7</a:t>
-            </a:fld>
-            <a:endParaRPr lang="en-US"/>
-          </a:p>
-        </p:txBody>
-      </p:sp>
-      <p:sp>
-        <p:nvSpPr>
-          <p:cNvPr id="5" name="TextBox 4">
-            <a:extLst>
-              <a:ext uri="{FF2B5EF4-FFF2-40B4-BE49-F238E27FC236}">
-                <a16:creationId xmlns="" xmlns:a16="http://schemas.microsoft.com/office/drawing/2014/main" id="{90022AAB-FD40-4C2C-A279-A84CD43469AC}"/>
-              </a:ext>
-            </a:extLst>
-          </p:cNvPr>
-          <p:cNvSpPr txBox="1"/>
-          <p:nvPr/>
-        </p:nvSpPr>
-        <p:spPr>
-          <a:xfrm>
-            <a:off x="609378" y="6331506"/>
-            <a:ext cx="2743200" cy="369332"/>
-          </a:xfrm>
-          <a:prstGeom prst="rect">
-            <a:avLst/>
-          </a:prstGeom>
-          <a:noFill/>
-        </p:spPr>
-        <p:txBody>
-          <a:bodyPr wrap="square" rtlCol="0">
-            <a:spAutoFit/>
-          </a:bodyPr>
-          <a:lstStyle/>
-          <a:p>
-            <a:r>
-              <a:rPr lang="en-US" dirty="0"/>
-              <a:t>Gelman et al. (2014)</a:t>
-            </a:r>
-          </a:p>
-        </p:txBody>
-      </p:sp>
-    </p:spTree>
-    <p:extLst>
-      <p:ext uri="{BB962C8B-B14F-4D97-AF65-F5344CB8AC3E}">
-        <p14:creationId xmlns:p14="http://schemas.microsoft.com/office/powerpoint/2010/main" val="1069369866"/>
-      </p:ext>
-    </p:extLst>
-  </p:cSld>
-  <p:clrMapOvr>
-    <a:masterClrMapping/>
-  </p:clrMapOvr>
-</p:sld>
-</file>
-
-<file path=ppt/slides/slide8.xml><?xml version="1.0" encoding="utf-8"?>
-<p:sld xmlns:a="http://schemas.openxmlformats.org/drawingml/2006/main" xmlns:r="http://schemas.openxmlformats.org/officeDocument/2006/relationships" xmlns:p="http://schemas.openxmlformats.org/presentationml/2006/main">
-  <p:cSld>
-    <p:spTree>
-      <p:nvGrpSpPr>
-        <p:cNvPr id="1" name=""/>
-        <p:cNvGrpSpPr/>
-        <p:nvPr/>
-      </p:nvGrpSpPr>
-      <p:grpSpPr>
-        <a:xfrm>
-          <a:off x="0" y="0"/>
-          <a:ext cx="0" cy="0"/>
-          <a:chOff x="0" y="0"/>
-          <a:chExt cx="0" cy="0"/>
-        </a:xfrm>
-      </p:grpSpPr>
-      <p:sp>
-        <p:nvSpPr>
-          <p:cNvPr id="2" name="Title 1">
-            <a:extLst>
-              <a:ext uri="{FF2B5EF4-FFF2-40B4-BE49-F238E27FC236}">
-                <a16:creationId xmlns="" xmlns:a16="http://schemas.microsoft.com/office/drawing/2014/main" id="{E58841CB-F12A-49AE-A0F6-FC905252F346}"/>
-              </a:ext>
-            </a:extLst>
-          </p:cNvPr>
-          <p:cNvSpPr>
-            <a:spLocks noGrp="1"/>
-          </p:cNvSpPr>
-          <p:nvPr>
-            <p:ph type="title"/>
-          </p:nvPr>
-        </p:nvSpPr>
-        <p:spPr/>
-        <p:txBody>
-          <a:bodyPr/>
-          <a:lstStyle/>
-          <a:p>
-            <a:r>
-              <a:rPr lang="es-CL" noProof="0" dirty="0"/>
-              <a:t>Popularidad</a:t>
-            </a:r>
-          </a:p>
-        </p:txBody>
-      </p:sp>
-      <p:sp>
-        <p:nvSpPr>
-          <p:cNvPr id="3" name="Content Placeholder 2">
-            <a:extLst>
-              <a:ext uri="{FF2B5EF4-FFF2-40B4-BE49-F238E27FC236}">
-                <a16:creationId xmlns="" xmlns:a16="http://schemas.microsoft.com/office/drawing/2014/main" id="{2BAA9235-4720-4EA9-AAB8-5711BE621A8E}"/>
+                <a16:creationId xmlns:a16="http://schemas.microsoft.com/office/drawing/2014/main" xmlns="" id="{2BAA9235-4720-4EA9-AAB8-5711BE621A8E}"/>
               </a:ext>
             </a:extLst>
           </p:cNvPr>
@@ -9275,7 +6989,7 @@
           <p:cNvPr id="4" name="Slide Number Placeholder 3">
             <a:extLst>
               <a:ext uri="{FF2B5EF4-FFF2-40B4-BE49-F238E27FC236}">
-                <a16:creationId xmlns="" xmlns:a16="http://schemas.microsoft.com/office/drawing/2014/main" id="{28183925-41CE-45AE-9C75-56FB10A283D7}"/>
+                <a16:creationId xmlns:a16="http://schemas.microsoft.com/office/drawing/2014/main" xmlns="" id="{28183925-41CE-45AE-9C75-56FB10A283D7}"/>
               </a:ext>
             </a:extLst>
           </p:cNvPr>
@@ -9293,7 +7007,7 @@
           <a:p>
             <a:fld id="{2F5854F6-968A-43DD-98AD-2128488B7BB7}" type="slidenum">
               <a:rPr lang="en-US" smtClean="0"/>
-              <a:t>8</a:t>
+              <a:t>4</a:t>
             </a:fld>
             <a:endParaRPr lang="en-US"/>
           </a:p>
@@ -9304,7 +7018,7 @@
           <p:cNvPr id="5" name="Content Placeholder 5" descr="A close up of a organ&#10;&#10;Description generated with high confidence">
             <a:extLst>
               <a:ext uri="{FF2B5EF4-FFF2-40B4-BE49-F238E27FC236}">
-                <a16:creationId xmlns="" xmlns:a16="http://schemas.microsoft.com/office/drawing/2014/main" id="{12BD2113-1CF4-40B9-A1AA-C31A430DBA90}"/>
+                <a16:creationId xmlns:a16="http://schemas.microsoft.com/office/drawing/2014/main" xmlns="" id="{12BD2113-1CF4-40B9-A1AA-C31A430DBA90}"/>
               </a:ext>
             </a:extLst>
           </p:cNvPr>
@@ -9338,17 +7052,17 @@
           </a:ln>
           <a:extLst>
             <a:ext uri="{FAA26D3D-D897-4be2-8F04-BA451C77F1D7}">
-              <ma14:placeholderFlag xmlns="" xmlns:ma14="http://schemas.microsoft.com/office/mac/drawingml/2011/main" val="1"/>
+              <ma14:placeholderFlag xmlns:ma14="http://schemas.microsoft.com/office/mac/drawingml/2011/main" xmlns="" val="1"/>
             </a:ext>
             <a:ext uri="{909E8E84-426E-40dd-AFC4-6F175D3DCCD1}">
-              <a14:hiddenFill xmlns="" xmlns:a14="http://schemas.microsoft.com/office/drawing/2010/main">
+              <a14:hiddenFill xmlns:a14="http://schemas.microsoft.com/office/drawing/2010/main" xmlns="">
                 <a:solidFill>
                   <a:srgbClr val="FFFFFF"/>
                 </a:solidFill>
               </a14:hiddenFill>
             </a:ext>
             <a:ext uri="{91240B29-F687-4f45-9708-019B960494DF}">
-              <a14:hiddenLine xmlns="" xmlns:a14="http://schemas.microsoft.com/office/drawing/2010/main" w="9525">
+              <a14:hiddenLine xmlns:a14="http://schemas.microsoft.com/office/drawing/2010/main" xmlns="" w="9525">
                 <a:solidFill>
                   <a:srgbClr val="000000"/>
                 </a:solidFill>
@@ -9365,7 +7079,7 @@
           <p:cNvPr id="6" name="TextBox 5">
             <a:extLst>
               <a:ext uri="{FF2B5EF4-FFF2-40B4-BE49-F238E27FC236}">
-                <a16:creationId xmlns="" xmlns:a16="http://schemas.microsoft.com/office/drawing/2014/main" id="{6F3E6335-5F08-4BFE-9246-F1F57DDA2455}"/>
+                <a16:creationId xmlns:a16="http://schemas.microsoft.com/office/drawing/2014/main" xmlns="" id="{6F3E6335-5F08-4BFE-9246-F1F57DDA2455}"/>
               </a:ext>
             </a:extLst>
           </p:cNvPr>
@@ -9407,6 +7121,1413 @@
     <p:extLst>
       <p:ext uri="{BB962C8B-B14F-4D97-AF65-F5344CB8AC3E}">
         <p14:creationId xmlns:p14="http://schemas.microsoft.com/office/powerpoint/2010/main" val="577073136"/>
+      </p:ext>
+    </p:extLst>
+  </p:cSld>
+  <p:clrMapOvr>
+    <a:masterClrMapping/>
+  </p:clrMapOvr>
+</p:sld>
+</file>
+
+<file path=ppt/slides/slide5.xml><?xml version="1.0" encoding="utf-8"?>
+<p:sld xmlns:a="http://schemas.openxmlformats.org/drawingml/2006/main" xmlns:r="http://schemas.openxmlformats.org/officeDocument/2006/relationships" xmlns:p="http://schemas.openxmlformats.org/presentationml/2006/main">
+  <p:cSld>
+    <p:spTree>
+      <p:nvGrpSpPr>
+        <p:cNvPr id="1" name=""/>
+        <p:cNvGrpSpPr/>
+        <p:nvPr/>
+      </p:nvGrpSpPr>
+      <p:grpSpPr>
+        <a:xfrm>
+          <a:off x="0" y="0"/>
+          <a:ext cx="0" cy="0"/>
+          <a:chOff x="0" y="0"/>
+          <a:chExt cx="0" cy="0"/>
+        </a:xfrm>
+      </p:grpSpPr>
+      <p:sp>
+        <p:nvSpPr>
+          <p:cNvPr id="2" name="Title 1">
+            <a:extLst>
+              <a:ext uri="{FF2B5EF4-FFF2-40B4-BE49-F238E27FC236}">
+                <a16:creationId xmlns:a16="http://schemas.microsoft.com/office/drawing/2014/main" xmlns="" id="{E58841CB-F12A-49AE-A0F6-FC905252F346}"/>
+              </a:ext>
+            </a:extLst>
+          </p:cNvPr>
+          <p:cNvSpPr>
+            <a:spLocks noGrp="1"/>
+          </p:cNvSpPr>
+          <p:nvPr>
+            <p:ph type="title"/>
+          </p:nvPr>
+        </p:nvSpPr>
+        <p:spPr/>
+        <p:txBody>
+          <a:bodyPr/>
+          <a:lstStyle/>
+          <a:p>
+            <a:r>
+              <a:rPr lang="es-CL" noProof="0" dirty="0"/>
+              <a:t>Los pasos de un análisis bayesiana</a:t>
+            </a:r>
+          </a:p>
+        </p:txBody>
+      </p:sp>
+      <p:sp>
+        <p:nvSpPr>
+          <p:cNvPr id="3" name="Content Placeholder 2">
+            <a:extLst>
+              <a:ext uri="{FF2B5EF4-FFF2-40B4-BE49-F238E27FC236}">
+                <a16:creationId xmlns:a16="http://schemas.microsoft.com/office/drawing/2014/main" xmlns="" id="{2BAA9235-4720-4EA9-AAB8-5711BE621A8E}"/>
+              </a:ext>
+            </a:extLst>
+          </p:cNvPr>
+          <p:cNvSpPr>
+            <a:spLocks noGrp="1"/>
+          </p:cNvSpPr>
+          <p:nvPr>
+            <p:ph idx="1"/>
+          </p:nvPr>
+        </p:nvSpPr>
+        <p:spPr>
+          <a:xfrm>
+            <a:off x="457200" y="1333500"/>
+            <a:ext cx="8229600" cy="4530725"/>
+          </a:xfrm>
+        </p:spPr>
+        <p:txBody>
+          <a:bodyPr/>
+          <a:lstStyle/>
+          <a:p>
+            <a:pPr marL="514350" indent="-514350">
+              <a:buFont typeface="+mj-lt"/>
+              <a:buAutoNum type="arabicPeriod"/>
+            </a:pPr>
+            <a:r>
+              <a:rPr lang="es-CL" noProof="0" dirty="0"/>
+              <a:t>Hacer un modelo colectivo </a:t>
+            </a:r>
+            <a:r>
+              <a:rPr lang="es-CL" dirty="0"/>
+              <a:t>por todos los cantidades (datos y parámetros) del problema </a:t>
+            </a:r>
+          </a:p>
+          <a:p>
+            <a:pPr marL="514350" indent="-514350">
+              <a:buFont typeface="+mj-lt"/>
+              <a:buAutoNum type="arabicPeriod"/>
+            </a:pPr>
+            <a:r>
+              <a:rPr lang="es-CL" dirty="0"/>
+              <a:t>Condicionar el modelo a los datos observados y estimar la probabilidad </a:t>
+            </a:r>
+            <a:r>
+              <a:rPr lang="es-CL" i="1" dirty="0"/>
+              <a:t>a posteriori</a:t>
+            </a:r>
+            <a:r>
+              <a:rPr lang="es-CL" dirty="0"/>
+              <a:t> </a:t>
+            </a:r>
+          </a:p>
+          <a:p>
+            <a:pPr marL="514350" indent="-514350">
+              <a:buFont typeface="+mj-lt"/>
+              <a:buAutoNum type="arabicPeriod"/>
+            </a:pPr>
+            <a:r>
+              <a:rPr lang="es-CL" noProof="0" dirty="0"/>
+              <a:t>Evaluar el ajuste, realizar si necesario, </a:t>
+            </a:r>
+            <a:r>
+              <a:rPr lang="es-CL" dirty="0"/>
+              <a:t>y después hacer inferencia (calcular probabilidades). </a:t>
+            </a:r>
+            <a:endParaRPr lang="es-CL" noProof="0" dirty="0"/>
+          </a:p>
+        </p:txBody>
+      </p:sp>
+      <p:sp>
+        <p:nvSpPr>
+          <p:cNvPr id="4" name="Slide Number Placeholder 3">
+            <a:extLst>
+              <a:ext uri="{FF2B5EF4-FFF2-40B4-BE49-F238E27FC236}">
+                <a16:creationId xmlns:a16="http://schemas.microsoft.com/office/drawing/2014/main" xmlns="" id="{28183925-41CE-45AE-9C75-56FB10A283D7}"/>
+              </a:ext>
+            </a:extLst>
+          </p:cNvPr>
+          <p:cNvSpPr>
+            <a:spLocks noGrp="1"/>
+          </p:cNvSpPr>
+          <p:nvPr>
+            <p:ph type="sldNum" sz="quarter" idx="12"/>
+          </p:nvPr>
+        </p:nvSpPr>
+        <p:spPr/>
+        <p:txBody>
+          <a:bodyPr/>
+          <a:lstStyle/>
+          <a:p>
+            <a:fld id="{2F5854F6-968A-43DD-98AD-2128488B7BB7}" type="slidenum">
+              <a:rPr lang="en-US" smtClean="0"/>
+              <a:t>5</a:t>
+            </a:fld>
+            <a:endParaRPr lang="en-US"/>
+          </a:p>
+        </p:txBody>
+      </p:sp>
+      <p:sp>
+        <p:nvSpPr>
+          <p:cNvPr id="5" name="TextBox 4">
+            <a:extLst>
+              <a:ext uri="{FF2B5EF4-FFF2-40B4-BE49-F238E27FC236}">
+                <a16:creationId xmlns:a16="http://schemas.microsoft.com/office/drawing/2014/main" xmlns="" id="{64747347-E575-45B9-A33D-A43CC2008456}"/>
+              </a:ext>
+            </a:extLst>
+          </p:cNvPr>
+          <p:cNvSpPr txBox="1"/>
+          <p:nvPr/>
+        </p:nvSpPr>
+        <p:spPr>
+          <a:xfrm>
+            <a:off x="637953" y="6400800"/>
+            <a:ext cx="2743200" cy="369332"/>
+          </a:xfrm>
+          <a:prstGeom prst="rect">
+            <a:avLst/>
+          </a:prstGeom>
+          <a:noFill/>
+        </p:spPr>
+        <p:txBody>
+          <a:bodyPr wrap="square" rtlCol="0">
+            <a:spAutoFit/>
+          </a:bodyPr>
+          <a:lstStyle/>
+          <a:p>
+            <a:r>
+              <a:rPr lang="en-US" dirty="0"/>
+              <a:t>Gelman et al. (2014)</a:t>
+            </a:r>
+          </a:p>
+        </p:txBody>
+      </p:sp>
+    </p:spTree>
+    <p:extLst>
+      <p:ext uri="{BB962C8B-B14F-4D97-AF65-F5344CB8AC3E}">
+        <p14:creationId xmlns:p14="http://schemas.microsoft.com/office/powerpoint/2010/main" val="3185289752"/>
+      </p:ext>
+    </p:extLst>
+  </p:cSld>
+  <p:clrMapOvr>
+    <a:masterClrMapping/>
+  </p:clrMapOvr>
+</p:sld>
+</file>
+
+<file path=ppt/slides/slide6.xml><?xml version="1.0" encoding="utf-8"?>
+<p:sld xmlns:a="http://schemas.openxmlformats.org/drawingml/2006/main" xmlns:r="http://schemas.openxmlformats.org/officeDocument/2006/relationships" xmlns:p="http://schemas.openxmlformats.org/presentationml/2006/main">
+  <p:cSld>
+    <p:spTree>
+      <p:nvGrpSpPr>
+        <p:cNvPr id="1" name=""/>
+        <p:cNvGrpSpPr/>
+        <p:nvPr/>
+      </p:nvGrpSpPr>
+      <p:grpSpPr>
+        <a:xfrm>
+          <a:off x="0" y="0"/>
+          <a:ext cx="0" cy="0"/>
+          <a:chOff x="0" y="0"/>
+          <a:chExt cx="0" cy="0"/>
+        </a:xfrm>
+      </p:grpSpPr>
+      <p:sp>
+        <p:nvSpPr>
+          <p:cNvPr id="2" name="Title 1">
+            <a:extLst>
+              <a:ext uri="{FF2B5EF4-FFF2-40B4-BE49-F238E27FC236}">
+                <a16:creationId xmlns="" xmlns:a16="http://schemas.microsoft.com/office/drawing/2014/main" id="{3F85E31D-5021-4B9C-A2F6-6670EA453677}"/>
+              </a:ext>
+            </a:extLst>
+          </p:cNvPr>
+          <p:cNvSpPr>
+            <a:spLocks noGrp="1"/>
+          </p:cNvSpPr>
+          <p:nvPr>
+            <p:ph type="title"/>
+          </p:nvPr>
+        </p:nvSpPr>
+        <p:spPr/>
+        <p:txBody>
+          <a:bodyPr/>
+          <a:lstStyle/>
+          <a:p>
+            <a:r>
+              <a:rPr lang="en-US" dirty="0" smtClean="0"/>
+              <a:t>Review of probability theory</a:t>
+            </a:r>
+            <a:endParaRPr lang="en-US" dirty="0"/>
+          </a:p>
+        </p:txBody>
+      </p:sp>
+      <p:sp>
+        <p:nvSpPr>
+          <p:cNvPr id="3" name="Content Placeholder 2">
+            <a:extLst>
+              <a:ext uri="{FF2B5EF4-FFF2-40B4-BE49-F238E27FC236}">
+                <a16:creationId xmlns="" xmlns:mc="http://schemas.openxmlformats.org/markup-compatibility/2006" xmlns:a14="http://schemas.microsoft.com/office/drawing/2010/main" xmlns:a16="http://schemas.microsoft.com/office/drawing/2014/main" id="{28B492CE-B56B-411E-ACCC-F83AC37AA46D}"/>
+              </a:ext>
+            </a:extLst>
+          </p:cNvPr>
+          <p:cNvSpPr>
+            <a:spLocks noGrp="1"/>
+          </p:cNvSpPr>
+          <p:nvPr>
+            <p:ph idx="1"/>
+          </p:nvPr>
+        </p:nvSpPr>
+        <p:spPr>
+          <a:xfrm>
+            <a:off x="628650" y="1331849"/>
+            <a:ext cx="7886700" cy="4777306"/>
+          </a:xfrm>
+        </p:spPr>
+        <p:txBody>
+          <a:bodyPr/>
+          <a:lstStyle/>
+          <a:p>
+            <a:r>
+              <a:rPr lang="en-US" dirty="0" smtClean="0"/>
+              <a:t>In nature we have random processes</a:t>
+            </a:r>
+          </a:p>
+          <a:p>
+            <a:r>
+              <a:rPr lang="en-US" dirty="0" smtClean="0"/>
+              <a:t>The s</a:t>
+            </a:r>
+            <a:r>
+              <a:rPr lang="en-US" dirty="0" smtClean="0"/>
+              <a:t>ample space is the possible outcomes of this process (events)</a:t>
+            </a:r>
+          </a:p>
+          <a:p>
+            <a:r>
+              <a:rPr lang="en-US" dirty="0" smtClean="0"/>
+              <a:t>A ran</a:t>
+            </a:r>
+            <a:r>
+              <a:rPr lang="en-US" dirty="0" smtClean="0"/>
+              <a:t>dom variable maps the sample space to be numbers</a:t>
+            </a:r>
+          </a:p>
+          <a:p>
+            <a:r>
+              <a:rPr lang="en-US" dirty="0" smtClean="0"/>
+              <a:t>A</a:t>
+            </a:r>
+            <a:r>
+              <a:rPr lang="en-US" dirty="0" smtClean="0"/>
+              <a:t> </a:t>
+            </a:r>
+            <a:r>
+              <a:rPr lang="en-US" dirty="0" smtClean="0"/>
+              <a:t>probability </a:t>
+            </a:r>
+            <a:r>
+              <a:rPr lang="en-US" dirty="0" smtClean="0"/>
+              <a:t>mass/density is the relative frequency of occurrence.</a:t>
+            </a:r>
+            <a:endParaRPr lang="en-US" dirty="0" smtClean="0"/>
+          </a:p>
+        </p:txBody>
+      </p:sp>
+      <p:sp>
+        <p:nvSpPr>
+          <p:cNvPr id="4" name="Slide Number Placeholder 3">
+            <a:extLst>
+              <a:ext uri="{FF2B5EF4-FFF2-40B4-BE49-F238E27FC236}">
+                <a16:creationId xmlns="" xmlns:a16="http://schemas.microsoft.com/office/drawing/2014/main" id="{EC538D91-6F8B-42BB-A135-BD948D230469}"/>
+              </a:ext>
+            </a:extLst>
+          </p:cNvPr>
+          <p:cNvSpPr>
+            <a:spLocks noGrp="1"/>
+          </p:cNvSpPr>
+          <p:nvPr>
+            <p:ph type="sldNum" sz="quarter" idx="12"/>
+          </p:nvPr>
+        </p:nvSpPr>
+        <p:spPr/>
+        <p:txBody>
+          <a:bodyPr/>
+          <a:lstStyle/>
+          <a:p>
+            <a:fld id="{A90099C9-4CB8-9A40-B745-9AB270505907}" type="slidenum">
+              <a:rPr lang="en-US" smtClean="0"/>
+              <a:t>6</a:t>
+            </a:fld>
+            <a:endParaRPr lang="en-US"/>
+          </a:p>
+        </p:txBody>
+      </p:sp>
+    </p:spTree>
+    <p:extLst>
+      <p:ext uri="{BB962C8B-B14F-4D97-AF65-F5344CB8AC3E}">
+        <p14:creationId xmlns:p14="http://schemas.microsoft.com/office/powerpoint/2010/main" val="1976411950"/>
+      </p:ext>
+    </p:extLst>
+  </p:cSld>
+  <p:clrMapOvr>
+    <a:masterClrMapping/>
+  </p:clrMapOvr>
+</p:sld>
+</file>
+
+<file path=ppt/slides/slide7.xml><?xml version="1.0" encoding="utf-8"?>
+<p:sld xmlns:a="http://schemas.openxmlformats.org/drawingml/2006/main" xmlns:r="http://schemas.openxmlformats.org/officeDocument/2006/relationships" xmlns:p="http://schemas.openxmlformats.org/presentationml/2006/main">
+  <p:cSld>
+    <p:spTree>
+      <p:nvGrpSpPr>
+        <p:cNvPr id="1" name=""/>
+        <p:cNvGrpSpPr/>
+        <p:nvPr/>
+      </p:nvGrpSpPr>
+      <p:grpSpPr>
+        <a:xfrm>
+          <a:off x="0" y="0"/>
+          <a:ext cx="0" cy="0"/>
+          <a:chOff x="0" y="0"/>
+          <a:chExt cx="0" cy="0"/>
+        </a:xfrm>
+      </p:grpSpPr>
+      <p:sp>
+        <p:nvSpPr>
+          <p:cNvPr id="2" name="Title 1">
+            <a:extLst>
+              <a:ext uri="{FF2B5EF4-FFF2-40B4-BE49-F238E27FC236}">
+                <a16:creationId xmlns:a16="http://schemas.microsoft.com/office/drawing/2014/main" xmlns="" id="{1F21995E-0AA4-46BB-ABC5-5549BF22D71D}"/>
+              </a:ext>
+            </a:extLst>
+          </p:cNvPr>
+          <p:cNvSpPr>
+            <a:spLocks noGrp="1"/>
+          </p:cNvSpPr>
+          <p:nvPr>
+            <p:ph type="title"/>
+          </p:nvPr>
+        </p:nvSpPr>
+        <p:spPr/>
+        <p:txBody>
+          <a:bodyPr/>
+          <a:lstStyle/>
+          <a:p>
+            <a:r>
+              <a:rPr lang="es-CL" noProof="0" dirty="0" err="1"/>
+              <a:t>Review</a:t>
+            </a:r>
+            <a:r>
+              <a:rPr lang="es-CL" noProof="0" dirty="0"/>
+              <a:t>: </a:t>
+            </a:r>
+            <a:r>
+              <a:rPr lang="es-CL" noProof="0" dirty="0" err="1"/>
+              <a:t>basics</a:t>
+            </a:r>
+            <a:r>
+              <a:rPr lang="es-CL" noProof="0" dirty="0"/>
+              <a:t> </a:t>
+            </a:r>
+            <a:r>
+              <a:rPr lang="es-CL" noProof="0" dirty="0" err="1"/>
+              <a:t>of</a:t>
+            </a:r>
+            <a:r>
+              <a:rPr lang="es-CL" noProof="0" dirty="0"/>
+              <a:t> </a:t>
+            </a:r>
+            <a:r>
+              <a:rPr lang="es-CL" noProof="0" dirty="0" err="1"/>
+              <a:t>probabilities</a:t>
+            </a:r>
+            <a:endParaRPr lang="es-CL" noProof="0" dirty="0"/>
+          </a:p>
+        </p:txBody>
+      </p:sp>
+      <p:sp>
+        <p:nvSpPr>
+          <p:cNvPr id="3" name="Content Placeholder 2">
+            <a:extLst>
+              <a:ext uri="{FF2B5EF4-FFF2-40B4-BE49-F238E27FC236}">
+                <a16:creationId xmlns:a16="http://schemas.microsoft.com/office/drawing/2014/main" xmlns="" id="{1458A43B-39F0-450C-A1A9-F1EEF261FE9D}"/>
+              </a:ext>
+            </a:extLst>
+          </p:cNvPr>
+          <p:cNvSpPr>
+            <a:spLocks noGrp="1"/>
+          </p:cNvSpPr>
+          <p:nvPr>
+            <p:ph idx="1"/>
+          </p:nvPr>
+        </p:nvSpPr>
+        <p:spPr>
+          <a:xfrm>
+            <a:off x="457200" y="1219200"/>
+            <a:ext cx="8229600" cy="4911725"/>
+          </a:xfrm>
+        </p:spPr>
+        <p:txBody>
+          <a:bodyPr/>
+          <a:lstStyle/>
+          <a:p>
+            <a:r>
+              <a:rPr lang="es-CL" noProof="0" dirty="0"/>
+              <a:t>P(A)=</a:t>
+            </a:r>
+            <a:r>
+              <a:rPr lang="es-CL" noProof="0" dirty="0" err="1"/>
+              <a:t>Probability</a:t>
+            </a:r>
+            <a:r>
+              <a:rPr lang="es-CL" noProof="0" dirty="0"/>
+              <a:t> </a:t>
+            </a:r>
+            <a:r>
+              <a:rPr lang="es-CL" noProof="0" dirty="0" err="1"/>
+              <a:t>of</a:t>
+            </a:r>
+            <a:r>
+              <a:rPr lang="es-CL" noProof="0" dirty="0"/>
+              <a:t> </a:t>
+            </a:r>
+            <a:r>
+              <a:rPr lang="es-CL" noProof="0" dirty="0" err="1"/>
+              <a:t>event</a:t>
+            </a:r>
+            <a:r>
+              <a:rPr lang="es-CL" noProof="0" dirty="0"/>
+              <a:t> A</a:t>
+            </a:r>
+          </a:p>
+          <a:p>
+            <a:r>
+              <a:rPr lang="es-CL" noProof="0" dirty="0"/>
+              <a:t>P(A,B)=</a:t>
+            </a:r>
+            <a:r>
+              <a:rPr lang="es-CL" noProof="0" dirty="0" err="1"/>
+              <a:t>Probability</a:t>
+            </a:r>
+            <a:r>
+              <a:rPr lang="es-CL" noProof="0" dirty="0"/>
+              <a:t> of A and </a:t>
+            </a:r>
+            <a:r>
+              <a:rPr lang="es-CL" noProof="0" dirty="0" smtClean="0"/>
+              <a:t>B</a:t>
+            </a:r>
+          </a:p>
+          <a:p>
+            <a:r>
+              <a:rPr lang="es-CL" dirty="0" smtClean="0"/>
+              <a:t>P(A,C)=P(A)P(C) </a:t>
+            </a:r>
+            <a:r>
+              <a:rPr lang="es-CL" dirty="0" err="1" smtClean="0"/>
+              <a:t>if</a:t>
+            </a:r>
+            <a:r>
+              <a:rPr lang="es-CL" dirty="0" smtClean="0"/>
+              <a:t> </a:t>
+            </a:r>
+            <a:r>
+              <a:rPr lang="es-CL" dirty="0" err="1" smtClean="0"/>
+              <a:t>independent</a:t>
+            </a:r>
+            <a:endParaRPr lang="es-CL" noProof="0" dirty="0"/>
+          </a:p>
+          <a:p>
+            <a:r>
+              <a:rPr lang="es-CL" noProof="0" dirty="0"/>
+              <a:t>P(A|B)=P(A,B)/P(B)   [</a:t>
+            </a:r>
+            <a:r>
+              <a:rPr lang="es-CL" noProof="0" dirty="0" err="1"/>
+              <a:t>conditional</a:t>
+            </a:r>
+            <a:r>
+              <a:rPr lang="es-CL" noProof="0" dirty="0"/>
+              <a:t> </a:t>
+            </a:r>
+            <a:r>
+              <a:rPr lang="es-CL" noProof="0" dirty="0" err="1"/>
+              <a:t>probability</a:t>
+            </a:r>
+            <a:r>
+              <a:rPr lang="es-CL" noProof="0" dirty="0" smtClean="0"/>
+              <a:t>]</a:t>
+            </a:r>
+            <a:endParaRPr lang="es-CL" noProof="0" dirty="0"/>
+          </a:p>
+        </p:txBody>
+      </p:sp>
+      <p:sp>
+        <p:nvSpPr>
+          <p:cNvPr id="4" name="Slide Number Placeholder 3">
+            <a:extLst>
+              <a:ext uri="{FF2B5EF4-FFF2-40B4-BE49-F238E27FC236}">
+                <a16:creationId xmlns:a16="http://schemas.microsoft.com/office/drawing/2014/main" xmlns="" id="{B607949D-1BF8-436E-834D-CB927CF5CDC8}"/>
+              </a:ext>
+            </a:extLst>
+          </p:cNvPr>
+          <p:cNvSpPr>
+            <a:spLocks noGrp="1"/>
+          </p:cNvSpPr>
+          <p:nvPr>
+            <p:ph type="sldNum" sz="quarter" idx="12"/>
+          </p:nvPr>
+        </p:nvSpPr>
+        <p:spPr/>
+        <p:txBody>
+          <a:bodyPr/>
+          <a:lstStyle/>
+          <a:p>
+            <a:fld id="{2F5854F6-968A-43DD-98AD-2128488B7BB7}" type="slidenum">
+              <a:rPr lang="en-US" smtClean="0"/>
+              <a:t>7</a:t>
+            </a:fld>
+            <a:endParaRPr lang="en-US"/>
+          </a:p>
+        </p:txBody>
+      </p:sp>
+      <p:sp>
+        <p:nvSpPr>
+          <p:cNvPr id="7" name="Rectangle 6"/>
+          <p:cNvSpPr/>
+          <p:nvPr/>
+        </p:nvSpPr>
+        <p:spPr>
+          <a:xfrm>
+            <a:off x="1459684" y="3884103"/>
+            <a:ext cx="4362276" cy="2172748"/>
+          </a:xfrm>
+          <a:prstGeom prst="rect">
+            <a:avLst/>
+          </a:prstGeom>
+        </p:spPr>
+        <p:style>
+          <a:lnRef idx="2">
+            <a:schemeClr val="accent6"/>
+          </a:lnRef>
+          <a:fillRef idx="1">
+            <a:schemeClr val="lt1"/>
+          </a:fillRef>
+          <a:effectRef idx="0">
+            <a:schemeClr val="accent6"/>
+          </a:effectRef>
+          <a:fontRef idx="minor">
+            <a:schemeClr val="dk1"/>
+          </a:fontRef>
+        </p:style>
+        <p:txBody>
+          <a:bodyPr rtlCol="0" anchor="ctr"/>
+          <a:lstStyle/>
+          <a:p>
+            <a:pPr algn="ctr"/>
+            <a:endParaRPr lang="en-US"/>
+          </a:p>
+        </p:txBody>
+      </p:sp>
+      <p:sp>
+        <p:nvSpPr>
+          <p:cNvPr id="10" name="Oval 9"/>
+          <p:cNvSpPr/>
+          <p:nvPr/>
+        </p:nvSpPr>
+        <p:spPr>
+          <a:xfrm>
+            <a:off x="1704365" y="4405618"/>
+            <a:ext cx="1543574" cy="1459685"/>
+          </a:xfrm>
+          <a:prstGeom prst="ellipse">
+            <a:avLst/>
+          </a:prstGeom>
+          <a:solidFill>
+            <a:srgbClr val="DCE6F2">
+              <a:alpha val="50980"/>
+            </a:srgbClr>
+          </a:solidFill>
+        </p:spPr>
+        <p:style>
+          <a:lnRef idx="2">
+            <a:schemeClr val="accent1">
+              <a:shade val="50000"/>
+            </a:schemeClr>
+          </a:lnRef>
+          <a:fillRef idx="1">
+            <a:schemeClr val="accent1"/>
+          </a:fillRef>
+          <a:effectRef idx="0">
+            <a:schemeClr val="accent1"/>
+          </a:effectRef>
+          <a:fontRef idx="minor">
+            <a:schemeClr val="lt1"/>
+          </a:fontRef>
+        </p:style>
+        <p:txBody>
+          <a:bodyPr rtlCol="0" anchor="ctr"/>
+          <a:lstStyle/>
+          <a:p>
+            <a:pPr algn="ctr"/>
+            <a:endParaRPr lang="en-US"/>
+          </a:p>
+        </p:txBody>
+      </p:sp>
+      <p:sp>
+        <p:nvSpPr>
+          <p:cNvPr id="12" name="Oval 11"/>
+          <p:cNvSpPr/>
+          <p:nvPr/>
+        </p:nvSpPr>
+        <p:spPr>
+          <a:xfrm>
+            <a:off x="2476152" y="4405618"/>
+            <a:ext cx="1543574" cy="1459685"/>
+          </a:xfrm>
+          <a:prstGeom prst="ellipse">
+            <a:avLst/>
+          </a:prstGeom>
+          <a:solidFill>
+            <a:srgbClr val="DCE6F2">
+              <a:alpha val="50980"/>
+            </a:srgbClr>
+          </a:solidFill>
+        </p:spPr>
+        <p:style>
+          <a:lnRef idx="2">
+            <a:schemeClr val="accent1">
+              <a:shade val="50000"/>
+            </a:schemeClr>
+          </a:lnRef>
+          <a:fillRef idx="1">
+            <a:schemeClr val="accent1"/>
+          </a:fillRef>
+          <a:effectRef idx="0">
+            <a:schemeClr val="accent1"/>
+          </a:effectRef>
+          <a:fontRef idx="minor">
+            <a:schemeClr val="lt1"/>
+          </a:fontRef>
+        </p:style>
+        <p:txBody>
+          <a:bodyPr rtlCol="0" anchor="ctr"/>
+          <a:lstStyle/>
+          <a:p>
+            <a:pPr algn="ctr"/>
+            <a:endParaRPr lang="en-US"/>
+          </a:p>
+        </p:txBody>
+      </p:sp>
+      <p:sp>
+        <p:nvSpPr>
+          <p:cNvPr id="13" name="Oval 12"/>
+          <p:cNvSpPr/>
+          <p:nvPr/>
+        </p:nvSpPr>
+        <p:spPr>
+          <a:xfrm>
+            <a:off x="4454553" y="4874004"/>
+            <a:ext cx="833310" cy="850084"/>
+          </a:xfrm>
+          <a:prstGeom prst="ellipse">
+            <a:avLst/>
+          </a:prstGeom>
+          <a:solidFill>
+            <a:srgbClr val="DCE6F2">
+              <a:alpha val="50980"/>
+            </a:srgbClr>
+          </a:solidFill>
+        </p:spPr>
+        <p:style>
+          <a:lnRef idx="2">
+            <a:schemeClr val="accent1">
+              <a:shade val="50000"/>
+            </a:schemeClr>
+          </a:lnRef>
+          <a:fillRef idx="1">
+            <a:schemeClr val="accent1"/>
+          </a:fillRef>
+          <a:effectRef idx="0">
+            <a:schemeClr val="accent1"/>
+          </a:effectRef>
+          <a:fontRef idx="minor">
+            <a:schemeClr val="lt1"/>
+          </a:fontRef>
+        </p:style>
+        <p:txBody>
+          <a:bodyPr rtlCol="0" anchor="ctr"/>
+          <a:lstStyle/>
+          <a:p>
+            <a:pPr algn="ctr"/>
+            <a:endParaRPr lang="en-US"/>
+          </a:p>
+        </p:txBody>
+      </p:sp>
+      <p:sp>
+        <p:nvSpPr>
+          <p:cNvPr id="14" name="TextBox 13"/>
+          <p:cNvSpPr txBox="1"/>
+          <p:nvPr/>
+        </p:nvSpPr>
+        <p:spPr>
+          <a:xfrm>
+            <a:off x="2013357" y="4060272"/>
+            <a:ext cx="805343" cy="369332"/>
+          </a:xfrm>
+          <a:prstGeom prst="rect">
+            <a:avLst/>
+          </a:prstGeom>
+          <a:noFill/>
+        </p:spPr>
+        <p:txBody>
+          <a:bodyPr wrap="square" rtlCol="0">
+            <a:spAutoFit/>
+          </a:bodyPr>
+          <a:lstStyle/>
+          <a:p>
+            <a:r>
+              <a:rPr lang="en-US" dirty="0" smtClean="0"/>
+              <a:t>P(A)</a:t>
+            </a:r>
+            <a:endParaRPr lang="en-US" dirty="0"/>
+          </a:p>
+        </p:txBody>
+      </p:sp>
+      <p:sp>
+        <p:nvSpPr>
+          <p:cNvPr id="16" name="TextBox 15"/>
+          <p:cNvSpPr txBox="1"/>
+          <p:nvPr/>
+        </p:nvSpPr>
+        <p:spPr>
+          <a:xfrm>
+            <a:off x="3015144" y="4036286"/>
+            <a:ext cx="805343" cy="369332"/>
+          </a:xfrm>
+          <a:prstGeom prst="rect">
+            <a:avLst/>
+          </a:prstGeom>
+          <a:noFill/>
+        </p:spPr>
+        <p:txBody>
+          <a:bodyPr wrap="square" rtlCol="0">
+            <a:spAutoFit/>
+          </a:bodyPr>
+          <a:lstStyle/>
+          <a:p>
+            <a:r>
+              <a:rPr lang="en-US" dirty="0" smtClean="0"/>
+              <a:t>P(B)</a:t>
+            </a:r>
+            <a:endParaRPr lang="en-US" dirty="0"/>
+          </a:p>
+        </p:txBody>
+      </p:sp>
+      <p:sp>
+        <p:nvSpPr>
+          <p:cNvPr id="18" name="TextBox 17"/>
+          <p:cNvSpPr txBox="1"/>
+          <p:nvPr/>
+        </p:nvSpPr>
+        <p:spPr>
+          <a:xfrm>
+            <a:off x="2475454" y="4972204"/>
+            <a:ext cx="975918" cy="369332"/>
+          </a:xfrm>
+          <a:prstGeom prst="rect">
+            <a:avLst/>
+          </a:prstGeom>
+          <a:noFill/>
+        </p:spPr>
+        <p:txBody>
+          <a:bodyPr wrap="square" rtlCol="0">
+            <a:spAutoFit/>
+          </a:bodyPr>
+          <a:lstStyle/>
+          <a:p>
+            <a:r>
+              <a:rPr lang="en-US" dirty="0" smtClean="0"/>
+              <a:t>P(A,B)</a:t>
+            </a:r>
+            <a:endParaRPr lang="en-US" dirty="0"/>
+          </a:p>
+        </p:txBody>
+      </p:sp>
+      <p:sp>
+        <p:nvSpPr>
+          <p:cNvPr id="19" name="TextBox 18"/>
+          <p:cNvSpPr txBox="1"/>
+          <p:nvPr/>
+        </p:nvSpPr>
+        <p:spPr>
+          <a:xfrm>
+            <a:off x="4585282" y="4474021"/>
+            <a:ext cx="805343" cy="369332"/>
+          </a:xfrm>
+          <a:prstGeom prst="rect">
+            <a:avLst/>
+          </a:prstGeom>
+          <a:noFill/>
+        </p:spPr>
+        <p:txBody>
+          <a:bodyPr wrap="square" rtlCol="0">
+            <a:spAutoFit/>
+          </a:bodyPr>
+          <a:lstStyle/>
+          <a:p>
+            <a:r>
+              <a:rPr lang="en-US" dirty="0" smtClean="0"/>
+              <a:t>P(C)</a:t>
+            </a:r>
+            <a:endParaRPr lang="en-US" dirty="0"/>
+          </a:p>
+        </p:txBody>
+      </p:sp>
+    </p:spTree>
+    <p:extLst>
+      <p:ext uri="{BB962C8B-B14F-4D97-AF65-F5344CB8AC3E}">
+        <p14:creationId xmlns:p14="http://schemas.microsoft.com/office/powerpoint/2010/main" val="3973779097"/>
+      </p:ext>
+    </p:extLst>
+  </p:cSld>
+  <p:clrMapOvr>
+    <a:masterClrMapping/>
+  </p:clrMapOvr>
+</p:sld>
+</file>
+
+<file path=ppt/slides/slide8.xml><?xml version="1.0" encoding="utf-8"?>
+<p:sld xmlns:a="http://schemas.openxmlformats.org/drawingml/2006/main" xmlns:r="http://schemas.openxmlformats.org/officeDocument/2006/relationships" xmlns:p="http://schemas.openxmlformats.org/presentationml/2006/main">
+  <p:cSld>
+    <p:spTree>
+      <p:nvGrpSpPr>
+        <p:cNvPr id="1" name=""/>
+        <p:cNvGrpSpPr/>
+        <p:nvPr/>
+      </p:nvGrpSpPr>
+      <p:grpSpPr>
+        <a:xfrm>
+          <a:off x="0" y="0"/>
+          <a:ext cx="0" cy="0"/>
+          <a:chOff x="0" y="0"/>
+          <a:chExt cx="0" cy="0"/>
+        </a:xfrm>
+      </p:grpSpPr>
+      <p:sp>
+        <p:nvSpPr>
+          <p:cNvPr id="2" name="Title 1">
+            <a:extLst>
+              <a:ext uri="{FF2B5EF4-FFF2-40B4-BE49-F238E27FC236}">
+                <a16:creationId xmlns:a16="http://schemas.microsoft.com/office/drawing/2014/main" xmlns="" id="{1F21995E-0AA4-46BB-ABC5-5549BF22D71D}"/>
+              </a:ext>
+            </a:extLst>
+          </p:cNvPr>
+          <p:cNvSpPr>
+            <a:spLocks noGrp="1"/>
+          </p:cNvSpPr>
+          <p:nvPr>
+            <p:ph type="title"/>
+          </p:nvPr>
+        </p:nvSpPr>
+        <p:spPr/>
+        <p:txBody>
+          <a:bodyPr/>
+          <a:lstStyle/>
+          <a:p>
+            <a:r>
+              <a:rPr lang="es-CL" noProof="0" dirty="0" err="1"/>
+              <a:t>Review</a:t>
+            </a:r>
+            <a:r>
+              <a:rPr lang="es-CL" noProof="0" dirty="0"/>
+              <a:t>: </a:t>
+            </a:r>
+            <a:r>
+              <a:rPr lang="es-CL" noProof="0" dirty="0" err="1"/>
+              <a:t>basics</a:t>
+            </a:r>
+            <a:r>
+              <a:rPr lang="es-CL" noProof="0" dirty="0"/>
+              <a:t> </a:t>
+            </a:r>
+            <a:r>
+              <a:rPr lang="es-CL" noProof="0" dirty="0" err="1"/>
+              <a:t>of</a:t>
+            </a:r>
+            <a:r>
+              <a:rPr lang="es-CL" noProof="0" dirty="0"/>
+              <a:t> </a:t>
+            </a:r>
+            <a:r>
+              <a:rPr lang="es-CL" noProof="0" dirty="0" err="1"/>
+              <a:t>probabilities</a:t>
+            </a:r>
+            <a:endParaRPr lang="es-CL" noProof="0" dirty="0"/>
+          </a:p>
+        </p:txBody>
+      </p:sp>
+      <p:sp>
+        <p:nvSpPr>
+          <p:cNvPr id="3" name="Content Placeholder 2">
+            <a:extLst>
+              <a:ext uri="{FF2B5EF4-FFF2-40B4-BE49-F238E27FC236}">
+                <a16:creationId xmlns:a16="http://schemas.microsoft.com/office/drawing/2014/main" xmlns="" id="{1458A43B-39F0-450C-A1A9-F1EEF261FE9D}"/>
+              </a:ext>
+            </a:extLst>
+          </p:cNvPr>
+          <p:cNvSpPr>
+            <a:spLocks noGrp="1"/>
+          </p:cNvSpPr>
+          <p:nvPr>
+            <p:ph idx="1"/>
+          </p:nvPr>
+        </p:nvSpPr>
+        <p:spPr>
+          <a:xfrm>
+            <a:off x="457200" y="1219200"/>
+            <a:ext cx="8229600" cy="4911725"/>
+          </a:xfrm>
+        </p:spPr>
+        <p:txBody>
+          <a:bodyPr/>
+          <a:lstStyle/>
+          <a:p>
+            <a:r>
+              <a:rPr lang="es-CL" dirty="0" err="1" smtClean="0"/>
+              <a:t>Assume</a:t>
+            </a:r>
+            <a:r>
+              <a:rPr lang="es-CL" dirty="0" smtClean="0"/>
+              <a:t> X </a:t>
+            </a:r>
+            <a:r>
+              <a:rPr lang="es-CL" dirty="0" err="1" smtClean="0"/>
+              <a:t>is</a:t>
+            </a:r>
+            <a:r>
+              <a:rPr lang="es-CL" dirty="0" smtClean="0"/>
+              <a:t> a </a:t>
+            </a:r>
+            <a:r>
+              <a:rPr lang="es-CL" dirty="0" err="1" smtClean="0"/>
+              <a:t>rv</a:t>
+            </a:r>
+            <a:r>
+              <a:rPr lang="es-CL" dirty="0" smtClean="0"/>
+              <a:t> </a:t>
+            </a:r>
+            <a:r>
+              <a:rPr lang="es-CL" dirty="0" err="1" smtClean="0"/>
+              <a:t>that</a:t>
+            </a:r>
+            <a:r>
+              <a:rPr lang="es-CL" dirty="0" smtClean="0"/>
+              <a:t> </a:t>
+            </a:r>
+            <a:r>
+              <a:rPr lang="es-CL" dirty="0" err="1" smtClean="0"/>
+              <a:t>maps</a:t>
+            </a:r>
+            <a:r>
+              <a:rPr lang="es-CL" dirty="0"/>
+              <a:t> </a:t>
+            </a:r>
+            <a:r>
+              <a:rPr lang="es-CL" dirty="0" smtClean="0"/>
+              <a:t>to </a:t>
+            </a:r>
+            <a:r>
+              <a:rPr lang="es-CL" dirty="0" err="1" smtClean="0"/>
+              <a:t>the</a:t>
+            </a:r>
+            <a:r>
+              <a:rPr lang="es-CL" dirty="0" smtClean="0"/>
+              <a:t> real line</a:t>
+            </a:r>
+          </a:p>
+          <a:p>
+            <a:r>
+              <a:rPr lang="es-CL" dirty="0" err="1" smtClean="0"/>
+              <a:t>If</a:t>
+            </a:r>
+            <a:r>
+              <a:rPr lang="es-CL" dirty="0" smtClean="0"/>
+              <a:t> </a:t>
+            </a:r>
+            <a:r>
+              <a:rPr lang="es-CL" dirty="0" err="1" smtClean="0"/>
+              <a:t>discrete</a:t>
+            </a:r>
+            <a:r>
+              <a:rPr lang="es-CL" dirty="0" smtClean="0"/>
+              <a:t>: </a:t>
+            </a:r>
+            <a:r>
+              <a:rPr lang="es-CL" i="1" dirty="0" smtClean="0"/>
+              <a:t>f(x)</a:t>
+            </a:r>
+            <a:r>
+              <a:rPr lang="es-CL" dirty="0" smtClean="0"/>
+              <a:t> </a:t>
+            </a:r>
+            <a:r>
+              <a:rPr lang="es-CL" dirty="0" err="1" smtClean="0"/>
+              <a:t>is</a:t>
+            </a:r>
+            <a:r>
+              <a:rPr lang="es-CL" dirty="0" smtClean="0"/>
+              <a:t> </a:t>
+            </a:r>
+            <a:r>
+              <a:rPr lang="es-CL" dirty="0" err="1" smtClean="0"/>
+              <a:t>probability</a:t>
+            </a:r>
+            <a:r>
+              <a:rPr lang="es-CL" dirty="0" smtClean="0"/>
+              <a:t> </a:t>
+            </a:r>
+            <a:r>
+              <a:rPr lang="es-CL" b="1" dirty="0" err="1"/>
+              <a:t>mass</a:t>
+            </a:r>
+            <a:r>
+              <a:rPr lang="es-CL" dirty="0"/>
+              <a:t> (</a:t>
+            </a:r>
+            <a:r>
+              <a:rPr lang="es-CL" dirty="0" err="1"/>
+              <a:t>pmf</a:t>
+            </a:r>
+            <a:r>
+              <a:rPr lang="es-CL" dirty="0" smtClean="0"/>
+              <a:t>)</a:t>
+            </a:r>
+          </a:p>
+          <a:p>
+            <a:r>
+              <a:rPr lang="es-CL" noProof="0" dirty="0" err="1" smtClean="0"/>
+              <a:t>If</a:t>
+            </a:r>
+            <a:r>
+              <a:rPr lang="es-CL" noProof="0" dirty="0" smtClean="0"/>
+              <a:t> </a:t>
+            </a:r>
+            <a:r>
+              <a:rPr lang="es-CL" noProof="0" dirty="0" err="1" smtClean="0"/>
+              <a:t>continuous</a:t>
+            </a:r>
+            <a:r>
+              <a:rPr lang="es-CL" noProof="0" dirty="0"/>
+              <a:t>, </a:t>
+            </a:r>
+            <a:r>
+              <a:rPr lang="es-CL" i="1" noProof="0" dirty="0" smtClean="0"/>
+              <a:t>f(x)</a:t>
+            </a:r>
+            <a:r>
+              <a:rPr lang="es-CL" noProof="0" dirty="0" smtClean="0"/>
+              <a:t> </a:t>
+            </a:r>
+            <a:r>
+              <a:rPr lang="es-CL" noProof="0" dirty="0" err="1" smtClean="0"/>
+              <a:t>is</a:t>
+            </a:r>
+            <a:r>
+              <a:rPr lang="es-CL" noProof="0" dirty="0" smtClean="0"/>
+              <a:t> </a:t>
+            </a:r>
+            <a:r>
+              <a:rPr lang="es-CL" noProof="0" dirty="0" err="1"/>
+              <a:t>probability</a:t>
+            </a:r>
+            <a:r>
+              <a:rPr lang="es-CL" noProof="0" dirty="0"/>
+              <a:t> </a:t>
+            </a:r>
+            <a:r>
+              <a:rPr lang="es-CL" b="1" noProof="0" dirty="0" err="1" smtClean="0"/>
+              <a:t>density</a:t>
+            </a:r>
+            <a:r>
+              <a:rPr lang="es-CL" dirty="0" smtClean="0"/>
+              <a:t> </a:t>
+            </a:r>
+            <a:r>
+              <a:rPr lang="es-CL" dirty="0" err="1" smtClean="0"/>
+              <a:t>function</a:t>
+            </a:r>
+            <a:r>
+              <a:rPr lang="es-CL" dirty="0" smtClean="0"/>
+              <a:t> </a:t>
+            </a:r>
+            <a:r>
+              <a:rPr lang="es-CL" i="1" dirty="0" smtClean="0"/>
+              <a:t>f </a:t>
+            </a:r>
+            <a:r>
+              <a:rPr lang="es-CL" dirty="0" smtClean="0"/>
+              <a:t>(</a:t>
+            </a:r>
+            <a:r>
+              <a:rPr lang="es-CL" dirty="0" err="1" smtClean="0"/>
+              <a:t>pdf</a:t>
+            </a:r>
+            <a:r>
+              <a:rPr lang="es-CL" dirty="0" smtClean="0"/>
+              <a:t>) and </a:t>
+            </a:r>
+            <a:r>
+              <a:rPr lang="es-CL" dirty="0" err="1" smtClean="0"/>
+              <a:t>needs</a:t>
+            </a:r>
+            <a:r>
+              <a:rPr lang="es-CL" dirty="0" smtClean="0"/>
+              <a:t> to be </a:t>
+            </a:r>
+            <a:r>
+              <a:rPr lang="es-CL" dirty="0" err="1" smtClean="0"/>
+              <a:t>integrated</a:t>
+            </a:r>
+            <a:r>
+              <a:rPr lang="es-CL" dirty="0" smtClean="0"/>
+              <a:t>:</a:t>
+            </a:r>
+          </a:p>
+          <a:p>
+            <a:endParaRPr lang="es-CL" b="1" noProof="0" dirty="0"/>
+          </a:p>
+          <a:p>
+            <a:endParaRPr lang="es-CL" b="1" noProof="0" dirty="0"/>
+          </a:p>
+          <a:p>
+            <a:pPr marL="0" indent="0">
+              <a:buNone/>
+            </a:pPr>
+            <a:endParaRPr lang="es-CL" noProof="0" dirty="0"/>
+          </a:p>
+        </p:txBody>
+      </p:sp>
+      <p:sp>
+        <p:nvSpPr>
+          <p:cNvPr id="4" name="Slide Number Placeholder 3">
+            <a:extLst>
+              <a:ext uri="{FF2B5EF4-FFF2-40B4-BE49-F238E27FC236}">
+                <a16:creationId xmlns:a16="http://schemas.microsoft.com/office/drawing/2014/main" xmlns="" id="{B607949D-1BF8-436E-834D-CB927CF5CDC8}"/>
+              </a:ext>
+            </a:extLst>
+          </p:cNvPr>
+          <p:cNvSpPr>
+            <a:spLocks noGrp="1"/>
+          </p:cNvSpPr>
+          <p:nvPr>
+            <p:ph type="sldNum" sz="quarter" idx="12"/>
+          </p:nvPr>
+        </p:nvSpPr>
+        <p:spPr/>
+        <p:txBody>
+          <a:bodyPr/>
+          <a:lstStyle/>
+          <a:p>
+            <a:fld id="{2F5854F6-968A-43DD-98AD-2128488B7BB7}" type="slidenum">
+              <a:rPr lang="en-US" smtClean="0"/>
+              <a:t>8</a:t>
+            </a:fld>
+            <a:endParaRPr lang="en-US"/>
+          </a:p>
+        </p:txBody>
+      </p:sp>
+      <p:grpSp>
+        <p:nvGrpSpPr>
+          <p:cNvPr id="7" name="Group 6"/>
+          <p:cNvGrpSpPr/>
+          <p:nvPr/>
+        </p:nvGrpSpPr>
+        <p:grpSpPr>
+          <a:xfrm>
+            <a:off x="911225" y="4041775"/>
+            <a:ext cx="6248763" cy="2017713"/>
+            <a:chOff x="825136" y="2729633"/>
+            <a:chExt cx="6248763" cy="2017713"/>
+          </a:xfrm>
+        </p:grpSpPr>
+        <p:graphicFrame>
+          <p:nvGraphicFramePr>
+            <p:cNvPr id="5" name="Object 4">
+              <a:extLst>
+                <a:ext uri="{FF2B5EF4-FFF2-40B4-BE49-F238E27FC236}">
+                  <a16:creationId xmlns:a16="http://schemas.microsoft.com/office/drawing/2014/main" xmlns="" id="{871A0B14-87C6-4452-B778-BA64D86F24DC}"/>
+                </a:ext>
+              </a:extLst>
+            </p:cNvPr>
+            <p:cNvGraphicFramePr>
+              <a:graphicFrameLocks noChangeAspect="1"/>
+            </p:cNvGraphicFramePr>
+            <p:nvPr>
+              <p:extLst>
+                <p:ext uri="{D42A27DB-BD31-4B8C-83A1-F6EECF244321}">
+                  <p14:modId xmlns:p14="http://schemas.microsoft.com/office/powerpoint/2010/main" val="4292669198"/>
+                </p:ext>
+              </p:extLst>
+            </p:nvPr>
+          </p:nvGraphicFramePr>
+          <p:xfrm>
+            <a:off x="825136" y="2729633"/>
+            <a:ext cx="3025775" cy="2017713"/>
+          </p:xfrm>
+          <a:graphic>
+            <a:graphicData uri="http://schemas.openxmlformats.org/presentationml/2006/ole">
+              <mc:AlternateContent xmlns:mc="http://schemas.openxmlformats.org/markup-compatibility/2006">
+                <mc:Choice xmlns:v="urn:schemas-microsoft-com:vml" Requires="v">
+                  <p:oleObj spid="_x0000_s2090" name="Equation" r:id="rId3" imgW="1066680" imgH="711000" progId="Equation.DSMT4">
+                    <p:embed/>
+                  </p:oleObj>
+                </mc:Choice>
+                <mc:Fallback>
+                  <p:oleObj name="Equation" r:id="rId3" imgW="1066680" imgH="711000" progId="Equation.DSMT4">
+                    <p:embed/>
+                    <p:pic>
+                      <p:nvPicPr>
+                        <p:cNvPr id="0" name=""/>
+                        <p:cNvPicPr/>
+                        <p:nvPr/>
+                      </p:nvPicPr>
+                      <p:blipFill>
+                        <a:blip r:embed="rId4"/>
+                        <a:stretch>
+                          <a:fillRect/>
+                        </a:stretch>
+                      </p:blipFill>
+                      <p:spPr>
+                        <a:xfrm>
+                          <a:off x="825136" y="2729633"/>
+                          <a:ext cx="3025775" cy="2017713"/>
+                        </a:xfrm>
+                        <a:prstGeom prst="rect">
+                          <a:avLst/>
+                        </a:prstGeom>
+                      </p:spPr>
+                    </p:pic>
+                  </p:oleObj>
+                </mc:Fallback>
+              </mc:AlternateContent>
+            </a:graphicData>
+          </a:graphic>
+        </p:graphicFrame>
+        <p:sp>
+          <p:nvSpPr>
+            <p:cNvPr id="6" name="TextBox 5">
+              <a:extLst>
+                <a:ext uri="{FF2B5EF4-FFF2-40B4-BE49-F238E27FC236}">
+                  <a16:creationId xmlns:a16="http://schemas.microsoft.com/office/drawing/2014/main" xmlns="" id="{56FEC291-188A-4C6E-ABF2-A799330527F2}"/>
+                </a:ext>
+              </a:extLst>
+            </p:cNvPr>
+            <p:cNvSpPr txBox="1"/>
+            <p:nvPr/>
+          </p:nvSpPr>
+          <p:spPr>
+            <a:xfrm>
+              <a:off x="4224966" y="3503441"/>
+              <a:ext cx="2848933" cy="850605"/>
+            </a:xfrm>
+            <a:prstGeom prst="rect">
+              <a:avLst/>
+            </a:prstGeom>
+            <a:noFill/>
+          </p:spPr>
+          <p:txBody>
+            <a:bodyPr wrap="square" rtlCol="0">
+              <a:spAutoFit/>
+            </a:bodyPr>
+            <a:lstStyle/>
+            <a:p>
+              <a:r>
+                <a:rPr lang="en-US" sz="2400" dirty="0"/>
+                <a:t>Law of total probability</a:t>
+              </a:r>
+            </a:p>
+          </p:txBody>
+        </p:sp>
+      </p:grpSp>
+      <p:graphicFrame>
+        <p:nvGraphicFramePr>
+          <p:cNvPr id="8" name="Object 7">
+            <a:extLst>
+              <a:ext uri="{FF2B5EF4-FFF2-40B4-BE49-F238E27FC236}">
+                <a16:creationId xmlns:a16="http://schemas.microsoft.com/office/drawing/2014/main" xmlns="" id="{871A0B14-87C6-4452-B778-BA64D86F24DC}"/>
+              </a:ext>
+            </a:extLst>
+          </p:cNvPr>
+          <p:cNvGraphicFramePr>
+            <a:graphicFrameLocks noChangeAspect="1"/>
+          </p:cNvGraphicFramePr>
+          <p:nvPr>
+            <p:extLst>
+              <p:ext uri="{D42A27DB-BD31-4B8C-83A1-F6EECF244321}">
+                <p14:modId xmlns:p14="http://schemas.microsoft.com/office/powerpoint/2010/main" val="2169453196"/>
+              </p:ext>
+            </p:extLst>
+          </p:nvPr>
+        </p:nvGraphicFramePr>
+        <p:xfrm>
+          <a:off x="769297" y="3206749"/>
+          <a:ext cx="3997325" cy="936625"/>
+        </p:xfrm>
+        <a:graphic>
+          <a:graphicData uri="http://schemas.openxmlformats.org/presentationml/2006/ole">
+            <mc:AlternateContent xmlns:mc="http://schemas.openxmlformats.org/markup-compatibility/2006">
+              <mc:Choice xmlns:v="urn:schemas-microsoft-com:vml" Requires="v">
+                <p:oleObj spid="_x0000_s2091" name="Equation" r:id="rId5" imgW="1409400" imgH="330120" progId="Equation.DSMT4">
+                  <p:embed/>
+                </p:oleObj>
+              </mc:Choice>
+              <mc:Fallback>
+                <p:oleObj name="Equation" r:id="rId5" imgW="1409400" imgH="330120" progId="Equation.DSMT4">
+                  <p:embed/>
+                  <p:pic>
+                    <p:nvPicPr>
+                      <p:cNvPr id="0" name=""/>
+                      <p:cNvPicPr/>
+                      <p:nvPr/>
+                    </p:nvPicPr>
+                    <p:blipFill>
+                      <a:blip r:embed="rId6"/>
+                      <a:stretch>
+                        <a:fillRect/>
+                      </a:stretch>
+                    </p:blipFill>
+                    <p:spPr>
+                      <a:xfrm>
+                        <a:off x="769297" y="3206749"/>
+                        <a:ext cx="3997325" cy="936625"/>
+                      </a:xfrm>
+                      <a:prstGeom prst="rect">
+                        <a:avLst/>
+                      </a:prstGeom>
+                    </p:spPr>
+                  </p:pic>
+                </p:oleObj>
+              </mc:Fallback>
+            </mc:AlternateContent>
+          </a:graphicData>
+        </a:graphic>
+      </p:graphicFrame>
+    </p:spTree>
+    <p:extLst>
+      <p:ext uri="{BB962C8B-B14F-4D97-AF65-F5344CB8AC3E}">
+        <p14:creationId xmlns:p14="http://schemas.microsoft.com/office/powerpoint/2010/main" val="3304102904"/>
       </p:ext>
     </p:extLst>
   </p:cSld>
@@ -9438,7 +8559,7 @@
           <p:cNvPr id="2" name="Title 1">
             <a:extLst>
               <a:ext uri="{FF2B5EF4-FFF2-40B4-BE49-F238E27FC236}">
-                <a16:creationId xmlns="" xmlns:a16="http://schemas.microsoft.com/office/drawing/2014/main" id="{E58841CB-F12A-49AE-A0F6-FC905252F346}"/>
+                <a16:creationId xmlns="" xmlns:a16="http://schemas.microsoft.com/office/drawing/2014/main" id="{85912599-B709-4D2B-BFDD-22D698B61C4A}"/>
               </a:ext>
             </a:extLst>
           </p:cNvPr>
@@ -9455,10 +8576,10 @@
           <a:lstStyle/>
           <a:p>
             <a:r>
-              <a:rPr lang="es-CL" dirty="0"/>
-              <a:t>Estadísticas frecuentes (clásicas) </a:t>
-            </a:r>
-            <a:endParaRPr lang="es-CL" noProof="0" dirty="0"/>
+              <a:rPr lang="en-US" dirty="0" smtClean="0"/>
+              <a:t>Randomness in R</a:t>
+            </a:r>
+            <a:endParaRPr lang="en-US" dirty="0"/>
           </a:p>
         </p:txBody>
       </p:sp>
@@ -9467,7 +8588,7 @@
           <p:cNvPr id="3" name="Content Placeholder 2">
             <a:extLst>
               <a:ext uri="{FF2B5EF4-FFF2-40B4-BE49-F238E27FC236}">
-                <a16:creationId xmlns="" xmlns:a16="http://schemas.microsoft.com/office/drawing/2014/main" id="{2BAA9235-4720-4EA9-AAB8-5711BE621A8E}"/>
+                <a16:creationId xmlns="" xmlns:a16="http://schemas.microsoft.com/office/drawing/2014/main" id="{FECCC0C2-4089-4F18-94F7-ED739588728C}"/>
               </a:ext>
             </a:extLst>
           </p:cNvPr>
@@ -9480,106 +8601,179 @@
         </p:nvSpPr>
         <p:spPr>
           <a:xfrm>
-            <a:off x="457200" y="1600200"/>
-            <a:ext cx="8229600" cy="4530725"/>
+            <a:off x="457200" y="1249960"/>
+            <a:ext cx="8229600" cy="4880965"/>
           </a:xfrm>
         </p:spPr>
         <p:txBody>
-          <a:bodyPr/>
+          <a:bodyPr>
+            <a:normAutofit/>
+          </a:bodyPr>
           <a:lstStyle/>
           <a:p>
-            <a:endParaRPr lang="es-CL" noProof="0" dirty="0"/>
-          </a:p>
-          <a:p>
-            <a:r>
-              <a:rPr lang="es-CL" noProof="0" dirty="0"/>
-              <a:t>Mas común paradigma de inferencia, con larga historia </a:t>
-            </a:r>
-          </a:p>
-          <a:p>
-            <a:r>
-              <a:rPr lang="es-CL" dirty="0"/>
-              <a:t>Normalmente usas el método máxima verosimilitud</a:t>
-            </a:r>
-            <a:endParaRPr lang="es-CL" noProof="0" dirty="0"/>
-          </a:p>
-          <a:p>
-            <a:r>
-              <a:rPr lang="es-CL" noProof="0" dirty="0"/>
-              <a:t>Piensa: linear </a:t>
-            </a:r>
-            <a:r>
-              <a:rPr lang="es-CL" noProof="0" dirty="0" err="1"/>
-              <a:t>models</a:t>
-            </a:r>
-            <a:r>
-              <a:rPr lang="es-CL" noProof="0" dirty="0"/>
+            <a:r>
+              <a:rPr lang="en-US" dirty="0" smtClean="0"/>
+              <a:t>Generate </a:t>
+            </a:r>
+            <a:r>
+              <a:rPr lang="en-US" i="1" dirty="0" smtClean="0"/>
+              <a:t>n</a:t>
+            </a:r>
+            <a:r>
+              <a:rPr lang="en-US" dirty="0" smtClean="0"/>
+              <a:t> </a:t>
+            </a:r>
+            <a:r>
+              <a:rPr lang="en-US" dirty="0" smtClean="0"/>
+              <a:t>random </a:t>
+            </a:r>
+            <a:r>
+              <a:rPr lang="en-US" dirty="0" smtClean="0"/>
+              <a:t>samples:</a:t>
+            </a:r>
+            <a:br>
+              <a:rPr lang="en-US" dirty="0" smtClean="0"/>
+            </a:br>
+            <a:r>
+              <a:rPr lang="en-US" dirty="0" err="1" smtClean="0"/>
+              <a:t>rnorm</a:t>
+            </a:r>
+            <a:r>
+              <a:rPr lang="en-US" dirty="0" smtClean="0"/>
+              <a:t>(n, mean, </a:t>
+            </a:r>
+            <a:r>
+              <a:rPr lang="en-US" dirty="0" err="1" smtClean="0"/>
+              <a:t>sd</a:t>
+            </a:r>
+            <a:r>
+              <a:rPr lang="en-US" dirty="0" smtClean="0"/>
+              <a:t>)</a:t>
+            </a:r>
+          </a:p>
+          <a:p>
+            <a:r>
+              <a:rPr lang="en-US" dirty="0" smtClean="0"/>
+              <a:t>Probability density function (height):</a:t>
+            </a:r>
+            <a:r>
+              <a:rPr lang="en-US" dirty="0"/>
+              <a:t/>
+            </a:r>
+            <a:br>
+              <a:rPr lang="en-US" dirty="0"/>
+            </a:br>
+            <a:r>
+              <a:rPr lang="en-US" dirty="0" err="1" smtClean="0"/>
+              <a:t>dnorm</a:t>
+            </a:r>
+            <a:r>
+              <a:rPr lang="en-US" dirty="0" smtClean="0"/>
+              <a:t>(x, mean, </a:t>
+            </a:r>
+            <a:r>
+              <a:rPr lang="en-US" dirty="0" err="1" smtClean="0"/>
+              <a:t>sd</a:t>
+            </a:r>
+            <a:r>
+              <a:rPr lang="en-US" dirty="0" smtClean="0"/>
+              <a:t>)</a:t>
+            </a:r>
+            <a:endParaRPr lang="en-US" dirty="0"/>
+          </a:p>
+          <a:p>
+            <a:r>
+              <a:rPr lang="en-US" dirty="0" smtClean="0"/>
+              <a:t>Probability that X&lt;q (integration):</a:t>
+            </a:r>
+            <a:r>
+              <a:rPr lang="en-US" dirty="0"/>
+              <a:t/>
+            </a:r>
+            <a:br>
+              <a:rPr lang="en-US" dirty="0"/>
+            </a:br>
+            <a:r>
+              <a:rPr lang="en-US" dirty="0" err="1"/>
+              <a:t>pnorm</a:t>
+            </a:r>
+            <a:r>
+              <a:rPr lang="en-US" dirty="0"/>
+              <a:t>(q, </a:t>
+            </a:r>
+            <a:r>
+              <a:rPr lang="en-US" dirty="0" smtClean="0"/>
+              <a:t>mean, </a:t>
+            </a:r>
+            <a:r>
+              <a:rPr lang="en-US" dirty="0" err="1" smtClean="0"/>
+              <a:t>sd</a:t>
+            </a:r>
+            <a:r>
+              <a:rPr lang="en-US" dirty="0" smtClean="0"/>
+              <a:t>)</a:t>
+            </a:r>
+            <a:endParaRPr lang="en-US" dirty="0"/>
+          </a:p>
+          <a:p>
+            <a:r>
+              <a:rPr lang="en-US" dirty="0" smtClean="0"/>
+              <a:t>What value of X gives quantile of p?</a:t>
+            </a:r>
+            <a:r>
+              <a:rPr lang="en-US" dirty="0"/>
+              <a:t/>
+            </a:r>
+            <a:br>
+              <a:rPr lang="en-US" dirty="0"/>
+            </a:br>
+            <a:r>
+              <a:rPr lang="en-US" dirty="0" err="1" smtClean="0"/>
+              <a:t>qnorm</a:t>
+            </a:r>
+            <a:r>
+              <a:rPr lang="en-US" dirty="0" smtClean="0"/>
+              <a:t>(p, mean, </a:t>
+            </a:r>
+            <a:r>
+              <a:rPr lang="en-US" dirty="0" err="1" smtClean="0"/>
+              <a:t>sd</a:t>
+            </a:r>
+            <a:r>
+              <a:rPr lang="en-US" dirty="0" smtClean="0"/>
+              <a:t>)</a:t>
+            </a:r>
+          </a:p>
+          <a:p>
+            <a:r>
+              <a:rPr lang="en-US" dirty="0" smtClean="0"/>
+              <a:t>Same for other RVs: </a:t>
+            </a:r>
+            <a:r>
+              <a:rPr lang="en-US" dirty="0" err="1" smtClean="0"/>
+              <a:t>rpois</a:t>
+            </a:r>
+            <a:r>
+              <a:rPr lang="en-US" dirty="0" smtClean="0"/>
               <a:t>, </a:t>
             </a:r>
             <a:r>
-              <a:rPr lang="es-CL" noProof="0" dirty="0" err="1"/>
-              <a:t>generalized</a:t>
-            </a:r>
-            <a:r>
-              <a:rPr lang="es-CL" noProof="0" dirty="0"/>
-              <a:t> linear </a:t>
-            </a:r>
-            <a:r>
-              <a:rPr lang="es-CL" noProof="0" dirty="0" err="1"/>
-              <a:t>models</a:t>
-            </a:r>
-            <a:r>
-              <a:rPr lang="es-CL" noProof="0" dirty="0"/>
-              <a:t>, AIC, p-</a:t>
-            </a:r>
-            <a:r>
-              <a:rPr lang="es-CL" noProof="0" dirty="0" err="1"/>
-              <a:t>values</a:t>
-            </a:r>
-            <a:r>
-              <a:rPr lang="es-CL" noProof="0" dirty="0"/>
+              <a:rPr lang="en-US" dirty="0" err="1" smtClean="0"/>
+              <a:t>rbeta</a:t>
+            </a:r>
+            <a:r>
+              <a:rPr lang="en-US" dirty="0" smtClean="0"/>
               <a:t>, </a:t>
             </a:r>
             <a:r>
-              <a:rPr lang="es-CL" noProof="0" dirty="0" err="1"/>
-              <a:t>confidence</a:t>
-            </a:r>
-            <a:r>
-              <a:rPr lang="es-CL" noProof="0" dirty="0"/>
-              <a:t> </a:t>
-            </a:r>
-            <a:r>
-              <a:rPr lang="es-CL" noProof="0" dirty="0" err="1"/>
-              <a:t>intervals</a:t>
-            </a:r>
-            <a:r>
-              <a:rPr lang="es-CL" noProof="0" dirty="0"/>
-              <a:t>, </a:t>
-            </a:r>
-            <a:r>
-              <a:rPr lang="es-CL" noProof="0" dirty="0" err="1"/>
-              <a:t>hypothesis</a:t>
-            </a:r>
-            <a:r>
-              <a:rPr lang="es-CL" noProof="0" dirty="0"/>
-              <a:t> </a:t>
-            </a:r>
-            <a:r>
-              <a:rPr lang="es-CL" noProof="0" dirty="0" err="1"/>
-              <a:t>testing</a:t>
-            </a:r>
-            <a:r>
-              <a:rPr lang="es-CL" noProof="0" dirty="0"/>
-              <a:t>, </a:t>
-            </a:r>
-            <a:r>
-              <a:rPr lang="es-CL" noProof="0" dirty="0" err="1"/>
-              <a:t>significance</a:t>
-            </a:r>
-            <a:r>
-              <a:rPr lang="es-CL" noProof="0" dirty="0"/>
+              <a:rPr lang="en-US" dirty="0" err="1" smtClean="0"/>
+              <a:t>rbinom</a:t>
+            </a:r>
+            <a:r>
+              <a:rPr lang="en-US" dirty="0" smtClean="0"/>
               <a:t>, etc.</a:t>
             </a:r>
+            <a:endParaRPr lang="en-US" dirty="0" smtClean="0"/>
           </a:p>
         </p:txBody>
       </p:sp>
@@ -9588,7 +8782,7 @@
           <p:cNvPr id="4" name="Slide Number Placeholder 3">
             <a:extLst>
               <a:ext uri="{FF2B5EF4-FFF2-40B4-BE49-F238E27FC236}">
-                <a16:creationId xmlns="" xmlns:a16="http://schemas.microsoft.com/office/drawing/2014/main" id="{28183925-41CE-45AE-9C75-56FB10A283D7}"/>
+                <a16:creationId xmlns="" xmlns:a16="http://schemas.microsoft.com/office/drawing/2014/main" id="{6DCC37D5-C19C-405F-B23C-8EB90CB6ABED}"/>
               </a:ext>
             </a:extLst>
           </p:cNvPr>
@@ -9604,7 +8798,7 @@
           <a:bodyPr/>
           <a:lstStyle/>
           <a:p>
-            <a:fld id="{2F5854F6-968A-43DD-98AD-2128488B7BB7}" type="slidenum">
+            <a:fld id="{A90099C9-4CB8-9A40-B745-9AB270505907}" type="slidenum">
               <a:rPr lang="en-US" smtClean="0"/>
               <a:t>9</a:t>
             </a:fld>
@@ -9615,7 +8809,7 @@
     </p:spTree>
     <p:extLst>
       <p:ext uri="{BB962C8B-B14F-4D97-AF65-F5344CB8AC3E}">
-        <p14:creationId xmlns:p14="http://schemas.microsoft.com/office/powerpoint/2010/main" val="43775363"/>
+        <p14:creationId xmlns:p14="http://schemas.microsoft.com/office/powerpoint/2010/main" val="3472202667"/>
       </p:ext>
     </p:extLst>
   </p:cSld>

--- a/dia1/lecture1_probability.pptx
+++ b/dia1/lecture1_probability.pptx
@@ -222,7 +222,7 @@
           <a:p>
             <a:fld id="{9EC8F33C-A7AA-43A7-BCA9-F081EA0B4664}" type="datetimeFigureOut">
               <a:rPr lang="en-US" smtClean="0"/>
-              <a:t>1/8/2019</a:t>
+              <a:t>1/13/2019</a:t>
             </a:fld>
             <a:endParaRPr lang="en-US"/>
           </a:p>
@@ -571,7 +571,7 @@
           </a:ln>
           <a:extLst>
             <a:ext uri="{909E8E84-426E-40dd-AFC4-6F175D3DCCD1}">
-              <a14:hiddenFill xmlns="" xmlns:a14="http://schemas.microsoft.com/office/drawing/2010/main">
+              <a14:hiddenFill xmlns:a14="http://schemas.microsoft.com/office/drawing/2010/main" xmlns="">
                 <a:solidFill>
                   <a:srgbClr val="FFFFFF"/>
                 </a:solidFill>
@@ -614,7 +614,7 @@
           </a:ln>
           <a:extLst>
             <a:ext uri="{909E8E84-426E-40dd-AFC4-6F175D3DCCD1}">
-              <a14:hiddenFill xmlns="" xmlns:a14="http://schemas.microsoft.com/office/drawing/2010/main">
+              <a14:hiddenFill xmlns:a14="http://schemas.microsoft.com/office/drawing/2010/main" xmlns="">
                 <a:noFill/>
               </a14:hiddenFill>
             </a:ext>
@@ -713,7 +713,7 @@
           <a:p>
             <a:fld id="{9A356AEA-056F-417E-9B38-4BA8743FE6C4}" type="datetime1">
               <a:rPr lang="en-US" smtClean="0"/>
-              <a:t>1/8/2019</a:t>
+              <a:t>1/13/2019</a:t>
             </a:fld>
             <a:endParaRPr lang="en-US"/>
           </a:p>
@@ -900,7 +900,7 @@
           <a:p>
             <a:fld id="{09867F7C-1948-4907-9EBC-DD38682B5188}" type="datetime1">
               <a:rPr lang="en-US" smtClean="0"/>
-              <a:t>1/8/2019</a:t>
+              <a:t>1/13/2019</a:t>
             </a:fld>
             <a:endParaRPr lang="en-US"/>
           </a:p>
@@ -1096,7 +1096,7 @@
           <a:p>
             <a:fld id="{A5996870-3492-4879-A20C-50CF7F25E309}" type="datetime1">
               <a:rPr lang="en-US" smtClean="0"/>
-              <a:t>1/8/2019</a:t>
+              <a:t>1/13/2019</a:t>
             </a:fld>
             <a:endParaRPr lang="en-US"/>
           </a:p>
@@ -1348,7 +1348,7 @@
           <a:p>
             <a:fld id="{3339509F-2835-4D20-8448-C5CCD453FC4A}" type="datetime1">
               <a:rPr lang="en-US" smtClean="0"/>
-              <a:t>1/8/2019</a:t>
+              <a:t>1/13/2019</a:t>
             </a:fld>
             <a:endParaRPr lang="en-US"/>
           </a:p>
@@ -1572,7 +1572,7 @@
           <a:p>
             <a:fld id="{7A6EDDDE-DBE4-4114-B865-EC3A2920782E}" type="datetime1">
               <a:rPr lang="en-US" smtClean="0"/>
-              <a:t>1/8/2019</a:t>
+              <a:t>1/13/2019</a:t>
             </a:fld>
             <a:endParaRPr lang="en-US"/>
           </a:p>
@@ -1880,7 +1880,7 @@
           <a:p>
             <a:fld id="{8DA96907-43AE-4B1E-B5FF-6853ADDA5697}" type="datetime1">
               <a:rPr lang="en-US" smtClean="0"/>
-              <a:t>1/8/2019</a:t>
+              <a:t>1/13/2019</a:t>
             </a:fld>
             <a:endParaRPr lang="en-US"/>
           </a:p>
@@ -2048,7 +2048,7 @@
           <a:p>
             <a:fld id="{2E65DF97-DE0F-4515-8F8D-0E1C627BC4E9}" type="datetime1">
               <a:rPr lang="en-US" smtClean="0"/>
-              <a:t>1/8/2019</a:t>
+              <a:t>1/13/2019</a:t>
             </a:fld>
             <a:endParaRPr lang="en-US"/>
           </a:p>
@@ -2360,7 +2360,7 @@
           <a:p>
             <a:fld id="{23B9FD00-80D5-4EA7-B536-8F4F2C3959C9}" type="datetime1">
               <a:rPr lang="en-US" smtClean="0"/>
-              <a:t>1/8/2019</a:t>
+              <a:t>1/13/2019</a:t>
             </a:fld>
             <a:endParaRPr lang="en-US"/>
           </a:p>
@@ -2672,7 +2672,7 @@
           <a:p>
             <a:fld id="{DAC77084-4DB4-4A23-9870-BF49183ACB4C}" type="datetime1">
               <a:rPr lang="en-US" smtClean="0"/>
-              <a:t>1/8/2019</a:t>
+              <a:t>1/13/2019</a:t>
             </a:fld>
             <a:endParaRPr lang="en-US"/>
           </a:p>
@@ -2858,7 +2858,7 @@
           <a:p>
             <a:fld id="{6E487ECE-0D8C-4AFB-BD35-997F06E0971C}" type="datetime1">
               <a:rPr lang="en-US" smtClean="0"/>
-              <a:t>1/8/2019</a:t>
+              <a:t>1/13/2019</a:t>
             </a:fld>
             <a:endParaRPr lang="en-US"/>
           </a:p>
@@ -3067,7 +3067,7 @@
           <a:p>
             <a:fld id="{D4F6DC8D-78A1-49CC-B033-F77D87B04958}" type="datetime1">
               <a:rPr lang="en-US" smtClean="0"/>
-              <a:t>1/8/2019</a:t>
+              <a:t>1/13/2019</a:t>
             </a:fld>
             <a:endParaRPr lang="en-US"/>
           </a:p>
@@ -3370,7 +3370,7 @@
           <a:p>
             <a:fld id="{3BCF4A7C-A413-48DA-9211-5240CAEE1DD4}" type="datetime1">
               <a:rPr lang="en-US" smtClean="0"/>
-              <a:t>1/8/2019</a:t>
+              <a:t>1/13/2019</a:t>
             </a:fld>
             <a:endParaRPr lang="en-US"/>
           </a:p>
@@ -3812,7 +3812,7 @@
           <a:p>
             <a:fld id="{AAE887C4-8D00-4515-BD6B-6D6B646F02F7}" type="datetime1">
               <a:rPr lang="en-US" smtClean="0"/>
-              <a:t>1/8/2019</a:t>
+              <a:t>1/13/2019</a:t>
             </a:fld>
             <a:endParaRPr lang="en-US"/>
           </a:p>
@@ -3947,7 +3947,7 @@
           <a:p>
             <a:fld id="{10C13C5A-776A-4D2B-A91E-2ACB7D90E7CC}" type="datetime1">
               <a:rPr lang="en-US" smtClean="0"/>
-              <a:t>1/8/2019</a:t>
+              <a:t>1/13/2019</a:t>
             </a:fld>
             <a:endParaRPr lang="en-US"/>
           </a:p>
@@ -4060,7 +4060,7 @@
           <a:p>
             <a:fld id="{00A5D59F-6FC3-492C-BAE3-F50C9D1FBA31}" type="datetime1">
               <a:rPr lang="en-US" smtClean="0"/>
-              <a:t>1/8/2019</a:t>
+              <a:t>1/13/2019</a:t>
             </a:fld>
             <a:endParaRPr lang="en-US"/>
           </a:p>
@@ -4353,7 +4353,7 @@
           <a:p>
             <a:fld id="{CD78B45F-E474-4F2F-801A-58FC9FE22655}" type="datetime1">
               <a:rPr lang="en-US" smtClean="0"/>
-              <a:t>1/8/2019</a:t>
+              <a:t>1/13/2019</a:t>
             </a:fld>
             <a:endParaRPr lang="en-US"/>
           </a:p>
@@ -4627,7 +4627,7 @@
           <a:p>
             <a:fld id="{FDF35450-A835-4587-8F84-782057674F92}" type="datetime1">
               <a:rPr lang="en-US" smtClean="0"/>
-              <a:t>1/8/2019</a:t>
+              <a:t>1/13/2019</a:t>
             </a:fld>
             <a:endParaRPr lang="en-US"/>
           </a:p>
@@ -4749,17 +4749,17 @@
           </a:ln>
           <a:extLst>
             <a:ext uri="{FAA26D3D-D897-4be2-8F04-BA451C77F1D7}">
-              <ma14:placeholderFlag xmlns="" xmlns:ma14="http://schemas.microsoft.com/office/mac/drawingml/2011/main" val="1"/>
+              <ma14:placeholderFlag xmlns:ma14="http://schemas.microsoft.com/office/mac/drawingml/2011/main" xmlns="" val="1"/>
             </a:ext>
             <a:ext uri="{909E8E84-426E-40dd-AFC4-6F175D3DCCD1}">
-              <a14:hiddenFill xmlns="" xmlns:a14="http://schemas.microsoft.com/office/drawing/2010/main">
+              <a14:hiddenFill xmlns:a14="http://schemas.microsoft.com/office/drawing/2010/main" xmlns="">
                 <a:solidFill>
                   <a:srgbClr val="FFFFFF"/>
                 </a:solidFill>
               </a14:hiddenFill>
             </a:ext>
             <a:ext uri="{91240B29-F687-4f45-9708-019B960494DF}">
-              <a14:hiddenLine xmlns="" xmlns:a14="http://schemas.microsoft.com/office/drawing/2010/main" w="9525">
+              <a14:hiddenLine xmlns:a14="http://schemas.microsoft.com/office/drawing/2010/main" xmlns="" w="9525">
                 <a:solidFill>
                   <a:srgbClr val="000000"/>
                 </a:solidFill>
@@ -4811,17 +4811,17 @@
           </a:ln>
           <a:extLst>
             <a:ext uri="{FAA26D3D-D897-4be2-8F04-BA451C77F1D7}">
-              <ma14:placeholderFlag xmlns="" xmlns:ma14="http://schemas.microsoft.com/office/mac/drawingml/2011/main" val="1"/>
+              <ma14:placeholderFlag xmlns:ma14="http://schemas.microsoft.com/office/mac/drawingml/2011/main" xmlns="" val="1"/>
             </a:ext>
             <a:ext uri="{909E8E84-426E-40dd-AFC4-6F175D3DCCD1}">
-              <a14:hiddenFill xmlns="" xmlns:a14="http://schemas.microsoft.com/office/drawing/2010/main">
+              <a14:hiddenFill xmlns:a14="http://schemas.microsoft.com/office/drawing/2010/main" xmlns="">
                 <a:solidFill>
                   <a:srgbClr val="FFFFFF"/>
                 </a:solidFill>
               </a14:hiddenFill>
             </a:ext>
             <a:ext uri="{91240B29-F687-4f45-9708-019B960494DF}">
-              <a14:hiddenLine xmlns="" xmlns:a14="http://schemas.microsoft.com/office/drawing/2010/main" w="9525">
+              <a14:hiddenLine xmlns:a14="http://schemas.microsoft.com/office/drawing/2010/main" xmlns="" w="9525">
                 <a:solidFill>
                   <a:srgbClr val="000000"/>
                 </a:solidFill>
@@ -4921,7 +4921,7 @@
           <a:p>
             <a:fld id="{F6803E09-2A09-4EEA-8E99-292225B5EDFC}" type="datetime1">
               <a:rPr lang="en-US" smtClean="0"/>
-              <a:t>1/8/2019</a:t>
+              <a:t>1/13/2019</a:t>
             </a:fld>
             <a:endParaRPr lang="en-US"/>
           </a:p>
@@ -5089,7 +5089,7 @@
           </a:ln>
           <a:extLst>
             <a:ext uri="{909E8E84-426E-40dd-AFC4-6F175D3DCCD1}">
-              <a14:hiddenFill xmlns="" xmlns:a14="http://schemas.microsoft.com/office/drawing/2010/main">
+              <a14:hiddenFill xmlns:a14="http://schemas.microsoft.com/office/drawing/2010/main" xmlns="">
                 <a:solidFill>
                   <a:srgbClr val="FFFFFF"/>
                 </a:solidFill>
@@ -5132,7 +5132,7 @@
           </a:ln>
           <a:extLst>
             <a:ext uri="{909E8E84-426E-40dd-AFC4-6F175D3DCCD1}">
-              <a14:hiddenFill xmlns="" xmlns:a14="http://schemas.microsoft.com/office/drawing/2010/main">
+              <a14:hiddenFill xmlns:a14="http://schemas.microsoft.com/office/drawing/2010/main" xmlns="">
                 <a:noFill/>
               </a14:hiddenFill>
             </a:ext>
@@ -5617,7 +5617,7 @@
           <p:cNvPr id="2" name="Title 1">
             <a:extLst>
               <a:ext uri="{FF2B5EF4-FFF2-40B4-BE49-F238E27FC236}">
-                <a16:creationId xmlns="" xmlns:a16="http://schemas.microsoft.com/office/drawing/2014/main" id="{4819A39B-28BB-4873-9914-8FEE18891DD4}"/>
+                <a16:creationId xmlns:a16="http://schemas.microsoft.com/office/drawing/2014/main" xmlns="" id="{4819A39B-28BB-4873-9914-8FEE18891DD4}"/>
               </a:ext>
             </a:extLst>
           </p:cNvPr>
@@ -5636,10 +5636,10 @@
           <a:lstStyle/>
           <a:p>
             <a:r>
-              <a:rPr lang="es-ES" dirty="0" smtClean="0"/>
+              <a:rPr lang="es-419" dirty="0" smtClean="0"/>
               <a:t>Una revisión de la teoría de probabilidades </a:t>
             </a:r>
-            <a:endParaRPr lang="es-CL" noProof="0" dirty="0"/>
+            <a:endParaRPr lang="es-419" noProof="0" dirty="0"/>
           </a:p>
         </p:txBody>
       </p:sp>
@@ -5648,7 +5648,7 @@
           <p:cNvPr id="5" name="Subtitle 2">
             <a:extLst>
               <a:ext uri="{FF2B5EF4-FFF2-40B4-BE49-F238E27FC236}">
-                <a16:creationId xmlns="" xmlns:a16="http://schemas.microsoft.com/office/drawing/2014/main" id="{2BECD79D-0B3A-44C2-A155-03EC2A6A5D3B}"/>
+                <a16:creationId xmlns:a16="http://schemas.microsoft.com/office/drawing/2014/main" xmlns="" id="{2BECD79D-0B3A-44C2-A155-03EC2A6A5D3B}"/>
               </a:ext>
             </a:extLst>
           </p:cNvPr>
@@ -5671,17 +5671,17 @@
           </a:ln>
           <a:extLst>
             <a:ext uri="{FAA26D3D-D897-4be2-8F04-BA451C77F1D7}">
-              <ma14:placeholderFlag xmlns:ma14="http://schemas.microsoft.com/office/mac/drawingml/2011/main" xmlns="" val="1"/>
+              <ma14:placeholderFlag xmlns="" xmlns:ma14="http://schemas.microsoft.com/office/mac/drawingml/2011/main" val="1"/>
             </a:ext>
             <a:ext uri="{909E8E84-426E-40dd-AFC4-6F175D3DCCD1}">
-              <a14:hiddenFill xmlns:a14="http://schemas.microsoft.com/office/drawing/2010/main" xmlns="">
+              <a14:hiddenFill xmlns="" xmlns:a14="http://schemas.microsoft.com/office/drawing/2010/main">
                 <a:solidFill>
                   <a:srgbClr val="FFFFFF"/>
                 </a:solidFill>
               </a14:hiddenFill>
             </a:ext>
             <a:ext uri="{91240B29-F687-4f45-9708-019B960494DF}">
-              <a14:hiddenLine xmlns:a14="http://schemas.microsoft.com/office/drawing/2010/main" xmlns="" w="9525">
+              <a14:hiddenLine xmlns="" xmlns:a14="http://schemas.microsoft.com/office/drawing/2010/main" w="9525">
                 <a:solidFill>
                   <a:srgbClr val="000000"/>
                 </a:solidFill>
@@ -5972,7 +5972,7 @@
           <p:cNvPr id="2" name="Title 1">
             <a:extLst>
               <a:ext uri="{FF2B5EF4-FFF2-40B4-BE49-F238E27FC236}">
-                <a16:creationId xmlns="" xmlns:a16="http://schemas.microsoft.com/office/drawing/2014/main" id="{3F85E31D-5021-4B9C-A2F6-6670EA453677}"/>
+                <a16:creationId xmlns:a16="http://schemas.microsoft.com/office/drawing/2014/main" xmlns="" id="{3F85E31D-5021-4B9C-A2F6-6670EA453677}"/>
               </a:ext>
             </a:extLst>
           </p:cNvPr>
@@ -5994,10 +5994,10 @@
           <a:lstStyle/>
           <a:p>
             <a:r>
-              <a:rPr lang="en-US" b="1" dirty="0" smtClean="0"/>
-              <a:t>Exercise 1.1</a:t>
-            </a:r>
-            <a:endParaRPr lang="en-US" b="1" dirty="0"/>
+              <a:rPr lang="es-419" b="1" dirty="0" err="1" smtClean="0"/>
+              <a:t>Exercise</a:t>
+            </a:r>
+            <a:endParaRPr lang="es-419" b="1" dirty="0"/>
           </a:p>
         </p:txBody>
       </p:sp>
@@ -6006,7 +6006,7 @@
           <p:cNvPr id="3" name="Content Placeholder 2">
             <a:extLst>
               <a:ext uri="{FF2B5EF4-FFF2-40B4-BE49-F238E27FC236}">
-                <a16:creationId xmlns="" xmlns:a16="http://schemas.microsoft.com/office/drawing/2014/main" id="{28B492CE-B56B-411E-ACCC-F83AC37AA46D}"/>
+                <a16:creationId xmlns:a16="http://schemas.microsoft.com/office/drawing/2014/main" xmlns="" id="{28B492CE-B56B-411E-ACCC-F83AC37AA46D}"/>
               </a:ext>
             </a:extLst>
           </p:cNvPr>
@@ -6028,81 +6028,97 @@
           <a:lstStyle/>
           <a:p>
             <a:r>
-              <a:rPr lang="en-US" dirty="0" smtClean="0"/>
-              <a:t>Creat</a:t>
-            </a:r>
-            <a:r>
-              <a:rPr lang="en-US" dirty="0" smtClean="0"/>
-              <a:t>e R function which u</a:t>
-            </a:r>
-            <a:r>
-              <a:rPr lang="en-US" dirty="0" smtClean="0"/>
-              <a:t>ses </a:t>
-            </a:r>
-            <a:r>
-              <a:rPr lang="en-US" dirty="0" err="1" smtClean="0"/>
+              <a:rPr lang="es-419" dirty="0" smtClean="0"/>
+              <a:t>Crea una función en R que usa </a:t>
+            </a:r>
+            <a:r>
+              <a:rPr lang="es-419" dirty="0" err="1" smtClean="0"/>
               <a:t>rnorm</a:t>
             </a:r>
             <a:r>
-              <a:rPr lang="en-US" dirty="0" smtClean="0"/>
-              <a:t> and </a:t>
-            </a:r>
-            <a:r>
-              <a:rPr lang="en-US" dirty="0" err="1" smtClean="0"/>
+              <a:rPr lang="es-419" dirty="0" smtClean="0"/>
+              <a:t> y </a:t>
+            </a:r>
+            <a:r>
+              <a:rPr lang="es-419" dirty="0" err="1" smtClean="0"/>
               <a:t>dnorm</a:t>
             </a:r>
             <a:r>
-              <a:rPr lang="en-US" dirty="0" smtClean="0"/>
-              <a:t> to reproduce this plot for </a:t>
-            </a:r>
-            <a:r>
-              <a:rPr lang="en-US" i="1" dirty="0" smtClean="0"/>
+              <a:rPr lang="es-419" dirty="0" smtClean="0"/>
+              <a:t> para producir una figur</a:t>
+            </a:r>
+            <a:r>
+              <a:rPr lang="es-419" dirty="0" smtClean="0"/>
+              <a:t>a </a:t>
+            </a:r>
+            <a:r>
+              <a:rPr lang="es-419" dirty="0" err="1" smtClean="0"/>
+              <a:t>asi</a:t>
+            </a:r>
+            <a:r>
+              <a:rPr lang="es-419" dirty="0" smtClean="0"/>
+              <a:t> por</a:t>
+            </a:r>
+            <a:r>
+              <a:rPr lang="es-419" dirty="0" smtClean="0"/>
+              <a:t> </a:t>
+            </a:r>
+            <a:r>
+              <a:rPr lang="es-419" i="1" dirty="0" smtClean="0"/>
               <a:t>n</a:t>
             </a:r>
             <a:r>
-              <a:rPr lang="en-US" dirty="0" smtClean="0"/>
-              <a:t> random samples</a:t>
-            </a:r>
-          </a:p>
-          <a:p>
-            <a:endParaRPr lang="en-US" dirty="0"/>
-          </a:p>
-          <a:p>
-            <a:endParaRPr lang="en-US" dirty="0" smtClean="0"/>
-          </a:p>
-          <a:p>
-            <a:endParaRPr lang="en-US" dirty="0"/>
-          </a:p>
-          <a:p>
-            <a:endParaRPr lang="en-US" dirty="0" smtClean="0"/>
-          </a:p>
-          <a:p>
-            <a:endParaRPr lang="en-US" dirty="0" smtClean="0"/>
-          </a:p>
-          <a:p>
-            <a:r>
-              <a:rPr lang="en-US" dirty="0" smtClean="0"/>
-              <a:t>Use mar() to create 1x3 </a:t>
-            </a:r>
-            <a:r>
-              <a:rPr lang="en-US" dirty="0" err="1" smtClean="0"/>
+              <a:rPr lang="es-419" dirty="0" smtClean="0"/>
+              <a:t> muestras </a:t>
+            </a:r>
+          </a:p>
+          <a:p>
+            <a:endParaRPr lang="es-419" dirty="0" smtClean="0"/>
+          </a:p>
+          <a:p>
+            <a:endParaRPr lang="es-419" dirty="0" smtClean="0"/>
+          </a:p>
+          <a:p>
+            <a:endParaRPr lang="es-419" dirty="0" smtClean="0"/>
+          </a:p>
+          <a:p>
+            <a:endParaRPr lang="es-419" dirty="0" smtClean="0"/>
+          </a:p>
+          <a:p>
+            <a:endParaRPr lang="es-419" dirty="0" smtClean="0"/>
+          </a:p>
+          <a:p>
+            <a:r>
+              <a:rPr lang="es-419" dirty="0" smtClean="0"/>
+              <a:t>Usa mar() para crear una 3x1 </a:t>
+            </a:r>
+            <a:r>
+              <a:rPr lang="es-419" i="1" dirty="0" err="1" smtClean="0"/>
               <a:t>multipanel</a:t>
             </a:r>
             <a:r>
-              <a:rPr lang="en-US" dirty="0" smtClean="0"/>
-              <a:t> plot and repeat above with </a:t>
-            </a:r>
-            <a:r>
-              <a:rPr lang="en-US" i="1" dirty="0" smtClean="0"/>
-              <a:t>n=3, 100, 10000</a:t>
-            </a:r>
-            <a:endParaRPr lang="en-US" dirty="0"/>
-          </a:p>
-          <a:p>
-            <a:endParaRPr lang="en-US" dirty="0"/>
-          </a:p>
-          <a:p>
-            <a:endParaRPr lang="en-US" dirty="0"/>
+              <a:rPr lang="es-419" i="1" dirty="0" smtClean="0"/>
+              <a:t> </a:t>
+            </a:r>
+            <a:r>
+              <a:rPr lang="es-419" i="1" dirty="0" err="1" smtClean="0"/>
+              <a:t>plot</a:t>
+            </a:r>
+            <a:r>
+              <a:rPr lang="es-419" dirty="0" smtClean="0"/>
+              <a:t> con </a:t>
+            </a:r>
+            <a:r>
+              <a:rPr lang="es-419" i="1" dirty="0" smtClean="0"/>
+              <a:t>n=10, 100, 10000</a:t>
+            </a:r>
+            <a:endParaRPr lang="es-419" dirty="0" smtClean="0"/>
+          </a:p>
+          <a:p>
+            <a:endParaRPr lang="es-419" dirty="0" smtClean="0"/>
+          </a:p>
+          <a:p>
+            <a:endParaRPr lang="es-419" dirty="0"/>
           </a:p>
         </p:txBody>
       </p:sp>
@@ -6111,7 +6127,7 @@
           <p:cNvPr id="4" name="Slide Number Placeholder 3">
             <a:extLst>
               <a:ext uri="{FF2B5EF4-FFF2-40B4-BE49-F238E27FC236}">
-                <a16:creationId xmlns="" xmlns:a16="http://schemas.microsoft.com/office/drawing/2014/main" id="{BD9D5B62-D3A3-4A35-8CF4-6C1E2C7FCA0C}"/>
+                <a16:creationId xmlns:a16="http://schemas.microsoft.com/office/drawing/2014/main" xmlns="" id="{BD9D5B62-D3A3-4A35-8CF4-6C1E2C7FCA0C}"/>
               </a:ext>
             </a:extLst>
           </p:cNvPr>
@@ -6143,7 +6159,7 @@
         </p:nvSpPr>
         <p:spPr>
           <a:xfrm>
-            <a:off x="3535959" y="2032895"/>
+            <a:off x="3270488" y="2122109"/>
             <a:ext cx="5045978" cy="369332"/>
           </a:xfrm>
           <a:prstGeom prst="rect">
@@ -6244,7 +6260,7 @@
           <p:cNvPr id="2" name="Title 1">
             <a:extLst>
               <a:ext uri="{FF2B5EF4-FFF2-40B4-BE49-F238E27FC236}">
-                <a16:creationId xmlns="" xmlns:a16="http://schemas.microsoft.com/office/drawing/2014/main" id="{FCBFC5CE-BEBE-4178-A0B5-F030F3C46F4F}"/>
+                <a16:creationId xmlns:a16="http://schemas.microsoft.com/office/drawing/2014/main" xmlns="" id="{FCBFC5CE-BEBE-4178-A0B5-F030F3C46F4F}"/>
               </a:ext>
             </a:extLst>
           </p:cNvPr>
@@ -6261,9 +6277,10 @@
           <a:lstStyle/>
           <a:p>
             <a:r>
-              <a:rPr lang="en-US" dirty="0"/>
-              <a:t>Questions?</a:t>
-            </a:r>
+              <a:rPr lang="es-419" dirty="0" smtClean="0"/>
+              <a:t>Preguntas?</a:t>
+            </a:r>
+            <a:endParaRPr lang="es-419" dirty="0"/>
           </a:p>
         </p:txBody>
       </p:sp>
@@ -6272,7 +6289,7 @@
           <p:cNvPr id="3" name="Content Placeholder 2">
             <a:extLst>
               <a:ext uri="{FF2B5EF4-FFF2-40B4-BE49-F238E27FC236}">
-                <a16:creationId xmlns="" xmlns:a16="http://schemas.microsoft.com/office/drawing/2014/main" id="{0A016C73-5DDF-46EE-ACD4-1B95CD8285D4}"/>
+                <a16:creationId xmlns:a16="http://schemas.microsoft.com/office/drawing/2014/main" xmlns="" id="{0A016C73-5DDF-46EE-ACD4-1B95CD8285D4}"/>
               </a:ext>
             </a:extLst>
           </p:cNvPr>
@@ -6288,7 +6305,17 @@
           <a:bodyPr/>
           <a:lstStyle/>
           <a:p>
-            <a:endParaRPr lang="en-US"/>
+            <a:r>
+              <a:rPr lang="es-419" dirty="0" smtClean="0"/>
+              <a:t>Vamos a usar estas funciones mucho</a:t>
+            </a:r>
+          </a:p>
+          <a:p>
+            <a:r>
+              <a:rPr lang="es-419" dirty="0" smtClean="0"/>
+              <a:t>La estrategia usar muestras para aproximar una distribución continua es central en este curso. </a:t>
+            </a:r>
+            <a:endParaRPr lang="es-419" dirty="0"/>
           </a:p>
         </p:txBody>
       </p:sp>
@@ -6297,7 +6324,7 @@
           <p:cNvPr id="4" name="Slide Number Placeholder 3">
             <a:extLst>
               <a:ext uri="{FF2B5EF4-FFF2-40B4-BE49-F238E27FC236}">
-                <a16:creationId xmlns="" xmlns:a16="http://schemas.microsoft.com/office/drawing/2014/main" id="{9EC15119-7A83-4B50-8E95-42B54138CF67}"/>
+                <a16:creationId xmlns:a16="http://schemas.microsoft.com/office/drawing/2014/main" xmlns="" id="{9EC15119-7A83-4B50-8E95-42B54138CF67}"/>
               </a:ext>
             </a:extLst>
           </p:cNvPr>
@@ -6356,7 +6383,7 @@
           <p:cNvPr id="2" name="Title 1">
             <a:extLst>
               <a:ext uri="{FF2B5EF4-FFF2-40B4-BE49-F238E27FC236}">
-                <a16:creationId xmlns:a16="http://schemas.microsoft.com/office/drawing/2014/main" xmlns="" id="{E58841CB-F12A-49AE-A0F6-FC905252F346}"/>
+                <a16:creationId xmlns="" xmlns:a16="http://schemas.microsoft.com/office/drawing/2014/main" id="{E58841CB-F12A-49AE-A0F6-FC905252F346}"/>
               </a:ext>
             </a:extLst>
           </p:cNvPr>
@@ -6373,10 +6400,10 @@
           <a:lstStyle/>
           <a:p>
             <a:r>
-              <a:rPr lang="es-CL" dirty="0"/>
+              <a:rPr lang="es-419" dirty="0" smtClean="0"/>
               <a:t>Estadísticas frecuentes (clásicas) </a:t>
             </a:r>
-            <a:endParaRPr lang="es-CL" noProof="0" dirty="0"/>
+            <a:endParaRPr lang="es-419" noProof="0" dirty="0"/>
           </a:p>
         </p:txBody>
       </p:sp>
@@ -6385,7 +6412,7 @@
           <p:cNvPr id="3" name="Content Placeholder 2">
             <a:extLst>
               <a:ext uri="{FF2B5EF4-FFF2-40B4-BE49-F238E27FC236}">
-                <a16:creationId xmlns:a16="http://schemas.microsoft.com/office/drawing/2014/main" xmlns="" id="{2BAA9235-4720-4EA9-AAB8-5711BE621A8E}"/>
+                <a16:creationId xmlns="" xmlns:a16="http://schemas.microsoft.com/office/drawing/2014/main" id="{2BAA9235-4720-4EA9-AAB8-5711BE621A8E}"/>
               </a:ext>
             </a:extLst>
           </p:cNvPr>
@@ -6406,98 +6433,96 @@
           <a:bodyPr/>
           <a:lstStyle/>
           <a:p>
-            <a:endParaRPr lang="es-CL" noProof="0" dirty="0"/>
-          </a:p>
-          <a:p>
-            <a:r>
-              <a:rPr lang="es-CL" noProof="0" dirty="0"/>
+            <a:r>
+              <a:rPr lang="es-419" noProof="0" dirty="0" smtClean="0"/>
               <a:t>Mas común paradigma de inferencia, con larga historia </a:t>
             </a:r>
           </a:p>
           <a:p>
             <a:r>
-              <a:rPr lang="es-CL" dirty="0"/>
+              <a:rPr lang="es-419" dirty="0" smtClean="0"/>
               <a:t>Normalmente usas el método máxima verosimilitud</a:t>
             </a:r>
-            <a:endParaRPr lang="es-CL" noProof="0" dirty="0"/>
-          </a:p>
-          <a:p>
-            <a:r>
-              <a:rPr lang="es-CL" noProof="0" dirty="0"/>
+            <a:endParaRPr lang="es-419" noProof="0" dirty="0" smtClean="0"/>
+          </a:p>
+          <a:p>
+            <a:r>
+              <a:rPr lang="es-419" noProof="0" dirty="0" smtClean="0"/>
               <a:t>Piensa: linear </a:t>
             </a:r>
             <a:r>
-              <a:rPr lang="es-CL" noProof="0" dirty="0" err="1"/>
+              <a:rPr lang="es-419" noProof="0" dirty="0" err="1" smtClean="0"/>
               <a:t>models</a:t>
             </a:r>
             <a:r>
-              <a:rPr lang="es-CL" noProof="0" dirty="0"/>
+              <a:rPr lang="es-419" noProof="0" dirty="0" smtClean="0"/>
               <a:t>, </a:t>
             </a:r>
             <a:r>
-              <a:rPr lang="es-CL" noProof="0" dirty="0" err="1"/>
+              <a:rPr lang="es-419" noProof="0" dirty="0" err="1" smtClean="0"/>
               <a:t>generalized</a:t>
             </a:r>
             <a:r>
-              <a:rPr lang="es-CL" noProof="0" dirty="0"/>
+              <a:rPr lang="es-419" noProof="0" dirty="0" smtClean="0"/>
               <a:t> linear </a:t>
             </a:r>
             <a:r>
-              <a:rPr lang="es-CL" noProof="0" dirty="0" err="1"/>
+              <a:rPr lang="es-419" noProof="0" dirty="0" err="1" smtClean="0"/>
               <a:t>models</a:t>
             </a:r>
             <a:r>
-              <a:rPr lang="es-CL" noProof="0" dirty="0"/>
+              <a:rPr lang="es-419" noProof="0" dirty="0" smtClean="0"/>
               <a:t>, AIC, p-</a:t>
             </a:r>
             <a:r>
-              <a:rPr lang="es-CL" noProof="0" dirty="0" err="1"/>
+              <a:rPr lang="es-419" noProof="0" dirty="0" err="1" smtClean="0"/>
               <a:t>values</a:t>
             </a:r>
             <a:r>
-              <a:rPr lang="es-CL" noProof="0" dirty="0"/>
+              <a:rPr lang="es-419" noProof="0" dirty="0" smtClean="0"/>
               <a:t>, </a:t>
             </a:r>
             <a:r>
-              <a:rPr lang="es-CL" noProof="0" dirty="0" err="1"/>
+              <a:rPr lang="es-419" noProof="0" dirty="0" err="1" smtClean="0"/>
               <a:t>confidence</a:t>
             </a:r>
             <a:r>
-              <a:rPr lang="es-CL" noProof="0" dirty="0"/>
+              <a:rPr lang="es-419" noProof="0" dirty="0" smtClean="0"/>
               <a:t> </a:t>
             </a:r>
             <a:r>
-              <a:rPr lang="es-CL" noProof="0" dirty="0" err="1"/>
+              <a:rPr lang="es-419" noProof="0" dirty="0" err="1" smtClean="0"/>
               <a:t>intervals</a:t>
             </a:r>
             <a:r>
-              <a:rPr lang="es-CL" noProof="0" dirty="0"/>
+              <a:rPr lang="es-419" noProof="0" dirty="0" smtClean="0"/>
               <a:t>, </a:t>
             </a:r>
             <a:r>
-              <a:rPr lang="es-CL" noProof="0" dirty="0" err="1"/>
+              <a:rPr lang="es-419" noProof="0" dirty="0" err="1" smtClean="0"/>
               <a:t>hypothesis</a:t>
             </a:r>
             <a:r>
-              <a:rPr lang="es-CL" noProof="0" dirty="0"/>
+              <a:rPr lang="es-419" noProof="0" dirty="0" smtClean="0"/>
               <a:t> </a:t>
             </a:r>
             <a:r>
-              <a:rPr lang="es-CL" noProof="0" dirty="0" err="1"/>
+              <a:rPr lang="es-419" noProof="0" dirty="0" err="1" smtClean="0"/>
               <a:t>testing</a:t>
             </a:r>
             <a:r>
-              <a:rPr lang="es-CL" noProof="0" dirty="0"/>
+              <a:rPr lang="es-419" noProof="0" dirty="0" smtClean="0"/>
               <a:t>, </a:t>
             </a:r>
             <a:r>
-              <a:rPr lang="es-CL" noProof="0" dirty="0" err="1"/>
+              <a:rPr lang="es-419" noProof="0" dirty="0" err="1" smtClean="0"/>
               <a:t>significance</a:t>
             </a:r>
             <a:r>
-              <a:rPr lang="es-CL" noProof="0" dirty="0"/>
+              <a:rPr lang="es-419" noProof="0" dirty="0" smtClean="0"/>
               <a:t>, etc.</a:t>
             </a:r>
+            <a:endParaRPr lang="es-419" noProof="0" dirty="0"/>
           </a:p>
         </p:txBody>
       </p:sp>
@@ -6506,7 +6531,7 @@
           <p:cNvPr id="4" name="Slide Number Placeholder 3">
             <a:extLst>
               <a:ext uri="{FF2B5EF4-FFF2-40B4-BE49-F238E27FC236}">
-                <a16:creationId xmlns:a16="http://schemas.microsoft.com/office/drawing/2014/main" xmlns="" id="{28183925-41CE-45AE-9C75-56FB10A283D7}"/>
+                <a16:creationId xmlns="" xmlns:a16="http://schemas.microsoft.com/office/drawing/2014/main" id="{28183925-41CE-45AE-9C75-56FB10A283D7}"/>
               </a:ext>
             </a:extLst>
           </p:cNvPr>
@@ -6565,7 +6590,7 @@
           <p:cNvPr id="2" name="Title 1">
             <a:extLst>
               <a:ext uri="{FF2B5EF4-FFF2-40B4-BE49-F238E27FC236}">
-                <a16:creationId xmlns:a16="http://schemas.microsoft.com/office/drawing/2014/main" xmlns="" id="{E58841CB-F12A-49AE-A0F6-FC905252F346}"/>
+                <a16:creationId xmlns="" xmlns:a16="http://schemas.microsoft.com/office/drawing/2014/main" id="{E58841CB-F12A-49AE-A0F6-FC905252F346}"/>
               </a:ext>
             </a:extLst>
           </p:cNvPr>
@@ -6582,9 +6607,10 @@
           <a:lstStyle/>
           <a:p>
             <a:r>
-              <a:rPr lang="es-CL" noProof="0" dirty="0"/>
+              <a:rPr lang="es-419" noProof="0" dirty="0" smtClean="0"/>
               <a:t>Inferencia bayesiana</a:t>
             </a:r>
+            <a:endParaRPr lang="es-419" noProof="0" dirty="0"/>
           </a:p>
         </p:txBody>
       </p:sp>
@@ -6593,7 +6619,7 @@
           <p:cNvPr id="3" name="Content Placeholder 2">
             <a:extLst>
               <a:ext uri="{FF2B5EF4-FFF2-40B4-BE49-F238E27FC236}">
-                <a16:creationId xmlns:a16="http://schemas.microsoft.com/office/drawing/2014/main" xmlns="" id="{2BAA9235-4720-4EA9-AAB8-5711BE621A8E}"/>
+                <a16:creationId xmlns="" xmlns:a16="http://schemas.microsoft.com/office/drawing/2014/main" id="{2BAA9235-4720-4EA9-AAB8-5711BE621A8E}"/>
               </a:ext>
             </a:extLst>
           </p:cNvPr>
@@ -6615,204 +6641,178 @@
           <a:lstStyle/>
           <a:p>
             <a:r>
-              <a:rPr lang="es-CL" i="1" noProof="0" dirty="0"/>
+              <a:rPr lang="es-419" i="1" noProof="0" dirty="0" smtClean="0"/>
               <a:t>“… </a:t>
             </a:r>
             <a:r>
-              <a:rPr lang="es-CL" i="1" noProof="0" dirty="0" err="1"/>
+              <a:rPr lang="es-419" i="1" noProof="0" dirty="0" err="1" smtClean="0"/>
               <a:t>The</a:t>
             </a:r>
             <a:r>
-              <a:rPr lang="es-CL" i="1" noProof="0" dirty="0"/>
+              <a:rPr lang="es-419" i="1" noProof="0" dirty="0" smtClean="0"/>
               <a:t> </a:t>
             </a:r>
             <a:r>
-              <a:rPr lang="es-CL" i="1" noProof="0" dirty="0" err="1"/>
+              <a:rPr lang="es-419" i="1" noProof="0" dirty="0" err="1" smtClean="0"/>
               <a:t>process</a:t>
             </a:r>
             <a:r>
-              <a:rPr lang="es-CL" i="1" noProof="0" dirty="0"/>
+              <a:rPr lang="es-419" i="1" noProof="0" dirty="0" smtClean="0"/>
+              <a:t> of </a:t>
+            </a:r>
+            <a:r>
+              <a:rPr lang="es-419" i="1" noProof="0" dirty="0" err="1" smtClean="0"/>
+              <a:t>fitting</a:t>
+            </a:r>
+            <a:r>
+              <a:rPr lang="es-419" i="1" noProof="0" dirty="0" smtClean="0"/>
+              <a:t> a </a:t>
+            </a:r>
+            <a:r>
+              <a:rPr lang="es-419" i="1" noProof="0" dirty="0" err="1" smtClean="0"/>
+              <a:t>probability</a:t>
+            </a:r>
+            <a:r>
+              <a:rPr lang="es-419" i="1" noProof="0" dirty="0" smtClean="0"/>
               <a:t> </a:t>
             </a:r>
             <a:r>
-              <a:rPr lang="es-CL" i="1" noProof="0" dirty="0" err="1"/>
-              <a:t>of</a:t>
-            </a:r>
-            <a:r>
-              <a:rPr lang="es-CL" i="1" noProof="0" dirty="0"/>
+              <a:rPr lang="es-419" i="1" noProof="0" dirty="0" err="1" smtClean="0"/>
+              <a:t>model</a:t>
+            </a:r>
+            <a:r>
+              <a:rPr lang="es-419" i="1" noProof="0" dirty="0" smtClean="0"/>
+              <a:t> to a set of data and </a:t>
+            </a:r>
+            <a:r>
+              <a:rPr lang="es-419" i="1" noProof="0" dirty="0" err="1" smtClean="0"/>
+              <a:t>summarizing</a:t>
+            </a:r>
+            <a:r>
+              <a:rPr lang="es-419" i="1" noProof="0" dirty="0" smtClean="0"/>
               <a:t> </a:t>
             </a:r>
             <a:r>
-              <a:rPr lang="es-CL" i="1" noProof="0" dirty="0" err="1"/>
-              <a:t>fitting</a:t>
-            </a:r>
-            <a:r>
-              <a:rPr lang="es-CL" i="1" noProof="0" dirty="0"/>
+              <a:rPr lang="es-419" i="1" noProof="0" dirty="0" err="1" smtClean="0"/>
+              <a:t>the</a:t>
+            </a:r>
+            <a:r>
+              <a:rPr lang="es-419" i="1" noProof="0" dirty="0" smtClean="0"/>
+              <a:t> </a:t>
+            </a:r>
+            <a:r>
+              <a:rPr lang="es-419" i="1" noProof="0" dirty="0" err="1" smtClean="0"/>
+              <a:t>result</a:t>
+            </a:r>
+            <a:r>
+              <a:rPr lang="es-419" i="1" noProof="0" dirty="0" smtClean="0"/>
+              <a:t> </a:t>
+            </a:r>
+            <a:r>
+              <a:rPr lang="es-419" i="1" noProof="0" dirty="0" err="1" smtClean="0"/>
+              <a:t>by</a:t>
+            </a:r>
+            <a:r>
+              <a:rPr lang="es-419" i="1" noProof="0" dirty="0" smtClean="0"/>
               <a:t> a </a:t>
             </a:r>
             <a:r>
-              <a:rPr lang="es-CL" i="1" noProof="0" dirty="0" err="1"/>
+              <a:rPr lang="es-419" i="1" noProof="0" dirty="0" err="1" smtClean="0"/>
               <a:t>probability</a:t>
             </a:r>
             <a:r>
-              <a:rPr lang="es-CL" i="1" noProof="0" dirty="0"/>
+              <a:rPr lang="es-419" i="1" noProof="0" dirty="0" smtClean="0"/>
               <a:t> </a:t>
             </a:r>
             <a:r>
-              <a:rPr lang="es-CL" i="1" noProof="0" dirty="0" err="1"/>
+              <a:rPr lang="es-419" i="1" noProof="0" dirty="0" err="1" smtClean="0"/>
+              <a:t>distribution</a:t>
+            </a:r>
+            <a:r>
+              <a:rPr lang="es-419" i="1" noProof="0" dirty="0" smtClean="0"/>
+              <a:t> of </a:t>
+            </a:r>
+            <a:r>
+              <a:rPr lang="es-419" i="1" noProof="0" dirty="0" err="1" smtClean="0"/>
+              <a:t>the</a:t>
+            </a:r>
+            <a:r>
+              <a:rPr lang="es-419" i="1" noProof="0" dirty="0" smtClean="0"/>
+              <a:t> </a:t>
+            </a:r>
+            <a:r>
+              <a:rPr lang="es-419" i="1" noProof="0" dirty="0" err="1" smtClean="0"/>
+              <a:t>parameters</a:t>
+            </a:r>
+            <a:r>
+              <a:rPr lang="es-419" i="1" noProof="0" dirty="0" smtClean="0"/>
+              <a:t> of </a:t>
+            </a:r>
+            <a:r>
+              <a:rPr lang="es-419" i="1" noProof="0" dirty="0" err="1" smtClean="0"/>
+              <a:t>the</a:t>
+            </a:r>
+            <a:r>
+              <a:rPr lang="es-419" i="1" noProof="0" dirty="0" smtClean="0"/>
+              <a:t> </a:t>
+            </a:r>
+            <a:r>
+              <a:rPr lang="es-419" i="1" noProof="0" dirty="0" err="1" smtClean="0"/>
               <a:t>model</a:t>
             </a:r>
             <a:r>
-              <a:rPr lang="es-CL" i="1" noProof="0" dirty="0"/>
+              <a:rPr lang="es-419" noProof="0" dirty="0" smtClean="0"/>
+              <a:t>…”</a:t>
+            </a:r>
+          </a:p>
+          <a:p>
+            <a:r>
+              <a:rPr lang="es-419" dirty="0" smtClean="0"/>
+              <a:t>Un paradigma alternativo que clásico  </a:t>
+            </a:r>
+            <a:endParaRPr lang="es-419" noProof="0" dirty="0" smtClean="0"/>
+          </a:p>
+          <a:p>
+            <a:r>
+              <a:rPr lang="es-419" noProof="0" dirty="0" smtClean="0"/>
+              <a:t>Piensas: Prior, posterior, </a:t>
+            </a:r>
+            <a:r>
+              <a:rPr lang="es-419" noProof="0" dirty="0" err="1" smtClean="0"/>
+              <a:t>Markov</a:t>
+            </a:r>
+            <a:r>
+              <a:rPr lang="es-419" noProof="0" dirty="0" smtClean="0"/>
               <a:t> </a:t>
             </a:r>
             <a:r>
-              <a:rPr lang="es-CL" i="1" noProof="0" dirty="0" err="1"/>
-              <a:t>to</a:t>
-            </a:r>
-            <a:r>
-              <a:rPr lang="es-CL" i="1" noProof="0" dirty="0"/>
-              <a:t> a set </a:t>
-            </a:r>
-            <a:r>
-              <a:rPr lang="es-CL" i="1" noProof="0" dirty="0" err="1"/>
-              <a:t>of</a:t>
-            </a:r>
-            <a:r>
-              <a:rPr lang="es-CL" i="1" noProof="0" dirty="0"/>
-              <a:t> data and </a:t>
-            </a:r>
-            <a:r>
-              <a:rPr lang="es-CL" i="1" noProof="0" dirty="0" err="1"/>
-              <a:t>summarizing</a:t>
-            </a:r>
-            <a:r>
-              <a:rPr lang="es-CL" i="1" noProof="0" dirty="0"/>
+              <a:rPr lang="es-419" noProof="0" dirty="0" err="1" smtClean="0"/>
+              <a:t>chain</a:t>
+            </a:r>
+            <a:r>
+              <a:rPr lang="es-419" noProof="0" dirty="0" smtClean="0"/>
+              <a:t> Monte Carlo (MCMC), </a:t>
+            </a:r>
+            <a:r>
+              <a:rPr lang="es-419" noProof="0" dirty="0" err="1" smtClean="0"/>
+              <a:t>credible</a:t>
+            </a:r>
+            <a:r>
+              <a:rPr lang="es-419" noProof="0" dirty="0" smtClean="0"/>
               <a:t> </a:t>
             </a:r>
             <a:r>
-              <a:rPr lang="es-CL" i="1" noProof="0" dirty="0" err="1"/>
-              <a:t>the</a:t>
-            </a:r>
-            <a:r>
-              <a:rPr lang="es-CL" i="1" noProof="0" dirty="0"/>
-              <a:t> </a:t>
-            </a:r>
-            <a:r>
-              <a:rPr lang="es-CL" i="1" noProof="0" dirty="0" err="1"/>
-              <a:t>result</a:t>
-            </a:r>
-            <a:r>
-              <a:rPr lang="es-CL" i="1" noProof="0" dirty="0"/>
-              <a:t> </a:t>
-            </a:r>
-            <a:r>
-              <a:rPr lang="es-CL" i="1" noProof="0" dirty="0" err="1"/>
-              <a:t>by</a:t>
-            </a:r>
-            <a:r>
-              <a:rPr lang="es-CL" i="1" noProof="0" dirty="0"/>
-              <a:t> a </a:t>
-            </a:r>
-            <a:r>
-              <a:rPr lang="es-CL" i="1" noProof="0" dirty="0" err="1"/>
-              <a:t>probability</a:t>
-            </a:r>
-            <a:r>
-              <a:rPr lang="es-CL" i="1" noProof="0" dirty="0"/>
-              <a:t> </a:t>
-            </a:r>
-            <a:r>
-              <a:rPr lang="es-CL" i="1" noProof="0" dirty="0" err="1"/>
-              <a:t>distribution</a:t>
-            </a:r>
-            <a:r>
-              <a:rPr lang="es-CL" i="1" noProof="0" dirty="0"/>
-              <a:t> </a:t>
-            </a:r>
-            <a:r>
-              <a:rPr lang="es-CL" i="1" noProof="0" dirty="0" err="1"/>
-              <a:t>of</a:t>
-            </a:r>
-            <a:r>
-              <a:rPr lang="es-CL" i="1" noProof="0" dirty="0"/>
-              <a:t> </a:t>
-            </a:r>
-            <a:r>
-              <a:rPr lang="es-CL" i="1" noProof="0" dirty="0" err="1"/>
-              <a:t>the</a:t>
-            </a:r>
-            <a:r>
-              <a:rPr lang="es-CL" i="1" noProof="0" dirty="0"/>
-              <a:t> </a:t>
-            </a:r>
-            <a:r>
-              <a:rPr lang="es-CL" i="1" noProof="0" dirty="0" err="1"/>
-              <a:t>parameters</a:t>
-            </a:r>
-            <a:r>
-              <a:rPr lang="es-CL" i="1" noProof="0" dirty="0"/>
-              <a:t> </a:t>
-            </a:r>
-            <a:r>
-              <a:rPr lang="es-CL" i="1" noProof="0" dirty="0" err="1"/>
-              <a:t>of</a:t>
-            </a:r>
-            <a:r>
-              <a:rPr lang="es-CL" i="1" noProof="0" dirty="0"/>
-              <a:t> </a:t>
-            </a:r>
-            <a:r>
-              <a:rPr lang="es-CL" i="1" noProof="0" dirty="0" err="1"/>
-              <a:t>the</a:t>
-            </a:r>
-            <a:r>
-              <a:rPr lang="es-CL" i="1" noProof="0" dirty="0"/>
-              <a:t> </a:t>
-            </a:r>
-            <a:r>
-              <a:rPr lang="es-CL" i="1" noProof="0" dirty="0" err="1"/>
-              <a:t>model</a:t>
-            </a:r>
-            <a:r>
-              <a:rPr lang="es-CL" noProof="0" dirty="0"/>
-              <a:t>…”</a:t>
-            </a:r>
-          </a:p>
-          <a:p>
-            <a:r>
-              <a:rPr lang="es-CL" dirty="0"/>
-              <a:t>Un paradigma alternativo que clásico  </a:t>
-            </a:r>
-            <a:endParaRPr lang="es-CL" noProof="0" dirty="0"/>
-          </a:p>
-          <a:p>
-            <a:r>
-              <a:rPr lang="es-CL" noProof="0" dirty="0"/>
-              <a:t>Piensas: Prior, posterior, </a:t>
-            </a:r>
-            <a:r>
-              <a:rPr lang="es-CL" noProof="0" dirty="0" err="1"/>
-              <a:t>Markov</a:t>
-            </a:r>
-            <a:r>
-              <a:rPr lang="es-CL" noProof="0" dirty="0"/>
-              <a:t> </a:t>
-            </a:r>
-            <a:r>
-              <a:rPr lang="es-CL" noProof="0" dirty="0" err="1"/>
-              <a:t>chain</a:t>
-            </a:r>
-            <a:r>
-              <a:rPr lang="es-CL" noProof="0" dirty="0"/>
-              <a:t> Monte Carlo (MCMC)</a:t>
-            </a:r>
-          </a:p>
-          <a:p>
-            <a:r>
-              <a:rPr lang="es-CL" noProof="0" dirty="0"/>
+              <a:rPr lang="es-419" noProof="0" dirty="0" err="1" smtClean="0"/>
+              <a:t>interval</a:t>
+            </a:r>
+            <a:endParaRPr lang="es-419" noProof="0" dirty="0" smtClean="0"/>
+          </a:p>
+          <a:p>
+            <a:r>
+              <a:rPr lang="es-419" noProof="0" dirty="0" smtClean="0"/>
               <a:t>Software especiales: JAGS, BUGS, Stan, etc.</a:t>
             </a:r>
+            <a:endParaRPr lang="es-419" noProof="0" dirty="0"/>
           </a:p>
         </p:txBody>
       </p:sp>
@@ -6821,7 +6821,7 @@
           <p:cNvPr id="4" name="Slide Number Placeholder 3">
             <a:extLst>
               <a:ext uri="{FF2B5EF4-FFF2-40B4-BE49-F238E27FC236}">
-                <a16:creationId xmlns:a16="http://schemas.microsoft.com/office/drawing/2014/main" xmlns="" id="{28183925-41CE-45AE-9C75-56FB10A283D7}"/>
+                <a16:creationId xmlns="" xmlns:a16="http://schemas.microsoft.com/office/drawing/2014/main" id="{28183925-41CE-45AE-9C75-56FB10A283D7}"/>
               </a:ext>
             </a:extLst>
           </p:cNvPr>
@@ -6850,7 +6850,7 @@
           <p:cNvPr id="5" name="TextBox 4">
             <a:extLst>
               <a:ext uri="{FF2B5EF4-FFF2-40B4-BE49-F238E27FC236}">
-                <a16:creationId xmlns:a16="http://schemas.microsoft.com/office/drawing/2014/main" xmlns="" id="{90022AAB-FD40-4C2C-A279-A84CD43469AC}"/>
+                <a16:creationId xmlns="" xmlns:a16="http://schemas.microsoft.com/office/drawing/2014/main" id="{90022AAB-FD40-4C2C-A279-A84CD43469AC}"/>
               </a:ext>
             </a:extLst>
           </p:cNvPr>
@@ -6915,7 +6915,7 @@
           <p:cNvPr id="2" name="Title 1">
             <a:extLst>
               <a:ext uri="{FF2B5EF4-FFF2-40B4-BE49-F238E27FC236}">
-                <a16:creationId xmlns:a16="http://schemas.microsoft.com/office/drawing/2014/main" xmlns="" id="{E58841CB-F12A-49AE-A0F6-FC905252F346}"/>
+                <a16:creationId xmlns="" xmlns:a16="http://schemas.microsoft.com/office/drawing/2014/main" id="{E58841CB-F12A-49AE-A0F6-FC905252F346}"/>
               </a:ext>
             </a:extLst>
           </p:cNvPr>
@@ -6932,9 +6932,10 @@
           <a:lstStyle/>
           <a:p>
             <a:r>
-              <a:rPr lang="es-CL" noProof="0" dirty="0"/>
+              <a:rPr lang="es-419" noProof="0" dirty="0" smtClean="0"/>
               <a:t>Popularidad</a:t>
             </a:r>
+            <a:endParaRPr lang="es-419" noProof="0" dirty="0"/>
           </a:p>
         </p:txBody>
       </p:sp>
@@ -6943,7 +6944,7 @@
           <p:cNvPr id="3" name="Content Placeholder 2">
             <a:extLst>
               <a:ext uri="{FF2B5EF4-FFF2-40B4-BE49-F238E27FC236}">
-                <a16:creationId xmlns:a16="http://schemas.microsoft.com/office/drawing/2014/main" xmlns="" id="{2BAA9235-4720-4EA9-AAB8-5711BE621A8E}"/>
+                <a16:creationId xmlns="" xmlns:a16="http://schemas.microsoft.com/office/drawing/2014/main" id="{2BAA9235-4720-4EA9-AAB8-5711BE621A8E}"/>
               </a:ext>
             </a:extLst>
           </p:cNvPr>
@@ -6965,22 +6966,22 @@
           <a:lstStyle/>
           <a:p>
             <a:r>
-              <a:rPr lang="es-CL" noProof="0" dirty="0"/>
+              <a:rPr lang="es-419" noProof="0" dirty="0" smtClean="0"/>
               <a:t>Creciente con avances de computadores</a:t>
             </a:r>
           </a:p>
           <a:p>
             <a:r>
-              <a:rPr lang="es-CL" noProof="0" dirty="0"/>
+              <a:rPr lang="es-419" noProof="0" dirty="0" smtClean="0"/>
               <a:t>Software especial se usado normalmente </a:t>
             </a:r>
           </a:p>
           <a:p>
             <a:r>
-              <a:rPr lang="es-CL" dirty="0"/>
+              <a:rPr lang="es-419" dirty="0" smtClean="0"/>
               <a:t>Popular en muchos campos, incluyendo ecología y ciencia pesquera </a:t>
             </a:r>
-            <a:endParaRPr lang="es-CL" noProof="0" dirty="0"/>
+            <a:endParaRPr lang="es-419" noProof="0" dirty="0"/>
           </a:p>
         </p:txBody>
       </p:sp>
@@ -6989,7 +6990,7 @@
           <p:cNvPr id="4" name="Slide Number Placeholder 3">
             <a:extLst>
               <a:ext uri="{FF2B5EF4-FFF2-40B4-BE49-F238E27FC236}">
-                <a16:creationId xmlns:a16="http://schemas.microsoft.com/office/drawing/2014/main" xmlns="" id="{28183925-41CE-45AE-9C75-56FB10A283D7}"/>
+                <a16:creationId xmlns="" xmlns:a16="http://schemas.microsoft.com/office/drawing/2014/main" id="{28183925-41CE-45AE-9C75-56FB10A283D7}"/>
               </a:ext>
             </a:extLst>
           </p:cNvPr>
@@ -7018,7 +7019,7 @@
           <p:cNvPr id="5" name="Content Placeholder 5" descr="A close up of a organ&#10;&#10;Description generated with high confidence">
             <a:extLst>
               <a:ext uri="{FF2B5EF4-FFF2-40B4-BE49-F238E27FC236}">
-                <a16:creationId xmlns:a16="http://schemas.microsoft.com/office/drawing/2014/main" xmlns="" id="{12BD2113-1CF4-40B9-A1AA-C31A430DBA90}"/>
+                <a16:creationId xmlns="" xmlns:a16="http://schemas.microsoft.com/office/drawing/2014/main" id="{12BD2113-1CF4-40B9-A1AA-C31A430DBA90}"/>
               </a:ext>
             </a:extLst>
           </p:cNvPr>
@@ -7052,17 +7053,17 @@
           </a:ln>
           <a:extLst>
             <a:ext uri="{FAA26D3D-D897-4be2-8F04-BA451C77F1D7}">
-              <ma14:placeholderFlag xmlns:ma14="http://schemas.microsoft.com/office/mac/drawingml/2011/main" xmlns="" val="1"/>
+              <ma14:placeholderFlag xmlns="" xmlns:ma14="http://schemas.microsoft.com/office/mac/drawingml/2011/main" val="1"/>
             </a:ext>
             <a:ext uri="{909E8E84-426E-40dd-AFC4-6F175D3DCCD1}">
-              <a14:hiddenFill xmlns:a14="http://schemas.microsoft.com/office/drawing/2010/main" xmlns="">
+              <a14:hiddenFill xmlns="" xmlns:a14="http://schemas.microsoft.com/office/drawing/2010/main">
                 <a:solidFill>
                   <a:srgbClr val="FFFFFF"/>
                 </a:solidFill>
               </a14:hiddenFill>
             </a:ext>
             <a:ext uri="{91240B29-F687-4f45-9708-019B960494DF}">
-              <a14:hiddenLine xmlns:a14="http://schemas.microsoft.com/office/drawing/2010/main" xmlns="" w="9525">
+              <a14:hiddenLine xmlns="" xmlns:a14="http://schemas.microsoft.com/office/drawing/2010/main" w="9525">
                 <a:solidFill>
                   <a:srgbClr val="000000"/>
                 </a:solidFill>
@@ -7079,7 +7080,7 @@
           <p:cNvPr id="6" name="TextBox 5">
             <a:extLst>
               <a:ext uri="{FF2B5EF4-FFF2-40B4-BE49-F238E27FC236}">
-                <a16:creationId xmlns:a16="http://schemas.microsoft.com/office/drawing/2014/main" xmlns="" id="{6F3E6335-5F08-4BFE-9246-F1F57DDA2455}"/>
+                <a16:creationId xmlns="" xmlns:a16="http://schemas.microsoft.com/office/drawing/2014/main" id="{6F3E6335-5F08-4BFE-9246-F1F57DDA2455}"/>
               </a:ext>
             </a:extLst>
           </p:cNvPr>
@@ -7152,7 +7153,7 @@
           <p:cNvPr id="2" name="Title 1">
             <a:extLst>
               <a:ext uri="{FF2B5EF4-FFF2-40B4-BE49-F238E27FC236}">
-                <a16:creationId xmlns:a16="http://schemas.microsoft.com/office/drawing/2014/main" xmlns="" id="{E58841CB-F12A-49AE-A0F6-FC905252F346}"/>
+                <a16:creationId xmlns="" xmlns:a16="http://schemas.microsoft.com/office/drawing/2014/main" id="{E58841CB-F12A-49AE-A0F6-FC905252F346}"/>
               </a:ext>
             </a:extLst>
           </p:cNvPr>
@@ -7169,9 +7170,10 @@
           <a:lstStyle/>
           <a:p>
             <a:r>
-              <a:rPr lang="es-CL" noProof="0" dirty="0"/>
+              <a:rPr lang="es-419" noProof="0" dirty="0" smtClean="0"/>
               <a:t>Los pasos de un análisis bayesiana</a:t>
             </a:r>
+            <a:endParaRPr lang="es-419" noProof="0" dirty="0"/>
           </a:p>
         </p:txBody>
       </p:sp>
@@ -7180,7 +7182,7 @@
           <p:cNvPr id="3" name="Content Placeholder 2">
             <a:extLst>
               <a:ext uri="{FF2B5EF4-FFF2-40B4-BE49-F238E27FC236}">
-                <a16:creationId xmlns:a16="http://schemas.microsoft.com/office/drawing/2014/main" xmlns="" id="{2BAA9235-4720-4EA9-AAB8-5711BE621A8E}"/>
+                <a16:creationId xmlns="" xmlns:a16="http://schemas.microsoft.com/office/drawing/2014/main" id="{2BAA9235-4720-4EA9-AAB8-5711BE621A8E}"/>
               </a:ext>
             </a:extLst>
           </p:cNvPr>
@@ -7206,11 +7208,11 @@
               <a:buAutoNum type="arabicPeriod"/>
             </a:pPr>
             <a:r>
-              <a:rPr lang="es-CL" noProof="0" dirty="0"/>
+              <a:rPr lang="es-419" noProof="0" dirty="0" smtClean="0"/>
               <a:t>Hacer un modelo colectivo </a:t>
             </a:r>
             <a:r>
-              <a:rPr lang="es-CL" dirty="0"/>
+              <a:rPr lang="es-419" dirty="0" smtClean="0"/>
               <a:t>por todos los cantidades (datos y parámetros) del problema </a:t>
             </a:r>
           </a:p>
@@ -7220,15 +7222,15 @@
               <a:buAutoNum type="arabicPeriod"/>
             </a:pPr>
             <a:r>
-              <a:rPr lang="es-CL" dirty="0"/>
+              <a:rPr lang="es-419" dirty="0" smtClean="0"/>
               <a:t>Condicionar el modelo a los datos observados y estimar la probabilidad </a:t>
             </a:r>
             <a:r>
-              <a:rPr lang="es-CL" i="1" dirty="0"/>
+              <a:rPr lang="es-419" i="1" dirty="0" smtClean="0"/>
               <a:t>a posteriori</a:t>
             </a:r>
             <a:r>
-              <a:rPr lang="es-CL" dirty="0"/>
+              <a:rPr lang="es-419" dirty="0" smtClean="0"/>
               <a:t> </a:t>
             </a:r>
           </a:p>
@@ -7238,14 +7240,14 @@
               <a:buAutoNum type="arabicPeriod"/>
             </a:pPr>
             <a:r>
-              <a:rPr lang="es-CL" noProof="0" dirty="0"/>
+              <a:rPr lang="es-419" noProof="0" dirty="0" smtClean="0"/>
               <a:t>Evaluar el ajuste, realizar si necesario, </a:t>
             </a:r>
             <a:r>
-              <a:rPr lang="es-CL" dirty="0"/>
+              <a:rPr lang="es-419" dirty="0" smtClean="0"/>
               <a:t>y después hacer inferencia (calcular probabilidades). </a:t>
             </a:r>
-            <a:endParaRPr lang="es-CL" noProof="0" dirty="0"/>
+            <a:endParaRPr lang="es-419" noProof="0" dirty="0"/>
           </a:p>
         </p:txBody>
       </p:sp>
@@ -7254,7 +7256,7 @@
           <p:cNvPr id="4" name="Slide Number Placeholder 3">
             <a:extLst>
               <a:ext uri="{FF2B5EF4-FFF2-40B4-BE49-F238E27FC236}">
-                <a16:creationId xmlns:a16="http://schemas.microsoft.com/office/drawing/2014/main" xmlns="" id="{28183925-41CE-45AE-9C75-56FB10A283D7}"/>
+                <a16:creationId xmlns="" xmlns:a16="http://schemas.microsoft.com/office/drawing/2014/main" id="{28183925-41CE-45AE-9C75-56FB10A283D7}"/>
               </a:ext>
             </a:extLst>
           </p:cNvPr>
@@ -7283,7 +7285,7 @@
           <p:cNvPr id="5" name="TextBox 4">
             <a:extLst>
               <a:ext uri="{FF2B5EF4-FFF2-40B4-BE49-F238E27FC236}">
-                <a16:creationId xmlns:a16="http://schemas.microsoft.com/office/drawing/2014/main" xmlns="" id="{64747347-E575-45B9-A33D-A43CC2008456}"/>
+                <a16:creationId xmlns="" xmlns:a16="http://schemas.microsoft.com/office/drawing/2014/main" id="{64747347-E575-45B9-A33D-A43CC2008456}"/>
               </a:ext>
             </a:extLst>
           </p:cNvPr>
@@ -7348,7 +7350,7 @@
           <p:cNvPr id="2" name="Title 1">
             <a:extLst>
               <a:ext uri="{FF2B5EF4-FFF2-40B4-BE49-F238E27FC236}">
-                <a16:creationId xmlns="" xmlns:a16="http://schemas.microsoft.com/office/drawing/2014/main" id="{3F85E31D-5021-4B9C-A2F6-6670EA453677}"/>
+                <a16:creationId xmlns:a16="http://schemas.microsoft.com/office/drawing/2014/main" xmlns="" id="{3F85E31D-5021-4B9C-A2F6-6670EA453677}"/>
               </a:ext>
             </a:extLst>
           </p:cNvPr>
@@ -7365,10 +7367,26 @@
           <a:lstStyle/>
           <a:p>
             <a:r>
-              <a:rPr lang="en-US" dirty="0" smtClean="0"/>
-              <a:t>Review of probability theory</a:t>
-            </a:r>
-            <a:endParaRPr lang="en-US" dirty="0"/>
+              <a:rPr lang="es-419" dirty="0" err="1" smtClean="0"/>
+              <a:t>Review</a:t>
+            </a:r>
+            <a:r>
+              <a:rPr lang="es-419" dirty="0" smtClean="0"/>
+              <a:t> of </a:t>
+            </a:r>
+            <a:r>
+              <a:rPr lang="es-419" dirty="0" err="1" smtClean="0"/>
+              <a:t>probability</a:t>
+            </a:r>
+            <a:r>
+              <a:rPr lang="es-419" dirty="0" smtClean="0"/>
+              <a:t> </a:t>
+            </a:r>
+            <a:r>
+              <a:rPr lang="es-419" dirty="0" err="1" smtClean="0"/>
+              <a:t>theory</a:t>
+            </a:r>
+            <a:endParaRPr lang="es-419" dirty="0"/>
           </a:p>
         </p:txBody>
       </p:sp>
@@ -7377,7 +7395,7 @@
           <p:cNvPr id="3" name="Content Placeholder 2">
             <a:extLst>
               <a:ext uri="{FF2B5EF4-FFF2-40B4-BE49-F238E27FC236}">
-                <a16:creationId xmlns="" xmlns:mc="http://schemas.openxmlformats.org/markup-compatibility/2006" xmlns:a14="http://schemas.microsoft.com/office/drawing/2010/main" xmlns:a16="http://schemas.microsoft.com/office/drawing/2014/main" id="{28B492CE-B56B-411E-ACCC-F83AC37AA46D}"/>
+                <a16:creationId xmlns:a16="http://schemas.microsoft.com/office/drawing/2014/main" xmlns:a14="http://schemas.microsoft.com/office/drawing/2010/main" xmlns:mc="http://schemas.openxmlformats.org/markup-compatibility/2006" xmlns="" id="{28B492CE-B56B-411E-ACCC-F83AC37AA46D}"/>
               </a:ext>
             </a:extLst>
           </p:cNvPr>
@@ -7399,48 +7417,98 @@
           <a:lstStyle/>
           <a:p>
             <a:r>
-              <a:rPr lang="en-US" dirty="0" smtClean="0"/>
-              <a:t>In nature we have random processes</a:t>
-            </a:r>
-          </a:p>
-          <a:p>
-            <a:r>
-              <a:rPr lang="en-US" dirty="0" smtClean="0"/>
-              <a:t>The s</a:t>
-            </a:r>
-            <a:r>
-              <a:rPr lang="en-US" dirty="0" smtClean="0"/>
-              <a:t>ample space is the possible outcomes of this process (events)</a:t>
-            </a:r>
-          </a:p>
-          <a:p>
-            <a:r>
-              <a:rPr lang="en-US" dirty="0" smtClean="0"/>
-              <a:t>A ran</a:t>
-            </a:r>
-            <a:r>
-              <a:rPr lang="en-US" dirty="0" smtClean="0"/>
-              <a:t>dom variable maps the sample space to be numbers</a:t>
-            </a:r>
-          </a:p>
-          <a:p>
-            <a:r>
-              <a:rPr lang="en-US" dirty="0" smtClean="0"/>
-              <a:t>A</a:t>
-            </a:r>
-            <a:r>
-              <a:rPr lang="en-US" dirty="0" smtClean="0"/>
+              <a:rPr lang="es-419" dirty="0" smtClean="0"/>
+              <a:t>En la naturalez</a:t>
+            </a:r>
+            <a:r>
+              <a:rPr lang="es-419" dirty="0" smtClean="0"/>
+              <a:t>a hay procesos aleatorios</a:t>
+            </a:r>
+            <a:endParaRPr lang="es-419" dirty="0" smtClean="0"/>
+          </a:p>
+          <a:p>
+            <a:r>
+              <a:rPr lang="es-419" dirty="0" smtClean="0"/>
+              <a:t>El espacio </a:t>
+            </a:r>
+            <a:r>
+              <a:rPr lang="es-419" dirty="0" err="1" smtClean="0"/>
+              <a:t>muestral</a:t>
+            </a:r>
+            <a:r>
+              <a:rPr lang="es-419" dirty="0" smtClean="0"/>
+              <a:t> consiste en el conjunto </a:t>
+            </a:r>
+            <a:r>
+              <a:rPr lang="es-419" dirty="0" smtClean="0"/>
+              <a:t>de </a:t>
+            </a:r>
+            <a:r>
+              <a:rPr lang="es-419" dirty="0" smtClean="0"/>
+              <a:t>todos los posibles resultados del proceso (‘eventos’) </a:t>
+            </a:r>
+          </a:p>
+          <a:p>
+            <a:r>
+              <a:rPr lang="es-419" dirty="0" smtClean="0"/>
+              <a:t>Una variable aleatoria (</a:t>
+            </a:r>
+            <a:r>
+              <a:rPr lang="es-419" dirty="0" err="1" smtClean="0"/>
+              <a:t>random</a:t>
+            </a:r>
+            <a:r>
+              <a:rPr lang="es-419" dirty="0" smtClean="0"/>
+              <a:t> variable) </a:t>
+            </a:r>
+            <a:r>
+              <a:rPr lang="es-419" dirty="0" smtClean="0"/>
+              <a:t>es una mapa de </a:t>
+            </a:r>
+            <a:r>
+              <a:rPr lang="es-419" dirty="0" err="1" smtClean="0"/>
+              <a:t>the</a:t>
+            </a:r>
+            <a:r>
+              <a:rPr lang="es-419" dirty="0" smtClean="0"/>
               <a:t> </a:t>
             </a:r>
             <a:r>
-              <a:rPr lang="en-US" dirty="0" smtClean="0"/>
-              <a:t>probability </a:t>
-            </a:r>
-            <a:r>
-              <a:rPr lang="en-US" dirty="0" smtClean="0"/>
-              <a:t>mass/density is the relative frequency of occurrence.</a:t>
-            </a:r>
-            <a:endParaRPr lang="en-US" dirty="0" smtClean="0"/>
+              <a:rPr lang="es-419" dirty="0" err="1" smtClean="0"/>
+              <a:t>sample</a:t>
+            </a:r>
+            <a:r>
+              <a:rPr lang="es-419" dirty="0" smtClean="0"/>
+              <a:t> </a:t>
+            </a:r>
+            <a:r>
+              <a:rPr lang="es-419" dirty="0" err="1" smtClean="0"/>
+              <a:t>space</a:t>
+            </a:r>
+            <a:r>
+              <a:rPr lang="es-419" dirty="0" smtClean="0"/>
+              <a:t> hasta los números  [</a:t>
+            </a:r>
+            <a:r>
+              <a:rPr lang="es-419" dirty="0" smtClean="0"/>
+              <a:t>Pueden crear un ejemplo?]</a:t>
+            </a:r>
+            <a:endParaRPr lang="es-419" dirty="0" smtClean="0"/>
+          </a:p>
+          <a:p>
+            <a:r>
+              <a:rPr lang="es-419" dirty="0" smtClean="0"/>
+              <a:t>Una densidad/masa de probabilidad es la frecuencia relativa de </a:t>
+            </a:r>
+            <a:r>
+              <a:rPr lang="es-419" dirty="0" smtClean="0"/>
+              <a:t>la incidencia de los eventos</a:t>
+            </a:r>
+            <a:r>
+              <a:rPr lang="es-419" dirty="0" smtClean="0"/>
+              <a:t>.</a:t>
+            </a:r>
+            <a:endParaRPr lang="es-419" dirty="0" smtClean="0"/>
           </a:p>
         </p:txBody>
       </p:sp>
@@ -7449,7 +7517,7 @@
           <p:cNvPr id="4" name="Slide Number Placeholder 3">
             <a:extLst>
               <a:ext uri="{FF2B5EF4-FFF2-40B4-BE49-F238E27FC236}">
-                <a16:creationId xmlns="" xmlns:a16="http://schemas.microsoft.com/office/drawing/2014/main" id="{EC538D91-6F8B-42BB-A135-BD948D230469}"/>
+                <a16:creationId xmlns:a16="http://schemas.microsoft.com/office/drawing/2014/main" xmlns="" id="{EC538D91-6F8B-42BB-A135-BD948D230469}"/>
               </a:ext>
             </a:extLst>
           </p:cNvPr>
@@ -7508,7 +7576,7 @@
           <p:cNvPr id="2" name="Title 1">
             <a:extLst>
               <a:ext uri="{FF2B5EF4-FFF2-40B4-BE49-F238E27FC236}">
-                <a16:creationId xmlns:a16="http://schemas.microsoft.com/office/drawing/2014/main" xmlns="" id="{1F21995E-0AA4-46BB-ABC5-5549BF22D71D}"/>
+                <a16:creationId xmlns="" xmlns:a16="http://schemas.microsoft.com/office/drawing/2014/main" id="{1F21995E-0AA4-46BB-ABC5-5549BF22D71D}"/>
               </a:ext>
             </a:extLst>
           </p:cNvPr>
@@ -7525,34 +7593,10 @@
           <a:lstStyle/>
           <a:p>
             <a:r>
-              <a:rPr lang="es-CL" noProof="0" dirty="0" err="1"/>
-              <a:t>Review</a:t>
-            </a:r>
-            <a:r>
-              <a:rPr lang="es-CL" noProof="0" dirty="0"/>
-              <a:t>: </a:t>
-            </a:r>
-            <a:r>
-              <a:rPr lang="es-CL" noProof="0" dirty="0" err="1"/>
-              <a:t>basics</a:t>
-            </a:r>
-            <a:r>
-              <a:rPr lang="es-CL" noProof="0" dirty="0"/>
-              <a:t> </a:t>
-            </a:r>
-            <a:r>
-              <a:rPr lang="es-CL" noProof="0" dirty="0" err="1"/>
-              <a:t>of</a:t>
-            </a:r>
-            <a:r>
-              <a:rPr lang="es-CL" noProof="0" dirty="0"/>
-              <a:t> </a:t>
-            </a:r>
-            <a:r>
-              <a:rPr lang="es-CL" noProof="0" dirty="0" err="1"/>
-              <a:t>probabilities</a:t>
-            </a:r>
-            <a:endParaRPr lang="es-CL" noProof="0" dirty="0"/>
+              <a:rPr lang="es-419" noProof="0" dirty="0" smtClean="0"/>
+              <a:t>Revisión: las probabilidades</a:t>
+            </a:r>
+            <a:endParaRPr lang="es-419" noProof="0" dirty="0"/>
           </a:p>
         </p:txBody>
       </p:sp>
@@ -7561,7 +7605,7 @@
           <p:cNvPr id="3" name="Content Placeholder 2">
             <a:extLst>
               <a:ext uri="{FF2B5EF4-FFF2-40B4-BE49-F238E27FC236}">
-                <a16:creationId xmlns:a16="http://schemas.microsoft.com/office/drawing/2014/main" xmlns="" id="{1458A43B-39F0-450C-A1A9-F1EEF261FE9D}"/>
+                <a16:creationId xmlns="" xmlns:a16="http://schemas.microsoft.com/office/drawing/2014/main" id="{1458A43B-39F0-450C-A1A9-F1EEF261FE9D}"/>
               </a:ext>
             </a:extLst>
           </p:cNvPr>
@@ -7583,93 +7627,55 @@
           <a:lstStyle/>
           <a:p>
             <a:r>
-              <a:rPr lang="es-CL" noProof="0" dirty="0"/>
-              <a:t>P(A)=</a:t>
-            </a:r>
-            <a:r>
-              <a:rPr lang="es-CL" noProof="0" dirty="0" err="1"/>
-              <a:t>Probability</a:t>
-            </a:r>
-            <a:r>
-              <a:rPr lang="es-CL" noProof="0" dirty="0"/>
-              <a:t> </a:t>
-            </a:r>
-            <a:r>
-              <a:rPr lang="es-CL" noProof="0" dirty="0" err="1"/>
-              <a:t>of</a:t>
-            </a:r>
-            <a:r>
-              <a:rPr lang="es-CL" noProof="0" dirty="0"/>
-              <a:t> </a:t>
-            </a:r>
-            <a:r>
-              <a:rPr lang="es-CL" noProof="0" dirty="0" err="1"/>
-              <a:t>event</a:t>
-            </a:r>
-            <a:r>
-              <a:rPr lang="es-CL" noProof="0" dirty="0"/>
-              <a:t> A</a:t>
-            </a:r>
-          </a:p>
-          <a:p>
-            <a:r>
-              <a:rPr lang="es-CL" noProof="0" dirty="0"/>
+              <a:rPr lang="es-419" noProof="0" dirty="0" smtClean="0"/>
+              <a:t>P(A)=Probabilidad de evento A</a:t>
+            </a:r>
+          </a:p>
+          <a:p>
+            <a:r>
+              <a:rPr lang="es-419" noProof="0" dirty="0" smtClean="0"/>
               <a:t>P(A,B)=</a:t>
             </a:r>
             <a:r>
-              <a:rPr lang="es-CL" noProof="0" dirty="0" err="1"/>
-              <a:t>Probability</a:t>
-            </a:r>
-            <a:r>
-              <a:rPr lang="es-CL" noProof="0" dirty="0"/>
-              <a:t> of A and </a:t>
-            </a:r>
-            <a:r>
-              <a:rPr lang="es-CL" noProof="0" dirty="0" smtClean="0"/>
-              <a:t>B</a:t>
-            </a:r>
-          </a:p>
-          <a:p>
-            <a:r>
-              <a:rPr lang="es-CL" dirty="0" smtClean="0"/>
-              <a:t>P(A,C)=P(A)P(C) </a:t>
-            </a:r>
-            <a:r>
-              <a:rPr lang="es-CL" dirty="0" err="1" smtClean="0"/>
-              <a:t>if</a:t>
-            </a:r>
-            <a:r>
-              <a:rPr lang="es-CL" dirty="0" smtClean="0"/>
-              <a:t> </a:t>
-            </a:r>
-            <a:r>
-              <a:rPr lang="es-CL" dirty="0" err="1" smtClean="0"/>
-              <a:t>independent</a:t>
-            </a:r>
-            <a:endParaRPr lang="es-CL" noProof="0" dirty="0"/>
-          </a:p>
-          <a:p>
-            <a:r>
-              <a:rPr lang="es-CL" noProof="0" dirty="0"/>
-              <a:t>P(A|B)=P(A,B)/P(B)   [</a:t>
-            </a:r>
-            <a:r>
-              <a:rPr lang="es-CL" noProof="0" dirty="0" err="1"/>
-              <a:t>conditional</a:t>
-            </a:r>
-            <a:r>
-              <a:rPr lang="es-CL" noProof="0" dirty="0"/>
-              <a:t> </a:t>
-            </a:r>
-            <a:r>
-              <a:rPr lang="es-CL" noProof="0" dirty="0" err="1"/>
-              <a:t>probability</a:t>
-            </a:r>
-            <a:r>
-              <a:rPr lang="es-CL" noProof="0" dirty="0" smtClean="0"/>
-              <a:t>]</a:t>
-            </a:r>
-            <a:endParaRPr lang="es-CL" noProof="0" dirty="0"/>
+              <a:rPr lang="es-419" noProof="0" dirty="0" err="1" smtClean="0"/>
+              <a:t>Prob</a:t>
+            </a:r>
+            <a:r>
+              <a:rPr lang="es-419" noProof="0" dirty="0" smtClean="0"/>
+              <a:t>. de A </a:t>
+            </a:r>
+            <a:r>
+              <a:rPr lang="es-419" dirty="0"/>
+              <a:t>y</a:t>
+            </a:r>
+            <a:r>
+              <a:rPr lang="es-419" noProof="0" dirty="0" smtClean="0"/>
+              <a:t> B</a:t>
+            </a:r>
+          </a:p>
+          <a:p>
+            <a:r>
+              <a:rPr lang="es-419" dirty="0" smtClean="0"/>
+              <a:t>P(A,C)=P(A)P(C) si independiente</a:t>
+            </a:r>
+            <a:endParaRPr lang="es-419" noProof="0" dirty="0" smtClean="0"/>
+          </a:p>
+          <a:p>
+            <a:r>
+              <a:rPr lang="es-419" noProof="0" dirty="0" smtClean="0"/>
+              <a:t>P(A|B)=P(A,B)/P(B) </a:t>
+            </a:r>
+          </a:p>
+          <a:p>
+            <a:r>
+              <a:rPr lang="es-419" dirty="0" smtClean="0"/>
+              <a:t>=</a:t>
+            </a:r>
+            <a:r>
+              <a:rPr lang="es-419" noProof="0" dirty="0" smtClean="0"/>
+              <a:t>probabilidad condicional</a:t>
+            </a:r>
+            <a:endParaRPr lang="es-419" noProof="0" dirty="0"/>
           </a:p>
         </p:txBody>
       </p:sp>
@@ -7678,7 +7684,7 @@
           <p:cNvPr id="4" name="Slide Number Placeholder 3">
             <a:extLst>
               <a:ext uri="{FF2B5EF4-FFF2-40B4-BE49-F238E27FC236}">
-                <a16:creationId xmlns:a16="http://schemas.microsoft.com/office/drawing/2014/main" xmlns="" id="{B607949D-1BF8-436E-834D-CB927CF5CDC8}"/>
+                <a16:creationId xmlns="" xmlns:a16="http://schemas.microsoft.com/office/drawing/2014/main" id="{B607949D-1BF8-436E-834D-CB927CF5CDC8}"/>
               </a:ext>
             </a:extLst>
           </p:cNvPr>
@@ -8030,7 +8036,7 @@
           <p:cNvPr id="2" name="Title 1">
             <a:extLst>
               <a:ext uri="{FF2B5EF4-FFF2-40B4-BE49-F238E27FC236}">
-                <a16:creationId xmlns:a16="http://schemas.microsoft.com/office/drawing/2014/main" xmlns="" id="{1F21995E-0AA4-46BB-ABC5-5549BF22D71D}"/>
+                <a16:creationId xmlns="" xmlns:a16="http://schemas.microsoft.com/office/drawing/2014/main" id="{1F21995E-0AA4-46BB-ABC5-5549BF22D71D}"/>
               </a:ext>
             </a:extLst>
           </p:cNvPr>
@@ -8047,34 +8053,10 @@
           <a:lstStyle/>
           <a:p>
             <a:r>
-              <a:rPr lang="es-CL" noProof="0" dirty="0" err="1"/>
-              <a:t>Review</a:t>
-            </a:r>
-            <a:r>
-              <a:rPr lang="es-CL" noProof="0" dirty="0"/>
-              <a:t>: </a:t>
-            </a:r>
-            <a:r>
-              <a:rPr lang="es-CL" noProof="0" dirty="0" err="1"/>
-              <a:t>basics</a:t>
-            </a:r>
-            <a:r>
-              <a:rPr lang="es-CL" noProof="0" dirty="0"/>
-              <a:t> </a:t>
-            </a:r>
-            <a:r>
-              <a:rPr lang="es-CL" noProof="0" dirty="0" err="1"/>
-              <a:t>of</a:t>
-            </a:r>
-            <a:r>
-              <a:rPr lang="es-CL" noProof="0" dirty="0"/>
-              <a:t> </a:t>
-            </a:r>
-            <a:r>
-              <a:rPr lang="es-CL" noProof="0" dirty="0" err="1"/>
-              <a:t>probabilities</a:t>
-            </a:r>
-            <a:endParaRPr lang="es-CL" noProof="0" dirty="0"/>
+              <a:rPr lang="es-419" dirty="0"/>
+              <a:t>Revisión: las probabilidades</a:t>
+            </a:r>
+            <a:endParaRPr lang="es-419" noProof="0" dirty="0"/>
           </a:p>
         </p:txBody>
       </p:sp>
@@ -8083,7 +8065,7 @@
           <p:cNvPr id="3" name="Content Placeholder 2">
             <a:extLst>
               <a:ext uri="{FF2B5EF4-FFF2-40B4-BE49-F238E27FC236}">
-                <a16:creationId xmlns:a16="http://schemas.microsoft.com/office/drawing/2014/main" xmlns="" id="{1458A43B-39F0-450C-A1A9-F1EEF261FE9D}"/>
+                <a16:creationId xmlns="" xmlns:a16="http://schemas.microsoft.com/office/drawing/2014/main" id="{1458A43B-39F0-450C-A1A9-F1EEF261FE9D}"/>
               </a:ext>
             </a:extLst>
           </p:cNvPr>
@@ -8105,217 +8087,98 @@
           <a:lstStyle/>
           <a:p>
             <a:r>
-              <a:rPr lang="es-CL" dirty="0" err="1" smtClean="0"/>
-              <a:t>Assume</a:t>
-            </a:r>
-            <a:r>
-              <a:rPr lang="es-CL" dirty="0" smtClean="0"/>
-              <a:t> X </a:t>
-            </a:r>
-            <a:r>
-              <a:rPr lang="es-CL" dirty="0" err="1" smtClean="0"/>
-              <a:t>is</a:t>
-            </a:r>
-            <a:r>
-              <a:rPr lang="es-CL" dirty="0" smtClean="0"/>
-              <a:t> a </a:t>
-            </a:r>
-            <a:r>
-              <a:rPr lang="es-CL" dirty="0" err="1" smtClean="0"/>
-              <a:t>rv</a:t>
-            </a:r>
-            <a:r>
-              <a:rPr lang="es-CL" dirty="0" smtClean="0"/>
+              <a:rPr lang="es-419" dirty="0" smtClean="0"/>
+              <a:t>Suponga que X es una </a:t>
+            </a:r>
+            <a:r>
+              <a:rPr lang="es-419" dirty="0" err="1" smtClean="0"/>
+              <a:t>v.a.</a:t>
+            </a:r>
+            <a:r>
+              <a:rPr lang="es-419" dirty="0" smtClean="0"/>
               <a:t> </a:t>
             </a:r>
-            <a:r>
-              <a:rPr lang="es-CL" dirty="0" err="1" smtClean="0"/>
-              <a:t>that</a:t>
-            </a:r>
-            <a:r>
-              <a:rPr lang="es-CL" dirty="0" smtClean="0"/>
-              <a:t> </a:t>
-            </a:r>
-            <a:r>
-              <a:rPr lang="es-CL" dirty="0" err="1" smtClean="0"/>
-              <a:t>maps</a:t>
-            </a:r>
-            <a:r>
-              <a:rPr lang="es-CL" dirty="0"/>
-              <a:t> </a:t>
-            </a:r>
-            <a:r>
-              <a:rPr lang="es-CL" dirty="0" smtClean="0"/>
-              <a:t>to </a:t>
-            </a:r>
-            <a:r>
-              <a:rPr lang="es-CL" dirty="0" err="1" smtClean="0"/>
-              <a:t>the</a:t>
-            </a:r>
-            <a:r>
-              <a:rPr lang="es-CL" dirty="0" smtClean="0"/>
-              <a:t> real line</a:t>
-            </a:r>
-          </a:p>
-          <a:p>
-            <a:r>
-              <a:rPr lang="es-CL" dirty="0" err="1" smtClean="0"/>
-              <a:t>If</a:t>
-            </a:r>
-            <a:r>
-              <a:rPr lang="es-CL" dirty="0" smtClean="0"/>
-              <a:t> </a:t>
-            </a:r>
-            <a:r>
-              <a:rPr lang="es-CL" dirty="0" err="1" smtClean="0"/>
-              <a:t>discrete</a:t>
-            </a:r>
-            <a:r>
-              <a:rPr lang="es-CL" dirty="0" smtClean="0"/>
-              <a:t>: </a:t>
-            </a:r>
-            <a:r>
-              <a:rPr lang="es-CL" i="1" dirty="0" smtClean="0"/>
+          </a:p>
+          <a:p>
+            <a:r>
+              <a:rPr lang="es-419" dirty="0" smtClean="0"/>
+              <a:t>Si discreto: </a:t>
+            </a:r>
+            <a:r>
+              <a:rPr lang="es-419" i="1" dirty="0" smtClean="0"/>
               <a:t>f(x)</a:t>
             </a:r>
             <a:r>
-              <a:rPr lang="es-CL" dirty="0" smtClean="0"/>
-              <a:t> </a:t>
-            </a:r>
-            <a:r>
-              <a:rPr lang="es-CL" dirty="0" err="1" smtClean="0"/>
-              <a:t>is</a:t>
-            </a:r>
-            <a:r>
-              <a:rPr lang="es-CL" dirty="0" smtClean="0"/>
-              <a:t> </a:t>
-            </a:r>
-            <a:r>
-              <a:rPr lang="es-CL" dirty="0" err="1" smtClean="0"/>
-              <a:t>probability</a:t>
-            </a:r>
-            <a:r>
-              <a:rPr lang="es-CL" dirty="0" smtClean="0"/>
-              <a:t> </a:t>
-            </a:r>
-            <a:r>
-              <a:rPr lang="es-CL" b="1" dirty="0" err="1"/>
-              <a:t>mass</a:t>
-            </a:r>
-            <a:r>
-              <a:rPr lang="es-CL" dirty="0"/>
+              <a:rPr lang="es-419" dirty="0" smtClean="0"/>
+              <a:t> es una </a:t>
+            </a:r>
+            <a:r>
+              <a:rPr lang="es-419" b="1" dirty="0" smtClean="0"/>
+              <a:t>masa</a:t>
+            </a:r>
+            <a:r>
+              <a:rPr lang="es-419" dirty="0" smtClean="0"/>
               <a:t> (</a:t>
             </a:r>
             <a:r>
-              <a:rPr lang="es-CL" dirty="0" err="1"/>
+              <a:rPr lang="es-419" dirty="0" err="1" smtClean="0"/>
               <a:t>pmf</a:t>
             </a:r>
             <a:r>
-              <a:rPr lang="es-CL" dirty="0" smtClean="0"/>
+              <a:rPr lang="es-419" dirty="0" smtClean="0"/>
               <a:t>)</a:t>
             </a:r>
           </a:p>
           <a:p>
             <a:r>
-              <a:rPr lang="es-CL" noProof="0" dirty="0" err="1" smtClean="0"/>
-              <a:t>If</a:t>
-            </a:r>
-            <a:r>
-              <a:rPr lang="es-CL" noProof="0" dirty="0" smtClean="0"/>
-              <a:t> </a:t>
-            </a:r>
-            <a:r>
-              <a:rPr lang="es-CL" noProof="0" dirty="0" err="1" smtClean="0"/>
-              <a:t>continuous</a:t>
-            </a:r>
-            <a:r>
-              <a:rPr lang="es-CL" noProof="0" dirty="0"/>
-              <a:t>, </a:t>
-            </a:r>
-            <a:r>
-              <a:rPr lang="es-CL" i="1" noProof="0" dirty="0" smtClean="0"/>
+              <a:rPr lang="es-419" noProof="0" dirty="0" smtClean="0"/>
+              <a:t>Si continuo, </a:t>
+            </a:r>
+            <a:r>
+              <a:rPr lang="es-419" i="1" noProof="0" dirty="0" smtClean="0"/>
               <a:t>f(x)</a:t>
             </a:r>
             <a:r>
-              <a:rPr lang="es-CL" noProof="0" dirty="0" smtClean="0"/>
-              <a:t> </a:t>
-            </a:r>
-            <a:r>
-              <a:rPr lang="es-CL" noProof="0" dirty="0" err="1" smtClean="0"/>
-              <a:t>is</a:t>
-            </a:r>
-            <a:r>
-              <a:rPr lang="es-CL" noProof="0" dirty="0" smtClean="0"/>
-              <a:t> </a:t>
-            </a:r>
-            <a:r>
-              <a:rPr lang="es-CL" noProof="0" dirty="0" err="1"/>
-              <a:t>probability</a:t>
-            </a:r>
-            <a:r>
-              <a:rPr lang="es-CL" noProof="0" dirty="0"/>
-              <a:t> </a:t>
-            </a:r>
-            <a:r>
-              <a:rPr lang="es-CL" b="1" noProof="0" dirty="0" err="1" smtClean="0"/>
-              <a:t>density</a:t>
-            </a:r>
-            <a:r>
-              <a:rPr lang="es-CL" dirty="0" smtClean="0"/>
-              <a:t> </a:t>
-            </a:r>
-            <a:r>
-              <a:rPr lang="es-CL" dirty="0" err="1" smtClean="0"/>
-              <a:t>function</a:t>
-            </a:r>
-            <a:r>
-              <a:rPr lang="es-CL" dirty="0" smtClean="0"/>
-              <a:t> </a:t>
-            </a:r>
-            <a:r>
-              <a:rPr lang="es-CL" i="1" dirty="0" smtClean="0"/>
-              <a:t>f </a:t>
-            </a:r>
-            <a:r>
-              <a:rPr lang="es-CL" dirty="0" smtClean="0"/>
-              <a:t>(</a:t>
-            </a:r>
-            <a:r>
-              <a:rPr lang="es-CL" dirty="0" err="1" smtClean="0"/>
+              <a:rPr lang="es-419" noProof="0" dirty="0" smtClean="0"/>
+              <a:t> es una </a:t>
+            </a:r>
+            <a:r>
+              <a:rPr lang="es-419" b="1" noProof="0" dirty="0" smtClean="0"/>
+              <a:t>densidad</a:t>
+            </a:r>
+            <a:r>
+              <a:rPr lang="es-419" noProof="0" dirty="0" smtClean="0"/>
+              <a:t> (</a:t>
+            </a:r>
+            <a:r>
+              <a:rPr lang="es-419" noProof="0" dirty="0" err="1" smtClean="0"/>
               <a:t>pdf</a:t>
             </a:r>
             <a:r>
-              <a:rPr lang="es-CL" dirty="0" smtClean="0"/>
-              <a:t>) and </a:t>
-            </a:r>
-            <a:r>
-              <a:rPr lang="es-CL" dirty="0" err="1" smtClean="0"/>
-              <a:t>needs</a:t>
-            </a:r>
-            <a:r>
-              <a:rPr lang="es-CL" dirty="0" smtClean="0"/>
-              <a:t> to be </a:t>
-            </a:r>
-            <a:r>
-              <a:rPr lang="es-CL" dirty="0" err="1" smtClean="0"/>
-              <a:t>integrated</a:t>
-            </a:r>
-            <a:r>
-              <a:rPr lang="es-CL" dirty="0" smtClean="0"/>
-              <a:t>:</a:t>
-            </a:r>
-          </a:p>
-          <a:p>
-            <a:endParaRPr lang="es-CL" b="1" noProof="0" dirty="0"/>
-          </a:p>
-          <a:p>
-            <a:endParaRPr lang="es-CL" b="1" noProof="0" dirty="0"/>
+              <a:rPr lang="es-419" noProof="0" dirty="0" smtClean="0"/>
+              <a:t>)</a:t>
+            </a:r>
+            <a:r>
+              <a:rPr lang="es-419" dirty="0" smtClean="0"/>
+              <a:t> y </a:t>
+            </a:r>
+            <a:r>
+              <a:rPr lang="es-419" dirty="0" smtClean="0"/>
+              <a:t>hay que integrarla:</a:t>
+            </a:r>
+            <a:endParaRPr lang="es-419" dirty="0" smtClean="0"/>
+          </a:p>
+          <a:p>
+            <a:endParaRPr lang="es-419" b="1" noProof="0" dirty="0" smtClean="0"/>
+          </a:p>
+          <a:p>
+            <a:endParaRPr lang="es-419" b="1" noProof="0" dirty="0" smtClean="0"/>
           </a:p>
           <a:p>
             <a:pPr marL="0" indent="0">
               <a:buNone/>
             </a:pPr>
-            <a:endParaRPr lang="es-CL" noProof="0" dirty="0"/>
+            <a:endParaRPr lang="es-419" noProof="0" dirty="0"/>
           </a:p>
         </p:txBody>
       </p:sp>
@@ -8324,7 +8187,7 @@
           <p:cNvPr id="4" name="Slide Number Placeholder 3">
             <a:extLst>
               <a:ext uri="{FF2B5EF4-FFF2-40B4-BE49-F238E27FC236}">
-                <a16:creationId xmlns:a16="http://schemas.microsoft.com/office/drawing/2014/main" xmlns="" id="{B607949D-1BF8-436E-834D-CB927CF5CDC8}"/>
+                <a16:creationId xmlns="" xmlns:a16="http://schemas.microsoft.com/office/drawing/2014/main" id="{B607949D-1BF8-436E-834D-CB927CF5CDC8}"/>
               </a:ext>
             </a:extLst>
           </p:cNvPr>
@@ -8367,7 +8230,7 @@
             <p:cNvPr id="5" name="Object 4">
               <a:extLst>
                 <a:ext uri="{FF2B5EF4-FFF2-40B4-BE49-F238E27FC236}">
-                  <a16:creationId xmlns:a16="http://schemas.microsoft.com/office/drawing/2014/main" xmlns="" id="{871A0B14-87C6-4452-B778-BA64D86F24DC}"/>
+                  <a16:creationId xmlns="" xmlns:a16="http://schemas.microsoft.com/office/drawing/2014/main" id="{871A0B14-87C6-4452-B778-BA64D86F24DC}"/>
                 </a:ext>
               </a:extLst>
             </p:cNvPr>
@@ -8390,7 +8253,7 @@
             <a:graphicData uri="http://schemas.openxmlformats.org/presentationml/2006/ole">
               <mc:AlternateContent xmlns:mc="http://schemas.openxmlformats.org/markup-compatibility/2006">
                 <mc:Choice xmlns:v="urn:schemas-microsoft-com:vml" Requires="v">
-                  <p:oleObj spid="_x0000_s2090" name="Equation" r:id="rId3" imgW="1066680" imgH="711000" progId="Equation.DSMT4">
+                  <p:oleObj spid="_x0000_s2110" name="Equation" r:id="rId3" imgW="1066680" imgH="711000" progId="Equation.DSMT4">
                     <p:embed/>
                   </p:oleObj>
                 </mc:Choice>
@@ -8430,7 +8293,7 @@
             <p:cNvPr id="6" name="TextBox 5">
               <a:extLst>
                 <a:ext uri="{FF2B5EF4-FFF2-40B4-BE49-F238E27FC236}">
-                  <a16:creationId xmlns:a16="http://schemas.microsoft.com/office/drawing/2014/main" xmlns="" id="{56FEC291-188A-4C6E-ABF2-A799330527F2}"/>
+                  <a16:creationId xmlns="" xmlns:a16="http://schemas.microsoft.com/office/drawing/2014/main" id="{56FEC291-188A-4C6E-ABF2-A799330527F2}"/>
                 </a:ext>
               </a:extLst>
             </p:cNvPr>
@@ -8466,7 +8329,7 @@
           <p:cNvPr id="8" name="Object 7">
             <a:extLst>
               <a:ext uri="{FF2B5EF4-FFF2-40B4-BE49-F238E27FC236}">
-                <a16:creationId xmlns:a16="http://schemas.microsoft.com/office/drawing/2014/main" xmlns="" id="{871A0B14-87C6-4452-B778-BA64D86F24DC}"/>
+                <a16:creationId xmlns="" xmlns:a16="http://schemas.microsoft.com/office/drawing/2014/main" id="{871A0B14-87C6-4452-B778-BA64D86F24DC}"/>
               </a:ext>
             </a:extLst>
           </p:cNvPr>
@@ -8489,7 +8352,7 @@
           <a:graphicData uri="http://schemas.openxmlformats.org/presentationml/2006/ole">
             <mc:AlternateContent xmlns:mc="http://schemas.openxmlformats.org/markup-compatibility/2006">
               <mc:Choice xmlns:v="urn:schemas-microsoft-com:vml" Requires="v">
-                <p:oleObj spid="_x0000_s2091" name="Equation" r:id="rId5" imgW="1409400" imgH="330120" progId="Equation.DSMT4">
+                <p:oleObj spid="_x0000_s2111" name="Equation" r:id="rId5" imgW="1409400" imgH="330120" progId="Equation.DSMT4">
                   <p:embed/>
                 </p:oleObj>
               </mc:Choice>
@@ -8559,7 +8422,7 @@
           <p:cNvPr id="2" name="Title 1">
             <a:extLst>
               <a:ext uri="{FF2B5EF4-FFF2-40B4-BE49-F238E27FC236}">
-                <a16:creationId xmlns="" xmlns:a16="http://schemas.microsoft.com/office/drawing/2014/main" id="{85912599-B709-4D2B-BFDD-22D698B61C4A}"/>
+                <a16:creationId xmlns:a16="http://schemas.microsoft.com/office/drawing/2014/main" xmlns="" id="{85912599-B709-4D2B-BFDD-22D698B61C4A}"/>
               </a:ext>
             </a:extLst>
           </p:cNvPr>
@@ -8576,10 +8439,14 @@
           <a:lstStyle/>
           <a:p>
             <a:r>
-              <a:rPr lang="en-US" dirty="0" smtClean="0"/>
-              <a:t>Randomness in R</a:t>
-            </a:r>
-            <a:endParaRPr lang="en-US" dirty="0"/>
+              <a:rPr lang="es-419" dirty="0" smtClean="0"/>
+              <a:t>Aleatoriedad en </a:t>
+            </a:r>
+            <a:r>
+              <a:rPr lang="es-419" dirty="0" smtClean="0"/>
+              <a:t>R</a:t>
+            </a:r>
+            <a:endParaRPr lang="es-419" dirty="0"/>
           </a:p>
         </p:txBody>
       </p:sp>
@@ -8588,7 +8455,7 @@
           <p:cNvPr id="3" name="Content Placeholder 2">
             <a:extLst>
               <a:ext uri="{FF2B5EF4-FFF2-40B4-BE49-F238E27FC236}">
-                <a16:creationId xmlns="" xmlns:a16="http://schemas.microsoft.com/office/drawing/2014/main" id="{FECCC0C2-4089-4F18-94F7-ED739588728C}"/>
+                <a16:creationId xmlns:a16="http://schemas.microsoft.com/office/drawing/2014/main" xmlns="" id="{FECCC0C2-4089-4F18-94F7-ED739588728C}"/>
               </a:ext>
             </a:extLst>
           </p:cNvPr>
@@ -8607,173 +8474,183 @@
         </p:spPr>
         <p:txBody>
           <a:bodyPr>
-            <a:normAutofit/>
+            <a:normAutofit lnSpcReduction="10000"/>
           </a:bodyPr>
           <a:lstStyle/>
           <a:p>
             <a:r>
-              <a:rPr lang="en-US" dirty="0" smtClean="0"/>
-              <a:t>Generate </a:t>
-            </a:r>
-            <a:r>
-              <a:rPr lang="en-US" i="1" dirty="0" smtClean="0"/>
+              <a:rPr lang="es-419" dirty="0" smtClean="0"/>
+              <a:t>Generar </a:t>
+            </a:r>
+            <a:r>
+              <a:rPr lang="es-419" i="1" dirty="0" smtClean="0"/>
               <a:t>n</a:t>
             </a:r>
             <a:r>
-              <a:rPr lang="en-US" dirty="0" smtClean="0"/>
-              <a:t> </a:t>
-            </a:r>
-            <a:r>
-              <a:rPr lang="en-US" dirty="0" smtClean="0"/>
-              <a:t>random </a:t>
-            </a:r>
-            <a:r>
-              <a:rPr lang="en-US" dirty="0" smtClean="0"/>
-              <a:t>samples:</a:t>
+              <a:rPr lang="es-419" dirty="0" smtClean="0"/>
+              <a:t> muestras independientes:</a:t>
             </a:r>
             <a:br>
-              <a:rPr lang="en-US" dirty="0" smtClean="0"/>
+              <a:rPr lang="es-419" dirty="0" smtClean="0"/>
             </a:br>
             <a:r>
-              <a:rPr lang="en-US" dirty="0" err="1" smtClean="0"/>
+              <a:rPr lang="es-419" dirty="0" err="1" smtClean="0"/>
               <a:t>rnorm</a:t>
             </a:r>
             <a:r>
-              <a:rPr lang="en-US" dirty="0" smtClean="0"/>
+              <a:rPr lang="es-419" dirty="0" smtClean="0"/>
               <a:t>(n, mean, </a:t>
             </a:r>
             <a:r>
-              <a:rPr lang="en-US" dirty="0" err="1" smtClean="0"/>
+              <a:rPr lang="es-419" dirty="0" err="1" smtClean="0"/>
               <a:t>sd</a:t>
             </a:r>
             <a:r>
-              <a:rPr lang="en-US" dirty="0" smtClean="0"/>
+              <a:rPr lang="es-419" dirty="0" smtClean="0"/>
               <a:t>)</a:t>
             </a:r>
           </a:p>
           <a:p>
             <a:r>
-              <a:rPr lang="en-US" dirty="0" smtClean="0"/>
-              <a:t>Probability density function (height):</a:t>
-            </a:r>
-            <a:r>
-              <a:rPr lang="en-US" dirty="0"/>
-              <a:t/>
+              <a:rPr lang="es-419" dirty="0" smtClean="0"/>
+              <a:t>La densidad (altura de la curva):</a:t>
             </a:r>
             <a:br>
-              <a:rPr lang="en-US" dirty="0"/>
+              <a:rPr lang="es-419" dirty="0" smtClean="0"/>
             </a:br>
             <a:r>
-              <a:rPr lang="en-US" dirty="0" err="1" smtClean="0"/>
+              <a:rPr lang="es-419" dirty="0" err="1" smtClean="0"/>
               <a:t>dnorm</a:t>
             </a:r>
             <a:r>
-              <a:rPr lang="en-US" dirty="0" smtClean="0"/>
+              <a:rPr lang="es-419" dirty="0" smtClean="0"/>
               <a:t>(x, mean, </a:t>
             </a:r>
             <a:r>
-              <a:rPr lang="en-US" dirty="0" err="1" smtClean="0"/>
+              <a:rPr lang="es-419" dirty="0" err="1" smtClean="0"/>
               <a:t>sd</a:t>
             </a:r>
             <a:r>
-              <a:rPr lang="en-US" dirty="0" smtClean="0"/>
+              <a:rPr lang="es-419" dirty="0" smtClean="0"/>
               <a:t>)</a:t>
             </a:r>
-            <a:endParaRPr lang="en-US" dirty="0"/>
-          </a:p>
-          <a:p>
-            <a:r>
-              <a:rPr lang="en-US" dirty="0" smtClean="0"/>
-              <a:t>Probability that X&lt;q (integration):</a:t>
-            </a:r>
-            <a:r>
-              <a:rPr lang="en-US" dirty="0"/>
-              <a:t/>
+          </a:p>
+          <a:p>
+            <a:r>
+              <a:rPr lang="es-419" dirty="0" smtClean="0"/>
+              <a:t>Probabilidad que X&lt;</a:t>
+            </a:r>
+            <a:r>
+              <a:rPr lang="es-419" i="1" dirty="0" smtClean="0"/>
+              <a:t>q</a:t>
+            </a:r>
+            <a:r>
+              <a:rPr lang="es-419" dirty="0" smtClean="0"/>
+              <a:t> (integración):</a:t>
             </a:r>
             <a:br>
-              <a:rPr lang="en-US" dirty="0"/>
+              <a:rPr lang="es-419" dirty="0" smtClean="0"/>
             </a:br>
             <a:r>
-              <a:rPr lang="en-US" dirty="0" err="1"/>
+              <a:rPr lang="es-419" dirty="0" err="1" smtClean="0"/>
               <a:t>pnorm</a:t>
             </a:r>
             <a:r>
-              <a:rPr lang="en-US" dirty="0"/>
-              <a:t>(q, </a:t>
-            </a:r>
-            <a:r>
-              <a:rPr lang="en-US" dirty="0" smtClean="0"/>
-              <a:t>mean, </a:t>
-            </a:r>
-            <a:r>
-              <a:rPr lang="en-US" dirty="0" err="1" smtClean="0"/>
+              <a:rPr lang="es-419" dirty="0" smtClean="0"/>
+              <a:t>(q, mean, </a:t>
+            </a:r>
+            <a:r>
+              <a:rPr lang="es-419" dirty="0" err="1" smtClean="0"/>
               <a:t>sd</a:t>
             </a:r>
             <a:r>
-              <a:rPr lang="en-US" dirty="0" smtClean="0"/>
+              <a:rPr lang="es-419" dirty="0" smtClean="0"/>
               <a:t>)</a:t>
             </a:r>
-            <a:endParaRPr lang="en-US" dirty="0"/>
-          </a:p>
-          <a:p>
-            <a:r>
-              <a:rPr lang="en-US" dirty="0" smtClean="0"/>
-              <a:t>What value of X gives quantile of p?</a:t>
-            </a:r>
-            <a:r>
-              <a:rPr lang="en-US" dirty="0"/>
-              <a:t/>
+          </a:p>
+          <a:p>
+            <a:r>
+              <a:rPr lang="es-419" dirty="0" smtClean="0"/>
+              <a:t>Cual valor de </a:t>
+            </a:r>
+            <a:r>
+              <a:rPr lang="es-419" i="1" dirty="0" smtClean="0"/>
+              <a:t>x</a:t>
+            </a:r>
+            <a:r>
+              <a:rPr lang="es-419" dirty="0" smtClean="0"/>
+              <a:t> da el </a:t>
+            </a:r>
+            <a:r>
+              <a:rPr lang="es-419" dirty="0" smtClean="0"/>
+              <a:t>cuartil </a:t>
+            </a:r>
+            <a:r>
+              <a:rPr lang="es-419" i="1" dirty="0" smtClean="0"/>
+              <a:t>p</a:t>
+            </a:r>
+            <a:r>
+              <a:rPr lang="es-419" dirty="0" smtClean="0"/>
+              <a:t>?</a:t>
             </a:r>
             <a:br>
-              <a:rPr lang="en-US" dirty="0"/>
+              <a:rPr lang="es-419" dirty="0" smtClean="0"/>
             </a:br>
             <a:r>
-              <a:rPr lang="en-US" dirty="0" err="1" smtClean="0"/>
+              <a:rPr lang="es-419" dirty="0" err="1" smtClean="0"/>
               <a:t>qnorm</a:t>
             </a:r>
             <a:r>
-              <a:rPr lang="en-US" dirty="0" smtClean="0"/>
+              <a:rPr lang="es-419" dirty="0" smtClean="0"/>
               <a:t>(p, mean, </a:t>
             </a:r>
             <a:r>
-              <a:rPr lang="en-US" dirty="0" err="1" smtClean="0"/>
+              <a:rPr lang="es-419" dirty="0" err="1" smtClean="0"/>
               <a:t>sd</a:t>
             </a:r>
             <a:r>
-              <a:rPr lang="en-US" dirty="0" smtClean="0"/>
+              <a:rPr lang="es-419" dirty="0" smtClean="0"/>
               <a:t>)</a:t>
             </a:r>
           </a:p>
           <a:p>
             <a:r>
-              <a:rPr lang="en-US" dirty="0" smtClean="0"/>
-              <a:t>Same for other RVs: </a:t>
-            </a:r>
-            <a:r>
-              <a:rPr lang="en-US" dirty="0" err="1" smtClean="0"/>
+              <a:rPr lang="es-419" dirty="0" smtClean="0"/>
+              <a:t>Lo mismo para otros </a:t>
+            </a:r>
+            <a:r>
+              <a:rPr lang="es-419" dirty="0" err="1" smtClean="0"/>
+              <a:t>v.a.</a:t>
+            </a:r>
+            <a:r>
+              <a:rPr lang="es-419" dirty="0" smtClean="0"/>
+              <a:t>: </a:t>
+            </a:r>
+            <a:r>
+              <a:rPr lang="es-419" dirty="0" err="1" smtClean="0"/>
               <a:t>rpois</a:t>
             </a:r>
             <a:r>
-              <a:rPr lang="en-US" dirty="0" smtClean="0"/>
+              <a:rPr lang="es-419" dirty="0" smtClean="0"/>
               <a:t>, </a:t>
             </a:r>
             <a:r>
-              <a:rPr lang="en-US" dirty="0" err="1" smtClean="0"/>
+              <a:rPr lang="es-419" dirty="0" err="1" smtClean="0"/>
               <a:t>rbeta</a:t>
             </a:r>
             <a:r>
-              <a:rPr lang="en-US" dirty="0" smtClean="0"/>
+              <a:rPr lang="es-419" dirty="0" smtClean="0"/>
               <a:t>, </a:t>
             </a:r>
             <a:r>
-              <a:rPr lang="en-US" dirty="0" err="1" smtClean="0"/>
+              <a:rPr lang="es-419" dirty="0" err="1" smtClean="0"/>
               <a:t>rbinom</a:t>
             </a:r>
             <a:r>
-              <a:rPr lang="en-US" dirty="0" smtClean="0"/>
+              <a:rPr lang="es-419" dirty="0" smtClean="0"/>
               <a:t>, etc.</a:t>
             </a:r>
-            <a:endParaRPr lang="en-US" dirty="0" smtClean="0"/>
+            <a:endParaRPr lang="es-419" dirty="0" smtClean="0"/>
           </a:p>
         </p:txBody>
       </p:sp>
@@ -8782,7 +8659,7 @@
           <p:cNvPr id="4" name="Slide Number Placeholder 3">
             <a:extLst>
               <a:ext uri="{FF2B5EF4-FFF2-40B4-BE49-F238E27FC236}">
-                <a16:creationId xmlns="" xmlns:a16="http://schemas.microsoft.com/office/drawing/2014/main" id="{6DCC37D5-C19C-405F-B23C-8EB90CB6ABED}"/>
+                <a16:creationId xmlns:a16="http://schemas.microsoft.com/office/drawing/2014/main" xmlns="" id="{6DCC37D5-C19C-405F-B23C-8EB90CB6ABED}"/>
               </a:ext>
             </a:extLst>
           </p:cNvPr>

--- a/dia1/lecture1_probability.pptx
+++ b/dia1/lecture1_probability.pptx
@@ -222,7 +222,7 @@
           <a:p>
             <a:fld id="{9EC8F33C-A7AA-43A7-BCA9-F081EA0B4664}" type="datetimeFigureOut">
               <a:rPr lang="en-US" smtClean="0"/>
-              <a:t>1/13/2019</a:t>
+              <a:t>1/14/2019</a:t>
             </a:fld>
             <a:endParaRPr lang="en-US"/>
           </a:p>
@@ -571,7 +571,7 @@
           </a:ln>
           <a:extLst>
             <a:ext uri="{909E8E84-426E-40dd-AFC4-6F175D3DCCD1}">
-              <a14:hiddenFill xmlns:a14="http://schemas.microsoft.com/office/drawing/2010/main" xmlns="">
+              <a14:hiddenFill xmlns="" xmlns:a14="http://schemas.microsoft.com/office/drawing/2010/main">
                 <a:solidFill>
                   <a:srgbClr val="FFFFFF"/>
                 </a:solidFill>
@@ -614,7 +614,7 @@
           </a:ln>
           <a:extLst>
             <a:ext uri="{909E8E84-426E-40dd-AFC4-6F175D3DCCD1}">
-              <a14:hiddenFill xmlns:a14="http://schemas.microsoft.com/office/drawing/2010/main" xmlns="">
+              <a14:hiddenFill xmlns="" xmlns:a14="http://schemas.microsoft.com/office/drawing/2010/main">
                 <a:noFill/>
               </a14:hiddenFill>
             </a:ext>
@@ -713,7 +713,7 @@
           <a:p>
             <a:fld id="{9A356AEA-056F-417E-9B38-4BA8743FE6C4}" type="datetime1">
               <a:rPr lang="en-US" smtClean="0"/>
-              <a:t>1/13/2019</a:t>
+              <a:t>1/14/2019</a:t>
             </a:fld>
             <a:endParaRPr lang="en-US"/>
           </a:p>
@@ -900,7 +900,7 @@
           <a:p>
             <a:fld id="{09867F7C-1948-4907-9EBC-DD38682B5188}" type="datetime1">
               <a:rPr lang="en-US" smtClean="0"/>
-              <a:t>1/13/2019</a:t>
+              <a:t>1/14/2019</a:t>
             </a:fld>
             <a:endParaRPr lang="en-US"/>
           </a:p>
@@ -1096,7 +1096,7 @@
           <a:p>
             <a:fld id="{A5996870-3492-4879-A20C-50CF7F25E309}" type="datetime1">
               <a:rPr lang="en-US" smtClean="0"/>
-              <a:t>1/13/2019</a:t>
+              <a:t>1/14/2019</a:t>
             </a:fld>
             <a:endParaRPr lang="en-US"/>
           </a:p>
@@ -1348,7 +1348,7 @@
           <a:p>
             <a:fld id="{3339509F-2835-4D20-8448-C5CCD453FC4A}" type="datetime1">
               <a:rPr lang="en-US" smtClean="0"/>
-              <a:t>1/13/2019</a:t>
+              <a:t>1/14/2019</a:t>
             </a:fld>
             <a:endParaRPr lang="en-US"/>
           </a:p>
@@ -1572,7 +1572,7 @@
           <a:p>
             <a:fld id="{7A6EDDDE-DBE4-4114-B865-EC3A2920782E}" type="datetime1">
               <a:rPr lang="en-US" smtClean="0"/>
-              <a:t>1/13/2019</a:t>
+              <a:t>1/14/2019</a:t>
             </a:fld>
             <a:endParaRPr lang="en-US"/>
           </a:p>
@@ -1880,7 +1880,7 @@
           <a:p>
             <a:fld id="{8DA96907-43AE-4B1E-B5FF-6853ADDA5697}" type="datetime1">
               <a:rPr lang="en-US" smtClean="0"/>
-              <a:t>1/13/2019</a:t>
+              <a:t>1/14/2019</a:t>
             </a:fld>
             <a:endParaRPr lang="en-US"/>
           </a:p>
@@ -2048,7 +2048,7 @@
           <a:p>
             <a:fld id="{2E65DF97-DE0F-4515-8F8D-0E1C627BC4E9}" type="datetime1">
               <a:rPr lang="en-US" smtClean="0"/>
-              <a:t>1/13/2019</a:t>
+              <a:t>1/14/2019</a:t>
             </a:fld>
             <a:endParaRPr lang="en-US"/>
           </a:p>
@@ -2360,7 +2360,7 @@
           <a:p>
             <a:fld id="{23B9FD00-80D5-4EA7-B536-8F4F2C3959C9}" type="datetime1">
               <a:rPr lang="en-US" smtClean="0"/>
-              <a:t>1/13/2019</a:t>
+              <a:t>1/14/2019</a:t>
             </a:fld>
             <a:endParaRPr lang="en-US"/>
           </a:p>
@@ -2672,7 +2672,7 @@
           <a:p>
             <a:fld id="{DAC77084-4DB4-4A23-9870-BF49183ACB4C}" type="datetime1">
               <a:rPr lang="en-US" smtClean="0"/>
-              <a:t>1/13/2019</a:t>
+              <a:t>1/14/2019</a:t>
             </a:fld>
             <a:endParaRPr lang="en-US"/>
           </a:p>
@@ -2858,7 +2858,7 @@
           <a:p>
             <a:fld id="{6E487ECE-0D8C-4AFB-BD35-997F06E0971C}" type="datetime1">
               <a:rPr lang="en-US" smtClean="0"/>
-              <a:t>1/13/2019</a:t>
+              <a:t>1/14/2019</a:t>
             </a:fld>
             <a:endParaRPr lang="en-US"/>
           </a:p>
@@ -3067,7 +3067,7 @@
           <a:p>
             <a:fld id="{D4F6DC8D-78A1-49CC-B033-F77D87B04958}" type="datetime1">
               <a:rPr lang="en-US" smtClean="0"/>
-              <a:t>1/13/2019</a:t>
+              <a:t>1/14/2019</a:t>
             </a:fld>
             <a:endParaRPr lang="en-US"/>
           </a:p>
@@ -3370,7 +3370,7 @@
           <a:p>
             <a:fld id="{3BCF4A7C-A413-48DA-9211-5240CAEE1DD4}" type="datetime1">
               <a:rPr lang="en-US" smtClean="0"/>
-              <a:t>1/13/2019</a:t>
+              <a:t>1/14/2019</a:t>
             </a:fld>
             <a:endParaRPr lang="en-US"/>
           </a:p>
@@ -3812,7 +3812,7 @@
           <a:p>
             <a:fld id="{AAE887C4-8D00-4515-BD6B-6D6B646F02F7}" type="datetime1">
               <a:rPr lang="en-US" smtClean="0"/>
-              <a:t>1/13/2019</a:t>
+              <a:t>1/14/2019</a:t>
             </a:fld>
             <a:endParaRPr lang="en-US"/>
           </a:p>
@@ -3947,7 +3947,7 @@
           <a:p>
             <a:fld id="{10C13C5A-776A-4D2B-A91E-2ACB7D90E7CC}" type="datetime1">
               <a:rPr lang="en-US" smtClean="0"/>
-              <a:t>1/13/2019</a:t>
+              <a:t>1/14/2019</a:t>
             </a:fld>
             <a:endParaRPr lang="en-US"/>
           </a:p>
@@ -4060,7 +4060,7 @@
           <a:p>
             <a:fld id="{00A5D59F-6FC3-492C-BAE3-F50C9D1FBA31}" type="datetime1">
               <a:rPr lang="en-US" smtClean="0"/>
-              <a:t>1/13/2019</a:t>
+              <a:t>1/14/2019</a:t>
             </a:fld>
             <a:endParaRPr lang="en-US"/>
           </a:p>
@@ -4353,7 +4353,7 @@
           <a:p>
             <a:fld id="{CD78B45F-E474-4F2F-801A-58FC9FE22655}" type="datetime1">
               <a:rPr lang="en-US" smtClean="0"/>
-              <a:t>1/13/2019</a:t>
+              <a:t>1/14/2019</a:t>
             </a:fld>
             <a:endParaRPr lang="en-US"/>
           </a:p>
@@ -4627,7 +4627,7 @@
           <a:p>
             <a:fld id="{FDF35450-A835-4587-8F84-782057674F92}" type="datetime1">
               <a:rPr lang="en-US" smtClean="0"/>
-              <a:t>1/13/2019</a:t>
+              <a:t>1/14/2019</a:t>
             </a:fld>
             <a:endParaRPr lang="en-US"/>
           </a:p>
@@ -4749,17 +4749,17 @@
           </a:ln>
           <a:extLst>
             <a:ext uri="{FAA26D3D-D897-4be2-8F04-BA451C77F1D7}">
-              <ma14:placeholderFlag xmlns:ma14="http://schemas.microsoft.com/office/mac/drawingml/2011/main" xmlns="" val="1"/>
+              <ma14:placeholderFlag xmlns="" xmlns:ma14="http://schemas.microsoft.com/office/mac/drawingml/2011/main" val="1"/>
             </a:ext>
             <a:ext uri="{909E8E84-426E-40dd-AFC4-6F175D3DCCD1}">
-              <a14:hiddenFill xmlns:a14="http://schemas.microsoft.com/office/drawing/2010/main" xmlns="">
+              <a14:hiddenFill xmlns="" xmlns:a14="http://schemas.microsoft.com/office/drawing/2010/main">
                 <a:solidFill>
                   <a:srgbClr val="FFFFFF"/>
                 </a:solidFill>
               </a14:hiddenFill>
             </a:ext>
             <a:ext uri="{91240B29-F687-4f45-9708-019B960494DF}">
-              <a14:hiddenLine xmlns:a14="http://schemas.microsoft.com/office/drawing/2010/main" xmlns="" w="9525">
+              <a14:hiddenLine xmlns="" xmlns:a14="http://schemas.microsoft.com/office/drawing/2010/main" w="9525">
                 <a:solidFill>
                   <a:srgbClr val="000000"/>
                 </a:solidFill>
@@ -4811,17 +4811,17 @@
           </a:ln>
           <a:extLst>
             <a:ext uri="{FAA26D3D-D897-4be2-8F04-BA451C77F1D7}">
-              <ma14:placeholderFlag xmlns:ma14="http://schemas.microsoft.com/office/mac/drawingml/2011/main" xmlns="" val="1"/>
+              <ma14:placeholderFlag xmlns="" xmlns:ma14="http://schemas.microsoft.com/office/mac/drawingml/2011/main" val="1"/>
             </a:ext>
             <a:ext uri="{909E8E84-426E-40dd-AFC4-6F175D3DCCD1}">
-              <a14:hiddenFill xmlns:a14="http://schemas.microsoft.com/office/drawing/2010/main" xmlns="">
+              <a14:hiddenFill xmlns="" xmlns:a14="http://schemas.microsoft.com/office/drawing/2010/main">
                 <a:solidFill>
                   <a:srgbClr val="FFFFFF"/>
                 </a:solidFill>
               </a14:hiddenFill>
             </a:ext>
             <a:ext uri="{91240B29-F687-4f45-9708-019B960494DF}">
-              <a14:hiddenLine xmlns:a14="http://schemas.microsoft.com/office/drawing/2010/main" xmlns="" w="9525">
+              <a14:hiddenLine xmlns="" xmlns:a14="http://schemas.microsoft.com/office/drawing/2010/main" w="9525">
                 <a:solidFill>
                   <a:srgbClr val="000000"/>
                 </a:solidFill>
@@ -4921,7 +4921,7 @@
           <a:p>
             <a:fld id="{F6803E09-2A09-4EEA-8E99-292225B5EDFC}" type="datetime1">
               <a:rPr lang="en-US" smtClean="0"/>
-              <a:t>1/13/2019</a:t>
+              <a:t>1/14/2019</a:t>
             </a:fld>
             <a:endParaRPr lang="en-US"/>
           </a:p>
@@ -5089,7 +5089,7 @@
           </a:ln>
           <a:extLst>
             <a:ext uri="{909E8E84-426E-40dd-AFC4-6F175D3DCCD1}">
-              <a14:hiddenFill xmlns:a14="http://schemas.microsoft.com/office/drawing/2010/main" xmlns="">
+              <a14:hiddenFill xmlns="" xmlns:a14="http://schemas.microsoft.com/office/drawing/2010/main">
                 <a:solidFill>
                   <a:srgbClr val="FFFFFF"/>
                 </a:solidFill>
@@ -5132,7 +5132,7 @@
           </a:ln>
           <a:extLst>
             <a:ext uri="{909E8E84-426E-40dd-AFC4-6F175D3DCCD1}">
-              <a14:hiddenFill xmlns:a14="http://schemas.microsoft.com/office/drawing/2010/main" xmlns="">
+              <a14:hiddenFill xmlns="" xmlns:a14="http://schemas.microsoft.com/office/drawing/2010/main">
                 <a:noFill/>
               </a14:hiddenFill>
             </a:ext>
@@ -5617,7 +5617,7 @@
           <p:cNvPr id="2" name="Title 1">
             <a:extLst>
               <a:ext uri="{FF2B5EF4-FFF2-40B4-BE49-F238E27FC236}">
-                <a16:creationId xmlns:a16="http://schemas.microsoft.com/office/drawing/2014/main" xmlns="" id="{4819A39B-28BB-4873-9914-8FEE18891DD4}"/>
+                <a16:creationId xmlns="" xmlns:a16="http://schemas.microsoft.com/office/drawing/2014/main" id="{4819A39B-28BB-4873-9914-8FEE18891DD4}"/>
               </a:ext>
             </a:extLst>
           </p:cNvPr>
@@ -5648,7 +5648,7 @@
           <p:cNvPr id="5" name="Subtitle 2">
             <a:extLst>
               <a:ext uri="{FF2B5EF4-FFF2-40B4-BE49-F238E27FC236}">
-                <a16:creationId xmlns:a16="http://schemas.microsoft.com/office/drawing/2014/main" xmlns="" id="{2BECD79D-0B3A-44C2-A155-03EC2A6A5D3B}"/>
+                <a16:creationId xmlns="" xmlns:a16="http://schemas.microsoft.com/office/drawing/2014/main" id="{2BECD79D-0B3A-44C2-A155-03EC2A6A5D3B}"/>
               </a:ext>
             </a:extLst>
           </p:cNvPr>
@@ -5671,17 +5671,17 @@
           </a:ln>
           <a:extLst>
             <a:ext uri="{FAA26D3D-D897-4be2-8F04-BA451C77F1D7}">
-              <ma14:placeholderFlag xmlns="" xmlns:ma14="http://schemas.microsoft.com/office/mac/drawingml/2011/main" val="1"/>
+              <ma14:placeholderFlag xmlns:ma14="http://schemas.microsoft.com/office/mac/drawingml/2011/main" xmlns="" val="1"/>
             </a:ext>
             <a:ext uri="{909E8E84-426E-40dd-AFC4-6F175D3DCCD1}">
-              <a14:hiddenFill xmlns="" xmlns:a14="http://schemas.microsoft.com/office/drawing/2010/main">
+              <a14:hiddenFill xmlns:a14="http://schemas.microsoft.com/office/drawing/2010/main" xmlns="">
                 <a:solidFill>
                   <a:srgbClr val="FFFFFF"/>
                 </a:solidFill>
               </a14:hiddenFill>
             </a:ext>
             <a:ext uri="{91240B29-F687-4f45-9708-019B960494DF}">
-              <a14:hiddenLine xmlns="" xmlns:a14="http://schemas.microsoft.com/office/drawing/2010/main" w="9525">
+              <a14:hiddenLine xmlns:a14="http://schemas.microsoft.com/office/drawing/2010/main" xmlns="" w="9525">
                 <a:solidFill>
                   <a:srgbClr val="000000"/>
                 </a:solidFill>
@@ -5947,6 +5947,13 @@
   <p:clrMapOvr>
     <a:masterClrMapping/>
   </p:clrMapOvr>
+  <p:timing>
+    <p:tnLst>
+      <p:par>
+        <p:cTn id="1" dur="indefinite" restart="never" nodeType="tmRoot"/>
+      </p:par>
+    </p:tnLst>
+  </p:timing>
 </p:sld>
 </file>
 
@@ -5972,7 +5979,7 @@
           <p:cNvPr id="2" name="Title 1">
             <a:extLst>
               <a:ext uri="{FF2B5EF4-FFF2-40B4-BE49-F238E27FC236}">
-                <a16:creationId xmlns:a16="http://schemas.microsoft.com/office/drawing/2014/main" xmlns="" id="{3F85E31D-5021-4B9C-A2F6-6670EA453677}"/>
+                <a16:creationId xmlns="" xmlns:a16="http://schemas.microsoft.com/office/drawing/2014/main" id="{3F85E31D-5021-4B9C-A2F6-6670EA453677}"/>
               </a:ext>
             </a:extLst>
           </p:cNvPr>
@@ -6006,7 +6013,7 @@
           <p:cNvPr id="3" name="Content Placeholder 2">
             <a:extLst>
               <a:ext uri="{FF2B5EF4-FFF2-40B4-BE49-F238E27FC236}">
-                <a16:creationId xmlns:a16="http://schemas.microsoft.com/office/drawing/2014/main" xmlns="" id="{28B492CE-B56B-411E-ACCC-F83AC37AA46D}"/>
+                <a16:creationId xmlns="" xmlns:a16="http://schemas.microsoft.com/office/drawing/2014/main" id="{28B492CE-B56B-411E-ACCC-F83AC37AA46D}"/>
               </a:ext>
             </a:extLst>
           </p:cNvPr>
@@ -6045,11 +6052,7 @@
             </a:r>
             <a:r>
               <a:rPr lang="es-419" dirty="0" smtClean="0"/>
-              <a:t> para producir una figur</a:t>
-            </a:r>
-            <a:r>
-              <a:rPr lang="es-419" dirty="0" smtClean="0"/>
-              <a:t>a </a:t>
+              <a:t> para producir una figura </a:t>
             </a:r>
             <a:r>
               <a:rPr lang="es-419" dirty="0" err="1" smtClean="0"/>
@@ -6057,11 +6060,7 @@
             </a:r>
             <a:r>
               <a:rPr lang="es-419" dirty="0" smtClean="0"/>
-              <a:t> por</a:t>
-            </a:r>
-            <a:r>
-              <a:rPr lang="es-419" dirty="0" smtClean="0"/>
-              <a:t> </a:t>
+              <a:t> por </a:t>
             </a:r>
             <a:r>
               <a:rPr lang="es-419" i="1" dirty="0" smtClean="0"/>
@@ -6090,7 +6089,15 @@
           <a:p>
             <a:r>
               <a:rPr lang="es-419" dirty="0" smtClean="0"/>
-              <a:t>Usa mar() para crear una 3x1 </a:t>
+              <a:t>Usa </a:t>
+            </a:r>
+            <a:r>
+              <a:rPr lang="es-419" dirty="0" smtClean="0"/>
+              <a:t>par</a:t>
+            </a:r>
+            <a:r>
+              <a:rPr lang="es-419" dirty="0" smtClean="0"/>
+              <a:t>() para crear una 3x1 </a:t>
             </a:r>
             <a:r>
               <a:rPr lang="es-419" i="1" dirty="0" err="1" smtClean="0"/>
@@ -6127,7 +6134,7 @@
           <p:cNvPr id="4" name="Slide Number Placeholder 3">
             <a:extLst>
               <a:ext uri="{FF2B5EF4-FFF2-40B4-BE49-F238E27FC236}">
-                <a16:creationId xmlns:a16="http://schemas.microsoft.com/office/drawing/2014/main" xmlns="" id="{BD9D5B62-D3A3-4A35-8CF4-6C1E2C7FCA0C}"/>
+                <a16:creationId xmlns="" xmlns:a16="http://schemas.microsoft.com/office/drawing/2014/main" id="{BD9D5B62-D3A3-4A35-8CF4-6C1E2C7FCA0C}"/>
               </a:ext>
             </a:extLst>
           </p:cNvPr>
@@ -6235,6 +6242,13 @@
   <p:clrMapOvr>
     <a:masterClrMapping/>
   </p:clrMapOvr>
+  <p:timing>
+    <p:tnLst>
+      <p:par>
+        <p:cTn id="1" dur="indefinite" restart="never" nodeType="tmRoot"/>
+      </p:par>
+    </p:tnLst>
+  </p:timing>
 </p:sld>
 </file>
 
@@ -6260,7 +6274,7 @@
           <p:cNvPr id="2" name="Title 1">
             <a:extLst>
               <a:ext uri="{FF2B5EF4-FFF2-40B4-BE49-F238E27FC236}">
-                <a16:creationId xmlns:a16="http://schemas.microsoft.com/office/drawing/2014/main" xmlns="" id="{FCBFC5CE-BEBE-4178-A0B5-F030F3C46F4F}"/>
+                <a16:creationId xmlns="" xmlns:a16="http://schemas.microsoft.com/office/drawing/2014/main" id="{FCBFC5CE-BEBE-4178-A0B5-F030F3C46F4F}"/>
               </a:ext>
             </a:extLst>
           </p:cNvPr>
@@ -6289,7 +6303,7 @@
           <p:cNvPr id="3" name="Content Placeholder 2">
             <a:extLst>
               <a:ext uri="{FF2B5EF4-FFF2-40B4-BE49-F238E27FC236}">
-                <a16:creationId xmlns:a16="http://schemas.microsoft.com/office/drawing/2014/main" xmlns="" id="{0A016C73-5DDF-46EE-ACD4-1B95CD8285D4}"/>
+                <a16:creationId xmlns="" xmlns:a16="http://schemas.microsoft.com/office/drawing/2014/main" id="{0A016C73-5DDF-46EE-ACD4-1B95CD8285D4}"/>
               </a:ext>
             </a:extLst>
           </p:cNvPr>
@@ -6324,7 +6338,7 @@
           <p:cNvPr id="4" name="Slide Number Placeholder 3">
             <a:extLst>
               <a:ext uri="{FF2B5EF4-FFF2-40B4-BE49-F238E27FC236}">
-                <a16:creationId xmlns:a16="http://schemas.microsoft.com/office/drawing/2014/main" xmlns="" id="{9EC15119-7A83-4B50-8E95-42B54138CF67}"/>
+                <a16:creationId xmlns="" xmlns:a16="http://schemas.microsoft.com/office/drawing/2014/main" id="{9EC15119-7A83-4B50-8E95-42B54138CF67}"/>
               </a:ext>
             </a:extLst>
           </p:cNvPr>
@@ -6358,6 +6372,13 @@
   <p:clrMapOvr>
     <a:masterClrMapping/>
   </p:clrMapOvr>
+  <p:timing>
+    <p:tnLst>
+      <p:par>
+        <p:cTn id="1" dur="indefinite" restart="never" nodeType="tmRoot"/>
+      </p:par>
+    </p:tnLst>
+  </p:timing>
 </p:sld>
 </file>
 
@@ -6383,7 +6404,7 @@
           <p:cNvPr id="2" name="Title 1">
             <a:extLst>
               <a:ext uri="{FF2B5EF4-FFF2-40B4-BE49-F238E27FC236}">
-                <a16:creationId xmlns="" xmlns:a16="http://schemas.microsoft.com/office/drawing/2014/main" id="{E58841CB-F12A-49AE-A0F6-FC905252F346}"/>
+                <a16:creationId xmlns:a16="http://schemas.microsoft.com/office/drawing/2014/main" xmlns="" id="{E58841CB-F12A-49AE-A0F6-FC905252F346}"/>
               </a:ext>
             </a:extLst>
           </p:cNvPr>
@@ -6412,7 +6433,7 @@
           <p:cNvPr id="3" name="Content Placeholder 2">
             <a:extLst>
               <a:ext uri="{FF2B5EF4-FFF2-40B4-BE49-F238E27FC236}">
-                <a16:creationId xmlns="" xmlns:a16="http://schemas.microsoft.com/office/drawing/2014/main" id="{2BAA9235-4720-4EA9-AAB8-5711BE621A8E}"/>
+                <a16:creationId xmlns:a16="http://schemas.microsoft.com/office/drawing/2014/main" xmlns="" id="{2BAA9235-4720-4EA9-AAB8-5711BE621A8E}"/>
               </a:ext>
             </a:extLst>
           </p:cNvPr>
@@ -6531,7 +6552,7 @@
           <p:cNvPr id="4" name="Slide Number Placeholder 3">
             <a:extLst>
               <a:ext uri="{FF2B5EF4-FFF2-40B4-BE49-F238E27FC236}">
-                <a16:creationId xmlns="" xmlns:a16="http://schemas.microsoft.com/office/drawing/2014/main" id="{28183925-41CE-45AE-9C75-56FB10A283D7}"/>
+                <a16:creationId xmlns:a16="http://schemas.microsoft.com/office/drawing/2014/main" xmlns="" id="{28183925-41CE-45AE-9C75-56FB10A283D7}"/>
               </a:ext>
             </a:extLst>
           </p:cNvPr>
@@ -6565,6 +6586,13 @@
   <p:clrMapOvr>
     <a:masterClrMapping/>
   </p:clrMapOvr>
+  <p:timing>
+    <p:tnLst>
+      <p:par>
+        <p:cTn id="1" dur="indefinite" restart="never" nodeType="tmRoot"/>
+      </p:par>
+    </p:tnLst>
+  </p:timing>
 </p:sld>
 </file>
 
@@ -6590,7 +6618,7 @@
           <p:cNvPr id="2" name="Title 1">
             <a:extLst>
               <a:ext uri="{FF2B5EF4-FFF2-40B4-BE49-F238E27FC236}">
-                <a16:creationId xmlns="" xmlns:a16="http://schemas.microsoft.com/office/drawing/2014/main" id="{E58841CB-F12A-49AE-A0F6-FC905252F346}"/>
+                <a16:creationId xmlns:a16="http://schemas.microsoft.com/office/drawing/2014/main" xmlns="" id="{E58841CB-F12A-49AE-A0F6-FC905252F346}"/>
               </a:ext>
             </a:extLst>
           </p:cNvPr>
@@ -6619,7 +6647,7 @@
           <p:cNvPr id="3" name="Content Placeholder 2">
             <a:extLst>
               <a:ext uri="{FF2B5EF4-FFF2-40B4-BE49-F238E27FC236}">
-                <a16:creationId xmlns="" xmlns:a16="http://schemas.microsoft.com/office/drawing/2014/main" id="{2BAA9235-4720-4EA9-AAB8-5711BE621A8E}"/>
+                <a16:creationId xmlns:a16="http://schemas.microsoft.com/office/drawing/2014/main" xmlns="" id="{2BAA9235-4720-4EA9-AAB8-5711BE621A8E}"/>
               </a:ext>
             </a:extLst>
           </p:cNvPr>
@@ -6821,7 +6849,7 @@
           <p:cNvPr id="4" name="Slide Number Placeholder 3">
             <a:extLst>
               <a:ext uri="{FF2B5EF4-FFF2-40B4-BE49-F238E27FC236}">
-                <a16:creationId xmlns="" xmlns:a16="http://schemas.microsoft.com/office/drawing/2014/main" id="{28183925-41CE-45AE-9C75-56FB10A283D7}"/>
+                <a16:creationId xmlns:a16="http://schemas.microsoft.com/office/drawing/2014/main" xmlns="" id="{28183925-41CE-45AE-9C75-56FB10A283D7}"/>
               </a:ext>
             </a:extLst>
           </p:cNvPr>
@@ -6850,7 +6878,7 @@
           <p:cNvPr id="5" name="TextBox 4">
             <a:extLst>
               <a:ext uri="{FF2B5EF4-FFF2-40B4-BE49-F238E27FC236}">
-                <a16:creationId xmlns="" xmlns:a16="http://schemas.microsoft.com/office/drawing/2014/main" id="{90022AAB-FD40-4C2C-A279-A84CD43469AC}"/>
+                <a16:creationId xmlns:a16="http://schemas.microsoft.com/office/drawing/2014/main" xmlns="" id="{90022AAB-FD40-4C2C-A279-A84CD43469AC}"/>
               </a:ext>
             </a:extLst>
           </p:cNvPr>
@@ -6890,6 +6918,13 @@
   <p:clrMapOvr>
     <a:masterClrMapping/>
   </p:clrMapOvr>
+  <p:timing>
+    <p:tnLst>
+      <p:par>
+        <p:cTn id="1" dur="indefinite" restart="never" nodeType="tmRoot"/>
+      </p:par>
+    </p:tnLst>
+  </p:timing>
 </p:sld>
 </file>
 
@@ -6915,7 +6950,7 @@
           <p:cNvPr id="2" name="Title 1">
             <a:extLst>
               <a:ext uri="{FF2B5EF4-FFF2-40B4-BE49-F238E27FC236}">
-                <a16:creationId xmlns="" xmlns:a16="http://schemas.microsoft.com/office/drawing/2014/main" id="{E58841CB-F12A-49AE-A0F6-FC905252F346}"/>
+                <a16:creationId xmlns:a16="http://schemas.microsoft.com/office/drawing/2014/main" xmlns="" id="{E58841CB-F12A-49AE-A0F6-FC905252F346}"/>
               </a:ext>
             </a:extLst>
           </p:cNvPr>
@@ -6944,7 +6979,7 @@
           <p:cNvPr id="3" name="Content Placeholder 2">
             <a:extLst>
               <a:ext uri="{FF2B5EF4-FFF2-40B4-BE49-F238E27FC236}">
-                <a16:creationId xmlns="" xmlns:a16="http://schemas.microsoft.com/office/drawing/2014/main" id="{2BAA9235-4720-4EA9-AAB8-5711BE621A8E}"/>
+                <a16:creationId xmlns:a16="http://schemas.microsoft.com/office/drawing/2014/main" xmlns="" id="{2BAA9235-4720-4EA9-AAB8-5711BE621A8E}"/>
               </a:ext>
             </a:extLst>
           </p:cNvPr>
@@ -6990,7 +7025,7 @@
           <p:cNvPr id="4" name="Slide Number Placeholder 3">
             <a:extLst>
               <a:ext uri="{FF2B5EF4-FFF2-40B4-BE49-F238E27FC236}">
-                <a16:creationId xmlns="" xmlns:a16="http://schemas.microsoft.com/office/drawing/2014/main" id="{28183925-41CE-45AE-9C75-56FB10A283D7}"/>
+                <a16:creationId xmlns:a16="http://schemas.microsoft.com/office/drawing/2014/main" xmlns="" id="{28183925-41CE-45AE-9C75-56FB10A283D7}"/>
               </a:ext>
             </a:extLst>
           </p:cNvPr>
@@ -7019,7 +7054,7 @@
           <p:cNvPr id="5" name="Content Placeholder 5" descr="A close up of a organ&#10;&#10;Description generated with high confidence">
             <a:extLst>
               <a:ext uri="{FF2B5EF4-FFF2-40B4-BE49-F238E27FC236}">
-                <a16:creationId xmlns="" xmlns:a16="http://schemas.microsoft.com/office/drawing/2014/main" id="{12BD2113-1CF4-40B9-A1AA-C31A430DBA90}"/>
+                <a16:creationId xmlns:a16="http://schemas.microsoft.com/office/drawing/2014/main" xmlns="" id="{12BD2113-1CF4-40B9-A1AA-C31A430DBA90}"/>
               </a:ext>
             </a:extLst>
           </p:cNvPr>
@@ -7053,17 +7088,17 @@
           </a:ln>
           <a:extLst>
             <a:ext uri="{FAA26D3D-D897-4be2-8F04-BA451C77F1D7}">
-              <ma14:placeholderFlag xmlns="" xmlns:ma14="http://schemas.microsoft.com/office/mac/drawingml/2011/main" val="1"/>
+              <ma14:placeholderFlag xmlns:ma14="http://schemas.microsoft.com/office/mac/drawingml/2011/main" xmlns="" val="1"/>
             </a:ext>
             <a:ext uri="{909E8E84-426E-40dd-AFC4-6F175D3DCCD1}">
-              <a14:hiddenFill xmlns="" xmlns:a14="http://schemas.microsoft.com/office/drawing/2010/main">
+              <a14:hiddenFill xmlns:a14="http://schemas.microsoft.com/office/drawing/2010/main" xmlns="">
                 <a:solidFill>
                   <a:srgbClr val="FFFFFF"/>
                 </a:solidFill>
               </a14:hiddenFill>
             </a:ext>
             <a:ext uri="{91240B29-F687-4f45-9708-019B960494DF}">
-              <a14:hiddenLine xmlns="" xmlns:a14="http://schemas.microsoft.com/office/drawing/2010/main" w="9525">
+              <a14:hiddenLine xmlns:a14="http://schemas.microsoft.com/office/drawing/2010/main" xmlns="" w="9525">
                 <a:solidFill>
                   <a:srgbClr val="000000"/>
                 </a:solidFill>
@@ -7080,7 +7115,7 @@
           <p:cNvPr id="6" name="TextBox 5">
             <a:extLst>
               <a:ext uri="{FF2B5EF4-FFF2-40B4-BE49-F238E27FC236}">
-                <a16:creationId xmlns="" xmlns:a16="http://schemas.microsoft.com/office/drawing/2014/main" id="{6F3E6335-5F08-4BFE-9246-F1F57DDA2455}"/>
+                <a16:creationId xmlns:a16="http://schemas.microsoft.com/office/drawing/2014/main" xmlns="" id="{6F3E6335-5F08-4BFE-9246-F1F57DDA2455}"/>
               </a:ext>
             </a:extLst>
           </p:cNvPr>
@@ -7128,6 +7163,13 @@
   <p:clrMapOvr>
     <a:masterClrMapping/>
   </p:clrMapOvr>
+  <p:timing>
+    <p:tnLst>
+      <p:par>
+        <p:cTn id="1" dur="indefinite" restart="never" nodeType="tmRoot"/>
+      </p:par>
+    </p:tnLst>
+  </p:timing>
 </p:sld>
 </file>
 
@@ -7153,7 +7195,7 @@
           <p:cNvPr id="2" name="Title 1">
             <a:extLst>
               <a:ext uri="{FF2B5EF4-FFF2-40B4-BE49-F238E27FC236}">
-                <a16:creationId xmlns="" xmlns:a16="http://schemas.microsoft.com/office/drawing/2014/main" id="{E58841CB-F12A-49AE-A0F6-FC905252F346}"/>
+                <a16:creationId xmlns:a16="http://schemas.microsoft.com/office/drawing/2014/main" xmlns="" id="{E58841CB-F12A-49AE-A0F6-FC905252F346}"/>
               </a:ext>
             </a:extLst>
           </p:cNvPr>
@@ -7182,7 +7224,7 @@
           <p:cNvPr id="3" name="Content Placeholder 2">
             <a:extLst>
               <a:ext uri="{FF2B5EF4-FFF2-40B4-BE49-F238E27FC236}">
-                <a16:creationId xmlns="" xmlns:a16="http://schemas.microsoft.com/office/drawing/2014/main" id="{2BAA9235-4720-4EA9-AAB8-5711BE621A8E}"/>
+                <a16:creationId xmlns:a16="http://schemas.microsoft.com/office/drawing/2014/main" xmlns="" id="{2BAA9235-4720-4EA9-AAB8-5711BE621A8E}"/>
               </a:ext>
             </a:extLst>
           </p:cNvPr>
@@ -7256,7 +7298,7 @@
           <p:cNvPr id="4" name="Slide Number Placeholder 3">
             <a:extLst>
               <a:ext uri="{FF2B5EF4-FFF2-40B4-BE49-F238E27FC236}">
-                <a16:creationId xmlns="" xmlns:a16="http://schemas.microsoft.com/office/drawing/2014/main" id="{28183925-41CE-45AE-9C75-56FB10A283D7}"/>
+                <a16:creationId xmlns:a16="http://schemas.microsoft.com/office/drawing/2014/main" xmlns="" id="{28183925-41CE-45AE-9C75-56FB10A283D7}"/>
               </a:ext>
             </a:extLst>
           </p:cNvPr>
@@ -7285,7 +7327,7 @@
           <p:cNvPr id="5" name="TextBox 4">
             <a:extLst>
               <a:ext uri="{FF2B5EF4-FFF2-40B4-BE49-F238E27FC236}">
-                <a16:creationId xmlns="" xmlns:a16="http://schemas.microsoft.com/office/drawing/2014/main" id="{64747347-E575-45B9-A33D-A43CC2008456}"/>
+                <a16:creationId xmlns:a16="http://schemas.microsoft.com/office/drawing/2014/main" xmlns="" id="{64747347-E575-45B9-A33D-A43CC2008456}"/>
               </a:ext>
             </a:extLst>
           </p:cNvPr>
@@ -7325,6 +7367,13 @@
   <p:clrMapOvr>
     <a:masterClrMapping/>
   </p:clrMapOvr>
+  <p:timing>
+    <p:tnLst>
+      <p:par>
+        <p:cTn id="1" dur="indefinite" restart="never" nodeType="tmRoot"/>
+      </p:par>
+    </p:tnLst>
+  </p:timing>
 </p:sld>
 </file>
 
@@ -7350,7 +7399,7 @@
           <p:cNvPr id="2" name="Title 1">
             <a:extLst>
               <a:ext uri="{FF2B5EF4-FFF2-40B4-BE49-F238E27FC236}">
-                <a16:creationId xmlns:a16="http://schemas.microsoft.com/office/drawing/2014/main" xmlns="" id="{3F85E31D-5021-4B9C-A2F6-6670EA453677}"/>
+                <a16:creationId xmlns="" xmlns:a16="http://schemas.microsoft.com/office/drawing/2014/main" id="{3F85E31D-5021-4B9C-A2F6-6670EA453677}"/>
               </a:ext>
             </a:extLst>
           </p:cNvPr>
@@ -7395,7 +7444,7 @@
           <p:cNvPr id="3" name="Content Placeholder 2">
             <a:extLst>
               <a:ext uri="{FF2B5EF4-FFF2-40B4-BE49-F238E27FC236}">
-                <a16:creationId xmlns:a16="http://schemas.microsoft.com/office/drawing/2014/main" xmlns:a14="http://schemas.microsoft.com/office/drawing/2010/main" xmlns:mc="http://schemas.openxmlformats.org/markup-compatibility/2006" xmlns="" id="{28B492CE-B56B-411E-ACCC-F83AC37AA46D}"/>
+                <a16:creationId xmlns="" xmlns:mc="http://schemas.openxmlformats.org/markup-compatibility/2006" xmlns:a14="http://schemas.microsoft.com/office/drawing/2010/main" xmlns:a16="http://schemas.microsoft.com/office/drawing/2014/main" id="{28B492CE-B56B-411E-ACCC-F83AC37AA46D}"/>
               </a:ext>
             </a:extLst>
           </p:cNvPr>
@@ -7418,13 +7467,8 @@
           <a:p>
             <a:r>
               <a:rPr lang="es-419" dirty="0" smtClean="0"/>
-              <a:t>En la naturalez</a:t>
-            </a:r>
-            <a:r>
-              <a:rPr lang="es-419" dirty="0" smtClean="0"/>
-              <a:t>a hay procesos aleatorios</a:t>
-            </a:r>
-            <a:endParaRPr lang="es-419" dirty="0" smtClean="0"/>
+              <a:t>En la naturaleza hay procesos aleatorios</a:t>
+            </a:r>
           </a:p>
           <a:p>
             <a:r>
@@ -7437,15 +7481,7 @@
             </a:r>
             <a:r>
               <a:rPr lang="es-419" dirty="0" smtClean="0"/>
-              <a:t> consiste en el conjunto </a:t>
-            </a:r>
-            <a:r>
-              <a:rPr lang="es-419" dirty="0" smtClean="0"/>
-              <a:t>de </a:t>
-            </a:r>
-            <a:r>
-              <a:rPr lang="es-419" dirty="0" smtClean="0"/>
-              <a:t>todos los posibles resultados del proceso (‘eventos’) </a:t>
+              <a:t> consiste en el conjunto de todos los posibles resultados del proceso (‘eventos’) </a:t>
             </a:r>
           </a:p>
           <a:p>
@@ -7459,11 +7495,7 @@
             </a:r>
             <a:r>
               <a:rPr lang="es-419" dirty="0" smtClean="0"/>
-              <a:t> variable) </a:t>
-            </a:r>
-            <a:r>
-              <a:rPr lang="es-419" dirty="0" smtClean="0"/>
-              <a:t>es una mapa de </a:t>
+              <a:t> variable) es una mapa de </a:t>
             </a:r>
             <a:r>
               <a:rPr lang="es-419" dirty="0" err="1" smtClean="0"/>
@@ -7487,28 +7519,14 @@
             </a:r>
             <a:r>
               <a:rPr lang="es-419" dirty="0" smtClean="0"/>
-              <a:t> hasta los números  [</a:t>
-            </a:r>
+              <a:t> hasta los números  [Pueden crear un ejemplo?]</a:t>
+            </a:r>
+          </a:p>
+          <a:p>
             <a:r>
               <a:rPr lang="es-419" dirty="0" smtClean="0"/>
-              <a:t>Pueden crear un ejemplo?]</a:t>
-            </a:r>
-            <a:endParaRPr lang="es-419" dirty="0" smtClean="0"/>
-          </a:p>
-          <a:p>
-            <a:r>
-              <a:rPr lang="es-419" dirty="0" smtClean="0"/>
-              <a:t>Una densidad/masa de probabilidad es la frecuencia relativa de </a:t>
-            </a:r>
-            <a:r>
-              <a:rPr lang="es-419" dirty="0" smtClean="0"/>
-              <a:t>la incidencia de los eventos</a:t>
-            </a:r>
-            <a:r>
-              <a:rPr lang="es-419" dirty="0" smtClean="0"/>
-              <a:t>.</a:t>
-            </a:r>
-            <a:endParaRPr lang="es-419" dirty="0" smtClean="0"/>
+              <a:t>Una densidad/masa de probabilidad es la frecuencia relativa de la incidencia de los eventos.</a:t>
+            </a:r>
           </a:p>
         </p:txBody>
       </p:sp>
@@ -7517,7 +7535,7 @@
           <p:cNvPr id="4" name="Slide Number Placeholder 3">
             <a:extLst>
               <a:ext uri="{FF2B5EF4-FFF2-40B4-BE49-F238E27FC236}">
-                <a16:creationId xmlns:a16="http://schemas.microsoft.com/office/drawing/2014/main" xmlns="" id="{EC538D91-6F8B-42BB-A135-BD948D230469}"/>
+                <a16:creationId xmlns="" xmlns:a16="http://schemas.microsoft.com/office/drawing/2014/main" id="{EC538D91-6F8B-42BB-A135-BD948D230469}"/>
               </a:ext>
             </a:extLst>
           </p:cNvPr>
@@ -7551,6 +7569,13 @@
   <p:clrMapOvr>
     <a:masterClrMapping/>
   </p:clrMapOvr>
+  <p:timing>
+    <p:tnLst>
+      <p:par>
+        <p:cTn id="1" dur="indefinite" restart="never" nodeType="tmRoot"/>
+      </p:par>
+    </p:tnLst>
+  </p:timing>
 </p:sld>
 </file>
 
@@ -7576,7 +7601,7 @@
           <p:cNvPr id="2" name="Title 1">
             <a:extLst>
               <a:ext uri="{FF2B5EF4-FFF2-40B4-BE49-F238E27FC236}">
-                <a16:creationId xmlns="" xmlns:a16="http://schemas.microsoft.com/office/drawing/2014/main" id="{1F21995E-0AA4-46BB-ABC5-5549BF22D71D}"/>
+                <a16:creationId xmlns:a16="http://schemas.microsoft.com/office/drawing/2014/main" xmlns="" id="{1F21995E-0AA4-46BB-ABC5-5549BF22D71D}"/>
               </a:ext>
             </a:extLst>
           </p:cNvPr>
@@ -7605,7 +7630,7 @@
           <p:cNvPr id="3" name="Content Placeholder 2">
             <a:extLst>
               <a:ext uri="{FF2B5EF4-FFF2-40B4-BE49-F238E27FC236}">
-                <a16:creationId xmlns="" xmlns:a16="http://schemas.microsoft.com/office/drawing/2014/main" id="{1458A43B-39F0-450C-A1A9-F1EEF261FE9D}"/>
+                <a16:creationId xmlns:a16="http://schemas.microsoft.com/office/drawing/2014/main" xmlns="" id="{1458A43B-39F0-450C-A1A9-F1EEF261FE9D}"/>
               </a:ext>
             </a:extLst>
           </p:cNvPr>
@@ -7684,7 +7709,7 @@
           <p:cNvPr id="4" name="Slide Number Placeholder 3">
             <a:extLst>
               <a:ext uri="{FF2B5EF4-FFF2-40B4-BE49-F238E27FC236}">
-                <a16:creationId xmlns="" xmlns:a16="http://schemas.microsoft.com/office/drawing/2014/main" id="{B607949D-1BF8-436E-834D-CB927CF5CDC8}"/>
+                <a16:creationId xmlns:a16="http://schemas.microsoft.com/office/drawing/2014/main" xmlns="" id="{B607949D-1BF8-436E-834D-CB927CF5CDC8}"/>
               </a:ext>
             </a:extLst>
           </p:cNvPr>
@@ -8011,6 +8036,13 @@
   <p:clrMapOvr>
     <a:masterClrMapping/>
   </p:clrMapOvr>
+  <p:timing>
+    <p:tnLst>
+      <p:par>
+        <p:cTn id="1" dur="indefinite" restart="never" nodeType="tmRoot"/>
+      </p:par>
+    </p:tnLst>
+  </p:timing>
 </p:sld>
 </file>
 
@@ -8036,7 +8068,7 @@
           <p:cNvPr id="2" name="Title 1">
             <a:extLst>
               <a:ext uri="{FF2B5EF4-FFF2-40B4-BE49-F238E27FC236}">
-                <a16:creationId xmlns="" xmlns:a16="http://schemas.microsoft.com/office/drawing/2014/main" id="{1F21995E-0AA4-46BB-ABC5-5549BF22D71D}"/>
+                <a16:creationId xmlns:a16="http://schemas.microsoft.com/office/drawing/2014/main" xmlns="" id="{1F21995E-0AA4-46BB-ABC5-5549BF22D71D}"/>
               </a:ext>
             </a:extLst>
           </p:cNvPr>
@@ -8065,7 +8097,7 @@
           <p:cNvPr id="3" name="Content Placeholder 2">
             <a:extLst>
               <a:ext uri="{FF2B5EF4-FFF2-40B4-BE49-F238E27FC236}">
-                <a16:creationId xmlns="" xmlns:a16="http://schemas.microsoft.com/office/drawing/2014/main" id="{1458A43B-39F0-450C-A1A9-F1EEF261FE9D}"/>
+                <a16:creationId xmlns:a16="http://schemas.microsoft.com/office/drawing/2014/main" xmlns="" id="{1458A43B-39F0-450C-A1A9-F1EEF261FE9D}"/>
               </a:ext>
             </a:extLst>
           </p:cNvPr>
@@ -8160,13 +8192,8 @@
             </a:r>
             <a:r>
               <a:rPr lang="es-419" dirty="0" smtClean="0"/>
-              <a:t> y </a:t>
-            </a:r>
-            <a:r>
-              <a:rPr lang="es-419" dirty="0" smtClean="0"/>
-              <a:t>hay que integrarla:</a:t>
-            </a:r>
-            <a:endParaRPr lang="es-419" dirty="0" smtClean="0"/>
+              <a:t> y hay que integrarla:</a:t>
+            </a:r>
           </a:p>
           <a:p>
             <a:endParaRPr lang="es-419" b="1" noProof="0" dirty="0" smtClean="0"/>
@@ -8187,7 +8214,7 @@
           <p:cNvPr id="4" name="Slide Number Placeholder 3">
             <a:extLst>
               <a:ext uri="{FF2B5EF4-FFF2-40B4-BE49-F238E27FC236}">
-                <a16:creationId xmlns="" xmlns:a16="http://schemas.microsoft.com/office/drawing/2014/main" id="{B607949D-1BF8-436E-834D-CB927CF5CDC8}"/>
+                <a16:creationId xmlns:a16="http://schemas.microsoft.com/office/drawing/2014/main" xmlns="" id="{B607949D-1BF8-436E-834D-CB927CF5CDC8}"/>
               </a:ext>
             </a:extLst>
           </p:cNvPr>
@@ -8230,7 +8257,7 @@
             <p:cNvPr id="5" name="Object 4">
               <a:extLst>
                 <a:ext uri="{FF2B5EF4-FFF2-40B4-BE49-F238E27FC236}">
-                  <a16:creationId xmlns="" xmlns:a16="http://schemas.microsoft.com/office/drawing/2014/main" id="{871A0B14-87C6-4452-B778-BA64D86F24DC}"/>
+                  <a16:creationId xmlns:a16="http://schemas.microsoft.com/office/drawing/2014/main" xmlns="" id="{871A0B14-87C6-4452-B778-BA64D86F24DC}"/>
                 </a:ext>
               </a:extLst>
             </p:cNvPr>
@@ -8253,7 +8280,7 @@
             <a:graphicData uri="http://schemas.openxmlformats.org/presentationml/2006/ole">
               <mc:AlternateContent xmlns:mc="http://schemas.openxmlformats.org/markup-compatibility/2006">
                 <mc:Choice xmlns:v="urn:schemas-microsoft-com:vml" Requires="v">
-                  <p:oleObj spid="_x0000_s2110" name="Equation" r:id="rId3" imgW="1066680" imgH="711000" progId="Equation.DSMT4">
+                  <p:oleObj spid="_x0000_s2116" name="Equation" r:id="rId3" imgW="1066680" imgH="711000" progId="Equation.DSMT4">
                     <p:embed/>
                   </p:oleObj>
                 </mc:Choice>
@@ -8293,7 +8320,7 @@
             <p:cNvPr id="6" name="TextBox 5">
               <a:extLst>
                 <a:ext uri="{FF2B5EF4-FFF2-40B4-BE49-F238E27FC236}">
-                  <a16:creationId xmlns="" xmlns:a16="http://schemas.microsoft.com/office/drawing/2014/main" id="{56FEC291-188A-4C6E-ABF2-A799330527F2}"/>
+                  <a16:creationId xmlns:a16="http://schemas.microsoft.com/office/drawing/2014/main" xmlns="" id="{56FEC291-188A-4C6E-ABF2-A799330527F2}"/>
                 </a:ext>
               </a:extLst>
             </p:cNvPr>
@@ -8329,7 +8356,7 @@
           <p:cNvPr id="8" name="Object 7">
             <a:extLst>
               <a:ext uri="{FF2B5EF4-FFF2-40B4-BE49-F238E27FC236}">
-                <a16:creationId xmlns="" xmlns:a16="http://schemas.microsoft.com/office/drawing/2014/main" id="{871A0B14-87C6-4452-B778-BA64D86F24DC}"/>
+                <a16:creationId xmlns:a16="http://schemas.microsoft.com/office/drawing/2014/main" xmlns="" id="{871A0B14-87C6-4452-B778-BA64D86F24DC}"/>
               </a:ext>
             </a:extLst>
           </p:cNvPr>
@@ -8352,7 +8379,7 @@
           <a:graphicData uri="http://schemas.openxmlformats.org/presentationml/2006/ole">
             <mc:AlternateContent xmlns:mc="http://schemas.openxmlformats.org/markup-compatibility/2006">
               <mc:Choice xmlns:v="urn:schemas-microsoft-com:vml" Requires="v">
-                <p:oleObj spid="_x0000_s2111" name="Equation" r:id="rId5" imgW="1409400" imgH="330120" progId="Equation.DSMT4">
+                <p:oleObj spid="_x0000_s2117" name="Equation" r:id="rId5" imgW="1409400" imgH="330120" progId="Equation.DSMT4">
                   <p:embed/>
                 </p:oleObj>
               </mc:Choice>
@@ -8397,6 +8424,13 @@
   <p:clrMapOvr>
     <a:masterClrMapping/>
   </p:clrMapOvr>
+  <p:timing>
+    <p:tnLst>
+      <p:par>
+        <p:cTn id="1" dur="indefinite" restart="never" nodeType="tmRoot"/>
+      </p:par>
+    </p:tnLst>
+  </p:timing>
 </p:sld>
 </file>
 
@@ -8422,7 +8456,7 @@
           <p:cNvPr id="2" name="Title 1">
             <a:extLst>
               <a:ext uri="{FF2B5EF4-FFF2-40B4-BE49-F238E27FC236}">
-                <a16:creationId xmlns:a16="http://schemas.microsoft.com/office/drawing/2014/main" xmlns="" id="{85912599-B709-4D2B-BFDD-22D698B61C4A}"/>
+                <a16:creationId xmlns="" xmlns:a16="http://schemas.microsoft.com/office/drawing/2014/main" id="{85912599-B709-4D2B-BFDD-22D698B61C4A}"/>
               </a:ext>
             </a:extLst>
           </p:cNvPr>
@@ -8440,11 +8474,7 @@
           <a:p>
             <a:r>
               <a:rPr lang="es-419" dirty="0" smtClean="0"/>
-              <a:t>Aleatoriedad en </a:t>
-            </a:r>
-            <a:r>
-              <a:rPr lang="es-419" dirty="0" smtClean="0"/>
-              <a:t>R</a:t>
+              <a:t>Aleatoriedad en R</a:t>
             </a:r>
             <a:endParaRPr lang="es-419" dirty="0"/>
           </a:p>
@@ -8455,7 +8485,7 @@
           <p:cNvPr id="3" name="Content Placeholder 2">
             <a:extLst>
               <a:ext uri="{FF2B5EF4-FFF2-40B4-BE49-F238E27FC236}">
-                <a16:creationId xmlns:a16="http://schemas.microsoft.com/office/drawing/2014/main" xmlns="" id="{FECCC0C2-4089-4F18-94F7-ED739588728C}"/>
+                <a16:creationId xmlns="" xmlns:a16="http://schemas.microsoft.com/office/drawing/2014/main" id="{FECCC0C2-4089-4F18-94F7-ED739588728C}"/>
               </a:ext>
             </a:extLst>
           </p:cNvPr>
@@ -8579,11 +8609,7 @@
             </a:r>
             <a:r>
               <a:rPr lang="es-419" dirty="0" smtClean="0"/>
-              <a:t> da el </a:t>
-            </a:r>
-            <a:r>
-              <a:rPr lang="es-419" dirty="0" smtClean="0"/>
-              <a:t>cuartil </a:t>
+              <a:t> da el cuartil </a:t>
             </a:r>
             <a:r>
               <a:rPr lang="es-419" i="1" dirty="0" smtClean="0"/>
@@ -8650,7 +8676,6 @@
               <a:rPr lang="es-419" dirty="0" smtClean="0"/>
               <a:t>, etc.</a:t>
             </a:r>
-            <a:endParaRPr lang="es-419" dirty="0" smtClean="0"/>
           </a:p>
         </p:txBody>
       </p:sp>
@@ -8659,7 +8684,7 @@
           <p:cNvPr id="4" name="Slide Number Placeholder 3">
             <a:extLst>
               <a:ext uri="{FF2B5EF4-FFF2-40B4-BE49-F238E27FC236}">
-                <a16:creationId xmlns:a16="http://schemas.microsoft.com/office/drawing/2014/main" xmlns="" id="{6DCC37D5-C19C-405F-B23C-8EB90CB6ABED}"/>
+                <a16:creationId xmlns="" xmlns:a16="http://schemas.microsoft.com/office/drawing/2014/main" id="{6DCC37D5-C19C-405F-B23C-8EB90CB6ABED}"/>
               </a:ext>
             </a:extLst>
           </p:cNvPr>
@@ -8693,6 +8718,13 @@
   <p:clrMapOvr>
     <a:masterClrMapping/>
   </p:clrMapOvr>
+  <p:timing>
+    <p:tnLst>
+      <p:par>
+        <p:cTn id="1" dur="indefinite" restart="never" nodeType="tmRoot"/>
+      </p:par>
+    </p:tnLst>
+  </p:timing>
 </p:sld>
 </file>
 

--- a/dia1/lecture1_probability.pptx
+++ b/dia1/lecture1_probability.pptx
@@ -222,7 +222,7 @@
           <a:p>
             <a:fld id="{9EC8F33C-A7AA-43A7-BCA9-F081EA0B4664}" type="datetimeFigureOut">
               <a:rPr lang="en-US" smtClean="0"/>
-              <a:t>1/14/2019</a:t>
+              <a:t>1/22/2019</a:t>
             </a:fld>
             <a:endParaRPr lang="en-US"/>
           </a:p>
@@ -571,7 +571,7 @@
           </a:ln>
           <a:extLst>
             <a:ext uri="{909E8E84-426E-40dd-AFC4-6F175D3DCCD1}">
-              <a14:hiddenFill xmlns="" xmlns:a14="http://schemas.microsoft.com/office/drawing/2010/main">
+              <a14:hiddenFill xmlns:a14="http://schemas.microsoft.com/office/drawing/2010/main" xmlns="">
                 <a:solidFill>
                   <a:srgbClr val="FFFFFF"/>
                 </a:solidFill>
@@ -614,7 +614,7 @@
           </a:ln>
           <a:extLst>
             <a:ext uri="{909E8E84-426E-40dd-AFC4-6F175D3DCCD1}">
-              <a14:hiddenFill xmlns="" xmlns:a14="http://schemas.microsoft.com/office/drawing/2010/main">
+              <a14:hiddenFill xmlns:a14="http://schemas.microsoft.com/office/drawing/2010/main" xmlns="">
                 <a:noFill/>
               </a14:hiddenFill>
             </a:ext>
@@ -713,7 +713,7 @@
           <a:p>
             <a:fld id="{9A356AEA-056F-417E-9B38-4BA8743FE6C4}" type="datetime1">
               <a:rPr lang="en-US" smtClean="0"/>
-              <a:t>1/14/2019</a:t>
+              <a:t>1/22/2019</a:t>
             </a:fld>
             <a:endParaRPr lang="en-US"/>
           </a:p>
@@ -900,7 +900,7 @@
           <a:p>
             <a:fld id="{09867F7C-1948-4907-9EBC-DD38682B5188}" type="datetime1">
               <a:rPr lang="en-US" smtClean="0"/>
-              <a:t>1/14/2019</a:t>
+              <a:t>1/22/2019</a:t>
             </a:fld>
             <a:endParaRPr lang="en-US"/>
           </a:p>
@@ -1096,7 +1096,7 @@
           <a:p>
             <a:fld id="{A5996870-3492-4879-A20C-50CF7F25E309}" type="datetime1">
               <a:rPr lang="en-US" smtClean="0"/>
-              <a:t>1/14/2019</a:t>
+              <a:t>1/22/2019</a:t>
             </a:fld>
             <a:endParaRPr lang="en-US"/>
           </a:p>
@@ -1348,7 +1348,7 @@
           <a:p>
             <a:fld id="{3339509F-2835-4D20-8448-C5CCD453FC4A}" type="datetime1">
               <a:rPr lang="en-US" smtClean="0"/>
-              <a:t>1/14/2019</a:t>
+              <a:t>1/22/2019</a:t>
             </a:fld>
             <a:endParaRPr lang="en-US"/>
           </a:p>
@@ -1572,7 +1572,7 @@
           <a:p>
             <a:fld id="{7A6EDDDE-DBE4-4114-B865-EC3A2920782E}" type="datetime1">
               <a:rPr lang="en-US" smtClean="0"/>
-              <a:t>1/14/2019</a:t>
+              <a:t>1/22/2019</a:t>
             </a:fld>
             <a:endParaRPr lang="en-US"/>
           </a:p>
@@ -1880,7 +1880,7 @@
           <a:p>
             <a:fld id="{8DA96907-43AE-4B1E-B5FF-6853ADDA5697}" type="datetime1">
               <a:rPr lang="en-US" smtClean="0"/>
-              <a:t>1/14/2019</a:t>
+              <a:t>1/22/2019</a:t>
             </a:fld>
             <a:endParaRPr lang="en-US"/>
           </a:p>
@@ -2048,7 +2048,7 @@
           <a:p>
             <a:fld id="{2E65DF97-DE0F-4515-8F8D-0E1C627BC4E9}" type="datetime1">
               <a:rPr lang="en-US" smtClean="0"/>
-              <a:t>1/14/2019</a:t>
+              <a:t>1/22/2019</a:t>
             </a:fld>
             <a:endParaRPr lang="en-US"/>
           </a:p>
@@ -2360,7 +2360,7 @@
           <a:p>
             <a:fld id="{23B9FD00-80D5-4EA7-B536-8F4F2C3959C9}" type="datetime1">
               <a:rPr lang="en-US" smtClean="0"/>
-              <a:t>1/14/2019</a:t>
+              <a:t>1/22/2019</a:t>
             </a:fld>
             <a:endParaRPr lang="en-US"/>
           </a:p>
@@ -2672,7 +2672,7 @@
           <a:p>
             <a:fld id="{DAC77084-4DB4-4A23-9870-BF49183ACB4C}" type="datetime1">
               <a:rPr lang="en-US" smtClean="0"/>
-              <a:t>1/14/2019</a:t>
+              <a:t>1/22/2019</a:t>
             </a:fld>
             <a:endParaRPr lang="en-US"/>
           </a:p>
@@ -2858,7 +2858,7 @@
           <a:p>
             <a:fld id="{6E487ECE-0D8C-4AFB-BD35-997F06E0971C}" type="datetime1">
               <a:rPr lang="en-US" smtClean="0"/>
-              <a:t>1/14/2019</a:t>
+              <a:t>1/22/2019</a:t>
             </a:fld>
             <a:endParaRPr lang="en-US"/>
           </a:p>
@@ -3067,7 +3067,7 @@
           <a:p>
             <a:fld id="{D4F6DC8D-78A1-49CC-B033-F77D87B04958}" type="datetime1">
               <a:rPr lang="en-US" smtClean="0"/>
-              <a:t>1/14/2019</a:t>
+              <a:t>1/22/2019</a:t>
             </a:fld>
             <a:endParaRPr lang="en-US"/>
           </a:p>
@@ -3370,7 +3370,7 @@
           <a:p>
             <a:fld id="{3BCF4A7C-A413-48DA-9211-5240CAEE1DD4}" type="datetime1">
               <a:rPr lang="en-US" smtClean="0"/>
-              <a:t>1/14/2019</a:t>
+              <a:t>1/22/2019</a:t>
             </a:fld>
             <a:endParaRPr lang="en-US"/>
           </a:p>
@@ -3812,7 +3812,7 @@
           <a:p>
             <a:fld id="{AAE887C4-8D00-4515-BD6B-6D6B646F02F7}" type="datetime1">
               <a:rPr lang="en-US" smtClean="0"/>
-              <a:t>1/14/2019</a:t>
+              <a:t>1/22/2019</a:t>
             </a:fld>
             <a:endParaRPr lang="en-US"/>
           </a:p>
@@ -3947,7 +3947,7 @@
           <a:p>
             <a:fld id="{10C13C5A-776A-4D2B-A91E-2ACB7D90E7CC}" type="datetime1">
               <a:rPr lang="en-US" smtClean="0"/>
-              <a:t>1/14/2019</a:t>
+              <a:t>1/22/2019</a:t>
             </a:fld>
             <a:endParaRPr lang="en-US"/>
           </a:p>
@@ -4060,7 +4060,7 @@
           <a:p>
             <a:fld id="{00A5D59F-6FC3-492C-BAE3-F50C9D1FBA31}" type="datetime1">
               <a:rPr lang="en-US" smtClean="0"/>
-              <a:t>1/14/2019</a:t>
+              <a:t>1/22/2019</a:t>
             </a:fld>
             <a:endParaRPr lang="en-US"/>
           </a:p>
@@ -4353,7 +4353,7 @@
           <a:p>
             <a:fld id="{CD78B45F-E474-4F2F-801A-58FC9FE22655}" type="datetime1">
               <a:rPr lang="en-US" smtClean="0"/>
-              <a:t>1/14/2019</a:t>
+              <a:t>1/22/2019</a:t>
             </a:fld>
             <a:endParaRPr lang="en-US"/>
           </a:p>
@@ -4627,7 +4627,7 @@
           <a:p>
             <a:fld id="{FDF35450-A835-4587-8F84-782057674F92}" type="datetime1">
               <a:rPr lang="en-US" smtClean="0"/>
-              <a:t>1/14/2019</a:t>
+              <a:t>1/22/2019</a:t>
             </a:fld>
             <a:endParaRPr lang="en-US"/>
           </a:p>
@@ -4749,17 +4749,17 @@
           </a:ln>
           <a:extLst>
             <a:ext uri="{FAA26D3D-D897-4be2-8F04-BA451C77F1D7}">
-              <ma14:placeholderFlag xmlns="" xmlns:ma14="http://schemas.microsoft.com/office/mac/drawingml/2011/main" val="1"/>
+              <ma14:placeholderFlag xmlns:ma14="http://schemas.microsoft.com/office/mac/drawingml/2011/main" xmlns="" val="1"/>
             </a:ext>
             <a:ext uri="{909E8E84-426E-40dd-AFC4-6F175D3DCCD1}">
-              <a14:hiddenFill xmlns="" xmlns:a14="http://schemas.microsoft.com/office/drawing/2010/main">
+              <a14:hiddenFill xmlns:a14="http://schemas.microsoft.com/office/drawing/2010/main" xmlns="">
                 <a:solidFill>
                   <a:srgbClr val="FFFFFF"/>
                 </a:solidFill>
               </a14:hiddenFill>
             </a:ext>
             <a:ext uri="{91240B29-F687-4f45-9708-019B960494DF}">
-              <a14:hiddenLine xmlns="" xmlns:a14="http://schemas.microsoft.com/office/drawing/2010/main" w="9525">
+              <a14:hiddenLine xmlns:a14="http://schemas.microsoft.com/office/drawing/2010/main" xmlns="" w="9525">
                 <a:solidFill>
                   <a:srgbClr val="000000"/>
                 </a:solidFill>
@@ -4811,17 +4811,17 @@
           </a:ln>
           <a:extLst>
             <a:ext uri="{FAA26D3D-D897-4be2-8F04-BA451C77F1D7}">
-              <ma14:placeholderFlag xmlns="" xmlns:ma14="http://schemas.microsoft.com/office/mac/drawingml/2011/main" val="1"/>
+              <ma14:placeholderFlag xmlns:ma14="http://schemas.microsoft.com/office/mac/drawingml/2011/main" xmlns="" val="1"/>
             </a:ext>
             <a:ext uri="{909E8E84-426E-40dd-AFC4-6F175D3DCCD1}">
-              <a14:hiddenFill xmlns="" xmlns:a14="http://schemas.microsoft.com/office/drawing/2010/main">
+              <a14:hiddenFill xmlns:a14="http://schemas.microsoft.com/office/drawing/2010/main" xmlns="">
                 <a:solidFill>
                   <a:srgbClr val="FFFFFF"/>
                 </a:solidFill>
               </a14:hiddenFill>
             </a:ext>
             <a:ext uri="{91240B29-F687-4f45-9708-019B960494DF}">
-              <a14:hiddenLine xmlns="" xmlns:a14="http://schemas.microsoft.com/office/drawing/2010/main" w="9525">
+              <a14:hiddenLine xmlns:a14="http://schemas.microsoft.com/office/drawing/2010/main" xmlns="" w="9525">
                 <a:solidFill>
                   <a:srgbClr val="000000"/>
                 </a:solidFill>
@@ -4921,7 +4921,7 @@
           <a:p>
             <a:fld id="{F6803E09-2A09-4EEA-8E99-292225B5EDFC}" type="datetime1">
               <a:rPr lang="en-US" smtClean="0"/>
-              <a:t>1/14/2019</a:t>
+              <a:t>1/22/2019</a:t>
             </a:fld>
             <a:endParaRPr lang="en-US"/>
           </a:p>
@@ -5089,7 +5089,7 @@
           </a:ln>
           <a:extLst>
             <a:ext uri="{909E8E84-426E-40dd-AFC4-6F175D3DCCD1}">
-              <a14:hiddenFill xmlns="" xmlns:a14="http://schemas.microsoft.com/office/drawing/2010/main">
+              <a14:hiddenFill xmlns:a14="http://schemas.microsoft.com/office/drawing/2010/main" xmlns="">
                 <a:solidFill>
                   <a:srgbClr val="FFFFFF"/>
                 </a:solidFill>
@@ -5132,7 +5132,7 @@
           </a:ln>
           <a:extLst>
             <a:ext uri="{909E8E84-426E-40dd-AFC4-6F175D3DCCD1}">
-              <a14:hiddenFill xmlns="" xmlns:a14="http://schemas.microsoft.com/office/drawing/2010/main">
+              <a14:hiddenFill xmlns:a14="http://schemas.microsoft.com/office/drawing/2010/main" xmlns="">
                 <a:noFill/>
               </a14:hiddenFill>
             </a:ext>
@@ -5617,7 +5617,7 @@
           <p:cNvPr id="2" name="Title 1">
             <a:extLst>
               <a:ext uri="{FF2B5EF4-FFF2-40B4-BE49-F238E27FC236}">
-                <a16:creationId xmlns="" xmlns:a16="http://schemas.microsoft.com/office/drawing/2014/main" id="{4819A39B-28BB-4873-9914-8FEE18891DD4}"/>
+                <a16:creationId xmlns:a16="http://schemas.microsoft.com/office/drawing/2014/main" xmlns="" id="{4819A39B-28BB-4873-9914-8FEE18891DD4}"/>
               </a:ext>
             </a:extLst>
           </p:cNvPr>
@@ -5648,7 +5648,7 @@
           <p:cNvPr id="5" name="Subtitle 2">
             <a:extLst>
               <a:ext uri="{FF2B5EF4-FFF2-40B4-BE49-F238E27FC236}">
-                <a16:creationId xmlns="" xmlns:a16="http://schemas.microsoft.com/office/drawing/2014/main" id="{2BECD79D-0B3A-44C2-A155-03EC2A6A5D3B}"/>
+                <a16:creationId xmlns:a16="http://schemas.microsoft.com/office/drawing/2014/main" xmlns="" id="{2BECD79D-0B3A-44C2-A155-03EC2A6A5D3B}"/>
               </a:ext>
             </a:extLst>
           </p:cNvPr>
@@ -5671,17 +5671,17 @@
           </a:ln>
           <a:extLst>
             <a:ext uri="{FAA26D3D-D897-4be2-8F04-BA451C77F1D7}">
-              <ma14:placeholderFlag xmlns:ma14="http://schemas.microsoft.com/office/mac/drawingml/2011/main" xmlns="" val="1"/>
+              <ma14:placeholderFlag xmlns="" xmlns:ma14="http://schemas.microsoft.com/office/mac/drawingml/2011/main" val="1"/>
             </a:ext>
             <a:ext uri="{909E8E84-426E-40dd-AFC4-6F175D3DCCD1}">
-              <a14:hiddenFill xmlns:a14="http://schemas.microsoft.com/office/drawing/2010/main" xmlns="">
+              <a14:hiddenFill xmlns="" xmlns:a14="http://schemas.microsoft.com/office/drawing/2010/main">
                 <a:solidFill>
                   <a:srgbClr val="FFFFFF"/>
                 </a:solidFill>
               </a14:hiddenFill>
             </a:ext>
             <a:ext uri="{91240B29-F687-4f45-9708-019B960494DF}">
-              <a14:hiddenLine xmlns:a14="http://schemas.microsoft.com/office/drawing/2010/main" xmlns="" w="9525">
+              <a14:hiddenLine xmlns="" xmlns:a14="http://schemas.microsoft.com/office/drawing/2010/main" w="9525">
                 <a:solidFill>
                   <a:srgbClr val="000000"/>
                 </a:solidFill>
@@ -5926,12 +5926,12 @@
               <a:t>Enero</a:t>
             </a:r>
             <a:r>
-              <a:rPr lang="en-US" kern="0" dirty="0"/>
+              <a:rPr lang="en-US" kern="0"/>
               <a:t>, </a:t>
             </a:r>
             <a:r>
-              <a:rPr lang="en-US" kern="0" dirty="0" smtClean="0"/>
-              <a:t>2018</a:t>
+              <a:rPr lang="en-US" kern="0" smtClean="0"/>
+              <a:t>2019</a:t>
             </a:r>
             <a:endParaRPr lang="en-US" kern="0" dirty="0"/>
           </a:p>
@@ -5979,7 +5979,7 @@
           <p:cNvPr id="2" name="Title 1">
             <a:extLst>
               <a:ext uri="{FF2B5EF4-FFF2-40B4-BE49-F238E27FC236}">
-                <a16:creationId xmlns="" xmlns:a16="http://schemas.microsoft.com/office/drawing/2014/main" id="{3F85E31D-5021-4B9C-A2F6-6670EA453677}"/>
+                <a16:creationId xmlns:a16="http://schemas.microsoft.com/office/drawing/2014/main" xmlns="" id="{3F85E31D-5021-4B9C-A2F6-6670EA453677}"/>
               </a:ext>
             </a:extLst>
           </p:cNvPr>
@@ -6013,7 +6013,7 @@
           <p:cNvPr id="3" name="Content Placeholder 2">
             <a:extLst>
               <a:ext uri="{FF2B5EF4-FFF2-40B4-BE49-F238E27FC236}">
-                <a16:creationId xmlns="" xmlns:a16="http://schemas.microsoft.com/office/drawing/2014/main" id="{28B492CE-B56B-411E-ACCC-F83AC37AA46D}"/>
+                <a16:creationId xmlns:a16="http://schemas.microsoft.com/office/drawing/2014/main" xmlns="" id="{28B492CE-B56B-411E-ACCC-F83AC37AA46D}"/>
               </a:ext>
             </a:extLst>
           </p:cNvPr>
@@ -6089,15 +6089,7 @@
           <a:p>
             <a:r>
               <a:rPr lang="es-419" dirty="0" smtClean="0"/>
-              <a:t>Usa </a:t>
-            </a:r>
-            <a:r>
-              <a:rPr lang="es-419" dirty="0" smtClean="0"/>
-              <a:t>par</a:t>
-            </a:r>
-            <a:r>
-              <a:rPr lang="es-419" dirty="0" smtClean="0"/>
-              <a:t>() para crear una 3x1 </a:t>
+              <a:t>Usa par() para crear una 3x1 </a:t>
             </a:r>
             <a:r>
               <a:rPr lang="es-419" i="1" dirty="0" err="1" smtClean="0"/>
@@ -6134,7 +6126,7 @@
           <p:cNvPr id="4" name="Slide Number Placeholder 3">
             <a:extLst>
               <a:ext uri="{FF2B5EF4-FFF2-40B4-BE49-F238E27FC236}">
-                <a16:creationId xmlns="" xmlns:a16="http://schemas.microsoft.com/office/drawing/2014/main" id="{BD9D5B62-D3A3-4A35-8CF4-6C1E2C7FCA0C}"/>
+                <a16:creationId xmlns:a16="http://schemas.microsoft.com/office/drawing/2014/main" xmlns="" id="{BD9D5B62-D3A3-4A35-8CF4-6C1E2C7FCA0C}"/>
               </a:ext>
             </a:extLst>
           </p:cNvPr>
@@ -6274,7 +6266,7 @@
           <p:cNvPr id="2" name="Title 1">
             <a:extLst>
               <a:ext uri="{FF2B5EF4-FFF2-40B4-BE49-F238E27FC236}">
-                <a16:creationId xmlns="" xmlns:a16="http://schemas.microsoft.com/office/drawing/2014/main" id="{FCBFC5CE-BEBE-4178-A0B5-F030F3C46F4F}"/>
+                <a16:creationId xmlns:a16="http://schemas.microsoft.com/office/drawing/2014/main" xmlns="" id="{FCBFC5CE-BEBE-4178-A0B5-F030F3C46F4F}"/>
               </a:ext>
             </a:extLst>
           </p:cNvPr>
@@ -6303,7 +6295,7 @@
           <p:cNvPr id="3" name="Content Placeholder 2">
             <a:extLst>
               <a:ext uri="{FF2B5EF4-FFF2-40B4-BE49-F238E27FC236}">
-                <a16:creationId xmlns="" xmlns:a16="http://schemas.microsoft.com/office/drawing/2014/main" id="{0A016C73-5DDF-46EE-ACD4-1B95CD8285D4}"/>
+                <a16:creationId xmlns:a16="http://schemas.microsoft.com/office/drawing/2014/main" xmlns="" id="{0A016C73-5DDF-46EE-ACD4-1B95CD8285D4}"/>
               </a:ext>
             </a:extLst>
           </p:cNvPr>
@@ -6338,7 +6330,7 @@
           <p:cNvPr id="4" name="Slide Number Placeholder 3">
             <a:extLst>
               <a:ext uri="{FF2B5EF4-FFF2-40B4-BE49-F238E27FC236}">
-                <a16:creationId xmlns="" xmlns:a16="http://schemas.microsoft.com/office/drawing/2014/main" id="{9EC15119-7A83-4B50-8E95-42B54138CF67}"/>
+                <a16:creationId xmlns:a16="http://schemas.microsoft.com/office/drawing/2014/main" xmlns="" id="{9EC15119-7A83-4B50-8E95-42B54138CF67}"/>
               </a:ext>
             </a:extLst>
           </p:cNvPr>
@@ -6404,7 +6396,7 @@
           <p:cNvPr id="2" name="Title 1">
             <a:extLst>
               <a:ext uri="{FF2B5EF4-FFF2-40B4-BE49-F238E27FC236}">
-                <a16:creationId xmlns:a16="http://schemas.microsoft.com/office/drawing/2014/main" xmlns="" id="{E58841CB-F12A-49AE-A0F6-FC905252F346}"/>
+                <a16:creationId xmlns="" xmlns:a16="http://schemas.microsoft.com/office/drawing/2014/main" id="{E58841CB-F12A-49AE-A0F6-FC905252F346}"/>
               </a:ext>
             </a:extLst>
           </p:cNvPr>
@@ -6433,7 +6425,7 @@
           <p:cNvPr id="3" name="Content Placeholder 2">
             <a:extLst>
               <a:ext uri="{FF2B5EF4-FFF2-40B4-BE49-F238E27FC236}">
-                <a16:creationId xmlns:a16="http://schemas.microsoft.com/office/drawing/2014/main" xmlns="" id="{2BAA9235-4720-4EA9-AAB8-5711BE621A8E}"/>
+                <a16:creationId xmlns="" xmlns:a16="http://schemas.microsoft.com/office/drawing/2014/main" id="{2BAA9235-4720-4EA9-AAB8-5711BE621A8E}"/>
               </a:ext>
             </a:extLst>
           </p:cNvPr>
@@ -6552,7 +6544,7 @@
           <p:cNvPr id="4" name="Slide Number Placeholder 3">
             <a:extLst>
               <a:ext uri="{FF2B5EF4-FFF2-40B4-BE49-F238E27FC236}">
-                <a16:creationId xmlns:a16="http://schemas.microsoft.com/office/drawing/2014/main" xmlns="" id="{28183925-41CE-45AE-9C75-56FB10A283D7}"/>
+                <a16:creationId xmlns="" xmlns:a16="http://schemas.microsoft.com/office/drawing/2014/main" id="{28183925-41CE-45AE-9C75-56FB10A283D7}"/>
               </a:ext>
             </a:extLst>
           </p:cNvPr>
@@ -6618,7 +6610,7 @@
           <p:cNvPr id="2" name="Title 1">
             <a:extLst>
               <a:ext uri="{FF2B5EF4-FFF2-40B4-BE49-F238E27FC236}">
-                <a16:creationId xmlns:a16="http://schemas.microsoft.com/office/drawing/2014/main" xmlns="" id="{E58841CB-F12A-49AE-A0F6-FC905252F346}"/>
+                <a16:creationId xmlns="" xmlns:a16="http://schemas.microsoft.com/office/drawing/2014/main" id="{E58841CB-F12A-49AE-A0F6-FC905252F346}"/>
               </a:ext>
             </a:extLst>
           </p:cNvPr>
@@ -6647,7 +6639,7 @@
           <p:cNvPr id="3" name="Content Placeholder 2">
             <a:extLst>
               <a:ext uri="{FF2B5EF4-FFF2-40B4-BE49-F238E27FC236}">
-                <a16:creationId xmlns:a16="http://schemas.microsoft.com/office/drawing/2014/main" xmlns="" id="{2BAA9235-4720-4EA9-AAB8-5711BE621A8E}"/>
+                <a16:creationId xmlns="" xmlns:a16="http://schemas.microsoft.com/office/drawing/2014/main" id="{2BAA9235-4720-4EA9-AAB8-5711BE621A8E}"/>
               </a:ext>
             </a:extLst>
           </p:cNvPr>
@@ -6849,7 +6841,7 @@
           <p:cNvPr id="4" name="Slide Number Placeholder 3">
             <a:extLst>
               <a:ext uri="{FF2B5EF4-FFF2-40B4-BE49-F238E27FC236}">
-                <a16:creationId xmlns:a16="http://schemas.microsoft.com/office/drawing/2014/main" xmlns="" id="{28183925-41CE-45AE-9C75-56FB10A283D7}"/>
+                <a16:creationId xmlns="" xmlns:a16="http://schemas.microsoft.com/office/drawing/2014/main" id="{28183925-41CE-45AE-9C75-56FB10A283D7}"/>
               </a:ext>
             </a:extLst>
           </p:cNvPr>
@@ -6878,7 +6870,7 @@
           <p:cNvPr id="5" name="TextBox 4">
             <a:extLst>
               <a:ext uri="{FF2B5EF4-FFF2-40B4-BE49-F238E27FC236}">
-                <a16:creationId xmlns:a16="http://schemas.microsoft.com/office/drawing/2014/main" xmlns="" id="{90022AAB-FD40-4C2C-A279-A84CD43469AC}"/>
+                <a16:creationId xmlns="" xmlns:a16="http://schemas.microsoft.com/office/drawing/2014/main" id="{90022AAB-FD40-4C2C-A279-A84CD43469AC}"/>
               </a:ext>
             </a:extLst>
           </p:cNvPr>
@@ -6950,7 +6942,7 @@
           <p:cNvPr id="2" name="Title 1">
             <a:extLst>
               <a:ext uri="{FF2B5EF4-FFF2-40B4-BE49-F238E27FC236}">
-                <a16:creationId xmlns:a16="http://schemas.microsoft.com/office/drawing/2014/main" xmlns="" id="{E58841CB-F12A-49AE-A0F6-FC905252F346}"/>
+                <a16:creationId xmlns="" xmlns:a16="http://schemas.microsoft.com/office/drawing/2014/main" id="{E58841CB-F12A-49AE-A0F6-FC905252F346}"/>
               </a:ext>
             </a:extLst>
           </p:cNvPr>
@@ -6979,7 +6971,7 @@
           <p:cNvPr id="3" name="Content Placeholder 2">
             <a:extLst>
               <a:ext uri="{FF2B5EF4-FFF2-40B4-BE49-F238E27FC236}">
-                <a16:creationId xmlns:a16="http://schemas.microsoft.com/office/drawing/2014/main" xmlns="" id="{2BAA9235-4720-4EA9-AAB8-5711BE621A8E}"/>
+                <a16:creationId xmlns="" xmlns:a16="http://schemas.microsoft.com/office/drawing/2014/main" id="{2BAA9235-4720-4EA9-AAB8-5711BE621A8E}"/>
               </a:ext>
             </a:extLst>
           </p:cNvPr>
@@ -7025,7 +7017,7 @@
           <p:cNvPr id="4" name="Slide Number Placeholder 3">
             <a:extLst>
               <a:ext uri="{FF2B5EF4-FFF2-40B4-BE49-F238E27FC236}">
-                <a16:creationId xmlns:a16="http://schemas.microsoft.com/office/drawing/2014/main" xmlns="" id="{28183925-41CE-45AE-9C75-56FB10A283D7}"/>
+                <a16:creationId xmlns="" xmlns:a16="http://schemas.microsoft.com/office/drawing/2014/main" id="{28183925-41CE-45AE-9C75-56FB10A283D7}"/>
               </a:ext>
             </a:extLst>
           </p:cNvPr>
@@ -7054,7 +7046,7 @@
           <p:cNvPr id="5" name="Content Placeholder 5" descr="A close up of a organ&#10;&#10;Description generated with high confidence">
             <a:extLst>
               <a:ext uri="{FF2B5EF4-FFF2-40B4-BE49-F238E27FC236}">
-                <a16:creationId xmlns:a16="http://schemas.microsoft.com/office/drawing/2014/main" xmlns="" id="{12BD2113-1CF4-40B9-A1AA-C31A430DBA90}"/>
+                <a16:creationId xmlns="" xmlns:a16="http://schemas.microsoft.com/office/drawing/2014/main" id="{12BD2113-1CF4-40B9-A1AA-C31A430DBA90}"/>
               </a:ext>
             </a:extLst>
           </p:cNvPr>
@@ -7088,17 +7080,17 @@
           </a:ln>
           <a:extLst>
             <a:ext uri="{FAA26D3D-D897-4be2-8F04-BA451C77F1D7}">
-              <ma14:placeholderFlag xmlns:ma14="http://schemas.microsoft.com/office/mac/drawingml/2011/main" xmlns="" val="1"/>
+              <ma14:placeholderFlag xmlns="" xmlns:ma14="http://schemas.microsoft.com/office/mac/drawingml/2011/main" val="1"/>
             </a:ext>
             <a:ext uri="{909E8E84-426E-40dd-AFC4-6F175D3DCCD1}">
-              <a14:hiddenFill xmlns:a14="http://schemas.microsoft.com/office/drawing/2010/main" xmlns="">
+              <a14:hiddenFill xmlns="" xmlns:a14="http://schemas.microsoft.com/office/drawing/2010/main">
                 <a:solidFill>
                   <a:srgbClr val="FFFFFF"/>
                 </a:solidFill>
               </a14:hiddenFill>
             </a:ext>
             <a:ext uri="{91240B29-F687-4f45-9708-019B960494DF}">
-              <a14:hiddenLine xmlns:a14="http://schemas.microsoft.com/office/drawing/2010/main" xmlns="" w="9525">
+              <a14:hiddenLine xmlns="" xmlns:a14="http://schemas.microsoft.com/office/drawing/2010/main" w="9525">
                 <a:solidFill>
                   <a:srgbClr val="000000"/>
                 </a:solidFill>
@@ -7115,7 +7107,7 @@
           <p:cNvPr id="6" name="TextBox 5">
             <a:extLst>
               <a:ext uri="{FF2B5EF4-FFF2-40B4-BE49-F238E27FC236}">
-                <a16:creationId xmlns:a16="http://schemas.microsoft.com/office/drawing/2014/main" xmlns="" id="{6F3E6335-5F08-4BFE-9246-F1F57DDA2455}"/>
+                <a16:creationId xmlns="" xmlns:a16="http://schemas.microsoft.com/office/drawing/2014/main" id="{6F3E6335-5F08-4BFE-9246-F1F57DDA2455}"/>
               </a:ext>
             </a:extLst>
           </p:cNvPr>
@@ -7195,7 +7187,7 @@
           <p:cNvPr id="2" name="Title 1">
             <a:extLst>
               <a:ext uri="{FF2B5EF4-FFF2-40B4-BE49-F238E27FC236}">
-                <a16:creationId xmlns:a16="http://schemas.microsoft.com/office/drawing/2014/main" xmlns="" id="{E58841CB-F12A-49AE-A0F6-FC905252F346}"/>
+                <a16:creationId xmlns="" xmlns:a16="http://schemas.microsoft.com/office/drawing/2014/main" id="{E58841CB-F12A-49AE-A0F6-FC905252F346}"/>
               </a:ext>
             </a:extLst>
           </p:cNvPr>
@@ -7224,7 +7216,7 @@
           <p:cNvPr id="3" name="Content Placeholder 2">
             <a:extLst>
               <a:ext uri="{FF2B5EF4-FFF2-40B4-BE49-F238E27FC236}">
-                <a16:creationId xmlns:a16="http://schemas.microsoft.com/office/drawing/2014/main" xmlns="" id="{2BAA9235-4720-4EA9-AAB8-5711BE621A8E}"/>
+                <a16:creationId xmlns="" xmlns:a16="http://schemas.microsoft.com/office/drawing/2014/main" id="{2BAA9235-4720-4EA9-AAB8-5711BE621A8E}"/>
               </a:ext>
             </a:extLst>
           </p:cNvPr>
@@ -7298,7 +7290,7 @@
           <p:cNvPr id="4" name="Slide Number Placeholder 3">
             <a:extLst>
               <a:ext uri="{FF2B5EF4-FFF2-40B4-BE49-F238E27FC236}">
-                <a16:creationId xmlns:a16="http://schemas.microsoft.com/office/drawing/2014/main" xmlns="" id="{28183925-41CE-45AE-9C75-56FB10A283D7}"/>
+                <a16:creationId xmlns="" xmlns:a16="http://schemas.microsoft.com/office/drawing/2014/main" id="{28183925-41CE-45AE-9C75-56FB10A283D7}"/>
               </a:ext>
             </a:extLst>
           </p:cNvPr>
@@ -7327,7 +7319,7 @@
           <p:cNvPr id="5" name="TextBox 4">
             <a:extLst>
               <a:ext uri="{FF2B5EF4-FFF2-40B4-BE49-F238E27FC236}">
-                <a16:creationId xmlns:a16="http://schemas.microsoft.com/office/drawing/2014/main" xmlns="" id="{64747347-E575-45B9-A33D-A43CC2008456}"/>
+                <a16:creationId xmlns="" xmlns:a16="http://schemas.microsoft.com/office/drawing/2014/main" id="{64747347-E575-45B9-A33D-A43CC2008456}"/>
               </a:ext>
             </a:extLst>
           </p:cNvPr>
@@ -7399,7 +7391,7 @@
           <p:cNvPr id="2" name="Title 1">
             <a:extLst>
               <a:ext uri="{FF2B5EF4-FFF2-40B4-BE49-F238E27FC236}">
-                <a16:creationId xmlns="" xmlns:a16="http://schemas.microsoft.com/office/drawing/2014/main" id="{3F85E31D-5021-4B9C-A2F6-6670EA453677}"/>
+                <a16:creationId xmlns:a16="http://schemas.microsoft.com/office/drawing/2014/main" xmlns="" id="{3F85E31D-5021-4B9C-A2F6-6670EA453677}"/>
               </a:ext>
             </a:extLst>
           </p:cNvPr>
@@ -7444,7 +7436,7 @@
           <p:cNvPr id="3" name="Content Placeholder 2">
             <a:extLst>
               <a:ext uri="{FF2B5EF4-FFF2-40B4-BE49-F238E27FC236}">
-                <a16:creationId xmlns="" xmlns:mc="http://schemas.openxmlformats.org/markup-compatibility/2006" xmlns:a14="http://schemas.microsoft.com/office/drawing/2010/main" xmlns:a16="http://schemas.microsoft.com/office/drawing/2014/main" id="{28B492CE-B56B-411E-ACCC-F83AC37AA46D}"/>
+                <a16:creationId xmlns:a16="http://schemas.microsoft.com/office/drawing/2014/main" xmlns:a14="http://schemas.microsoft.com/office/drawing/2010/main" xmlns:mc="http://schemas.openxmlformats.org/markup-compatibility/2006" xmlns="" id="{28B492CE-B56B-411E-ACCC-F83AC37AA46D}"/>
               </a:ext>
             </a:extLst>
           </p:cNvPr>
@@ -7535,7 +7527,7 @@
           <p:cNvPr id="4" name="Slide Number Placeholder 3">
             <a:extLst>
               <a:ext uri="{FF2B5EF4-FFF2-40B4-BE49-F238E27FC236}">
-                <a16:creationId xmlns="" xmlns:a16="http://schemas.microsoft.com/office/drawing/2014/main" id="{EC538D91-6F8B-42BB-A135-BD948D230469}"/>
+                <a16:creationId xmlns:a16="http://schemas.microsoft.com/office/drawing/2014/main" xmlns="" id="{EC538D91-6F8B-42BB-A135-BD948D230469}"/>
               </a:ext>
             </a:extLst>
           </p:cNvPr>
@@ -7601,7 +7593,7 @@
           <p:cNvPr id="2" name="Title 1">
             <a:extLst>
               <a:ext uri="{FF2B5EF4-FFF2-40B4-BE49-F238E27FC236}">
-                <a16:creationId xmlns:a16="http://schemas.microsoft.com/office/drawing/2014/main" xmlns="" id="{1F21995E-0AA4-46BB-ABC5-5549BF22D71D}"/>
+                <a16:creationId xmlns="" xmlns:a16="http://schemas.microsoft.com/office/drawing/2014/main" id="{1F21995E-0AA4-46BB-ABC5-5549BF22D71D}"/>
               </a:ext>
             </a:extLst>
           </p:cNvPr>
@@ -7630,7 +7622,7 @@
           <p:cNvPr id="3" name="Content Placeholder 2">
             <a:extLst>
               <a:ext uri="{FF2B5EF4-FFF2-40B4-BE49-F238E27FC236}">
-                <a16:creationId xmlns:a16="http://schemas.microsoft.com/office/drawing/2014/main" xmlns="" id="{1458A43B-39F0-450C-A1A9-F1EEF261FE9D}"/>
+                <a16:creationId xmlns="" xmlns:a16="http://schemas.microsoft.com/office/drawing/2014/main" id="{1458A43B-39F0-450C-A1A9-F1EEF261FE9D}"/>
               </a:ext>
             </a:extLst>
           </p:cNvPr>
@@ -7709,7 +7701,7 @@
           <p:cNvPr id="4" name="Slide Number Placeholder 3">
             <a:extLst>
               <a:ext uri="{FF2B5EF4-FFF2-40B4-BE49-F238E27FC236}">
-                <a16:creationId xmlns:a16="http://schemas.microsoft.com/office/drawing/2014/main" xmlns="" id="{B607949D-1BF8-436E-834D-CB927CF5CDC8}"/>
+                <a16:creationId xmlns="" xmlns:a16="http://schemas.microsoft.com/office/drawing/2014/main" id="{B607949D-1BF8-436E-834D-CB927CF5CDC8}"/>
               </a:ext>
             </a:extLst>
           </p:cNvPr>
@@ -8068,7 +8060,7 @@
           <p:cNvPr id="2" name="Title 1">
             <a:extLst>
               <a:ext uri="{FF2B5EF4-FFF2-40B4-BE49-F238E27FC236}">
-                <a16:creationId xmlns:a16="http://schemas.microsoft.com/office/drawing/2014/main" xmlns="" id="{1F21995E-0AA4-46BB-ABC5-5549BF22D71D}"/>
+                <a16:creationId xmlns="" xmlns:a16="http://schemas.microsoft.com/office/drawing/2014/main" id="{1F21995E-0AA4-46BB-ABC5-5549BF22D71D}"/>
               </a:ext>
             </a:extLst>
           </p:cNvPr>
@@ -8097,7 +8089,7 @@
           <p:cNvPr id="3" name="Content Placeholder 2">
             <a:extLst>
               <a:ext uri="{FF2B5EF4-FFF2-40B4-BE49-F238E27FC236}">
-                <a16:creationId xmlns:a16="http://schemas.microsoft.com/office/drawing/2014/main" xmlns="" id="{1458A43B-39F0-450C-A1A9-F1EEF261FE9D}"/>
+                <a16:creationId xmlns="" xmlns:a16="http://schemas.microsoft.com/office/drawing/2014/main" id="{1458A43B-39F0-450C-A1A9-F1EEF261FE9D}"/>
               </a:ext>
             </a:extLst>
           </p:cNvPr>
@@ -8214,7 +8206,7 @@
           <p:cNvPr id="4" name="Slide Number Placeholder 3">
             <a:extLst>
               <a:ext uri="{FF2B5EF4-FFF2-40B4-BE49-F238E27FC236}">
-                <a16:creationId xmlns:a16="http://schemas.microsoft.com/office/drawing/2014/main" xmlns="" id="{B607949D-1BF8-436E-834D-CB927CF5CDC8}"/>
+                <a16:creationId xmlns="" xmlns:a16="http://schemas.microsoft.com/office/drawing/2014/main" id="{B607949D-1BF8-436E-834D-CB927CF5CDC8}"/>
               </a:ext>
             </a:extLst>
           </p:cNvPr>
@@ -8257,7 +8249,7 @@
             <p:cNvPr id="5" name="Object 4">
               <a:extLst>
                 <a:ext uri="{FF2B5EF4-FFF2-40B4-BE49-F238E27FC236}">
-                  <a16:creationId xmlns:a16="http://schemas.microsoft.com/office/drawing/2014/main" xmlns="" id="{871A0B14-87C6-4452-B778-BA64D86F24DC}"/>
+                  <a16:creationId xmlns="" xmlns:a16="http://schemas.microsoft.com/office/drawing/2014/main" id="{871A0B14-87C6-4452-B778-BA64D86F24DC}"/>
                 </a:ext>
               </a:extLst>
             </p:cNvPr>
@@ -8280,7 +8272,7 @@
             <a:graphicData uri="http://schemas.openxmlformats.org/presentationml/2006/ole">
               <mc:AlternateContent xmlns:mc="http://schemas.openxmlformats.org/markup-compatibility/2006">
                 <mc:Choice xmlns:v="urn:schemas-microsoft-com:vml" Requires="v">
-                  <p:oleObj spid="_x0000_s2116" name="Equation" r:id="rId3" imgW="1066680" imgH="711000" progId="Equation.DSMT4">
+                  <p:oleObj spid="_x0000_s2118" name="Equation" r:id="rId3" imgW="1066680" imgH="711000" progId="Equation.DSMT4">
                     <p:embed/>
                   </p:oleObj>
                 </mc:Choice>
@@ -8320,7 +8312,7 @@
             <p:cNvPr id="6" name="TextBox 5">
               <a:extLst>
                 <a:ext uri="{FF2B5EF4-FFF2-40B4-BE49-F238E27FC236}">
-                  <a16:creationId xmlns:a16="http://schemas.microsoft.com/office/drawing/2014/main" xmlns="" id="{56FEC291-188A-4C6E-ABF2-A799330527F2}"/>
+                  <a16:creationId xmlns="" xmlns:a16="http://schemas.microsoft.com/office/drawing/2014/main" id="{56FEC291-188A-4C6E-ABF2-A799330527F2}"/>
                 </a:ext>
               </a:extLst>
             </p:cNvPr>
@@ -8356,7 +8348,7 @@
           <p:cNvPr id="8" name="Object 7">
             <a:extLst>
               <a:ext uri="{FF2B5EF4-FFF2-40B4-BE49-F238E27FC236}">
-                <a16:creationId xmlns:a16="http://schemas.microsoft.com/office/drawing/2014/main" xmlns="" id="{871A0B14-87C6-4452-B778-BA64D86F24DC}"/>
+                <a16:creationId xmlns="" xmlns:a16="http://schemas.microsoft.com/office/drawing/2014/main" id="{871A0B14-87C6-4452-B778-BA64D86F24DC}"/>
               </a:ext>
             </a:extLst>
           </p:cNvPr>
@@ -8379,7 +8371,7 @@
           <a:graphicData uri="http://schemas.openxmlformats.org/presentationml/2006/ole">
             <mc:AlternateContent xmlns:mc="http://schemas.openxmlformats.org/markup-compatibility/2006">
               <mc:Choice xmlns:v="urn:schemas-microsoft-com:vml" Requires="v">
-                <p:oleObj spid="_x0000_s2117" name="Equation" r:id="rId5" imgW="1409400" imgH="330120" progId="Equation.DSMT4">
+                <p:oleObj spid="_x0000_s2119" name="Equation" r:id="rId5" imgW="1409400" imgH="330120" progId="Equation.DSMT4">
                   <p:embed/>
                 </p:oleObj>
               </mc:Choice>
@@ -8456,7 +8448,7 @@
           <p:cNvPr id="2" name="Title 1">
             <a:extLst>
               <a:ext uri="{FF2B5EF4-FFF2-40B4-BE49-F238E27FC236}">
-                <a16:creationId xmlns="" xmlns:a16="http://schemas.microsoft.com/office/drawing/2014/main" id="{85912599-B709-4D2B-BFDD-22D698B61C4A}"/>
+                <a16:creationId xmlns:a16="http://schemas.microsoft.com/office/drawing/2014/main" xmlns="" id="{85912599-B709-4D2B-BFDD-22D698B61C4A}"/>
               </a:ext>
             </a:extLst>
           </p:cNvPr>
@@ -8485,7 +8477,7 @@
           <p:cNvPr id="3" name="Content Placeholder 2">
             <a:extLst>
               <a:ext uri="{FF2B5EF4-FFF2-40B4-BE49-F238E27FC236}">
-                <a16:creationId xmlns="" xmlns:a16="http://schemas.microsoft.com/office/drawing/2014/main" id="{FECCC0C2-4089-4F18-94F7-ED739588728C}"/>
+                <a16:creationId xmlns:a16="http://schemas.microsoft.com/office/drawing/2014/main" xmlns="" id="{FECCC0C2-4089-4F18-94F7-ED739588728C}"/>
               </a:ext>
             </a:extLst>
           </p:cNvPr>
@@ -8684,7 +8676,7 @@
           <p:cNvPr id="4" name="Slide Number Placeholder 3">
             <a:extLst>
               <a:ext uri="{FF2B5EF4-FFF2-40B4-BE49-F238E27FC236}">
-                <a16:creationId xmlns="" xmlns:a16="http://schemas.microsoft.com/office/drawing/2014/main" id="{6DCC37D5-C19C-405F-B23C-8EB90CB6ABED}"/>
+                <a16:creationId xmlns:a16="http://schemas.microsoft.com/office/drawing/2014/main" xmlns="" id="{6DCC37D5-C19C-405F-B23C-8EB90CB6ABED}"/>
               </a:ext>
             </a:extLst>
           </p:cNvPr>
